--- a/images/linear-combs.pptx
+++ b/images/linear-combs.pptx
@@ -9,6 +9,7 @@
     <p:sldId id="259" r:id="rId3"/>
     <p:sldId id="257" r:id="rId4"/>
     <p:sldId id="258" r:id="rId5"/>
+    <p:sldId id="260" r:id="rId6"/>
   </p:sldIdLst>
   <p:sldSz cx="12192000" cy="6858000"/>
   <p:notesSz cx="6858000" cy="9144000"/>
@@ -264,7 +265,7 @@
           <a:p>
             <a:fld id="{7F462396-B916-4A8D-ADBC-544FE8B295C7}" type="datetimeFigureOut">
               <a:rPr lang="en-CA" smtClean="0"/>
-              <a:t>2023-12-20</a:t>
+              <a:t>2023-12-30</a:t>
             </a:fld>
             <a:endParaRPr lang="en-CA"/>
           </a:p>
@@ -464,7 +465,7 @@
           <a:p>
             <a:fld id="{7F462396-B916-4A8D-ADBC-544FE8B295C7}" type="datetimeFigureOut">
               <a:rPr lang="en-CA" smtClean="0"/>
-              <a:t>2023-12-20</a:t>
+              <a:t>2023-12-30</a:t>
             </a:fld>
             <a:endParaRPr lang="en-CA"/>
           </a:p>
@@ -674,7 +675,7 @@
           <a:p>
             <a:fld id="{7F462396-B916-4A8D-ADBC-544FE8B295C7}" type="datetimeFigureOut">
               <a:rPr lang="en-CA" smtClean="0"/>
-              <a:t>2023-12-20</a:t>
+              <a:t>2023-12-30</a:t>
             </a:fld>
             <a:endParaRPr lang="en-CA"/>
           </a:p>
@@ -874,7 +875,7 @@
           <a:p>
             <a:fld id="{7F462396-B916-4A8D-ADBC-544FE8B295C7}" type="datetimeFigureOut">
               <a:rPr lang="en-CA" smtClean="0"/>
-              <a:t>2023-12-20</a:t>
+              <a:t>2023-12-30</a:t>
             </a:fld>
             <a:endParaRPr lang="en-CA"/>
           </a:p>
@@ -1150,7 +1151,7 @@
           <a:p>
             <a:fld id="{7F462396-B916-4A8D-ADBC-544FE8B295C7}" type="datetimeFigureOut">
               <a:rPr lang="en-CA" smtClean="0"/>
-              <a:t>2023-12-20</a:t>
+              <a:t>2023-12-30</a:t>
             </a:fld>
             <a:endParaRPr lang="en-CA"/>
           </a:p>
@@ -1418,7 +1419,7 @@
           <a:p>
             <a:fld id="{7F462396-B916-4A8D-ADBC-544FE8B295C7}" type="datetimeFigureOut">
               <a:rPr lang="en-CA" smtClean="0"/>
-              <a:t>2023-12-20</a:t>
+              <a:t>2023-12-30</a:t>
             </a:fld>
             <a:endParaRPr lang="en-CA"/>
           </a:p>
@@ -1833,7 +1834,7 @@
           <a:p>
             <a:fld id="{7F462396-B916-4A8D-ADBC-544FE8B295C7}" type="datetimeFigureOut">
               <a:rPr lang="en-CA" smtClean="0"/>
-              <a:t>2023-12-20</a:t>
+              <a:t>2023-12-30</a:t>
             </a:fld>
             <a:endParaRPr lang="en-CA"/>
           </a:p>
@@ -1975,7 +1976,7 @@
           <a:p>
             <a:fld id="{7F462396-B916-4A8D-ADBC-544FE8B295C7}" type="datetimeFigureOut">
               <a:rPr lang="en-CA" smtClean="0"/>
-              <a:t>2023-12-20</a:t>
+              <a:t>2023-12-30</a:t>
             </a:fld>
             <a:endParaRPr lang="en-CA"/>
           </a:p>
@@ -2088,7 +2089,7 @@
           <a:p>
             <a:fld id="{7F462396-B916-4A8D-ADBC-544FE8B295C7}" type="datetimeFigureOut">
               <a:rPr lang="en-CA" smtClean="0"/>
-              <a:t>2023-12-20</a:t>
+              <a:t>2023-12-30</a:t>
             </a:fld>
             <a:endParaRPr lang="en-CA"/>
           </a:p>
@@ -2401,7 +2402,7 @@
           <a:p>
             <a:fld id="{7F462396-B916-4A8D-ADBC-544FE8B295C7}" type="datetimeFigureOut">
               <a:rPr lang="en-CA" smtClean="0"/>
-              <a:t>2023-12-20</a:t>
+              <a:t>2023-12-30</a:t>
             </a:fld>
             <a:endParaRPr lang="en-CA"/>
           </a:p>
@@ -2690,7 +2691,7 @@
           <a:p>
             <a:fld id="{7F462396-B916-4A8D-ADBC-544FE8B295C7}" type="datetimeFigureOut">
               <a:rPr lang="en-CA" smtClean="0"/>
-              <a:t>2023-12-20</a:t>
+              <a:t>2023-12-30</a:t>
             </a:fld>
             <a:endParaRPr lang="en-CA"/>
           </a:p>
@@ -2933,7 +2934,7 @@
           <a:p>
             <a:fld id="{7F462396-B916-4A8D-ADBC-544FE8B295C7}" type="datetimeFigureOut">
               <a:rPr lang="en-CA" smtClean="0"/>
-              <a:t>2023-12-20</a:t>
+              <a:t>2023-12-30</a:t>
             </a:fld>
             <a:endParaRPr lang="en-CA"/>
           </a:p>
@@ -28876,7 +28877,7 @@
                         <a:tabLst/>
                       </a:pPr>
                       <a:r>
-                        <a:rPr kumimoji="0" lang="en-US" altLang="en-US" sz="2000" b="0" i="0" u="none" strike="noStrike" cap="none" normalizeH="0" baseline="0">
+                        <a:rPr kumimoji="0" lang="en-US" altLang="en-US" sz="2000" b="0" i="0" u="none" strike="noStrike" cap="none" normalizeH="0" baseline="0" dirty="0">
                           <a:ln>
                             <a:noFill/>
                           </a:ln>
@@ -34624,8 +34625,8 @@
         </p:nvSpPr>
         <p:spPr bwMode="auto">
           <a:xfrm rot="16200000">
-            <a:off x="-797718" y="3518694"/>
-            <a:ext cx="3967162" cy="457200"/>
+            <a:off x="-1153879" y="3516462"/>
+            <a:ext cx="4679486" cy="461665"/>
           </a:xfrm>
           <a:prstGeom prst="rect">
             <a:avLst/>
@@ -34818,7 +34819,7 @@
               <a:defRPr/>
             </a:pPr>
             <a:r>
-              <a:rPr kumimoji="0" lang="en-US" altLang="en-US" sz="2400" b="0" i="0" u="none" strike="noStrike" kern="0" cap="none" spc="0" normalizeH="0" baseline="0" noProof="0">
+              <a:rPr kumimoji="0" lang="en-US" altLang="en-US" sz="2400" b="0" i="0" u="none" strike="noStrike" kern="0" cap="none" spc="0" normalizeH="0" baseline="0" noProof="0" dirty="0">
                 <a:ln>
                   <a:noFill/>
                 </a:ln>
@@ -34830,10 +34831,40 @@
                 <a:uFillTx/>
                 <a:latin typeface="Arial" panose="020B0604020202020204" pitchFamily="34" charset="0"/>
               </a:rPr>
-              <a:t>Predictor variables: x</a:t>
+              <a:t>Predictor variables: </a:t>
             </a:r>
             <a:r>
-              <a:rPr kumimoji="0" lang="en-US" altLang="en-US" sz="2400" b="0" i="0" u="none" strike="noStrike" kern="0" cap="none" spc="0" normalizeH="0" baseline="-25000" noProof="0">
+              <a:rPr kumimoji="0" lang="en-US" altLang="en-US" sz="2400" b="1" i="0" u="none" strike="noStrike" kern="0" cap="none" spc="0" normalizeH="0" baseline="0" noProof="0" dirty="0">
+                <a:ln>
+                  <a:noFill/>
+                </a:ln>
+                <a:solidFill>
+                  <a:srgbClr val="000000"/>
+                </a:solidFill>
+                <a:effectLst/>
+                <a:uLnTx/>
+                <a:uFillTx/>
+                <a:latin typeface="Arial" panose="020B0604020202020204" pitchFamily="34" charset="0"/>
+              </a:rPr>
+              <a:t>X</a:t>
+            </a:r>
+            <a:r>
+              <a:rPr kumimoji="0" lang="en-US" altLang="en-US" sz="2400" b="0" i="0" u="none" strike="noStrike" kern="0" cap="none" spc="0" normalizeH="0" baseline="0" noProof="0" dirty="0">
+                <a:ln>
+                  <a:noFill/>
+                </a:ln>
+                <a:solidFill>
+                  <a:srgbClr val="000000"/>
+                </a:solidFill>
+                <a:effectLst/>
+                <a:uLnTx/>
+                <a:uFillTx/>
+                <a:latin typeface="Arial" panose="020B0604020202020204" pitchFamily="34" charset="0"/>
+              </a:rPr>
+              <a:t> =(x</a:t>
+            </a:r>
+            <a:r>
+              <a:rPr kumimoji="0" lang="en-US" altLang="en-US" sz="2400" b="0" i="0" u="none" strike="noStrike" kern="0" cap="none" spc="0" normalizeH="0" baseline="-25000" noProof="0" dirty="0">
                 <a:ln>
                   <a:noFill/>
                 </a:ln>
@@ -34848,7 +34879,7 @@
               <a:t>1</a:t>
             </a:r>
             <a:r>
-              <a:rPr kumimoji="0" lang="en-US" altLang="en-US" sz="2400" b="0" i="0" u="none" strike="noStrike" kern="0" cap="none" spc="0" normalizeH="0" baseline="0" noProof="0">
+              <a:rPr kumimoji="0" lang="en-US" altLang="en-US" sz="2400" b="0" i="0" u="none" strike="noStrike" kern="0" cap="none" spc="0" normalizeH="0" baseline="0" noProof="0" dirty="0">
                 <a:ln>
                   <a:noFill/>
                 </a:ln>
@@ -34863,7 +34894,7 @@
               <a:t>, … x</a:t>
             </a:r>
             <a:r>
-              <a:rPr kumimoji="0" lang="en-US" altLang="en-US" sz="2400" b="0" i="0" u="none" strike="noStrike" kern="0" cap="none" spc="0" normalizeH="0" baseline="-25000" noProof="0">
+              <a:rPr kumimoji="0" lang="en-US" altLang="en-US" sz="2400" b="0" i="0" u="none" strike="noStrike" kern="0" cap="none" spc="0" normalizeH="0" baseline="-25000" noProof="0" dirty="0">
                 <a:ln>
                   <a:noFill/>
                 </a:ln>
@@ -34877,6 +34908,33 @@
               </a:rPr>
               <a:t>p</a:t>
             </a:r>
+            <a:r>
+              <a:rPr kumimoji="0" lang="en-US" altLang="en-US" sz="2400" b="0" i="0" u="none" strike="noStrike" kern="0" cap="none" spc="0" normalizeH="0" noProof="0" dirty="0">
+                <a:ln>
+                  <a:noFill/>
+                </a:ln>
+                <a:solidFill>
+                  <a:srgbClr val="000000"/>
+                </a:solidFill>
+                <a:effectLst/>
+                <a:uLnTx/>
+                <a:uFillTx/>
+                <a:latin typeface="Arial" panose="020B0604020202020204" pitchFamily="34" charset="0"/>
+              </a:rPr>
+              <a:t>)</a:t>
+            </a:r>
+            <a:endParaRPr kumimoji="0" lang="en-US" altLang="en-US" sz="2400" b="0" i="0" u="none" strike="noStrike" kern="0" cap="none" spc="0" normalizeH="0" baseline="-25000" noProof="0" dirty="0">
+              <a:ln>
+                <a:noFill/>
+              </a:ln>
+              <a:solidFill>
+                <a:srgbClr val="000000"/>
+              </a:solidFill>
+              <a:effectLst/>
+              <a:uLnTx/>
+              <a:uFillTx/>
+              <a:latin typeface="Arial" panose="020B0604020202020204" pitchFamily="34" charset="0"/>
+            </a:endParaRPr>
           </a:p>
         </p:txBody>
       </p:sp>
@@ -34896,8 +34954,8 @@
         </p:nvSpPr>
         <p:spPr bwMode="auto">
           <a:xfrm>
-            <a:off x="3887788" y="1098550"/>
-            <a:ext cx="4121150" cy="457200"/>
+            <a:off x="3488395" y="1098550"/>
+            <a:ext cx="4919938" cy="461665"/>
           </a:xfrm>
           <a:prstGeom prst="rect">
             <a:avLst/>
@@ -35090,7 +35148,7 @@
               <a:defRPr/>
             </a:pPr>
             <a:r>
-              <a:rPr kumimoji="0" lang="en-US" altLang="en-US" sz="2400" b="0" i="0" u="none" strike="noStrike" kern="0" cap="none" spc="0" normalizeH="0" baseline="0" noProof="0">
+              <a:rPr kumimoji="0" lang="en-US" altLang="en-US" sz="2400" b="0" i="0" u="none" strike="noStrike" kern="0" cap="none" spc="0" normalizeH="0" baseline="0" noProof="0" dirty="0">
                 <a:ln>
                   <a:noFill/>
                 </a:ln>
@@ -35102,10 +35160,40 @@
                 <a:uFillTx/>
                 <a:latin typeface="Arial" panose="020B0604020202020204" pitchFamily="34" charset="0"/>
               </a:rPr>
-              <a:t>Response variables: y</a:t>
+              <a:t>Response variables: </a:t>
             </a:r>
             <a:r>
-              <a:rPr kumimoji="0" lang="en-US" altLang="en-US" sz="2400" b="0" i="0" u="none" strike="noStrike" kern="0" cap="none" spc="0" normalizeH="0" baseline="-25000" noProof="0">
+              <a:rPr kumimoji="0" lang="en-US" altLang="en-US" sz="2400" b="1" i="0" u="none" strike="noStrike" kern="0" cap="none" spc="0" normalizeH="0" baseline="0" noProof="0" dirty="0">
+                <a:ln>
+                  <a:noFill/>
+                </a:ln>
+                <a:solidFill>
+                  <a:srgbClr val="000000"/>
+                </a:solidFill>
+                <a:effectLst/>
+                <a:uLnTx/>
+                <a:uFillTx/>
+                <a:latin typeface="Arial" panose="020B0604020202020204" pitchFamily="34" charset="0"/>
+              </a:rPr>
+              <a:t>Y</a:t>
+            </a:r>
+            <a:r>
+              <a:rPr kumimoji="0" lang="en-US" altLang="en-US" sz="2400" b="0" i="0" u="none" strike="noStrike" kern="0" cap="none" spc="0" normalizeH="0" baseline="0" noProof="0" dirty="0">
+                <a:ln>
+                  <a:noFill/>
+                </a:ln>
+                <a:solidFill>
+                  <a:srgbClr val="000000"/>
+                </a:solidFill>
+                <a:effectLst/>
+                <a:uLnTx/>
+                <a:uFillTx/>
+                <a:latin typeface="Arial" panose="020B0604020202020204" pitchFamily="34" charset="0"/>
+              </a:rPr>
+              <a:t> = (y</a:t>
+            </a:r>
+            <a:r>
+              <a:rPr kumimoji="0" lang="en-US" altLang="en-US" sz="2400" b="0" i="0" u="none" strike="noStrike" kern="0" cap="none" spc="0" normalizeH="0" baseline="-25000" noProof="0" dirty="0">
                 <a:ln>
                   <a:noFill/>
                 </a:ln>
@@ -35120,7 +35208,7 @@
               <a:t>1</a:t>
             </a:r>
             <a:r>
-              <a:rPr kumimoji="0" lang="en-US" altLang="en-US" sz="2400" b="0" i="0" u="none" strike="noStrike" kern="0" cap="none" spc="0" normalizeH="0" baseline="0" noProof="0">
+              <a:rPr kumimoji="0" lang="en-US" altLang="en-US" sz="2400" b="0" i="0" u="none" strike="noStrike" kern="0" cap="none" spc="0" normalizeH="0" baseline="0" noProof="0" dirty="0">
                 <a:ln>
                   <a:noFill/>
                 </a:ln>
@@ -35135,7 +35223,7 @@
               <a:t>, … y</a:t>
             </a:r>
             <a:r>
-              <a:rPr kumimoji="0" lang="en-US" altLang="en-US" sz="2400" b="0" i="0" u="none" strike="noStrike" kern="0" cap="none" spc="0" normalizeH="0" baseline="-25000" noProof="0">
+              <a:rPr kumimoji="0" lang="en-US" altLang="en-US" sz="2400" b="0" i="0" u="none" strike="noStrike" kern="0" cap="none" spc="0" normalizeH="0" baseline="-25000" noProof="0" dirty="0">
                 <a:ln>
                   <a:noFill/>
                 </a:ln>
@@ -35149,6 +35237,33 @@
               </a:rPr>
               <a:t>q</a:t>
             </a:r>
+            <a:r>
+              <a:rPr kumimoji="0" lang="en-US" altLang="en-US" sz="2400" b="0" i="0" u="none" strike="noStrike" kern="0" cap="none" spc="0" normalizeH="0" noProof="0" dirty="0">
+                <a:ln>
+                  <a:noFill/>
+                </a:ln>
+                <a:solidFill>
+                  <a:srgbClr val="000000"/>
+                </a:solidFill>
+                <a:effectLst/>
+                <a:uLnTx/>
+                <a:uFillTx/>
+                <a:latin typeface="Arial" panose="020B0604020202020204" pitchFamily="34" charset="0"/>
+              </a:rPr>
+              <a:t>)</a:t>
+            </a:r>
+            <a:endParaRPr kumimoji="0" lang="en-US" altLang="en-US" sz="2400" b="0" i="0" u="none" strike="noStrike" kern="0" cap="none" spc="0" normalizeH="0" baseline="-25000" noProof="0" dirty="0">
+              <a:ln>
+                <a:noFill/>
+              </a:ln>
+              <a:solidFill>
+                <a:srgbClr val="000000"/>
+              </a:solidFill>
+              <a:effectLst/>
+              <a:uLnTx/>
+              <a:uFillTx/>
+              <a:latin typeface="Arial" panose="020B0604020202020204" pitchFamily="34" charset="0"/>
+            </a:endParaRPr>
           </a:p>
         </p:txBody>
       </p:sp>
@@ -35156,6 +35271,2896 @@
     <p:extLst>
       <p:ext uri="{BB962C8B-B14F-4D97-AF65-F5344CB8AC3E}">
         <p14:creationId xmlns:p14="http://schemas.microsoft.com/office/powerpoint/2010/main" val="4272911279"/>
+      </p:ext>
+    </p:extLst>
+  </p:cSld>
+  <p:clrMapOvr>
+    <a:masterClrMapping/>
+  </p:clrMapOvr>
+</p:sld>
+</file>
+
+<file path=ppt/slides/slide5.xml><?xml version="1.0" encoding="utf-8"?>
+<p:sld xmlns:a="http://schemas.openxmlformats.org/drawingml/2006/main" xmlns:r="http://schemas.openxmlformats.org/officeDocument/2006/relationships" xmlns:p="http://schemas.openxmlformats.org/presentationml/2006/main">
+  <p:cSld>
+    <p:spTree>
+      <p:nvGrpSpPr>
+        <p:cNvPr id="1" name=""/>
+        <p:cNvGrpSpPr/>
+        <p:nvPr/>
+      </p:nvGrpSpPr>
+      <p:grpSpPr>
+        <a:xfrm>
+          <a:off x="0" y="0"/>
+          <a:ext cx="0" cy="0"/>
+          <a:chOff x="0" y="0"/>
+          <a:chExt cx="0" cy="0"/>
+        </a:xfrm>
+      </p:grpSpPr>
+      <p:graphicFrame>
+        <p:nvGraphicFramePr>
+          <p:cNvPr id="3" name="Group 42">
+            <a:extLst>
+              <a:ext uri="{FF2B5EF4-FFF2-40B4-BE49-F238E27FC236}">
+                <a16:creationId xmlns:a16="http://schemas.microsoft.com/office/drawing/2014/main" id="{DC20A1D4-7DB4-C71E-4B36-B1F00C2321BC}"/>
+              </a:ext>
+            </a:extLst>
+          </p:cNvPr>
+          <p:cNvGraphicFramePr>
+            <a:graphicFrameLocks noGrp="1"/>
+          </p:cNvGraphicFramePr>
+          <p:nvPr/>
+        </p:nvGraphicFramePr>
+        <p:xfrm>
+          <a:off x="1524000" y="1397000"/>
+          <a:ext cx="6248400" cy="3613149"/>
+        </p:xfrm>
+        <a:graphic>
+          <a:graphicData uri="http://schemas.openxmlformats.org/drawingml/2006/table">
+            <a:tbl>
+              <a:tblPr/>
+              <a:tblGrid>
+                <a:gridCol w="2032000">
+                  <a:extLst>
+                    <a:ext uri="{9D8B030D-6E8A-4147-A177-3AD203B41FA5}">
+                      <a16:colId xmlns:a16="http://schemas.microsoft.com/office/drawing/2014/main" val="20000"/>
+                    </a:ext>
+                  </a:extLst>
+                </a:gridCol>
+                <a:gridCol w="2032000">
+                  <a:extLst>
+                    <a:ext uri="{9D8B030D-6E8A-4147-A177-3AD203B41FA5}">
+                      <a16:colId xmlns:a16="http://schemas.microsoft.com/office/drawing/2014/main" val="20001"/>
+                    </a:ext>
+                  </a:extLst>
+                </a:gridCol>
+                <a:gridCol w="2184400">
+                  <a:extLst>
+                    <a:ext uri="{9D8B030D-6E8A-4147-A177-3AD203B41FA5}">
+                      <a16:colId xmlns:a16="http://schemas.microsoft.com/office/drawing/2014/main" val="20002"/>
+                    </a:ext>
+                  </a:extLst>
+                </a:gridCol>
+              </a:tblGrid>
+              <a:tr h="508036">
+                <a:tc>
+                  <a:txBody>
+                    <a:bodyPr/>
+                    <a:lstStyle>
+                      <a:lvl1pPr marL="0" algn="l" defTabSz="914400" rtl="0" eaLnBrk="1" latinLnBrk="0" hangingPunct="1">
+                        <a:spcBef>
+                          <a:spcPct val="20000"/>
+                        </a:spcBef>
+                        <a:buClr>
+                          <a:srgbClr val="0000FF"/>
+                        </a:buClr>
+                        <a:buSzPct val="120000"/>
+                        <a:defRPr sz="2400" kern="1200">
+                          <a:solidFill>
+                            <a:schemeClr val="tx1"/>
+                          </a:solidFill>
+                          <a:latin typeface="Arial" charset="0"/>
+                        </a:defRPr>
+                      </a:lvl1pPr>
+                      <a:lvl2pPr marL="457200" algn="l" defTabSz="914400" rtl="0" eaLnBrk="1" latinLnBrk="0" hangingPunct="1">
+                        <a:spcBef>
+                          <a:spcPct val="20000"/>
+                        </a:spcBef>
+                        <a:buClr>
+                          <a:srgbClr val="FF0000"/>
+                        </a:buClr>
+                        <a:buSzPct val="110000"/>
+                        <a:buFont typeface="Wingdings" pitchFamily="2" charset="2"/>
+                        <a:defRPr sz="2000" kern="1200">
+                          <a:solidFill>
+                            <a:schemeClr val="tx1"/>
+                          </a:solidFill>
+                          <a:latin typeface="Arial" charset="0"/>
+                        </a:defRPr>
+                      </a:lvl2pPr>
+                      <a:lvl3pPr marL="914400" algn="l" defTabSz="914400" rtl="0" eaLnBrk="1" latinLnBrk="0" hangingPunct="1">
+                        <a:spcBef>
+                          <a:spcPct val="20000"/>
+                        </a:spcBef>
+                        <a:defRPr sz="2000" kern="1200">
+                          <a:solidFill>
+                            <a:schemeClr val="tx1"/>
+                          </a:solidFill>
+                          <a:latin typeface="Arial" charset="0"/>
+                        </a:defRPr>
+                      </a:lvl3pPr>
+                      <a:lvl4pPr marL="1371600" algn="l" defTabSz="914400" rtl="0" eaLnBrk="1" latinLnBrk="0" hangingPunct="1">
+                        <a:spcBef>
+                          <a:spcPct val="20000"/>
+                        </a:spcBef>
+                        <a:defRPr sz="1800" kern="1200">
+                          <a:solidFill>
+                            <a:schemeClr val="tx1"/>
+                          </a:solidFill>
+                          <a:latin typeface="Arial" charset="0"/>
+                        </a:defRPr>
+                      </a:lvl4pPr>
+                      <a:lvl5pPr marL="1828800" algn="l" defTabSz="914400" rtl="0" eaLnBrk="1" latinLnBrk="0" hangingPunct="1">
+                        <a:spcBef>
+                          <a:spcPct val="20000"/>
+                        </a:spcBef>
+                        <a:defRPr sz="1800" kern="1200">
+                          <a:solidFill>
+                            <a:schemeClr val="tx1"/>
+                          </a:solidFill>
+                          <a:latin typeface="Arial" charset="0"/>
+                        </a:defRPr>
+                      </a:lvl5pPr>
+                      <a:lvl6pPr marL="2286000" algn="l" defTabSz="914400" rtl="0" eaLnBrk="1" fontAlgn="base" latinLnBrk="0" hangingPunct="1">
+                        <a:spcBef>
+                          <a:spcPct val="20000"/>
+                        </a:spcBef>
+                        <a:spcAft>
+                          <a:spcPct val="0"/>
+                        </a:spcAft>
+                        <a:defRPr sz="1800" kern="1200">
+                          <a:solidFill>
+                            <a:schemeClr val="tx1"/>
+                          </a:solidFill>
+                          <a:latin typeface="Arial" charset="0"/>
+                        </a:defRPr>
+                      </a:lvl6pPr>
+                      <a:lvl7pPr marL="2743200" algn="l" defTabSz="914400" rtl="0" eaLnBrk="1" fontAlgn="base" latinLnBrk="0" hangingPunct="1">
+                        <a:spcBef>
+                          <a:spcPct val="20000"/>
+                        </a:spcBef>
+                        <a:spcAft>
+                          <a:spcPct val="0"/>
+                        </a:spcAft>
+                        <a:defRPr sz="1800" kern="1200">
+                          <a:solidFill>
+                            <a:schemeClr val="tx1"/>
+                          </a:solidFill>
+                          <a:latin typeface="Arial" charset="0"/>
+                        </a:defRPr>
+                      </a:lvl7pPr>
+                      <a:lvl8pPr marL="3200400" algn="l" defTabSz="914400" rtl="0" eaLnBrk="1" fontAlgn="base" latinLnBrk="0" hangingPunct="1">
+                        <a:spcBef>
+                          <a:spcPct val="20000"/>
+                        </a:spcBef>
+                        <a:spcAft>
+                          <a:spcPct val="0"/>
+                        </a:spcAft>
+                        <a:defRPr sz="1800" kern="1200">
+                          <a:solidFill>
+                            <a:schemeClr val="tx1"/>
+                          </a:solidFill>
+                          <a:latin typeface="Arial" charset="0"/>
+                        </a:defRPr>
+                      </a:lvl8pPr>
+                      <a:lvl9pPr marL="3657600" algn="l" defTabSz="914400" rtl="0" eaLnBrk="1" fontAlgn="base" latinLnBrk="0" hangingPunct="1">
+                        <a:spcBef>
+                          <a:spcPct val="20000"/>
+                        </a:spcBef>
+                        <a:spcAft>
+                          <a:spcPct val="0"/>
+                        </a:spcAft>
+                        <a:defRPr sz="1800" kern="1200">
+                          <a:solidFill>
+                            <a:schemeClr val="tx1"/>
+                          </a:solidFill>
+                          <a:latin typeface="Arial" charset="0"/>
+                        </a:defRPr>
+                      </a:lvl9pPr>
+                    </a:lstStyle>
+                    <a:p>
+                      <a:pPr marL="0" marR="0" lvl="0" indent="0" algn="l" defTabSz="914400" rtl="0" eaLnBrk="1" fontAlgn="base" latinLnBrk="0" hangingPunct="1">
+                        <a:lnSpc>
+                          <a:spcPct val="100000"/>
+                        </a:lnSpc>
+                        <a:spcBef>
+                          <a:spcPct val="20000"/>
+                        </a:spcBef>
+                        <a:spcAft>
+                          <a:spcPct val="0"/>
+                        </a:spcAft>
+                        <a:buClr>
+                          <a:srgbClr val="0000FF"/>
+                        </a:buClr>
+                        <a:buSzPct val="120000"/>
+                        <a:buFontTx/>
+                        <a:buNone/>
+                        <a:tabLst/>
+                      </a:pPr>
+                      <a:endParaRPr kumimoji="0" lang="en-US" altLang="en-US" sz="2400" b="0" i="0" u="none" strike="noStrike" cap="none" normalizeH="0" baseline="0" dirty="0">
+                        <a:ln>
+                          <a:noFill/>
+                        </a:ln>
+                        <a:solidFill>
+                          <a:schemeClr val="tx1"/>
+                        </a:solidFill>
+                        <a:effectLst/>
+                        <a:latin typeface="Arial" charset="0"/>
+                      </a:endParaRPr>
+                    </a:p>
+                  </a:txBody>
+                  <a:tcPr marT="45723" marB="45723" horzOverflow="overflow">
+                    <a:lnL w="28575" cap="flat" cmpd="sng" algn="ctr">
+                      <a:solidFill>
+                        <a:srgbClr val="000000"/>
+                      </a:solidFill>
+                      <a:prstDash val="solid"/>
+                      <a:round/>
+                      <a:headEnd type="none" w="med" len="med"/>
+                      <a:tailEnd type="none" w="med" len="med"/>
+                    </a:lnL>
+                    <a:lnR w="12700" cap="flat" cmpd="sng" algn="ctr">
+                      <a:solidFill>
+                        <a:srgbClr val="000000"/>
+                      </a:solidFill>
+                      <a:prstDash val="solid"/>
+                      <a:round/>
+                      <a:headEnd type="none" w="med" len="med"/>
+                      <a:tailEnd type="none" w="med" len="med"/>
+                    </a:lnR>
+                    <a:lnT w="28575" cap="flat" cmpd="sng" algn="ctr">
+                      <a:solidFill>
+                        <a:srgbClr val="000000"/>
+                      </a:solidFill>
+                      <a:prstDash val="solid"/>
+                      <a:round/>
+                      <a:headEnd type="none" w="med" len="med"/>
+                      <a:tailEnd type="none" w="med" len="med"/>
+                    </a:lnT>
+                    <a:lnB w="12700" cap="flat" cmpd="sng" algn="ctr">
+                      <a:solidFill>
+                        <a:srgbClr val="000000"/>
+                      </a:solidFill>
+                      <a:prstDash val="solid"/>
+                      <a:round/>
+                      <a:headEnd type="none" w="med" len="med"/>
+                      <a:tailEnd type="none" w="med" len="med"/>
+                    </a:lnB>
+                    <a:lnTlToBr>
+                      <a:noFill/>
+                    </a:lnTlToBr>
+                    <a:lnBlToTr>
+                      <a:noFill/>
+                    </a:lnBlToTr>
+                    <a:solidFill>
+                      <a:srgbClr val="BBE0E3">
+                        <a:alpha val="50000"/>
+                      </a:srgbClr>
+                    </a:solidFill>
+                  </a:tcPr>
+                </a:tc>
+                <a:tc>
+                  <a:txBody>
+                    <a:bodyPr/>
+                    <a:lstStyle>
+                      <a:lvl1pPr marL="0" algn="l" defTabSz="914400" rtl="0" eaLnBrk="1" latinLnBrk="0" hangingPunct="1">
+                        <a:spcBef>
+                          <a:spcPct val="20000"/>
+                        </a:spcBef>
+                        <a:buClr>
+                          <a:srgbClr val="0000FF"/>
+                        </a:buClr>
+                        <a:buSzPct val="120000"/>
+                        <a:defRPr sz="2400" kern="1200">
+                          <a:solidFill>
+                            <a:schemeClr val="tx1"/>
+                          </a:solidFill>
+                          <a:latin typeface="Arial" charset="0"/>
+                        </a:defRPr>
+                      </a:lvl1pPr>
+                      <a:lvl2pPr marL="457200" algn="l" defTabSz="914400" rtl="0" eaLnBrk="1" latinLnBrk="0" hangingPunct="1">
+                        <a:spcBef>
+                          <a:spcPct val="20000"/>
+                        </a:spcBef>
+                        <a:buClr>
+                          <a:srgbClr val="FF0000"/>
+                        </a:buClr>
+                        <a:buSzPct val="110000"/>
+                        <a:buFont typeface="Wingdings" pitchFamily="2" charset="2"/>
+                        <a:defRPr sz="2000" kern="1200">
+                          <a:solidFill>
+                            <a:schemeClr val="tx1"/>
+                          </a:solidFill>
+                          <a:latin typeface="Arial" charset="0"/>
+                        </a:defRPr>
+                      </a:lvl2pPr>
+                      <a:lvl3pPr marL="914400" algn="l" defTabSz="914400" rtl="0" eaLnBrk="1" latinLnBrk="0" hangingPunct="1">
+                        <a:spcBef>
+                          <a:spcPct val="20000"/>
+                        </a:spcBef>
+                        <a:defRPr sz="2000" kern="1200">
+                          <a:solidFill>
+                            <a:schemeClr val="tx1"/>
+                          </a:solidFill>
+                          <a:latin typeface="Arial" charset="0"/>
+                        </a:defRPr>
+                      </a:lvl3pPr>
+                      <a:lvl4pPr marL="1371600" algn="l" defTabSz="914400" rtl="0" eaLnBrk="1" latinLnBrk="0" hangingPunct="1">
+                        <a:spcBef>
+                          <a:spcPct val="20000"/>
+                        </a:spcBef>
+                        <a:defRPr sz="1800" kern="1200">
+                          <a:solidFill>
+                            <a:schemeClr val="tx1"/>
+                          </a:solidFill>
+                          <a:latin typeface="Arial" charset="0"/>
+                        </a:defRPr>
+                      </a:lvl4pPr>
+                      <a:lvl5pPr marL="1828800" algn="l" defTabSz="914400" rtl="0" eaLnBrk="1" latinLnBrk="0" hangingPunct="1">
+                        <a:spcBef>
+                          <a:spcPct val="20000"/>
+                        </a:spcBef>
+                        <a:defRPr sz="1800" kern="1200">
+                          <a:solidFill>
+                            <a:schemeClr val="tx1"/>
+                          </a:solidFill>
+                          <a:latin typeface="Arial" charset="0"/>
+                        </a:defRPr>
+                      </a:lvl5pPr>
+                      <a:lvl6pPr marL="2286000" algn="l" defTabSz="914400" rtl="0" eaLnBrk="1" fontAlgn="base" latinLnBrk="0" hangingPunct="1">
+                        <a:spcBef>
+                          <a:spcPct val="20000"/>
+                        </a:spcBef>
+                        <a:spcAft>
+                          <a:spcPct val="0"/>
+                        </a:spcAft>
+                        <a:defRPr sz="1800" kern="1200">
+                          <a:solidFill>
+                            <a:schemeClr val="tx1"/>
+                          </a:solidFill>
+                          <a:latin typeface="Arial" charset="0"/>
+                        </a:defRPr>
+                      </a:lvl6pPr>
+                      <a:lvl7pPr marL="2743200" algn="l" defTabSz="914400" rtl="0" eaLnBrk="1" fontAlgn="base" latinLnBrk="0" hangingPunct="1">
+                        <a:spcBef>
+                          <a:spcPct val="20000"/>
+                        </a:spcBef>
+                        <a:spcAft>
+                          <a:spcPct val="0"/>
+                        </a:spcAft>
+                        <a:defRPr sz="1800" kern="1200">
+                          <a:solidFill>
+                            <a:schemeClr val="tx1"/>
+                          </a:solidFill>
+                          <a:latin typeface="Arial" charset="0"/>
+                        </a:defRPr>
+                      </a:lvl7pPr>
+                      <a:lvl8pPr marL="3200400" algn="l" defTabSz="914400" rtl="0" eaLnBrk="1" fontAlgn="base" latinLnBrk="0" hangingPunct="1">
+                        <a:spcBef>
+                          <a:spcPct val="20000"/>
+                        </a:spcBef>
+                        <a:spcAft>
+                          <a:spcPct val="0"/>
+                        </a:spcAft>
+                        <a:defRPr sz="1800" kern="1200">
+                          <a:solidFill>
+                            <a:schemeClr val="tx1"/>
+                          </a:solidFill>
+                          <a:latin typeface="Arial" charset="0"/>
+                        </a:defRPr>
+                      </a:lvl8pPr>
+                      <a:lvl9pPr marL="3657600" algn="l" defTabSz="914400" rtl="0" eaLnBrk="1" fontAlgn="base" latinLnBrk="0" hangingPunct="1">
+                        <a:spcBef>
+                          <a:spcPct val="20000"/>
+                        </a:spcBef>
+                        <a:spcAft>
+                          <a:spcPct val="0"/>
+                        </a:spcAft>
+                        <a:defRPr sz="1800" kern="1200">
+                          <a:solidFill>
+                            <a:schemeClr val="tx1"/>
+                          </a:solidFill>
+                          <a:latin typeface="Arial" charset="0"/>
+                        </a:defRPr>
+                      </a:lvl9pPr>
+                    </a:lstStyle>
+                    <a:p>
+                      <a:pPr marL="0" marR="0" lvl="0" indent="0" algn="l" defTabSz="914400" rtl="0" eaLnBrk="1" fontAlgn="base" latinLnBrk="0" hangingPunct="1">
+                        <a:lnSpc>
+                          <a:spcPct val="100000"/>
+                        </a:lnSpc>
+                        <a:spcBef>
+                          <a:spcPct val="20000"/>
+                        </a:spcBef>
+                        <a:spcAft>
+                          <a:spcPct val="0"/>
+                        </a:spcAft>
+                        <a:buClr>
+                          <a:srgbClr val="0000FF"/>
+                        </a:buClr>
+                        <a:buSzPct val="120000"/>
+                        <a:buFontTx/>
+                        <a:buNone/>
+                        <a:tabLst/>
+                      </a:pPr>
+                      <a:r>
+                        <a:rPr kumimoji="0" lang="en-US" altLang="en-US" sz="2400" b="0" i="0" u="none" strike="noStrike" cap="none" normalizeH="0" baseline="0">
+                          <a:ln>
+                            <a:noFill/>
+                          </a:ln>
+                          <a:solidFill>
+                            <a:schemeClr val="tx1"/>
+                          </a:solidFill>
+                          <a:effectLst/>
+                          <a:latin typeface="Arial" charset="0"/>
+                        </a:rPr>
+                        <a:t>Regression</a:t>
+                      </a:r>
+                    </a:p>
+                  </a:txBody>
+                  <a:tcPr marT="45723" marB="45723" horzOverflow="overflow">
+                    <a:lnL w="12700" cap="flat" cmpd="sng" algn="ctr">
+                      <a:solidFill>
+                        <a:srgbClr val="000000"/>
+                      </a:solidFill>
+                      <a:prstDash val="solid"/>
+                      <a:round/>
+                      <a:headEnd type="none" w="med" len="med"/>
+                      <a:tailEnd type="none" w="med" len="med"/>
+                    </a:lnL>
+                    <a:lnR w="12700" cap="flat" cmpd="sng" algn="ctr">
+                      <a:solidFill>
+                        <a:srgbClr val="000000"/>
+                      </a:solidFill>
+                      <a:prstDash val="solid"/>
+                      <a:round/>
+                      <a:headEnd type="none" w="med" len="med"/>
+                      <a:tailEnd type="none" w="med" len="med"/>
+                    </a:lnR>
+                    <a:lnT w="28575" cap="flat" cmpd="sng" algn="ctr">
+                      <a:solidFill>
+                        <a:srgbClr val="000000"/>
+                      </a:solidFill>
+                      <a:prstDash val="solid"/>
+                      <a:round/>
+                      <a:headEnd type="none" w="med" len="med"/>
+                      <a:tailEnd type="none" w="med" len="med"/>
+                    </a:lnT>
+                    <a:lnB w="12700" cap="flat" cmpd="sng" algn="ctr">
+                      <a:solidFill>
+                        <a:srgbClr val="000000"/>
+                      </a:solidFill>
+                      <a:prstDash val="solid"/>
+                      <a:round/>
+                      <a:headEnd type="none" w="med" len="med"/>
+                      <a:tailEnd type="none" w="med" len="med"/>
+                    </a:lnB>
+                    <a:lnTlToBr>
+                      <a:noFill/>
+                    </a:lnTlToBr>
+                    <a:lnBlToTr>
+                      <a:noFill/>
+                    </a:lnBlToTr>
+                    <a:solidFill>
+                      <a:srgbClr val="BBE0E3">
+                        <a:alpha val="50000"/>
+                      </a:srgbClr>
+                    </a:solidFill>
+                  </a:tcPr>
+                </a:tc>
+                <a:tc>
+                  <a:txBody>
+                    <a:bodyPr/>
+                    <a:lstStyle>
+                      <a:lvl1pPr marL="0" algn="l" defTabSz="914400" rtl="0" eaLnBrk="1" latinLnBrk="0" hangingPunct="1">
+                        <a:spcBef>
+                          <a:spcPct val="20000"/>
+                        </a:spcBef>
+                        <a:buClr>
+                          <a:srgbClr val="0000FF"/>
+                        </a:buClr>
+                        <a:buSzPct val="120000"/>
+                        <a:defRPr sz="2400" kern="1200">
+                          <a:solidFill>
+                            <a:schemeClr val="tx1"/>
+                          </a:solidFill>
+                          <a:latin typeface="Arial" charset="0"/>
+                        </a:defRPr>
+                      </a:lvl1pPr>
+                      <a:lvl2pPr marL="457200" algn="l" defTabSz="914400" rtl="0" eaLnBrk="1" latinLnBrk="0" hangingPunct="1">
+                        <a:spcBef>
+                          <a:spcPct val="20000"/>
+                        </a:spcBef>
+                        <a:buClr>
+                          <a:srgbClr val="FF0000"/>
+                        </a:buClr>
+                        <a:buSzPct val="110000"/>
+                        <a:buFont typeface="Wingdings" pitchFamily="2" charset="2"/>
+                        <a:defRPr sz="2000" kern="1200">
+                          <a:solidFill>
+                            <a:schemeClr val="tx1"/>
+                          </a:solidFill>
+                          <a:latin typeface="Arial" charset="0"/>
+                        </a:defRPr>
+                      </a:lvl2pPr>
+                      <a:lvl3pPr marL="914400" algn="l" defTabSz="914400" rtl="0" eaLnBrk="1" latinLnBrk="0" hangingPunct="1">
+                        <a:spcBef>
+                          <a:spcPct val="20000"/>
+                        </a:spcBef>
+                        <a:defRPr sz="2000" kern="1200">
+                          <a:solidFill>
+                            <a:schemeClr val="tx1"/>
+                          </a:solidFill>
+                          <a:latin typeface="Arial" charset="0"/>
+                        </a:defRPr>
+                      </a:lvl3pPr>
+                      <a:lvl4pPr marL="1371600" algn="l" defTabSz="914400" rtl="0" eaLnBrk="1" latinLnBrk="0" hangingPunct="1">
+                        <a:spcBef>
+                          <a:spcPct val="20000"/>
+                        </a:spcBef>
+                        <a:defRPr sz="1800" kern="1200">
+                          <a:solidFill>
+                            <a:schemeClr val="tx1"/>
+                          </a:solidFill>
+                          <a:latin typeface="Arial" charset="0"/>
+                        </a:defRPr>
+                      </a:lvl4pPr>
+                      <a:lvl5pPr marL="1828800" algn="l" defTabSz="914400" rtl="0" eaLnBrk="1" latinLnBrk="0" hangingPunct="1">
+                        <a:spcBef>
+                          <a:spcPct val="20000"/>
+                        </a:spcBef>
+                        <a:defRPr sz="1800" kern="1200">
+                          <a:solidFill>
+                            <a:schemeClr val="tx1"/>
+                          </a:solidFill>
+                          <a:latin typeface="Arial" charset="0"/>
+                        </a:defRPr>
+                      </a:lvl5pPr>
+                      <a:lvl6pPr marL="2286000" algn="l" defTabSz="914400" rtl="0" eaLnBrk="1" fontAlgn="base" latinLnBrk="0" hangingPunct="1">
+                        <a:spcBef>
+                          <a:spcPct val="20000"/>
+                        </a:spcBef>
+                        <a:spcAft>
+                          <a:spcPct val="0"/>
+                        </a:spcAft>
+                        <a:defRPr sz="1800" kern="1200">
+                          <a:solidFill>
+                            <a:schemeClr val="tx1"/>
+                          </a:solidFill>
+                          <a:latin typeface="Arial" charset="0"/>
+                        </a:defRPr>
+                      </a:lvl6pPr>
+                      <a:lvl7pPr marL="2743200" algn="l" defTabSz="914400" rtl="0" eaLnBrk="1" fontAlgn="base" latinLnBrk="0" hangingPunct="1">
+                        <a:spcBef>
+                          <a:spcPct val="20000"/>
+                        </a:spcBef>
+                        <a:spcAft>
+                          <a:spcPct val="0"/>
+                        </a:spcAft>
+                        <a:defRPr sz="1800" kern="1200">
+                          <a:solidFill>
+                            <a:schemeClr val="tx1"/>
+                          </a:solidFill>
+                          <a:latin typeface="Arial" charset="0"/>
+                        </a:defRPr>
+                      </a:lvl7pPr>
+                      <a:lvl8pPr marL="3200400" algn="l" defTabSz="914400" rtl="0" eaLnBrk="1" fontAlgn="base" latinLnBrk="0" hangingPunct="1">
+                        <a:spcBef>
+                          <a:spcPct val="20000"/>
+                        </a:spcBef>
+                        <a:spcAft>
+                          <a:spcPct val="0"/>
+                        </a:spcAft>
+                        <a:defRPr sz="1800" kern="1200">
+                          <a:solidFill>
+                            <a:schemeClr val="tx1"/>
+                          </a:solidFill>
+                          <a:latin typeface="Arial" charset="0"/>
+                        </a:defRPr>
+                      </a:lvl8pPr>
+                      <a:lvl9pPr marL="3657600" algn="l" defTabSz="914400" rtl="0" eaLnBrk="1" fontAlgn="base" latinLnBrk="0" hangingPunct="1">
+                        <a:spcBef>
+                          <a:spcPct val="20000"/>
+                        </a:spcBef>
+                        <a:spcAft>
+                          <a:spcPct val="0"/>
+                        </a:spcAft>
+                        <a:defRPr sz="1800" kern="1200">
+                          <a:solidFill>
+                            <a:schemeClr val="tx1"/>
+                          </a:solidFill>
+                          <a:latin typeface="Arial" charset="0"/>
+                        </a:defRPr>
+                      </a:lvl9pPr>
+                    </a:lstStyle>
+                    <a:p>
+                      <a:pPr marL="0" marR="0" lvl="0" indent="0" algn="l" defTabSz="914400" rtl="0" eaLnBrk="1" fontAlgn="base" latinLnBrk="0" hangingPunct="1">
+                        <a:lnSpc>
+                          <a:spcPct val="100000"/>
+                        </a:lnSpc>
+                        <a:spcBef>
+                          <a:spcPct val="20000"/>
+                        </a:spcBef>
+                        <a:spcAft>
+                          <a:spcPct val="0"/>
+                        </a:spcAft>
+                        <a:buClr>
+                          <a:srgbClr val="0000FF"/>
+                        </a:buClr>
+                        <a:buSzPct val="120000"/>
+                        <a:buFontTx/>
+                        <a:buNone/>
+                        <a:tabLst/>
+                      </a:pPr>
+                      <a:r>
+                        <a:rPr kumimoji="0" lang="en-US" altLang="en-US" sz="2400" b="0" i="0" u="none" strike="noStrike" cap="none" normalizeH="0" baseline="0">
+                          <a:ln>
+                            <a:noFill/>
+                          </a:ln>
+                          <a:solidFill>
+                            <a:schemeClr val="tx1"/>
+                          </a:solidFill>
+                          <a:effectLst/>
+                          <a:latin typeface="Arial" charset="0"/>
+                        </a:rPr>
+                        <a:t>ANOVA</a:t>
+                      </a:r>
+                    </a:p>
+                  </a:txBody>
+                  <a:tcPr marT="45723" marB="45723" horzOverflow="overflow">
+                    <a:lnL w="12700" cap="flat" cmpd="sng" algn="ctr">
+                      <a:solidFill>
+                        <a:srgbClr val="000000"/>
+                      </a:solidFill>
+                      <a:prstDash val="solid"/>
+                      <a:round/>
+                      <a:headEnd type="none" w="med" len="med"/>
+                      <a:tailEnd type="none" w="med" len="med"/>
+                    </a:lnL>
+                    <a:lnR w="28575" cap="flat" cmpd="sng" algn="ctr">
+                      <a:solidFill>
+                        <a:srgbClr val="000000"/>
+                      </a:solidFill>
+                      <a:prstDash val="solid"/>
+                      <a:round/>
+                      <a:headEnd type="none" w="med" len="med"/>
+                      <a:tailEnd type="none" w="med" len="med"/>
+                    </a:lnR>
+                    <a:lnT w="28575" cap="flat" cmpd="sng" algn="ctr">
+                      <a:solidFill>
+                        <a:srgbClr val="000000"/>
+                      </a:solidFill>
+                      <a:prstDash val="solid"/>
+                      <a:round/>
+                      <a:headEnd type="none" w="med" len="med"/>
+                      <a:tailEnd type="none" w="med" len="med"/>
+                    </a:lnT>
+                    <a:lnB w="12700" cap="flat" cmpd="sng" algn="ctr">
+                      <a:solidFill>
+                        <a:srgbClr val="000000"/>
+                      </a:solidFill>
+                      <a:prstDash val="solid"/>
+                      <a:round/>
+                      <a:headEnd type="none" w="med" len="med"/>
+                      <a:tailEnd type="none" w="med" len="med"/>
+                    </a:lnB>
+                    <a:lnTlToBr>
+                      <a:noFill/>
+                    </a:lnTlToBr>
+                    <a:lnBlToTr>
+                      <a:noFill/>
+                    </a:lnBlToTr>
+                    <a:solidFill>
+                      <a:srgbClr val="BBE0E3">
+                        <a:alpha val="50000"/>
+                      </a:srgbClr>
+                    </a:solidFill>
+                  </a:tcPr>
+                </a:tc>
+                <a:extLst>
+                  <a:ext uri="{0D108BD9-81ED-4DB2-BD59-A6C34878D82A}">
+                    <a16:rowId xmlns:a16="http://schemas.microsoft.com/office/drawing/2014/main" val="10000"/>
+                  </a:ext>
+                </a:extLst>
+              </a:tr>
+              <a:tr h="1016071">
+                <a:tc>
+                  <a:txBody>
+                    <a:bodyPr/>
+                    <a:lstStyle>
+                      <a:lvl1pPr marL="0" algn="l" defTabSz="914400" rtl="0" eaLnBrk="1" latinLnBrk="0" hangingPunct="1">
+                        <a:spcBef>
+                          <a:spcPct val="20000"/>
+                        </a:spcBef>
+                        <a:buClr>
+                          <a:srgbClr val="0000FF"/>
+                        </a:buClr>
+                        <a:buSzPct val="120000"/>
+                        <a:defRPr sz="2400" kern="1200">
+                          <a:solidFill>
+                            <a:schemeClr val="tx1"/>
+                          </a:solidFill>
+                          <a:latin typeface="Arial" charset="0"/>
+                        </a:defRPr>
+                      </a:lvl1pPr>
+                      <a:lvl2pPr marL="457200" algn="l" defTabSz="914400" rtl="0" eaLnBrk="1" latinLnBrk="0" hangingPunct="1">
+                        <a:spcBef>
+                          <a:spcPct val="20000"/>
+                        </a:spcBef>
+                        <a:buClr>
+                          <a:srgbClr val="FF0000"/>
+                        </a:buClr>
+                        <a:buSzPct val="110000"/>
+                        <a:buFont typeface="Wingdings" pitchFamily="2" charset="2"/>
+                        <a:defRPr sz="2000" kern="1200">
+                          <a:solidFill>
+                            <a:schemeClr val="tx1"/>
+                          </a:solidFill>
+                          <a:latin typeface="Arial" charset="0"/>
+                        </a:defRPr>
+                      </a:lvl2pPr>
+                      <a:lvl3pPr marL="914400" algn="l" defTabSz="914400" rtl="0" eaLnBrk="1" latinLnBrk="0" hangingPunct="1">
+                        <a:spcBef>
+                          <a:spcPct val="20000"/>
+                        </a:spcBef>
+                        <a:defRPr sz="2000" kern="1200">
+                          <a:solidFill>
+                            <a:schemeClr val="tx1"/>
+                          </a:solidFill>
+                          <a:latin typeface="Arial" charset="0"/>
+                        </a:defRPr>
+                      </a:lvl3pPr>
+                      <a:lvl4pPr marL="1371600" algn="l" defTabSz="914400" rtl="0" eaLnBrk="1" latinLnBrk="0" hangingPunct="1">
+                        <a:spcBef>
+                          <a:spcPct val="20000"/>
+                        </a:spcBef>
+                        <a:defRPr sz="1800" kern="1200">
+                          <a:solidFill>
+                            <a:schemeClr val="tx1"/>
+                          </a:solidFill>
+                          <a:latin typeface="Arial" charset="0"/>
+                        </a:defRPr>
+                      </a:lvl4pPr>
+                      <a:lvl5pPr marL="1828800" algn="l" defTabSz="914400" rtl="0" eaLnBrk="1" latinLnBrk="0" hangingPunct="1">
+                        <a:spcBef>
+                          <a:spcPct val="20000"/>
+                        </a:spcBef>
+                        <a:defRPr sz="1800" kern="1200">
+                          <a:solidFill>
+                            <a:schemeClr val="tx1"/>
+                          </a:solidFill>
+                          <a:latin typeface="Arial" charset="0"/>
+                        </a:defRPr>
+                      </a:lvl5pPr>
+                      <a:lvl6pPr marL="2286000" algn="l" defTabSz="914400" rtl="0" eaLnBrk="1" fontAlgn="base" latinLnBrk="0" hangingPunct="1">
+                        <a:spcBef>
+                          <a:spcPct val="20000"/>
+                        </a:spcBef>
+                        <a:spcAft>
+                          <a:spcPct val="0"/>
+                        </a:spcAft>
+                        <a:defRPr sz="1800" kern="1200">
+                          <a:solidFill>
+                            <a:schemeClr val="tx1"/>
+                          </a:solidFill>
+                          <a:latin typeface="Arial" charset="0"/>
+                        </a:defRPr>
+                      </a:lvl6pPr>
+                      <a:lvl7pPr marL="2743200" algn="l" defTabSz="914400" rtl="0" eaLnBrk="1" fontAlgn="base" latinLnBrk="0" hangingPunct="1">
+                        <a:spcBef>
+                          <a:spcPct val="20000"/>
+                        </a:spcBef>
+                        <a:spcAft>
+                          <a:spcPct val="0"/>
+                        </a:spcAft>
+                        <a:defRPr sz="1800" kern="1200">
+                          <a:solidFill>
+                            <a:schemeClr val="tx1"/>
+                          </a:solidFill>
+                          <a:latin typeface="Arial" charset="0"/>
+                        </a:defRPr>
+                      </a:lvl7pPr>
+                      <a:lvl8pPr marL="3200400" algn="l" defTabSz="914400" rtl="0" eaLnBrk="1" fontAlgn="base" latinLnBrk="0" hangingPunct="1">
+                        <a:spcBef>
+                          <a:spcPct val="20000"/>
+                        </a:spcBef>
+                        <a:spcAft>
+                          <a:spcPct val="0"/>
+                        </a:spcAft>
+                        <a:defRPr sz="1800" kern="1200">
+                          <a:solidFill>
+                            <a:schemeClr val="tx1"/>
+                          </a:solidFill>
+                          <a:latin typeface="Arial" charset="0"/>
+                        </a:defRPr>
+                      </a:lvl8pPr>
+                      <a:lvl9pPr marL="3657600" algn="l" defTabSz="914400" rtl="0" eaLnBrk="1" fontAlgn="base" latinLnBrk="0" hangingPunct="1">
+                        <a:spcBef>
+                          <a:spcPct val="20000"/>
+                        </a:spcBef>
+                        <a:spcAft>
+                          <a:spcPct val="0"/>
+                        </a:spcAft>
+                        <a:defRPr sz="1800" kern="1200">
+                          <a:solidFill>
+                            <a:schemeClr val="tx1"/>
+                          </a:solidFill>
+                          <a:latin typeface="Arial" charset="0"/>
+                        </a:defRPr>
+                      </a:lvl9pPr>
+                    </a:lstStyle>
+                    <a:p>
+                      <a:pPr marL="0" marR="0" lvl="0" indent="0" algn="l" defTabSz="914400" rtl="0" eaLnBrk="1" fontAlgn="base" latinLnBrk="0" hangingPunct="1">
+                        <a:lnSpc>
+                          <a:spcPct val="100000"/>
+                        </a:lnSpc>
+                        <a:spcBef>
+                          <a:spcPct val="20000"/>
+                        </a:spcBef>
+                        <a:spcAft>
+                          <a:spcPct val="0"/>
+                        </a:spcAft>
+                        <a:buClr>
+                          <a:srgbClr val="0000FF"/>
+                        </a:buClr>
+                        <a:buSzPct val="120000"/>
+                        <a:buFontTx/>
+                        <a:buNone/>
+                        <a:tabLst/>
+                      </a:pPr>
+                      <a:r>
+                        <a:rPr kumimoji="0" lang="en-US" altLang="en-US" sz="2000" b="0" i="0" u="none" strike="noStrike" cap="none" normalizeH="0" baseline="0">
+                          <a:ln>
+                            <a:noFill/>
+                          </a:ln>
+                          <a:solidFill>
+                            <a:schemeClr val="tx1"/>
+                          </a:solidFill>
+                          <a:effectLst/>
+                          <a:latin typeface="Arial" charset="0"/>
+                        </a:rPr>
+                        <a:t>Dependent (response)</a:t>
+                      </a:r>
+                    </a:p>
+                  </a:txBody>
+                  <a:tcPr marT="45723" marB="45723" horzOverflow="overflow">
+                    <a:lnL w="28575" cap="flat" cmpd="sng" algn="ctr">
+                      <a:solidFill>
+                        <a:srgbClr val="000000"/>
+                      </a:solidFill>
+                      <a:prstDash val="solid"/>
+                      <a:round/>
+                      <a:headEnd type="none" w="med" len="med"/>
+                      <a:tailEnd type="none" w="med" len="med"/>
+                    </a:lnL>
+                    <a:lnR w="12700" cap="flat" cmpd="sng" algn="ctr">
+                      <a:solidFill>
+                        <a:srgbClr val="000000"/>
+                      </a:solidFill>
+                      <a:prstDash val="solid"/>
+                      <a:round/>
+                      <a:headEnd type="none" w="med" len="med"/>
+                      <a:tailEnd type="none" w="med" len="med"/>
+                    </a:lnR>
+                    <a:lnT w="12700" cap="flat" cmpd="sng" algn="ctr">
+                      <a:solidFill>
+                        <a:srgbClr val="000000"/>
+                      </a:solidFill>
+                      <a:prstDash val="solid"/>
+                      <a:round/>
+                      <a:headEnd type="none" w="med" len="med"/>
+                      <a:tailEnd type="none" w="med" len="med"/>
+                    </a:lnT>
+                    <a:lnB w="12700" cap="flat" cmpd="sng" algn="ctr">
+                      <a:solidFill>
+                        <a:srgbClr val="000000"/>
+                      </a:solidFill>
+                      <a:prstDash val="solid"/>
+                      <a:round/>
+                      <a:headEnd type="none" w="med" len="med"/>
+                      <a:tailEnd type="none" w="med" len="med"/>
+                    </a:lnB>
+                    <a:lnTlToBr>
+                      <a:noFill/>
+                    </a:lnTlToBr>
+                    <a:lnBlToTr>
+                      <a:noFill/>
+                    </a:lnBlToTr>
+                    <a:solidFill>
+                      <a:srgbClr val="BBE0E3">
+                        <a:alpha val="50000"/>
+                      </a:srgbClr>
+                    </a:solidFill>
+                  </a:tcPr>
+                </a:tc>
+                <a:tc>
+                  <a:txBody>
+                    <a:bodyPr/>
+                    <a:lstStyle>
+                      <a:lvl1pPr marL="0" algn="l" defTabSz="914400" rtl="0" eaLnBrk="1" latinLnBrk="0" hangingPunct="1">
+                        <a:spcBef>
+                          <a:spcPct val="20000"/>
+                        </a:spcBef>
+                        <a:buClr>
+                          <a:srgbClr val="0000FF"/>
+                        </a:buClr>
+                        <a:buSzPct val="120000"/>
+                        <a:defRPr sz="2400" kern="1200">
+                          <a:solidFill>
+                            <a:schemeClr val="tx1"/>
+                          </a:solidFill>
+                          <a:latin typeface="Arial" charset="0"/>
+                        </a:defRPr>
+                      </a:lvl1pPr>
+                      <a:lvl2pPr marL="457200" algn="l" defTabSz="914400" rtl="0" eaLnBrk="1" latinLnBrk="0" hangingPunct="1">
+                        <a:spcBef>
+                          <a:spcPct val="20000"/>
+                        </a:spcBef>
+                        <a:buClr>
+                          <a:srgbClr val="FF0000"/>
+                        </a:buClr>
+                        <a:buSzPct val="110000"/>
+                        <a:buFont typeface="Wingdings" pitchFamily="2" charset="2"/>
+                        <a:defRPr sz="2000" kern="1200">
+                          <a:solidFill>
+                            <a:schemeClr val="tx1"/>
+                          </a:solidFill>
+                          <a:latin typeface="Arial" charset="0"/>
+                        </a:defRPr>
+                      </a:lvl2pPr>
+                      <a:lvl3pPr marL="914400" algn="l" defTabSz="914400" rtl="0" eaLnBrk="1" latinLnBrk="0" hangingPunct="1">
+                        <a:spcBef>
+                          <a:spcPct val="20000"/>
+                        </a:spcBef>
+                        <a:defRPr sz="2000" kern="1200">
+                          <a:solidFill>
+                            <a:schemeClr val="tx1"/>
+                          </a:solidFill>
+                          <a:latin typeface="Arial" charset="0"/>
+                        </a:defRPr>
+                      </a:lvl3pPr>
+                      <a:lvl4pPr marL="1371600" algn="l" defTabSz="914400" rtl="0" eaLnBrk="1" latinLnBrk="0" hangingPunct="1">
+                        <a:spcBef>
+                          <a:spcPct val="20000"/>
+                        </a:spcBef>
+                        <a:defRPr sz="1800" kern="1200">
+                          <a:solidFill>
+                            <a:schemeClr val="tx1"/>
+                          </a:solidFill>
+                          <a:latin typeface="Arial" charset="0"/>
+                        </a:defRPr>
+                      </a:lvl4pPr>
+                      <a:lvl5pPr marL="1828800" algn="l" defTabSz="914400" rtl="0" eaLnBrk="1" latinLnBrk="0" hangingPunct="1">
+                        <a:spcBef>
+                          <a:spcPct val="20000"/>
+                        </a:spcBef>
+                        <a:defRPr sz="1800" kern="1200">
+                          <a:solidFill>
+                            <a:schemeClr val="tx1"/>
+                          </a:solidFill>
+                          <a:latin typeface="Arial" charset="0"/>
+                        </a:defRPr>
+                      </a:lvl5pPr>
+                      <a:lvl6pPr marL="2286000" algn="l" defTabSz="914400" rtl="0" eaLnBrk="1" fontAlgn="base" latinLnBrk="0" hangingPunct="1">
+                        <a:spcBef>
+                          <a:spcPct val="20000"/>
+                        </a:spcBef>
+                        <a:spcAft>
+                          <a:spcPct val="0"/>
+                        </a:spcAft>
+                        <a:defRPr sz="1800" kern="1200">
+                          <a:solidFill>
+                            <a:schemeClr val="tx1"/>
+                          </a:solidFill>
+                          <a:latin typeface="Arial" charset="0"/>
+                        </a:defRPr>
+                      </a:lvl6pPr>
+                      <a:lvl7pPr marL="2743200" algn="l" defTabSz="914400" rtl="0" eaLnBrk="1" fontAlgn="base" latinLnBrk="0" hangingPunct="1">
+                        <a:spcBef>
+                          <a:spcPct val="20000"/>
+                        </a:spcBef>
+                        <a:spcAft>
+                          <a:spcPct val="0"/>
+                        </a:spcAft>
+                        <a:defRPr sz="1800" kern="1200">
+                          <a:solidFill>
+                            <a:schemeClr val="tx1"/>
+                          </a:solidFill>
+                          <a:latin typeface="Arial" charset="0"/>
+                        </a:defRPr>
+                      </a:lvl7pPr>
+                      <a:lvl8pPr marL="3200400" algn="l" defTabSz="914400" rtl="0" eaLnBrk="1" fontAlgn="base" latinLnBrk="0" hangingPunct="1">
+                        <a:spcBef>
+                          <a:spcPct val="20000"/>
+                        </a:spcBef>
+                        <a:spcAft>
+                          <a:spcPct val="0"/>
+                        </a:spcAft>
+                        <a:defRPr sz="1800" kern="1200">
+                          <a:solidFill>
+                            <a:schemeClr val="tx1"/>
+                          </a:solidFill>
+                          <a:latin typeface="Arial" charset="0"/>
+                        </a:defRPr>
+                      </a:lvl8pPr>
+                      <a:lvl9pPr marL="3657600" algn="l" defTabSz="914400" rtl="0" eaLnBrk="1" fontAlgn="base" latinLnBrk="0" hangingPunct="1">
+                        <a:spcBef>
+                          <a:spcPct val="20000"/>
+                        </a:spcBef>
+                        <a:spcAft>
+                          <a:spcPct val="0"/>
+                        </a:spcAft>
+                        <a:defRPr sz="1800" kern="1200">
+                          <a:solidFill>
+                            <a:schemeClr val="tx1"/>
+                          </a:solidFill>
+                          <a:latin typeface="Arial" charset="0"/>
+                        </a:defRPr>
+                      </a:lvl9pPr>
+                    </a:lstStyle>
+                    <a:p>
+                      <a:pPr marL="0" marR="0" lvl="0" indent="0" algn="l" defTabSz="914400" rtl="0" eaLnBrk="1" fontAlgn="base" latinLnBrk="0" hangingPunct="1">
+                        <a:lnSpc>
+                          <a:spcPct val="100000"/>
+                        </a:lnSpc>
+                        <a:spcBef>
+                          <a:spcPct val="20000"/>
+                        </a:spcBef>
+                        <a:spcAft>
+                          <a:spcPct val="0"/>
+                        </a:spcAft>
+                        <a:buClr>
+                          <a:srgbClr val="0000FF"/>
+                        </a:buClr>
+                        <a:buSzPct val="120000"/>
+                        <a:buFontTx/>
+                        <a:buNone/>
+                        <a:tabLst/>
+                      </a:pPr>
+                      <a:r>
+                        <a:rPr kumimoji="0" lang="en-US" altLang="en-US" sz="1800" b="0" i="0" u="none" strike="noStrike" cap="none" normalizeH="0" baseline="0" dirty="0">
+                          <a:ln>
+                            <a:noFill/>
+                          </a:ln>
+                          <a:solidFill>
+                            <a:schemeClr val="tx1"/>
+                          </a:solidFill>
+                          <a:effectLst/>
+                          <a:latin typeface="Arial" charset="0"/>
+                        </a:rPr>
+                        <a:t>Quantitative</a:t>
+                      </a:r>
+                    </a:p>
+                  </a:txBody>
+                  <a:tcPr marT="45723" marB="45723" horzOverflow="overflow">
+                    <a:lnL w="12700" cap="flat" cmpd="sng" algn="ctr">
+                      <a:solidFill>
+                        <a:srgbClr val="000000"/>
+                      </a:solidFill>
+                      <a:prstDash val="solid"/>
+                      <a:round/>
+                      <a:headEnd type="none" w="med" len="med"/>
+                      <a:tailEnd type="none" w="med" len="med"/>
+                    </a:lnL>
+                    <a:lnR w="12700" cap="flat" cmpd="sng" algn="ctr">
+                      <a:solidFill>
+                        <a:srgbClr val="000000"/>
+                      </a:solidFill>
+                      <a:prstDash val="solid"/>
+                      <a:round/>
+                      <a:headEnd type="none" w="med" len="med"/>
+                      <a:tailEnd type="none" w="med" len="med"/>
+                    </a:lnR>
+                    <a:lnT w="12700" cap="flat" cmpd="sng" algn="ctr">
+                      <a:solidFill>
+                        <a:srgbClr val="000000"/>
+                      </a:solidFill>
+                      <a:prstDash val="solid"/>
+                      <a:round/>
+                      <a:headEnd type="none" w="med" len="med"/>
+                      <a:tailEnd type="none" w="med" len="med"/>
+                    </a:lnT>
+                    <a:lnB w="12700" cap="flat" cmpd="sng" algn="ctr">
+                      <a:solidFill>
+                        <a:srgbClr val="000000"/>
+                      </a:solidFill>
+                      <a:prstDash val="solid"/>
+                      <a:round/>
+                      <a:headEnd type="none" w="med" len="med"/>
+                      <a:tailEnd type="none" w="med" len="med"/>
+                    </a:lnB>
+                    <a:lnTlToBr>
+                      <a:noFill/>
+                    </a:lnTlToBr>
+                    <a:lnBlToTr>
+                      <a:noFill/>
+                    </a:lnBlToTr>
+                    <a:noFill/>
+                  </a:tcPr>
+                </a:tc>
+                <a:tc>
+                  <a:txBody>
+                    <a:bodyPr/>
+                    <a:lstStyle>
+                      <a:lvl1pPr marL="0" algn="l" defTabSz="914400" rtl="0" eaLnBrk="1" latinLnBrk="0" hangingPunct="1">
+                        <a:spcBef>
+                          <a:spcPct val="20000"/>
+                        </a:spcBef>
+                        <a:buClr>
+                          <a:srgbClr val="0000FF"/>
+                        </a:buClr>
+                        <a:buSzPct val="120000"/>
+                        <a:defRPr sz="2400" kern="1200">
+                          <a:solidFill>
+                            <a:schemeClr val="tx1"/>
+                          </a:solidFill>
+                          <a:latin typeface="Arial" charset="0"/>
+                        </a:defRPr>
+                      </a:lvl1pPr>
+                      <a:lvl2pPr marL="457200" algn="l" defTabSz="914400" rtl="0" eaLnBrk="1" latinLnBrk="0" hangingPunct="1">
+                        <a:spcBef>
+                          <a:spcPct val="20000"/>
+                        </a:spcBef>
+                        <a:buClr>
+                          <a:srgbClr val="FF0000"/>
+                        </a:buClr>
+                        <a:buSzPct val="110000"/>
+                        <a:buFont typeface="Wingdings" pitchFamily="2" charset="2"/>
+                        <a:defRPr sz="2000" kern="1200">
+                          <a:solidFill>
+                            <a:schemeClr val="tx1"/>
+                          </a:solidFill>
+                          <a:latin typeface="Arial" charset="0"/>
+                        </a:defRPr>
+                      </a:lvl2pPr>
+                      <a:lvl3pPr marL="914400" algn="l" defTabSz="914400" rtl="0" eaLnBrk="1" latinLnBrk="0" hangingPunct="1">
+                        <a:spcBef>
+                          <a:spcPct val="20000"/>
+                        </a:spcBef>
+                        <a:defRPr sz="2000" kern="1200">
+                          <a:solidFill>
+                            <a:schemeClr val="tx1"/>
+                          </a:solidFill>
+                          <a:latin typeface="Arial" charset="0"/>
+                        </a:defRPr>
+                      </a:lvl3pPr>
+                      <a:lvl4pPr marL="1371600" algn="l" defTabSz="914400" rtl="0" eaLnBrk="1" latinLnBrk="0" hangingPunct="1">
+                        <a:spcBef>
+                          <a:spcPct val="20000"/>
+                        </a:spcBef>
+                        <a:defRPr sz="1800" kern="1200">
+                          <a:solidFill>
+                            <a:schemeClr val="tx1"/>
+                          </a:solidFill>
+                          <a:latin typeface="Arial" charset="0"/>
+                        </a:defRPr>
+                      </a:lvl4pPr>
+                      <a:lvl5pPr marL="1828800" algn="l" defTabSz="914400" rtl="0" eaLnBrk="1" latinLnBrk="0" hangingPunct="1">
+                        <a:spcBef>
+                          <a:spcPct val="20000"/>
+                        </a:spcBef>
+                        <a:defRPr sz="1800" kern="1200">
+                          <a:solidFill>
+                            <a:schemeClr val="tx1"/>
+                          </a:solidFill>
+                          <a:latin typeface="Arial" charset="0"/>
+                        </a:defRPr>
+                      </a:lvl5pPr>
+                      <a:lvl6pPr marL="2286000" algn="l" defTabSz="914400" rtl="0" eaLnBrk="1" fontAlgn="base" latinLnBrk="0" hangingPunct="1">
+                        <a:spcBef>
+                          <a:spcPct val="20000"/>
+                        </a:spcBef>
+                        <a:spcAft>
+                          <a:spcPct val="0"/>
+                        </a:spcAft>
+                        <a:defRPr sz="1800" kern="1200">
+                          <a:solidFill>
+                            <a:schemeClr val="tx1"/>
+                          </a:solidFill>
+                          <a:latin typeface="Arial" charset="0"/>
+                        </a:defRPr>
+                      </a:lvl6pPr>
+                      <a:lvl7pPr marL="2743200" algn="l" defTabSz="914400" rtl="0" eaLnBrk="1" fontAlgn="base" latinLnBrk="0" hangingPunct="1">
+                        <a:spcBef>
+                          <a:spcPct val="20000"/>
+                        </a:spcBef>
+                        <a:spcAft>
+                          <a:spcPct val="0"/>
+                        </a:spcAft>
+                        <a:defRPr sz="1800" kern="1200">
+                          <a:solidFill>
+                            <a:schemeClr val="tx1"/>
+                          </a:solidFill>
+                          <a:latin typeface="Arial" charset="0"/>
+                        </a:defRPr>
+                      </a:lvl7pPr>
+                      <a:lvl8pPr marL="3200400" algn="l" defTabSz="914400" rtl="0" eaLnBrk="1" fontAlgn="base" latinLnBrk="0" hangingPunct="1">
+                        <a:spcBef>
+                          <a:spcPct val="20000"/>
+                        </a:spcBef>
+                        <a:spcAft>
+                          <a:spcPct val="0"/>
+                        </a:spcAft>
+                        <a:defRPr sz="1800" kern="1200">
+                          <a:solidFill>
+                            <a:schemeClr val="tx1"/>
+                          </a:solidFill>
+                          <a:latin typeface="Arial" charset="0"/>
+                        </a:defRPr>
+                      </a:lvl8pPr>
+                      <a:lvl9pPr marL="3657600" algn="l" defTabSz="914400" rtl="0" eaLnBrk="1" fontAlgn="base" latinLnBrk="0" hangingPunct="1">
+                        <a:spcBef>
+                          <a:spcPct val="20000"/>
+                        </a:spcBef>
+                        <a:spcAft>
+                          <a:spcPct val="0"/>
+                        </a:spcAft>
+                        <a:defRPr sz="1800" kern="1200">
+                          <a:solidFill>
+                            <a:schemeClr val="tx1"/>
+                          </a:solidFill>
+                          <a:latin typeface="Arial" charset="0"/>
+                        </a:defRPr>
+                      </a:lvl9pPr>
+                    </a:lstStyle>
+                    <a:p>
+                      <a:pPr marL="0" marR="0" lvl="0" indent="0" algn="l" defTabSz="914400" rtl="0" eaLnBrk="1" fontAlgn="base" latinLnBrk="0" hangingPunct="1">
+                        <a:lnSpc>
+                          <a:spcPct val="100000"/>
+                        </a:lnSpc>
+                        <a:spcBef>
+                          <a:spcPct val="20000"/>
+                        </a:spcBef>
+                        <a:spcAft>
+                          <a:spcPct val="0"/>
+                        </a:spcAft>
+                        <a:buClr>
+                          <a:srgbClr val="0000FF"/>
+                        </a:buClr>
+                        <a:buSzPct val="120000"/>
+                        <a:buFontTx/>
+                        <a:buNone/>
+                        <a:tabLst/>
+                      </a:pPr>
+                      <a:r>
+                        <a:rPr kumimoji="0" lang="en-US" altLang="en-US" sz="1800" b="0" i="0" u="none" strike="noStrike" cap="none" normalizeH="0" baseline="0">
+                          <a:ln>
+                            <a:noFill/>
+                          </a:ln>
+                          <a:solidFill>
+                            <a:schemeClr val="tx1"/>
+                          </a:solidFill>
+                          <a:effectLst/>
+                          <a:latin typeface="Arial" charset="0"/>
+                        </a:rPr>
+                        <a:t>Quantitative</a:t>
+                      </a:r>
+                    </a:p>
+                  </a:txBody>
+                  <a:tcPr marT="45723" marB="45723" horzOverflow="overflow">
+                    <a:lnL w="12700" cap="flat" cmpd="sng" algn="ctr">
+                      <a:solidFill>
+                        <a:srgbClr val="000000"/>
+                      </a:solidFill>
+                      <a:prstDash val="solid"/>
+                      <a:round/>
+                      <a:headEnd type="none" w="med" len="med"/>
+                      <a:tailEnd type="none" w="med" len="med"/>
+                    </a:lnL>
+                    <a:lnR w="28575" cap="flat" cmpd="sng" algn="ctr">
+                      <a:solidFill>
+                        <a:srgbClr val="000000"/>
+                      </a:solidFill>
+                      <a:prstDash val="solid"/>
+                      <a:round/>
+                      <a:headEnd type="none" w="med" len="med"/>
+                      <a:tailEnd type="none" w="med" len="med"/>
+                    </a:lnR>
+                    <a:lnT w="12700" cap="flat" cmpd="sng" algn="ctr">
+                      <a:solidFill>
+                        <a:srgbClr val="000000"/>
+                      </a:solidFill>
+                      <a:prstDash val="solid"/>
+                      <a:round/>
+                      <a:headEnd type="none" w="med" len="med"/>
+                      <a:tailEnd type="none" w="med" len="med"/>
+                    </a:lnT>
+                    <a:lnB w="12700" cap="flat" cmpd="sng" algn="ctr">
+                      <a:solidFill>
+                        <a:srgbClr val="000000"/>
+                      </a:solidFill>
+                      <a:prstDash val="solid"/>
+                      <a:round/>
+                      <a:headEnd type="none" w="med" len="med"/>
+                      <a:tailEnd type="none" w="med" len="med"/>
+                    </a:lnB>
+                    <a:lnTlToBr>
+                      <a:noFill/>
+                    </a:lnTlToBr>
+                    <a:lnBlToTr>
+                      <a:noFill/>
+                    </a:lnBlToTr>
+                    <a:noFill/>
+                  </a:tcPr>
+                </a:tc>
+                <a:extLst>
+                  <a:ext uri="{0D108BD9-81ED-4DB2-BD59-A6C34878D82A}">
+                    <a16:rowId xmlns:a16="http://schemas.microsoft.com/office/drawing/2014/main" val="10001"/>
+                  </a:ext>
+                </a:extLst>
+              </a:tr>
+              <a:tr h="1016071">
+                <a:tc>
+                  <a:txBody>
+                    <a:bodyPr/>
+                    <a:lstStyle>
+                      <a:lvl1pPr marL="0" algn="l" defTabSz="914400" rtl="0" eaLnBrk="1" latinLnBrk="0" hangingPunct="1">
+                        <a:spcBef>
+                          <a:spcPct val="20000"/>
+                        </a:spcBef>
+                        <a:buClr>
+                          <a:srgbClr val="0000FF"/>
+                        </a:buClr>
+                        <a:buSzPct val="120000"/>
+                        <a:defRPr sz="2400" kern="1200">
+                          <a:solidFill>
+                            <a:schemeClr val="tx1"/>
+                          </a:solidFill>
+                          <a:latin typeface="Arial" charset="0"/>
+                        </a:defRPr>
+                      </a:lvl1pPr>
+                      <a:lvl2pPr marL="457200" algn="l" defTabSz="914400" rtl="0" eaLnBrk="1" latinLnBrk="0" hangingPunct="1">
+                        <a:spcBef>
+                          <a:spcPct val="20000"/>
+                        </a:spcBef>
+                        <a:buClr>
+                          <a:srgbClr val="FF0000"/>
+                        </a:buClr>
+                        <a:buSzPct val="110000"/>
+                        <a:buFont typeface="Wingdings" pitchFamily="2" charset="2"/>
+                        <a:defRPr sz="2000" kern="1200">
+                          <a:solidFill>
+                            <a:schemeClr val="tx1"/>
+                          </a:solidFill>
+                          <a:latin typeface="Arial" charset="0"/>
+                        </a:defRPr>
+                      </a:lvl2pPr>
+                      <a:lvl3pPr marL="914400" algn="l" defTabSz="914400" rtl="0" eaLnBrk="1" latinLnBrk="0" hangingPunct="1">
+                        <a:spcBef>
+                          <a:spcPct val="20000"/>
+                        </a:spcBef>
+                        <a:defRPr sz="2000" kern="1200">
+                          <a:solidFill>
+                            <a:schemeClr val="tx1"/>
+                          </a:solidFill>
+                          <a:latin typeface="Arial" charset="0"/>
+                        </a:defRPr>
+                      </a:lvl3pPr>
+                      <a:lvl4pPr marL="1371600" algn="l" defTabSz="914400" rtl="0" eaLnBrk="1" latinLnBrk="0" hangingPunct="1">
+                        <a:spcBef>
+                          <a:spcPct val="20000"/>
+                        </a:spcBef>
+                        <a:defRPr sz="1800" kern="1200">
+                          <a:solidFill>
+                            <a:schemeClr val="tx1"/>
+                          </a:solidFill>
+                          <a:latin typeface="Arial" charset="0"/>
+                        </a:defRPr>
+                      </a:lvl4pPr>
+                      <a:lvl5pPr marL="1828800" algn="l" defTabSz="914400" rtl="0" eaLnBrk="1" latinLnBrk="0" hangingPunct="1">
+                        <a:spcBef>
+                          <a:spcPct val="20000"/>
+                        </a:spcBef>
+                        <a:defRPr sz="1800" kern="1200">
+                          <a:solidFill>
+                            <a:schemeClr val="tx1"/>
+                          </a:solidFill>
+                          <a:latin typeface="Arial" charset="0"/>
+                        </a:defRPr>
+                      </a:lvl5pPr>
+                      <a:lvl6pPr marL="2286000" algn="l" defTabSz="914400" rtl="0" eaLnBrk="1" fontAlgn="base" latinLnBrk="0" hangingPunct="1">
+                        <a:spcBef>
+                          <a:spcPct val="20000"/>
+                        </a:spcBef>
+                        <a:spcAft>
+                          <a:spcPct val="0"/>
+                        </a:spcAft>
+                        <a:defRPr sz="1800" kern="1200">
+                          <a:solidFill>
+                            <a:schemeClr val="tx1"/>
+                          </a:solidFill>
+                          <a:latin typeface="Arial" charset="0"/>
+                        </a:defRPr>
+                      </a:lvl6pPr>
+                      <a:lvl7pPr marL="2743200" algn="l" defTabSz="914400" rtl="0" eaLnBrk="1" fontAlgn="base" latinLnBrk="0" hangingPunct="1">
+                        <a:spcBef>
+                          <a:spcPct val="20000"/>
+                        </a:spcBef>
+                        <a:spcAft>
+                          <a:spcPct val="0"/>
+                        </a:spcAft>
+                        <a:defRPr sz="1800" kern="1200">
+                          <a:solidFill>
+                            <a:schemeClr val="tx1"/>
+                          </a:solidFill>
+                          <a:latin typeface="Arial" charset="0"/>
+                        </a:defRPr>
+                      </a:lvl7pPr>
+                      <a:lvl8pPr marL="3200400" algn="l" defTabSz="914400" rtl="0" eaLnBrk="1" fontAlgn="base" latinLnBrk="0" hangingPunct="1">
+                        <a:spcBef>
+                          <a:spcPct val="20000"/>
+                        </a:spcBef>
+                        <a:spcAft>
+                          <a:spcPct val="0"/>
+                        </a:spcAft>
+                        <a:defRPr sz="1800" kern="1200">
+                          <a:solidFill>
+                            <a:schemeClr val="tx1"/>
+                          </a:solidFill>
+                          <a:latin typeface="Arial" charset="0"/>
+                        </a:defRPr>
+                      </a:lvl8pPr>
+                      <a:lvl9pPr marL="3657600" algn="l" defTabSz="914400" rtl="0" eaLnBrk="1" fontAlgn="base" latinLnBrk="0" hangingPunct="1">
+                        <a:spcBef>
+                          <a:spcPct val="20000"/>
+                        </a:spcBef>
+                        <a:spcAft>
+                          <a:spcPct val="0"/>
+                        </a:spcAft>
+                        <a:defRPr sz="1800" kern="1200">
+                          <a:solidFill>
+                            <a:schemeClr val="tx1"/>
+                          </a:solidFill>
+                          <a:latin typeface="Arial" charset="0"/>
+                        </a:defRPr>
+                      </a:lvl9pPr>
+                    </a:lstStyle>
+                    <a:p>
+                      <a:pPr marL="0" marR="0" lvl="0" indent="0" algn="l" defTabSz="914400" rtl="0" eaLnBrk="1" fontAlgn="base" latinLnBrk="0" hangingPunct="1">
+                        <a:lnSpc>
+                          <a:spcPct val="100000"/>
+                        </a:lnSpc>
+                        <a:spcBef>
+                          <a:spcPct val="20000"/>
+                        </a:spcBef>
+                        <a:spcAft>
+                          <a:spcPct val="0"/>
+                        </a:spcAft>
+                        <a:buClr>
+                          <a:srgbClr val="0000FF"/>
+                        </a:buClr>
+                        <a:buSzPct val="120000"/>
+                        <a:buFontTx/>
+                        <a:buNone/>
+                        <a:tabLst/>
+                      </a:pPr>
+                      <a:r>
+                        <a:rPr kumimoji="0" lang="en-US" altLang="en-US" sz="2000" b="0" i="0" u="none" strike="noStrike" cap="none" normalizeH="0" baseline="0">
+                          <a:ln>
+                            <a:noFill/>
+                          </a:ln>
+                          <a:solidFill>
+                            <a:schemeClr val="tx1"/>
+                          </a:solidFill>
+                          <a:effectLst/>
+                          <a:latin typeface="Arial" charset="0"/>
+                        </a:rPr>
+                        <a:t>Independent (predictors)</a:t>
+                      </a:r>
+                    </a:p>
+                  </a:txBody>
+                  <a:tcPr marT="45723" marB="45723" horzOverflow="overflow">
+                    <a:lnL w="28575" cap="flat" cmpd="sng" algn="ctr">
+                      <a:solidFill>
+                        <a:srgbClr val="000000"/>
+                      </a:solidFill>
+                      <a:prstDash val="solid"/>
+                      <a:round/>
+                      <a:headEnd type="none" w="med" len="med"/>
+                      <a:tailEnd type="none" w="med" len="med"/>
+                    </a:lnL>
+                    <a:lnR w="12700" cap="flat" cmpd="sng" algn="ctr">
+                      <a:solidFill>
+                        <a:srgbClr val="000000"/>
+                      </a:solidFill>
+                      <a:prstDash val="solid"/>
+                      <a:round/>
+                      <a:headEnd type="none" w="med" len="med"/>
+                      <a:tailEnd type="none" w="med" len="med"/>
+                    </a:lnR>
+                    <a:lnT w="12700" cap="flat" cmpd="sng" algn="ctr">
+                      <a:solidFill>
+                        <a:srgbClr val="000000"/>
+                      </a:solidFill>
+                      <a:prstDash val="solid"/>
+                      <a:round/>
+                      <a:headEnd type="none" w="med" len="med"/>
+                      <a:tailEnd type="none" w="med" len="med"/>
+                    </a:lnT>
+                    <a:lnB w="12700" cap="flat" cmpd="sng" algn="ctr">
+                      <a:solidFill>
+                        <a:srgbClr val="000000"/>
+                      </a:solidFill>
+                      <a:prstDash val="solid"/>
+                      <a:round/>
+                      <a:headEnd type="none" w="med" len="med"/>
+                      <a:tailEnd type="none" w="med" len="med"/>
+                    </a:lnB>
+                    <a:lnTlToBr>
+                      <a:noFill/>
+                    </a:lnTlToBr>
+                    <a:lnBlToTr>
+                      <a:noFill/>
+                    </a:lnBlToTr>
+                    <a:solidFill>
+                      <a:srgbClr val="BBE0E3">
+                        <a:alpha val="50000"/>
+                      </a:srgbClr>
+                    </a:solidFill>
+                  </a:tcPr>
+                </a:tc>
+                <a:tc>
+                  <a:txBody>
+                    <a:bodyPr/>
+                    <a:lstStyle>
+                      <a:lvl1pPr marL="0" algn="l" defTabSz="914400" rtl="0" eaLnBrk="1" latinLnBrk="0" hangingPunct="1">
+                        <a:spcBef>
+                          <a:spcPct val="20000"/>
+                        </a:spcBef>
+                        <a:buClr>
+                          <a:srgbClr val="0000FF"/>
+                        </a:buClr>
+                        <a:buSzPct val="120000"/>
+                        <a:defRPr sz="2400" kern="1200">
+                          <a:solidFill>
+                            <a:schemeClr val="tx1"/>
+                          </a:solidFill>
+                          <a:latin typeface="Arial" charset="0"/>
+                        </a:defRPr>
+                      </a:lvl1pPr>
+                      <a:lvl2pPr marL="457200" algn="l" defTabSz="914400" rtl="0" eaLnBrk="1" latinLnBrk="0" hangingPunct="1">
+                        <a:spcBef>
+                          <a:spcPct val="20000"/>
+                        </a:spcBef>
+                        <a:buClr>
+                          <a:srgbClr val="FF0000"/>
+                        </a:buClr>
+                        <a:buSzPct val="110000"/>
+                        <a:buFont typeface="Wingdings" pitchFamily="2" charset="2"/>
+                        <a:defRPr sz="2000" kern="1200">
+                          <a:solidFill>
+                            <a:schemeClr val="tx1"/>
+                          </a:solidFill>
+                          <a:latin typeface="Arial" charset="0"/>
+                        </a:defRPr>
+                      </a:lvl2pPr>
+                      <a:lvl3pPr marL="914400" algn="l" defTabSz="914400" rtl="0" eaLnBrk="1" latinLnBrk="0" hangingPunct="1">
+                        <a:spcBef>
+                          <a:spcPct val="20000"/>
+                        </a:spcBef>
+                        <a:defRPr sz="2000" kern="1200">
+                          <a:solidFill>
+                            <a:schemeClr val="tx1"/>
+                          </a:solidFill>
+                          <a:latin typeface="Arial" charset="0"/>
+                        </a:defRPr>
+                      </a:lvl3pPr>
+                      <a:lvl4pPr marL="1371600" algn="l" defTabSz="914400" rtl="0" eaLnBrk="1" latinLnBrk="0" hangingPunct="1">
+                        <a:spcBef>
+                          <a:spcPct val="20000"/>
+                        </a:spcBef>
+                        <a:defRPr sz="1800" kern="1200">
+                          <a:solidFill>
+                            <a:schemeClr val="tx1"/>
+                          </a:solidFill>
+                          <a:latin typeface="Arial" charset="0"/>
+                        </a:defRPr>
+                      </a:lvl4pPr>
+                      <a:lvl5pPr marL="1828800" algn="l" defTabSz="914400" rtl="0" eaLnBrk="1" latinLnBrk="0" hangingPunct="1">
+                        <a:spcBef>
+                          <a:spcPct val="20000"/>
+                        </a:spcBef>
+                        <a:defRPr sz="1800" kern="1200">
+                          <a:solidFill>
+                            <a:schemeClr val="tx1"/>
+                          </a:solidFill>
+                          <a:latin typeface="Arial" charset="0"/>
+                        </a:defRPr>
+                      </a:lvl5pPr>
+                      <a:lvl6pPr marL="2286000" algn="l" defTabSz="914400" rtl="0" eaLnBrk="1" fontAlgn="base" latinLnBrk="0" hangingPunct="1">
+                        <a:spcBef>
+                          <a:spcPct val="20000"/>
+                        </a:spcBef>
+                        <a:spcAft>
+                          <a:spcPct val="0"/>
+                        </a:spcAft>
+                        <a:defRPr sz="1800" kern="1200">
+                          <a:solidFill>
+                            <a:schemeClr val="tx1"/>
+                          </a:solidFill>
+                          <a:latin typeface="Arial" charset="0"/>
+                        </a:defRPr>
+                      </a:lvl6pPr>
+                      <a:lvl7pPr marL="2743200" algn="l" defTabSz="914400" rtl="0" eaLnBrk="1" fontAlgn="base" latinLnBrk="0" hangingPunct="1">
+                        <a:spcBef>
+                          <a:spcPct val="20000"/>
+                        </a:spcBef>
+                        <a:spcAft>
+                          <a:spcPct val="0"/>
+                        </a:spcAft>
+                        <a:defRPr sz="1800" kern="1200">
+                          <a:solidFill>
+                            <a:schemeClr val="tx1"/>
+                          </a:solidFill>
+                          <a:latin typeface="Arial" charset="0"/>
+                        </a:defRPr>
+                      </a:lvl7pPr>
+                      <a:lvl8pPr marL="3200400" algn="l" defTabSz="914400" rtl="0" eaLnBrk="1" fontAlgn="base" latinLnBrk="0" hangingPunct="1">
+                        <a:spcBef>
+                          <a:spcPct val="20000"/>
+                        </a:spcBef>
+                        <a:spcAft>
+                          <a:spcPct val="0"/>
+                        </a:spcAft>
+                        <a:defRPr sz="1800" kern="1200">
+                          <a:solidFill>
+                            <a:schemeClr val="tx1"/>
+                          </a:solidFill>
+                          <a:latin typeface="Arial" charset="0"/>
+                        </a:defRPr>
+                      </a:lvl8pPr>
+                      <a:lvl9pPr marL="3657600" algn="l" defTabSz="914400" rtl="0" eaLnBrk="1" fontAlgn="base" latinLnBrk="0" hangingPunct="1">
+                        <a:spcBef>
+                          <a:spcPct val="20000"/>
+                        </a:spcBef>
+                        <a:spcAft>
+                          <a:spcPct val="0"/>
+                        </a:spcAft>
+                        <a:defRPr sz="1800" kern="1200">
+                          <a:solidFill>
+                            <a:schemeClr val="tx1"/>
+                          </a:solidFill>
+                          <a:latin typeface="Arial" charset="0"/>
+                        </a:defRPr>
+                      </a:lvl9pPr>
+                    </a:lstStyle>
+                    <a:p>
+                      <a:pPr marL="0" marR="0" lvl="0" indent="0" algn="l" defTabSz="914400" rtl="0" eaLnBrk="1" fontAlgn="base" latinLnBrk="0" hangingPunct="1">
+                        <a:lnSpc>
+                          <a:spcPct val="100000"/>
+                        </a:lnSpc>
+                        <a:spcBef>
+                          <a:spcPct val="20000"/>
+                        </a:spcBef>
+                        <a:spcAft>
+                          <a:spcPct val="0"/>
+                        </a:spcAft>
+                        <a:buClr>
+                          <a:srgbClr val="0000FF"/>
+                        </a:buClr>
+                        <a:buSzPct val="120000"/>
+                        <a:buFontTx/>
+                        <a:buNone/>
+                        <a:tabLst/>
+                      </a:pPr>
+                      <a:r>
+                        <a:rPr kumimoji="0" lang="en-US" altLang="en-US" sz="1800" b="0" i="0" u="none" strike="noStrike" cap="none" normalizeH="0" baseline="0">
+                          <a:ln>
+                            <a:noFill/>
+                          </a:ln>
+                          <a:solidFill>
+                            <a:schemeClr val="tx1"/>
+                          </a:solidFill>
+                          <a:effectLst/>
+                          <a:latin typeface="Arial" charset="0"/>
+                        </a:rPr>
+                        <a:t>Quantitative</a:t>
+                      </a:r>
+                    </a:p>
+                  </a:txBody>
+                  <a:tcPr marT="45723" marB="45723" horzOverflow="overflow">
+                    <a:lnL w="12700" cap="flat" cmpd="sng" algn="ctr">
+                      <a:solidFill>
+                        <a:srgbClr val="000000"/>
+                      </a:solidFill>
+                      <a:prstDash val="solid"/>
+                      <a:round/>
+                      <a:headEnd type="none" w="med" len="med"/>
+                      <a:tailEnd type="none" w="med" len="med"/>
+                    </a:lnL>
+                    <a:lnR w="12700" cap="flat" cmpd="sng" algn="ctr">
+                      <a:solidFill>
+                        <a:srgbClr val="000000"/>
+                      </a:solidFill>
+                      <a:prstDash val="solid"/>
+                      <a:round/>
+                      <a:headEnd type="none" w="med" len="med"/>
+                      <a:tailEnd type="none" w="med" len="med"/>
+                    </a:lnR>
+                    <a:lnT w="12700" cap="flat" cmpd="sng" algn="ctr">
+                      <a:solidFill>
+                        <a:srgbClr val="000000"/>
+                      </a:solidFill>
+                      <a:prstDash val="solid"/>
+                      <a:round/>
+                      <a:headEnd type="none" w="med" len="med"/>
+                      <a:tailEnd type="none" w="med" len="med"/>
+                    </a:lnT>
+                    <a:lnB w="12700" cap="flat" cmpd="sng" algn="ctr">
+                      <a:solidFill>
+                        <a:srgbClr val="000000"/>
+                      </a:solidFill>
+                      <a:prstDash val="solid"/>
+                      <a:round/>
+                      <a:headEnd type="none" w="med" len="med"/>
+                      <a:tailEnd type="none" w="med" len="med"/>
+                    </a:lnB>
+                    <a:lnTlToBr>
+                      <a:noFill/>
+                    </a:lnTlToBr>
+                    <a:lnBlToTr>
+                      <a:noFill/>
+                    </a:lnBlToTr>
+                    <a:noFill/>
+                  </a:tcPr>
+                </a:tc>
+                <a:tc>
+                  <a:txBody>
+                    <a:bodyPr/>
+                    <a:lstStyle>
+                      <a:lvl1pPr marL="0" algn="l" defTabSz="914400" rtl="0" eaLnBrk="1" latinLnBrk="0" hangingPunct="1">
+                        <a:spcBef>
+                          <a:spcPct val="20000"/>
+                        </a:spcBef>
+                        <a:buClr>
+                          <a:srgbClr val="0000FF"/>
+                        </a:buClr>
+                        <a:buSzPct val="120000"/>
+                        <a:defRPr sz="2400" kern="1200">
+                          <a:solidFill>
+                            <a:schemeClr val="tx1"/>
+                          </a:solidFill>
+                          <a:latin typeface="Arial" charset="0"/>
+                        </a:defRPr>
+                      </a:lvl1pPr>
+                      <a:lvl2pPr marL="457200" algn="l" defTabSz="914400" rtl="0" eaLnBrk="1" latinLnBrk="0" hangingPunct="1">
+                        <a:spcBef>
+                          <a:spcPct val="20000"/>
+                        </a:spcBef>
+                        <a:buClr>
+                          <a:srgbClr val="FF0000"/>
+                        </a:buClr>
+                        <a:buSzPct val="110000"/>
+                        <a:buFont typeface="Wingdings" pitchFamily="2" charset="2"/>
+                        <a:defRPr sz="2000" kern="1200">
+                          <a:solidFill>
+                            <a:schemeClr val="tx1"/>
+                          </a:solidFill>
+                          <a:latin typeface="Arial" charset="0"/>
+                        </a:defRPr>
+                      </a:lvl2pPr>
+                      <a:lvl3pPr marL="914400" algn="l" defTabSz="914400" rtl="0" eaLnBrk="1" latinLnBrk="0" hangingPunct="1">
+                        <a:spcBef>
+                          <a:spcPct val="20000"/>
+                        </a:spcBef>
+                        <a:defRPr sz="2000" kern="1200">
+                          <a:solidFill>
+                            <a:schemeClr val="tx1"/>
+                          </a:solidFill>
+                          <a:latin typeface="Arial" charset="0"/>
+                        </a:defRPr>
+                      </a:lvl3pPr>
+                      <a:lvl4pPr marL="1371600" algn="l" defTabSz="914400" rtl="0" eaLnBrk="1" latinLnBrk="0" hangingPunct="1">
+                        <a:spcBef>
+                          <a:spcPct val="20000"/>
+                        </a:spcBef>
+                        <a:defRPr sz="1800" kern="1200">
+                          <a:solidFill>
+                            <a:schemeClr val="tx1"/>
+                          </a:solidFill>
+                          <a:latin typeface="Arial" charset="0"/>
+                        </a:defRPr>
+                      </a:lvl4pPr>
+                      <a:lvl5pPr marL="1828800" algn="l" defTabSz="914400" rtl="0" eaLnBrk="1" latinLnBrk="0" hangingPunct="1">
+                        <a:spcBef>
+                          <a:spcPct val="20000"/>
+                        </a:spcBef>
+                        <a:defRPr sz="1800" kern="1200">
+                          <a:solidFill>
+                            <a:schemeClr val="tx1"/>
+                          </a:solidFill>
+                          <a:latin typeface="Arial" charset="0"/>
+                        </a:defRPr>
+                      </a:lvl5pPr>
+                      <a:lvl6pPr marL="2286000" algn="l" defTabSz="914400" rtl="0" eaLnBrk="1" fontAlgn="base" latinLnBrk="0" hangingPunct="1">
+                        <a:spcBef>
+                          <a:spcPct val="20000"/>
+                        </a:spcBef>
+                        <a:spcAft>
+                          <a:spcPct val="0"/>
+                        </a:spcAft>
+                        <a:defRPr sz="1800" kern="1200">
+                          <a:solidFill>
+                            <a:schemeClr val="tx1"/>
+                          </a:solidFill>
+                          <a:latin typeface="Arial" charset="0"/>
+                        </a:defRPr>
+                      </a:lvl6pPr>
+                      <a:lvl7pPr marL="2743200" algn="l" defTabSz="914400" rtl="0" eaLnBrk="1" fontAlgn="base" latinLnBrk="0" hangingPunct="1">
+                        <a:spcBef>
+                          <a:spcPct val="20000"/>
+                        </a:spcBef>
+                        <a:spcAft>
+                          <a:spcPct val="0"/>
+                        </a:spcAft>
+                        <a:defRPr sz="1800" kern="1200">
+                          <a:solidFill>
+                            <a:schemeClr val="tx1"/>
+                          </a:solidFill>
+                          <a:latin typeface="Arial" charset="0"/>
+                        </a:defRPr>
+                      </a:lvl7pPr>
+                      <a:lvl8pPr marL="3200400" algn="l" defTabSz="914400" rtl="0" eaLnBrk="1" fontAlgn="base" latinLnBrk="0" hangingPunct="1">
+                        <a:spcBef>
+                          <a:spcPct val="20000"/>
+                        </a:spcBef>
+                        <a:spcAft>
+                          <a:spcPct val="0"/>
+                        </a:spcAft>
+                        <a:defRPr sz="1800" kern="1200">
+                          <a:solidFill>
+                            <a:schemeClr val="tx1"/>
+                          </a:solidFill>
+                          <a:latin typeface="Arial" charset="0"/>
+                        </a:defRPr>
+                      </a:lvl8pPr>
+                      <a:lvl9pPr marL="3657600" algn="l" defTabSz="914400" rtl="0" eaLnBrk="1" fontAlgn="base" latinLnBrk="0" hangingPunct="1">
+                        <a:spcBef>
+                          <a:spcPct val="20000"/>
+                        </a:spcBef>
+                        <a:spcAft>
+                          <a:spcPct val="0"/>
+                        </a:spcAft>
+                        <a:defRPr sz="1800" kern="1200">
+                          <a:solidFill>
+                            <a:schemeClr val="tx1"/>
+                          </a:solidFill>
+                          <a:latin typeface="Arial" charset="0"/>
+                        </a:defRPr>
+                      </a:lvl9pPr>
+                    </a:lstStyle>
+                    <a:p>
+                      <a:pPr marL="0" marR="0" lvl="0" indent="0" algn="l" defTabSz="914400" rtl="0" eaLnBrk="1" fontAlgn="base" latinLnBrk="0" hangingPunct="1">
+                        <a:lnSpc>
+                          <a:spcPct val="100000"/>
+                        </a:lnSpc>
+                        <a:spcBef>
+                          <a:spcPct val="20000"/>
+                        </a:spcBef>
+                        <a:spcAft>
+                          <a:spcPct val="0"/>
+                        </a:spcAft>
+                        <a:buClr>
+                          <a:srgbClr val="0000FF"/>
+                        </a:buClr>
+                        <a:buSzPct val="120000"/>
+                        <a:buFontTx/>
+                        <a:buNone/>
+                        <a:tabLst/>
+                      </a:pPr>
+                      <a:r>
+                        <a:rPr kumimoji="0" lang="en-US" altLang="en-US" sz="1800" b="0" i="0" u="none" strike="noStrike" cap="none" normalizeH="0" baseline="0">
+                          <a:ln>
+                            <a:noFill/>
+                          </a:ln>
+                          <a:solidFill>
+                            <a:schemeClr val="tx1"/>
+                          </a:solidFill>
+                          <a:effectLst/>
+                          <a:latin typeface="Arial" charset="0"/>
+                        </a:rPr>
+                        <a:t>Discrete factors</a:t>
+                      </a:r>
+                    </a:p>
+                  </a:txBody>
+                  <a:tcPr marT="45723" marB="45723" horzOverflow="overflow">
+                    <a:lnL w="12700" cap="flat" cmpd="sng" algn="ctr">
+                      <a:solidFill>
+                        <a:srgbClr val="000000"/>
+                      </a:solidFill>
+                      <a:prstDash val="solid"/>
+                      <a:round/>
+                      <a:headEnd type="none" w="med" len="med"/>
+                      <a:tailEnd type="none" w="med" len="med"/>
+                    </a:lnL>
+                    <a:lnR w="28575" cap="flat" cmpd="sng" algn="ctr">
+                      <a:solidFill>
+                        <a:srgbClr val="000000"/>
+                      </a:solidFill>
+                      <a:prstDash val="solid"/>
+                      <a:round/>
+                      <a:headEnd type="none" w="med" len="med"/>
+                      <a:tailEnd type="none" w="med" len="med"/>
+                    </a:lnR>
+                    <a:lnT w="12700" cap="flat" cmpd="sng" algn="ctr">
+                      <a:solidFill>
+                        <a:srgbClr val="000000"/>
+                      </a:solidFill>
+                      <a:prstDash val="solid"/>
+                      <a:round/>
+                      <a:headEnd type="none" w="med" len="med"/>
+                      <a:tailEnd type="none" w="med" len="med"/>
+                    </a:lnT>
+                    <a:lnB w="12700" cap="flat" cmpd="sng" algn="ctr">
+                      <a:solidFill>
+                        <a:srgbClr val="000000"/>
+                      </a:solidFill>
+                      <a:prstDash val="solid"/>
+                      <a:round/>
+                      <a:headEnd type="none" w="med" len="med"/>
+                      <a:tailEnd type="none" w="med" len="med"/>
+                    </a:lnB>
+                    <a:lnTlToBr>
+                      <a:noFill/>
+                    </a:lnTlToBr>
+                    <a:lnBlToTr>
+                      <a:noFill/>
+                    </a:lnBlToTr>
+                    <a:noFill/>
+                  </a:tcPr>
+                </a:tc>
+                <a:extLst>
+                  <a:ext uri="{0D108BD9-81ED-4DB2-BD59-A6C34878D82A}">
+                    <a16:rowId xmlns:a16="http://schemas.microsoft.com/office/drawing/2014/main" val="10002"/>
+                  </a:ext>
+                </a:extLst>
+              </a:tr>
+              <a:tr h="1072971">
+                <a:tc>
+                  <a:txBody>
+                    <a:bodyPr/>
+                    <a:lstStyle>
+                      <a:lvl1pPr marL="0" algn="l" defTabSz="914400" rtl="0" eaLnBrk="1" latinLnBrk="0" hangingPunct="1">
+                        <a:spcBef>
+                          <a:spcPct val="20000"/>
+                        </a:spcBef>
+                        <a:buClr>
+                          <a:srgbClr val="0000FF"/>
+                        </a:buClr>
+                        <a:buSzPct val="120000"/>
+                        <a:defRPr sz="2400" kern="1200">
+                          <a:solidFill>
+                            <a:schemeClr val="tx1"/>
+                          </a:solidFill>
+                          <a:latin typeface="Arial" charset="0"/>
+                        </a:defRPr>
+                      </a:lvl1pPr>
+                      <a:lvl2pPr marL="457200" algn="l" defTabSz="914400" rtl="0" eaLnBrk="1" latinLnBrk="0" hangingPunct="1">
+                        <a:spcBef>
+                          <a:spcPct val="20000"/>
+                        </a:spcBef>
+                        <a:buClr>
+                          <a:srgbClr val="FF0000"/>
+                        </a:buClr>
+                        <a:buSzPct val="110000"/>
+                        <a:buFont typeface="Wingdings" pitchFamily="2" charset="2"/>
+                        <a:defRPr sz="2000" kern="1200">
+                          <a:solidFill>
+                            <a:schemeClr val="tx1"/>
+                          </a:solidFill>
+                          <a:latin typeface="Arial" charset="0"/>
+                        </a:defRPr>
+                      </a:lvl2pPr>
+                      <a:lvl3pPr marL="914400" algn="l" defTabSz="914400" rtl="0" eaLnBrk="1" latinLnBrk="0" hangingPunct="1">
+                        <a:spcBef>
+                          <a:spcPct val="20000"/>
+                        </a:spcBef>
+                        <a:defRPr sz="2000" kern="1200">
+                          <a:solidFill>
+                            <a:schemeClr val="tx1"/>
+                          </a:solidFill>
+                          <a:latin typeface="Arial" charset="0"/>
+                        </a:defRPr>
+                      </a:lvl3pPr>
+                      <a:lvl4pPr marL="1371600" algn="l" defTabSz="914400" rtl="0" eaLnBrk="1" latinLnBrk="0" hangingPunct="1">
+                        <a:spcBef>
+                          <a:spcPct val="20000"/>
+                        </a:spcBef>
+                        <a:defRPr sz="1800" kern="1200">
+                          <a:solidFill>
+                            <a:schemeClr val="tx1"/>
+                          </a:solidFill>
+                          <a:latin typeface="Arial" charset="0"/>
+                        </a:defRPr>
+                      </a:lvl4pPr>
+                      <a:lvl5pPr marL="1828800" algn="l" defTabSz="914400" rtl="0" eaLnBrk="1" latinLnBrk="0" hangingPunct="1">
+                        <a:spcBef>
+                          <a:spcPct val="20000"/>
+                        </a:spcBef>
+                        <a:defRPr sz="1800" kern="1200">
+                          <a:solidFill>
+                            <a:schemeClr val="tx1"/>
+                          </a:solidFill>
+                          <a:latin typeface="Arial" charset="0"/>
+                        </a:defRPr>
+                      </a:lvl5pPr>
+                      <a:lvl6pPr marL="2286000" algn="l" defTabSz="914400" rtl="0" eaLnBrk="1" fontAlgn="base" latinLnBrk="0" hangingPunct="1">
+                        <a:spcBef>
+                          <a:spcPct val="20000"/>
+                        </a:spcBef>
+                        <a:spcAft>
+                          <a:spcPct val="0"/>
+                        </a:spcAft>
+                        <a:defRPr sz="1800" kern="1200">
+                          <a:solidFill>
+                            <a:schemeClr val="tx1"/>
+                          </a:solidFill>
+                          <a:latin typeface="Arial" charset="0"/>
+                        </a:defRPr>
+                      </a:lvl6pPr>
+                      <a:lvl7pPr marL="2743200" algn="l" defTabSz="914400" rtl="0" eaLnBrk="1" fontAlgn="base" latinLnBrk="0" hangingPunct="1">
+                        <a:spcBef>
+                          <a:spcPct val="20000"/>
+                        </a:spcBef>
+                        <a:spcAft>
+                          <a:spcPct val="0"/>
+                        </a:spcAft>
+                        <a:defRPr sz="1800" kern="1200">
+                          <a:solidFill>
+                            <a:schemeClr val="tx1"/>
+                          </a:solidFill>
+                          <a:latin typeface="Arial" charset="0"/>
+                        </a:defRPr>
+                      </a:lvl7pPr>
+                      <a:lvl8pPr marL="3200400" algn="l" defTabSz="914400" rtl="0" eaLnBrk="1" fontAlgn="base" latinLnBrk="0" hangingPunct="1">
+                        <a:spcBef>
+                          <a:spcPct val="20000"/>
+                        </a:spcBef>
+                        <a:spcAft>
+                          <a:spcPct val="0"/>
+                        </a:spcAft>
+                        <a:defRPr sz="1800" kern="1200">
+                          <a:solidFill>
+                            <a:schemeClr val="tx1"/>
+                          </a:solidFill>
+                          <a:latin typeface="Arial" charset="0"/>
+                        </a:defRPr>
+                      </a:lvl8pPr>
+                      <a:lvl9pPr marL="3657600" algn="l" defTabSz="914400" rtl="0" eaLnBrk="1" fontAlgn="base" latinLnBrk="0" hangingPunct="1">
+                        <a:spcBef>
+                          <a:spcPct val="20000"/>
+                        </a:spcBef>
+                        <a:spcAft>
+                          <a:spcPct val="0"/>
+                        </a:spcAft>
+                        <a:defRPr sz="1800" kern="1200">
+                          <a:solidFill>
+                            <a:schemeClr val="tx1"/>
+                          </a:solidFill>
+                          <a:latin typeface="Arial" charset="0"/>
+                        </a:defRPr>
+                      </a:lvl9pPr>
+                    </a:lstStyle>
+                    <a:p>
+                      <a:pPr marL="0" marR="0" lvl="0" indent="0" algn="l" defTabSz="914400" rtl="0" eaLnBrk="1" fontAlgn="base" latinLnBrk="0" hangingPunct="1">
+                        <a:lnSpc>
+                          <a:spcPct val="100000"/>
+                        </a:lnSpc>
+                        <a:spcBef>
+                          <a:spcPct val="20000"/>
+                        </a:spcBef>
+                        <a:spcAft>
+                          <a:spcPct val="0"/>
+                        </a:spcAft>
+                        <a:buClr>
+                          <a:srgbClr val="0000FF"/>
+                        </a:buClr>
+                        <a:buSzPct val="120000"/>
+                        <a:buFontTx/>
+                        <a:buNone/>
+                        <a:tabLst/>
+                      </a:pPr>
+                      <a:r>
+                        <a:rPr kumimoji="0" lang="en-US" altLang="en-US" sz="2000" b="0" i="0" u="none" strike="noStrike" cap="none" normalizeH="0" baseline="0">
+                          <a:ln>
+                            <a:noFill/>
+                          </a:ln>
+                          <a:solidFill>
+                            <a:schemeClr val="tx1"/>
+                          </a:solidFill>
+                          <a:effectLst/>
+                          <a:latin typeface="Arial" charset="0"/>
+                        </a:rPr>
+                        <a:t>Concepts, statistics</a:t>
+                      </a:r>
+                    </a:p>
+                  </a:txBody>
+                  <a:tcPr marT="45723" marB="45723" horzOverflow="overflow">
+                    <a:lnL w="28575" cap="flat" cmpd="sng" algn="ctr">
+                      <a:solidFill>
+                        <a:srgbClr val="000000"/>
+                      </a:solidFill>
+                      <a:prstDash val="solid"/>
+                      <a:round/>
+                      <a:headEnd type="none" w="med" len="med"/>
+                      <a:tailEnd type="none" w="med" len="med"/>
+                    </a:lnL>
+                    <a:lnR w="12700" cap="flat" cmpd="sng" algn="ctr">
+                      <a:solidFill>
+                        <a:srgbClr val="000000"/>
+                      </a:solidFill>
+                      <a:prstDash val="solid"/>
+                      <a:round/>
+                      <a:headEnd type="none" w="med" len="med"/>
+                      <a:tailEnd type="none" w="med" len="med"/>
+                    </a:lnR>
+                    <a:lnT w="12700" cap="flat" cmpd="sng" algn="ctr">
+                      <a:solidFill>
+                        <a:srgbClr val="000000"/>
+                      </a:solidFill>
+                      <a:prstDash val="solid"/>
+                      <a:round/>
+                      <a:headEnd type="none" w="med" len="med"/>
+                      <a:tailEnd type="none" w="med" len="med"/>
+                    </a:lnT>
+                    <a:lnB w="28575" cap="flat" cmpd="sng" algn="ctr">
+                      <a:solidFill>
+                        <a:srgbClr val="000000"/>
+                      </a:solidFill>
+                      <a:prstDash val="solid"/>
+                      <a:round/>
+                      <a:headEnd type="none" w="med" len="med"/>
+                      <a:tailEnd type="none" w="med" len="med"/>
+                    </a:lnB>
+                    <a:lnTlToBr>
+                      <a:noFill/>
+                    </a:lnTlToBr>
+                    <a:lnBlToTr>
+                      <a:noFill/>
+                    </a:lnBlToTr>
+                    <a:solidFill>
+                      <a:srgbClr val="BBE0E3">
+                        <a:alpha val="50000"/>
+                      </a:srgbClr>
+                    </a:solidFill>
+                  </a:tcPr>
+                </a:tc>
+                <a:tc>
+                  <a:txBody>
+                    <a:bodyPr/>
+                    <a:lstStyle>
+                      <a:lvl1pPr marL="0" algn="l" defTabSz="914400" rtl="0" eaLnBrk="1" latinLnBrk="0" hangingPunct="1">
+                        <a:spcBef>
+                          <a:spcPct val="20000"/>
+                        </a:spcBef>
+                        <a:buClr>
+                          <a:srgbClr val="0000FF"/>
+                        </a:buClr>
+                        <a:buSzPct val="120000"/>
+                        <a:defRPr sz="2400" kern="1200">
+                          <a:solidFill>
+                            <a:schemeClr val="tx1"/>
+                          </a:solidFill>
+                          <a:latin typeface="Arial" charset="0"/>
+                        </a:defRPr>
+                      </a:lvl1pPr>
+                      <a:lvl2pPr marL="457200" algn="l" defTabSz="914400" rtl="0" eaLnBrk="1" latinLnBrk="0" hangingPunct="1">
+                        <a:spcBef>
+                          <a:spcPct val="20000"/>
+                        </a:spcBef>
+                        <a:buClr>
+                          <a:srgbClr val="FF0000"/>
+                        </a:buClr>
+                        <a:buSzPct val="110000"/>
+                        <a:buFont typeface="Wingdings" pitchFamily="2" charset="2"/>
+                        <a:defRPr sz="2000" kern="1200">
+                          <a:solidFill>
+                            <a:schemeClr val="tx1"/>
+                          </a:solidFill>
+                          <a:latin typeface="Arial" charset="0"/>
+                        </a:defRPr>
+                      </a:lvl2pPr>
+                      <a:lvl3pPr marL="914400" algn="l" defTabSz="914400" rtl="0" eaLnBrk="1" latinLnBrk="0" hangingPunct="1">
+                        <a:spcBef>
+                          <a:spcPct val="20000"/>
+                        </a:spcBef>
+                        <a:defRPr sz="2000" kern="1200">
+                          <a:solidFill>
+                            <a:schemeClr val="tx1"/>
+                          </a:solidFill>
+                          <a:latin typeface="Arial" charset="0"/>
+                        </a:defRPr>
+                      </a:lvl3pPr>
+                      <a:lvl4pPr marL="1371600" algn="l" defTabSz="914400" rtl="0" eaLnBrk="1" latinLnBrk="0" hangingPunct="1">
+                        <a:spcBef>
+                          <a:spcPct val="20000"/>
+                        </a:spcBef>
+                        <a:defRPr sz="1800" kern="1200">
+                          <a:solidFill>
+                            <a:schemeClr val="tx1"/>
+                          </a:solidFill>
+                          <a:latin typeface="Arial" charset="0"/>
+                        </a:defRPr>
+                      </a:lvl4pPr>
+                      <a:lvl5pPr marL="1828800" algn="l" defTabSz="914400" rtl="0" eaLnBrk="1" latinLnBrk="0" hangingPunct="1">
+                        <a:spcBef>
+                          <a:spcPct val="20000"/>
+                        </a:spcBef>
+                        <a:defRPr sz="1800" kern="1200">
+                          <a:solidFill>
+                            <a:schemeClr val="tx1"/>
+                          </a:solidFill>
+                          <a:latin typeface="Arial" charset="0"/>
+                        </a:defRPr>
+                      </a:lvl5pPr>
+                      <a:lvl6pPr marL="2286000" algn="l" defTabSz="914400" rtl="0" eaLnBrk="1" fontAlgn="base" latinLnBrk="0" hangingPunct="1">
+                        <a:spcBef>
+                          <a:spcPct val="20000"/>
+                        </a:spcBef>
+                        <a:spcAft>
+                          <a:spcPct val="0"/>
+                        </a:spcAft>
+                        <a:defRPr sz="1800" kern="1200">
+                          <a:solidFill>
+                            <a:schemeClr val="tx1"/>
+                          </a:solidFill>
+                          <a:latin typeface="Arial" charset="0"/>
+                        </a:defRPr>
+                      </a:lvl6pPr>
+                      <a:lvl7pPr marL="2743200" algn="l" defTabSz="914400" rtl="0" eaLnBrk="1" fontAlgn="base" latinLnBrk="0" hangingPunct="1">
+                        <a:spcBef>
+                          <a:spcPct val="20000"/>
+                        </a:spcBef>
+                        <a:spcAft>
+                          <a:spcPct val="0"/>
+                        </a:spcAft>
+                        <a:defRPr sz="1800" kern="1200">
+                          <a:solidFill>
+                            <a:schemeClr val="tx1"/>
+                          </a:solidFill>
+                          <a:latin typeface="Arial" charset="0"/>
+                        </a:defRPr>
+                      </a:lvl7pPr>
+                      <a:lvl8pPr marL="3200400" algn="l" defTabSz="914400" rtl="0" eaLnBrk="1" fontAlgn="base" latinLnBrk="0" hangingPunct="1">
+                        <a:spcBef>
+                          <a:spcPct val="20000"/>
+                        </a:spcBef>
+                        <a:spcAft>
+                          <a:spcPct val="0"/>
+                        </a:spcAft>
+                        <a:defRPr sz="1800" kern="1200">
+                          <a:solidFill>
+                            <a:schemeClr val="tx1"/>
+                          </a:solidFill>
+                          <a:latin typeface="Arial" charset="0"/>
+                        </a:defRPr>
+                      </a:lvl8pPr>
+                      <a:lvl9pPr marL="3657600" algn="l" defTabSz="914400" rtl="0" eaLnBrk="1" fontAlgn="base" latinLnBrk="0" hangingPunct="1">
+                        <a:spcBef>
+                          <a:spcPct val="20000"/>
+                        </a:spcBef>
+                        <a:spcAft>
+                          <a:spcPct val="0"/>
+                        </a:spcAft>
+                        <a:defRPr sz="1800" kern="1200">
+                          <a:solidFill>
+                            <a:schemeClr val="tx1"/>
+                          </a:solidFill>
+                          <a:latin typeface="Arial" charset="0"/>
+                        </a:defRPr>
+                      </a:lvl9pPr>
+                    </a:lstStyle>
+                    <a:p>
+                      <a:pPr marL="0" marR="0" lvl="0" indent="0" algn="l" defTabSz="914400" rtl="0" eaLnBrk="1" fontAlgn="base" latinLnBrk="0" hangingPunct="1">
+                        <a:lnSpc>
+                          <a:spcPct val="100000"/>
+                        </a:lnSpc>
+                        <a:spcBef>
+                          <a:spcPct val="20000"/>
+                        </a:spcBef>
+                        <a:spcAft>
+                          <a:spcPct val="0"/>
+                        </a:spcAft>
+                        <a:buClr>
+                          <a:srgbClr val="0000FF"/>
+                        </a:buClr>
+                        <a:buSzPct val="120000"/>
+                        <a:buFontTx/>
+                        <a:buNone/>
+                        <a:tabLst/>
+                      </a:pPr>
+                      <a:r>
+                        <a:rPr kumimoji="0" lang="en-US" altLang="en-US" sz="1400" b="0" i="0" u="none" strike="noStrike" cap="none" normalizeH="0" baseline="0">
+                          <a:ln>
+                            <a:noFill/>
+                          </a:ln>
+                          <a:solidFill>
+                            <a:schemeClr val="tx1"/>
+                          </a:solidFill>
+                          <a:effectLst/>
+                          <a:latin typeface="Arial" charset="0"/>
+                        </a:rPr>
+                        <a:t>Terms: X</a:t>
+                      </a:r>
+                      <a:r>
+                        <a:rPr kumimoji="0" lang="en-US" altLang="en-US" sz="1400" b="0" i="0" u="none" strike="noStrike" cap="none" normalizeH="0" baseline="-25000">
+                          <a:ln>
+                            <a:noFill/>
+                          </a:ln>
+                          <a:solidFill>
+                            <a:schemeClr val="tx1"/>
+                          </a:solidFill>
+                          <a:effectLst/>
+                          <a:latin typeface="Arial" charset="0"/>
+                        </a:rPr>
+                        <a:t>1</a:t>
+                      </a:r>
+                      <a:r>
+                        <a:rPr kumimoji="0" lang="en-US" altLang="en-US" sz="1400" b="0" i="0" u="none" strike="noStrike" cap="none" normalizeH="0" baseline="0">
+                          <a:ln>
+                            <a:noFill/>
+                          </a:ln>
+                          <a:solidFill>
+                            <a:schemeClr val="tx1"/>
+                          </a:solidFill>
+                          <a:effectLst/>
+                          <a:latin typeface="Arial" charset="0"/>
+                        </a:rPr>
+                        <a:t>, X</a:t>
+                      </a:r>
+                      <a:r>
+                        <a:rPr kumimoji="0" lang="en-US" altLang="en-US" sz="1400" b="0" i="0" u="none" strike="noStrike" cap="none" normalizeH="0" baseline="-25000">
+                          <a:ln>
+                            <a:noFill/>
+                          </a:ln>
+                          <a:solidFill>
+                            <a:schemeClr val="tx1"/>
+                          </a:solidFill>
+                          <a:effectLst/>
+                          <a:latin typeface="Arial" charset="0"/>
+                        </a:rPr>
+                        <a:t>2</a:t>
+                      </a:r>
+                    </a:p>
+                    <a:p>
+                      <a:pPr marL="0" marR="0" lvl="0" indent="0" algn="l" defTabSz="914400" rtl="0" eaLnBrk="1" fontAlgn="base" latinLnBrk="0" hangingPunct="1">
+                        <a:lnSpc>
+                          <a:spcPct val="100000"/>
+                        </a:lnSpc>
+                        <a:spcBef>
+                          <a:spcPct val="20000"/>
+                        </a:spcBef>
+                        <a:spcAft>
+                          <a:spcPct val="0"/>
+                        </a:spcAft>
+                        <a:buClr>
+                          <a:srgbClr val="0000FF"/>
+                        </a:buClr>
+                        <a:buSzPct val="120000"/>
+                        <a:buFontTx/>
+                        <a:buNone/>
+                        <a:tabLst/>
+                      </a:pPr>
+                      <a:r>
+                        <a:rPr kumimoji="0" lang="en-US" altLang="en-US" sz="1400" b="0" i="0" u="none" strike="noStrike" cap="none" normalizeH="0" baseline="0">
+                          <a:ln>
+                            <a:noFill/>
+                          </a:ln>
+                          <a:solidFill>
+                            <a:schemeClr val="tx1"/>
+                          </a:solidFill>
+                          <a:effectLst/>
+                          <a:latin typeface="Arial" charset="0"/>
+                        </a:rPr>
+                        <a:t>Interactions: X</a:t>
+                      </a:r>
+                      <a:r>
+                        <a:rPr kumimoji="0" lang="en-US" altLang="en-US" sz="1400" b="0" i="0" u="none" strike="noStrike" cap="none" normalizeH="0" baseline="-25000">
+                          <a:ln>
+                            <a:noFill/>
+                          </a:ln>
+                          <a:solidFill>
+                            <a:schemeClr val="tx1"/>
+                          </a:solidFill>
+                          <a:effectLst/>
+                          <a:latin typeface="Arial" charset="0"/>
+                        </a:rPr>
+                        <a:t>1</a:t>
+                      </a:r>
+                      <a:r>
+                        <a:rPr kumimoji="0" lang="en-US" altLang="en-US" sz="1400" b="0" i="0" u="none" strike="noStrike" cap="none" normalizeH="0" baseline="0">
+                          <a:ln>
+                            <a:noFill/>
+                          </a:ln>
+                          <a:solidFill>
+                            <a:schemeClr val="tx1"/>
+                          </a:solidFill>
+                          <a:effectLst/>
+                          <a:latin typeface="Arial" charset="0"/>
+                        </a:rPr>
+                        <a:t> * X</a:t>
+                      </a:r>
+                      <a:r>
+                        <a:rPr kumimoji="0" lang="en-US" altLang="en-US" sz="1400" b="0" i="0" u="none" strike="noStrike" cap="none" normalizeH="0" baseline="-25000">
+                          <a:ln>
+                            <a:noFill/>
+                          </a:ln>
+                          <a:solidFill>
+                            <a:schemeClr val="tx1"/>
+                          </a:solidFill>
+                          <a:effectLst/>
+                          <a:latin typeface="Arial" charset="0"/>
+                        </a:rPr>
+                        <a:t>2</a:t>
+                      </a:r>
+                    </a:p>
+                    <a:p>
+                      <a:pPr marL="0" marR="0" lvl="0" indent="0" algn="l" defTabSz="914400" rtl="0" eaLnBrk="1" fontAlgn="base" latinLnBrk="0" hangingPunct="1">
+                        <a:lnSpc>
+                          <a:spcPct val="100000"/>
+                        </a:lnSpc>
+                        <a:spcBef>
+                          <a:spcPct val="20000"/>
+                        </a:spcBef>
+                        <a:spcAft>
+                          <a:spcPct val="0"/>
+                        </a:spcAft>
+                        <a:buClr>
+                          <a:srgbClr val="0000FF"/>
+                        </a:buClr>
+                        <a:buSzPct val="120000"/>
+                        <a:buFontTx/>
+                        <a:buNone/>
+                        <a:tabLst/>
+                      </a:pPr>
+                      <a:r>
+                        <a:rPr kumimoji="0" lang="en-US" altLang="en-US" sz="1400" b="0" i="0" u="none" strike="noStrike" cap="none" normalizeH="0" baseline="0">
+                          <a:ln>
+                            <a:noFill/>
+                          </a:ln>
+                          <a:solidFill>
+                            <a:schemeClr val="tx1"/>
+                          </a:solidFill>
+                          <a:effectLst/>
+                          <a:latin typeface="Arial" charset="0"/>
+                        </a:rPr>
+                        <a:t>Linear hypotheses</a:t>
+                      </a:r>
+                    </a:p>
+                    <a:p>
+                      <a:pPr marL="0" marR="0" lvl="0" indent="0" algn="l" defTabSz="914400" rtl="0" eaLnBrk="1" fontAlgn="base" latinLnBrk="0" hangingPunct="1">
+                        <a:lnSpc>
+                          <a:spcPct val="100000"/>
+                        </a:lnSpc>
+                        <a:spcBef>
+                          <a:spcPct val="20000"/>
+                        </a:spcBef>
+                        <a:spcAft>
+                          <a:spcPct val="0"/>
+                        </a:spcAft>
+                        <a:buClr>
+                          <a:srgbClr val="0000FF"/>
+                        </a:buClr>
+                        <a:buSzPct val="120000"/>
+                        <a:buFontTx/>
+                        <a:buNone/>
+                        <a:tabLst/>
+                      </a:pPr>
+                      <a:r>
+                        <a:rPr kumimoji="0" lang="en-US" altLang="en-US" sz="1400" b="0" i="0" u="none" strike="noStrike" cap="none" normalizeH="0" baseline="0">
+                          <a:ln>
+                            <a:noFill/>
+                          </a:ln>
+                          <a:solidFill>
+                            <a:schemeClr val="tx1"/>
+                          </a:solidFill>
+                          <a:effectLst/>
+                          <a:latin typeface="Arial" charset="0"/>
+                        </a:rPr>
+                        <a:t>R</a:t>
+                      </a:r>
+                      <a:r>
+                        <a:rPr kumimoji="0" lang="en-US" altLang="en-US" sz="1400" b="0" i="0" u="none" strike="noStrike" cap="none" normalizeH="0" baseline="30000">
+                          <a:ln>
+                            <a:noFill/>
+                          </a:ln>
+                          <a:solidFill>
+                            <a:schemeClr val="tx1"/>
+                          </a:solidFill>
+                          <a:effectLst/>
+                          <a:latin typeface="Arial" charset="0"/>
+                        </a:rPr>
+                        <a:t>2</a:t>
+                      </a:r>
+                      <a:r>
+                        <a:rPr kumimoji="0" lang="en-US" altLang="en-US" sz="1400" b="0" i="0" u="none" strike="noStrike" cap="none" normalizeH="0" baseline="0">
+                          <a:ln>
+                            <a:noFill/>
+                          </a:ln>
+                          <a:solidFill>
+                            <a:schemeClr val="tx1"/>
+                          </a:solidFill>
+                          <a:effectLst/>
+                          <a:latin typeface="Arial" charset="0"/>
+                        </a:rPr>
+                        <a:t>, coefficients</a:t>
+                      </a:r>
+                    </a:p>
+                  </a:txBody>
+                  <a:tcPr marT="45723" marB="45723" horzOverflow="overflow">
+                    <a:lnL w="12700" cap="flat" cmpd="sng" algn="ctr">
+                      <a:solidFill>
+                        <a:srgbClr val="000000"/>
+                      </a:solidFill>
+                      <a:prstDash val="solid"/>
+                      <a:round/>
+                      <a:headEnd type="none" w="med" len="med"/>
+                      <a:tailEnd type="none" w="med" len="med"/>
+                    </a:lnL>
+                    <a:lnR w="12700" cap="flat" cmpd="sng" algn="ctr">
+                      <a:solidFill>
+                        <a:srgbClr val="000000"/>
+                      </a:solidFill>
+                      <a:prstDash val="solid"/>
+                      <a:round/>
+                      <a:headEnd type="none" w="med" len="med"/>
+                      <a:tailEnd type="none" w="med" len="med"/>
+                    </a:lnR>
+                    <a:lnT w="12700" cap="flat" cmpd="sng" algn="ctr">
+                      <a:solidFill>
+                        <a:srgbClr val="000000"/>
+                      </a:solidFill>
+                      <a:prstDash val="solid"/>
+                      <a:round/>
+                      <a:headEnd type="none" w="med" len="med"/>
+                      <a:tailEnd type="none" w="med" len="med"/>
+                    </a:lnT>
+                    <a:lnB w="28575" cap="flat" cmpd="sng" algn="ctr">
+                      <a:solidFill>
+                        <a:srgbClr val="000000"/>
+                      </a:solidFill>
+                      <a:prstDash val="solid"/>
+                      <a:round/>
+                      <a:headEnd type="none" w="med" len="med"/>
+                      <a:tailEnd type="none" w="med" len="med"/>
+                    </a:lnB>
+                    <a:lnTlToBr>
+                      <a:noFill/>
+                    </a:lnTlToBr>
+                    <a:lnBlToTr>
+                      <a:noFill/>
+                    </a:lnBlToTr>
+                    <a:noFill/>
+                  </a:tcPr>
+                </a:tc>
+                <a:tc>
+                  <a:txBody>
+                    <a:bodyPr/>
+                    <a:lstStyle>
+                      <a:lvl1pPr marL="0" algn="l" defTabSz="914400" rtl="0" eaLnBrk="1" latinLnBrk="0" hangingPunct="1">
+                        <a:spcBef>
+                          <a:spcPct val="20000"/>
+                        </a:spcBef>
+                        <a:buClr>
+                          <a:srgbClr val="0000FF"/>
+                        </a:buClr>
+                        <a:buSzPct val="120000"/>
+                        <a:defRPr sz="2400" kern="1200">
+                          <a:solidFill>
+                            <a:schemeClr val="tx1"/>
+                          </a:solidFill>
+                          <a:latin typeface="Arial" charset="0"/>
+                        </a:defRPr>
+                      </a:lvl1pPr>
+                      <a:lvl2pPr marL="457200" algn="l" defTabSz="914400" rtl="0" eaLnBrk="1" latinLnBrk="0" hangingPunct="1">
+                        <a:spcBef>
+                          <a:spcPct val="20000"/>
+                        </a:spcBef>
+                        <a:buClr>
+                          <a:srgbClr val="FF0000"/>
+                        </a:buClr>
+                        <a:buSzPct val="110000"/>
+                        <a:buFont typeface="Wingdings" pitchFamily="2" charset="2"/>
+                        <a:defRPr sz="2000" kern="1200">
+                          <a:solidFill>
+                            <a:schemeClr val="tx1"/>
+                          </a:solidFill>
+                          <a:latin typeface="Arial" charset="0"/>
+                        </a:defRPr>
+                      </a:lvl2pPr>
+                      <a:lvl3pPr marL="914400" algn="l" defTabSz="914400" rtl="0" eaLnBrk="1" latinLnBrk="0" hangingPunct="1">
+                        <a:spcBef>
+                          <a:spcPct val="20000"/>
+                        </a:spcBef>
+                        <a:defRPr sz="2000" kern="1200">
+                          <a:solidFill>
+                            <a:schemeClr val="tx1"/>
+                          </a:solidFill>
+                          <a:latin typeface="Arial" charset="0"/>
+                        </a:defRPr>
+                      </a:lvl3pPr>
+                      <a:lvl4pPr marL="1371600" algn="l" defTabSz="914400" rtl="0" eaLnBrk="1" latinLnBrk="0" hangingPunct="1">
+                        <a:spcBef>
+                          <a:spcPct val="20000"/>
+                        </a:spcBef>
+                        <a:defRPr sz="1800" kern="1200">
+                          <a:solidFill>
+                            <a:schemeClr val="tx1"/>
+                          </a:solidFill>
+                          <a:latin typeface="Arial" charset="0"/>
+                        </a:defRPr>
+                      </a:lvl4pPr>
+                      <a:lvl5pPr marL="1828800" algn="l" defTabSz="914400" rtl="0" eaLnBrk="1" latinLnBrk="0" hangingPunct="1">
+                        <a:spcBef>
+                          <a:spcPct val="20000"/>
+                        </a:spcBef>
+                        <a:defRPr sz="1800" kern="1200">
+                          <a:solidFill>
+                            <a:schemeClr val="tx1"/>
+                          </a:solidFill>
+                          <a:latin typeface="Arial" charset="0"/>
+                        </a:defRPr>
+                      </a:lvl5pPr>
+                      <a:lvl6pPr marL="2286000" algn="l" defTabSz="914400" rtl="0" eaLnBrk="1" fontAlgn="base" latinLnBrk="0" hangingPunct="1">
+                        <a:spcBef>
+                          <a:spcPct val="20000"/>
+                        </a:spcBef>
+                        <a:spcAft>
+                          <a:spcPct val="0"/>
+                        </a:spcAft>
+                        <a:defRPr sz="1800" kern="1200">
+                          <a:solidFill>
+                            <a:schemeClr val="tx1"/>
+                          </a:solidFill>
+                          <a:latin typeface="Arial" charset="0"/>
+                        </a:defRPr>
+                      </a:lvl6pPr>
+                      <a:lvl7pPr marL="2743200" algn="l" defTabSz="914400" rtl="0" eaLnBrk="1" fontAlgn="base" latinLnBrk="0" hangingPunct="1">
+                        <a:spcBef>
+                          <a:spcPct val="20000"/>
+                        </a:spcBef>
+                        <a:spcAft>
+                          <a:spcPct val="0"/>
+                        </a:spcAft>
+                        <a:defRPr sz="1800" kern="1200">
+                          <a:solidFill>
+                            <a:schemeClr val="tx1"/>
+                          </a:solidFill>
+                          <a:latin typeface="Arial" charset="0"/>
+                        </a:defRPr>
+                      </a:lvl7pPr>
+                      <a:lvl8pPr marL="3200400" algn="l" defTabSz="914400" rtl="0" eaLnBrk="1" fontAlgn="base" latinLnBrk="0" hangingPunct="1">
+                        <a:spcBef>
+                          <a:spcPct val="20000"/>
+                        </a:spcBef>
+                        <a:spcAft>
+                          <a:spcPct val="0"/>
+                        </a:spcAft>
+                        <a:defRPr sz="1800" kern="1200">
+                          <a:solidFill>
+                            <a:schemeClr val="tx1"/>
+                          </a:solidFill>
+                          <a:latin typeface="Arial" charset="0"/>
+                        </a:defRPr>
+                      </a:lvl8pPr>
+                      <a:lvl9pPr marL="3657600" algn="l" defTabSz="914400" rtl="0" eaLnBrk="1" fontAlgn="base" latinLnBrk="0" hangingPunct="1">
+                        <a:spcBef>
+                          <a:spcPct val="20000"/>
+                        </a:spcBef>
+                        <a:spcAft>
+                          <a:spcPct val="0"/>
+                        </a:spcAft>
+                        <a:defRPr sz="1800" kern="1200">
+                          <a:solidFill>
+                            <a:schemeClr val="tx1"/>
+                          </a:solidFill>
+                          <a:latin typeface="Arial" charset="0"/>
+                        </a:defRPr>
+                      </a:lvl9pPr>
+                    </a:lstStyle>
+                    <a:p>
+                      <a:pPr marL="0" marR="0" lvl="0" indent="0" algn="l" defTabSz="914400" rtl="0" eaLnBrk="1" fontAlgn="base" latinLnBrk="0" hangingPunct="1">
+                        <a:lnSpc>
+                          <a:spcPct val="100000"/>
+                        </a:lnSpc>
+                        <a:spcBef>
+                          <a:spcPct val="20000"/>
+                        </a:spcBef>
+                        <a:spcAft>
+                          <a:spcPct val="0"/>
+                        </a:spcAft>
+                        <a:buClr>
+                          <a:srgbClr val="0000FF"/>
+                        </a:buClr>
+                        <a:buSzPct val="120000"/>
+                        <a:buFontTx/>
+                        <a:buNone/>
+                        <a:tabLst/>
+                      </a:pPr>
+                      <a:r>
+                        <a:rPr kumimoji="0" lang="en-US" altLang="en-US" sz="1400" b="0" i="0" u="none" strike="noStrike" cap="none" normalizeH="0" baseline="0" dirty="0">
+                          <a:ln>
+                            <a:noFill/>
+                          </a:ln>
+                          <a:solidFill>
+                            <a:schemeClr val="tx1"/>
+                          </a:solidFill>
+                          <a:effectLst/>
+                          <a:latin typeface="Arial" charset="0"/>
+                        </a:rPr>
+                        <a:t>Main effects: A, B</a:t>
+                      </a:r>
+                    </a:p>
+                    <a:p>
+                      <a:pPr marL="0" marR="0" lvl="0" indent="0" algn="l" defTabSz="914400" rtl="0" eaLnBrk="1" fontAlgn="base" latinLnBrk="0" hangingPunct="1">
+                        <a:lnSpc>
+                          <a:spcPct val="100000"/>
+                        </a:lnSpc>
+                        <a:spcBef>
+                          <a:spcPct val="20000"/>
+                        </a:spcBef>
+                        <a:spcAft>
+                          <a:spcPct val="0"/>
+                        </a:spcAft>
+                        <a:buClr>
+                          <a:srgbClr val="0000FF"/>
+                        </a:buClr>
+                        <a:buSzPct val="120000"/>
+                        <a:buFontTx/>
+                        <a:buNone/>
+                        <a:tabLst/>
+                      </a:pPr>
+                      <a:r>
+                        <a:rPr kumimoji="0" lang="en-US" altLang="en-US" sz="1400" b="0" i="0" u="none" strike="noStrike" cap="none" normalizeH="0" baseline="0" dirty="0">
+                          <a:ln>
+                            <a:noFill/>
+                          </a:ln>
+                          <a:solidFill>
+                            <a:schemeClr val="tx1"/>
+                          </a:solidFill>
+                          <a:effectLst/>
+                          <a:latin typeface="Arial" charset="0"/>
+                        </a:rPr>
+                        <a:t>Interactions: A*B</a:t>
+                      </a:r>
+                    </a:p>
+                    <a:p>
+                      <a:pPr marL="0" marR="0" lvl="0" indent="0" algn="l" defTabSz="914400" rtl="0" eaLnBrk="1" fontAlgn="base" latinLnBrk="0" hangingPunct="1">
+                        <a:lnSpc>
+                          <a:spcPct val="100000"/>
+                        </a:lnSpc>
+                        <a:spcBef>
+                          <a:spcPct val="20000"/>
+                        </a:spcBef>
+                        <a:spcAft>
+                          <a:spcPct val="0"/>
+                        </a:spcAft>
+                        <a:buClr>
+                          <a:srgbClr val="0000FF"/>
+                        </a:buClr>
+                        <a:buSzPct val="120000"/>
+                        <a:buFontTx/>
+                        <a:buNone/>
+                        <a:tabLst/>
+                      </a:pPr>
+                      <a:r>
+                        <a:rPr kumimoji="0" lang="en-US" altLang="en-US" sz="1400" b="0" i="0" u="none" strike="noStrike" cap="none" normalizeH="0" baseline="0" dirty="0">
+                          <a:ln>
+                            <a:noFill/>
+                          </a:ln>
+                          <a:solidFill>
+                            <a:schemeClr val="tx1"/>
+                          </a:solidFill>
+                          <a:effectLst/>
+                          <a:latin typeface="Arial" charset="0"/>
+                        </a:rPr>
+                        <a:t>Contrasts</a:t>
+                      </a:r>
+                    </a:p>
+                    <a:p>
+                      <a:pPr marL="0" marR="0" lvl="0" indent="0" algn="l" defTabSz="914400" rtl="0" eaLnBrk="1" fontAlgn="base" latinLnBrk="0" hangingPunct="1">
+                        <a:lnSpc>
+                          <a:spcPct val="100000"/>
+                        </a:lnSpc>
+                        <a:spcBef>
+                          <a:spcPct val="20000"/>
+                        </a:spcBef>
+                        <a:spcAft>
+                          <a:spcPct val="0"/>
+                        </a:spcAft>
+                        <a:buClr>
+                          <a:srgbClr val="0000FF"/>
+                        </a:buClr>
+                        <a:buSzPct val="120000"/>
+                        <a:buFontTx/>
+                        <a:buNone/>
+                        <a:tabLst/>
+                      </a:pPr>
+                      <a:r>
+                        <a:rPr kumimoji="0" lang="en-US" altLang="en-US" sz="1400" b="0" i="0" u="none" strike="noStrike" cap="none" normalizeH="0" baseline="0" dirty="0">
+                          <a:ln>
+                            <a:noFill/>
+                          </a:ln>
+                          <a:solidFill>
+                            <a:schemeClr val="tx1"/>
+                          </a:solidFill>
+                          <a:effectLst/>
+                          <a:latin typeface="Arial" charset="0"/>
+                        </a:rPr>
+                        <a:t>F stats, factor effects</a:t>
+                      </a:r>
+                    </a:p>
+                  </a:txBody>
+                  <a:tcPr marT="45723" marB="45723" horzOverflow="overflow">
+                    <a:lnL w="12700" cap="flat" cmpd="sng" algn="ctr">
+                      <a:solidFill>
+                        <a:srgbClr val="000000"/>
+                      </a:solidFill>
+                      <a:prstDash val="solid"/>
+                      <a:round/>
+                      <a:headEnd type="none" w="med" len="med"/>
+                      <a:tailEnd type="none" w="med" len="med"/>
+                    </a:lnL>
+                    <a:lnR w="28575" cap="flat" cmpd="sng" algn="ctr">
+                      <a:solidFill>
+                        <a:srgbClr val="000000"/>
+                      </a:solidFill>
+                      <a:prstDash val="solid"/>
+                      <a:round/>
+                      <a:headEnd type="none" w="med" len="med"/>
+                      <a:tailEnd type="none" w="med" len="med"/>
+                    </a:lnR>
+                    <a:lnT w="12700" cap="flat" cmpd="sng" algn="ctr">
+                      <a:solidFill>
+                        <a:srgbClr val="000000"/>
+                      </a:solidFill>
+                      <a:prstDash val="solid"/>
+                      <a:round/>
+                      <a:headEnd type="none" w="med" len="med"/>
+                      <a:tailEnd type="none" w="med" len="med"/>
+                    </a:lnT>
+                    <a:lnB w="28575" cap="flat" cmpd="sng" algn="ctr">
+                      <a:solidFill>
+                        <a:srgbClr val="000000"/>
+                      </a:solidFill>
+                      <a:prstDash val="solid"/>
+                      <a:round/>
+                      <a:headEnd type="none" w="med" len="med"/>
+                      <a:tailEnd type="none" w="med" len="med"/>
+                    </a:lnB>
+                    <a:lnTlToBr>
+                      <a:noFill/>
+                    </a:lnTlToBr>
+                    <a:lnBlToTr>
+                      <a:noFill/>
+                    </a:lnBlToTr>
+                    <a:noFill/>
+                  </a:tcPr>
+                </a:tc>
+                <a:extLst>
+                  <a:ext uri="{0D108BD9-81ED-4DB2-BD59-A6C34878D82A}">
+                    <a16:rowId xmlns:a16="http://schemas.microsoft.com/office/drawing/2014/main" val="10003"/>
+                  </a:ext>
+                </a:extLst>
+              </a:tr>
+            </a:tbl>
+          </a:graphicData>
+        </a:graphic>
+      </p:graphicFrame>
+    </p:spTree>
+    <p:extLst>
+      <p:ext uri="{BB962C8B-B14F-4D97-AF65-F5344CB8AC3E}">
+        <p14:creationId xmlns:p14="http://schemas.microsoft.com/office/powerpoint/2010/main" val="3499327621"/>
       </p:ext>
     </p:extLst>
   </p:cSld>

--- a/images/linear-combs.pptx
+++ b/images/linear-combs.pptx
@@ -10,6 +10,7 @@
     <p:sldId id="257" r:id="rId4"/>
     <p:sldId id="258" r:id="rId5"/>
     <p:sldId id="260" r:id="rId6"/>
+    <p:sldId id="261" r:id="rId7"/>
   </p:sldIdLst>
   <p:sldSz cx="12192000" cy="6858000"/>
   <p:notesSz cx="6858000" cy="9144000"/>
@@ -265,7 +266,7 @@
           <a:p>
             <a:fld id="{7F462396-B916-4A8D-ADBC-544FE8B295C7}" type="datetimeFigureOut">
               <a:rPr lang="en-CA" smtClean="0"/>
-              <a:t>2023-12-30</a:t>
+              <a:t>2024-04-01</a:t>
             </a:fld>
             <a:endParaRPr lang="en-CA"/>
           </a:p>
@@ -465,7 +466,7 @@
           <a:p>
             <a:fld id="{7F462396-B916-4A8D-ADBC-544FE8B295C7}" type="datetimeFigureOut">
               <a:rPr lang="en-CA" smtClean="0"/>
-              <a:t>2023-12-30</a:t>
+              <a:t>2024-04-01</a:t>
             </a:fld>
             <a:endParaRPr lang="en-CA"/>
           </a:p>
@@ -675,7 +676,7 @@
           <a:p>
             <a:fld id="{7F462396-B916-4A8D-ADBC-544FE8B295C7}" type="datetimeFigureOut">
               <a:rPr lang="en-CA" smtClean="0"/>
-              <a:t>2023-12-30</a:t>
+              <a:t>2024-04-01</a:t>
             </a:fld>
             <a:endParaRPr lang="en-CA"/>
           </a:p>
@@ -875,7 +876,7 @@
           <a:p>
             <a:fld id="{7F462396-B916-4A8D-ADBC-544FE8B295C7}" type="datetimeFigureOut">
               <a:rPr lang="en-CA" smtClean="0"/>
-              <a:t>2023-12-30</a:t>
+              <a:t>2024-04-01</a:t>
             </a:fld>
             <a:endParaRPr lang="en-CA"/>
           </a:p>
@@ -1151,7 +1152,7 @@
           <a:p>
             <a:fld id="{7F462396-B916-4A8D-ADBC-544FE8B295C7}" type="datetimeFigureOut">
               <a:rPr lang="en-CA" smtClean="0"/>
-              <a:t>2023-12-30</a:t>
+              <a:t>2024-04-01</a:t>
             </a:fld>
             <a:endParaRPr lang="en-CA"/>
           </a:p>
@@ -1419,7 +1420,7 @@
           <a:p>
             <a:fld id="{7F462396-B916-4A8D-ADBC-544FE8B295C7}" type="datetimeFigureOut">
               <a:rPr lang="en-CA" smtClean="0"/>
-              <a:t>2023-12-30</a:t>
+              <a:t>2024-04-01</a:t>
             </a:fld>
             <a:endParaRPr lang="en-CA"/>
           </a:p>
@@ -1834,7 +1835,7 @@
           <a:p>
             <a:fld id="{7F462396-B916-4A8D-ADBC-544FE8B295C7}" type="datetimeFigureOut">
               <a:rPr lang="en-CA" smtClean="0"/>
-              <a:t>2023-12-30</a:t>
+              <a:t>2024-04-01</a:t>
             </a:fld>
             <a:endParaRPr lang="en-CA"/>
           </a:p>
@@ -1976,7 +1977,7 @@
           <a:p>
             <a:fld id="{7F462396-B916-4A8D-ADBC-544FE8B295C7}" type="datetimeFigureOut">
               <a:rPr lang="en-CA" smtClean="0"/>
-              <a:t>2023-12-30</a:t>
+              <a:t>2024-04-01</a:t>
             </a:fld>
             <a:endParaRPr lang="en-CA"/>
           </a:p>
@@ -2089,7 +2090,7 @@
           <a:p>
             <a:fld id="{7F462396-B916-4A8D-ADBC-544FE8B295C7}" type="datetimeFigureOut">
               <a:rPr lang="en-CA" smtClean="0"/>
-              <a:t>2023-12-30</a:t>
+              <a:t>2024-04-01</a:t>
             </a:fld>
             <a:endParaRPr lang="en-CA"/>
           </a:p>
@@ -2402,7 +2403,7 @@
           <a:p>
             <a:fld id="{7F462396-B916-4A8D-ADBC-544FE8B295C7}" type="datetimeFigureOut">
               <a:rPr lang="en-CA" smtClean="0"/>
-              <a:t>2023-12-30</a:t>
+              <a:t>2024-04-01</a:t>
             </a:fld>
             <a:endParaRPr lang="en-CA"/>
           </a:p>
@@ -2691,7 +2692,7 @@
           <a:p>
             <a:fld id="{7F462396-B916-4A8D-ADBC-544FE8B295C7}" type="datetimeFigureOut">
               <a:rPr lang="en-CA" smtClean="0"/>
-              <a:t>2023-12-30</a:t>
+              <a:t>2024-04-01</a:t>
             </a:fld>
             <a:endParaRPr lang="en-CA"/>
           </a:p>
@@ -2934,7 +2935,7 @@
           <a:p>
             <a:fld id="{7F462396-B916-4A8D-ADBC-544FE8B295C7}" type="datetimeFigureOut">
               <a:rPr lang="en-CA" smtClean="0"/>
-              <a:t>2023-12-30</a:t>
+              <a:t>2024-04-01</a:t>
             </a:fld>
             <a:endParaRPr lang="en-CA"/>
           </a:p>
@@ -38170,6 +38171,963 @@
 </p:sld>
 </file>
 
+<file path=ppt/slides/slide6.xml><?xml version="1.0" encoding="utf-8"?>
+<p:sld xmlns:a="http://schemas.openxmlformats.org/drawingml/2006/main" xmlns:r="http://schemas.openxmlformats.org/officeDocument/2006/relationships" xmlns:p="http://schemas.openxmlformats.org/presentationml/2006/main">
+  <p:cSld>
+    <p:spTree>
+      <p:nvGrpSpPr>
+        <p:cNvPr id="1" name=""/>
+        <p:cNvGrpSpPr/>
+        <p:nvPr/>
+      </p:nvGrpSpPr>
+      <p:grpSpPr>
+        <a:xfrm>
+          <a:off x="0" y="0"/>
+          <a:ext cx="0" cy="0"/>
+          <a:chOff x="0" y="0"/>
+          <a:chExt cx="0" cy="0"/>
+        </a:xfrm>
+      </p:grpSpPr>
+      <p:pic>
+        <p:nvPicPr>
+          <p:cNvPr id="2" name="Picture 1" descr="Chart, pie chart, radar chart&#10;&#10;Description automatically generated">
+            <a:extLst>
+              <a:ext uri="{FF2B5EF4-FFF2-40B4-BE49-F238E27FC236}">
+                <a16:creationId xmlns:a16="http://schemas.microsoft.com/office/drawing/2014/main" id="{269F0945-647D-187B-CE96-DFCE5D140AD6}"/>
+              </a:ext>
+            </a:extLst>
+          </p:cNvPr>
+          <p:cNvPicPr>
+            <a:picLocks noChangeAspect="1"/>
+          </p:cNvPicPr>
+          <p:nvPr/>
+        </p:nvPicPr>
+        <p:blipFill>
+          <a:blip r:embed="rId2">
+            <a:extLst>
+              <a:ext uri="{28A0092B-C50C-407E-A947-70E740481C1C}">
+                <a14:useLocalDpi xmlns:a14="http://schemas.microsoft.com/office/drawing/2010/main" val="0"/>
+              </a:ext>
+            </a:extLst>
+          </a:blip>
+          <a:stretch>
+            <a:fillRect/>
+          </a:stretch>
+        </p:blipFill>
+        <p:spPr>
+          <a:xfrm>
+            <a:off x="1642189" y="1310808"/>
+            <a:ext cx="2514600" cy="2514600"/>
+          </a:xfrm>
+          <a:prstGeom prst="rect">
+            <a:avLst/>
+          </a:prstGeom>
+        </p:spPr>
+      </p:pic>
+      <p:pic>
+        <p:nvPicPr>
+          <p:cNvPr id="3" name="Picture 2" descr="Chart, scatter chart&#10;&#10;Description automatically generated">
+            <a:extLst>
+              <a:ext uri="{FF2B5EF4-FFF2-40B4-BE49-F238E27FC236}">
+                <a16:creationId xmlns:a16="http://schemas.microsoft.com/office/drawing/2014/main" id="{B8758AD1-4006-411B-2EBB-BBBFB3A5D93C}"/>
+              </a:ext>
+            </a:extLst>
+          </p:cNvPr>
+          <p:cNvPicPr>
+            <a:picLocks noChangeAspect="1"/>
+          </p:cNvPicPr>
+          <p:nvPr/>
+        </p:nvPicPr>
+        <p:blipFill>
+          <a:blip r:embed="rId3">
+            <a:extLst>
+              <a:ext uri="{28A0092B-C50C-407E-A947-70E740481C1C}">
+                <a14:useLocalDpi xmlns:a14="http://schemas.microsoft.com/office/drawing/2010/main" val="0"/>
+              </a:ext>
+            </a:extLst>
+          </a:blip>
+          <a:stretch>
+            <a:fillRect/>
+          </a:stretch>
+        </p:blipFill>
+        <p:spPr>
+          <a:xfrm>
+            <a:off x="4766389" y="1310808"/>
+            <a:ext cx="2514600" cy="2514600"/>
+          </a:xfrm>
+          <a:prstGeom prst="rect">
+            <a:avLst/>
+          </a:prstGeom>
+        </p:spPr>
+      </p:pic>
+      <p:pic>
+        <p:nvPicPr>
+          <p:cNvPr id="4" name="Picture 3" descr="Diagram&#10;&#10;Description automatically generated">
+            <a:extLst>
+              <a:ext uri="{FF2B5EF4-FFF2-40B4-BE49-F238E27FC236}">
+                <a16:creationId xmlns:a16="http://schemas.microsoft.com/office/drawing/2014/main" id="{60CD1B3E-86C8-DD71-A700-8FF5CCA12F41}"/>
+              </a:ext>
+            </a:extLst>
+          </p:cNvPr>
+          <p:cNvPicPr>
+            <a:picLocks noChangeAspect="1"/>
+          </p:cNvPicPr>
+          <p:nvPr/>
+        </p:nvPicPr>
+        <p:blipFill>
+          <a:blip r:embed="rId4">
+            <a:extLst>
+              <a:ext uri="{28A0092B-C50C-407E-A947-70E740481C1C}">
+                <a14:useLocalDpi xmlns:a14="http://schemas.microsoft.com/office/drawing/2010/main" val="0"/>
+              </a:ext>
+            </a:extLst>
+          </a:blip>
+          <a:stretch>
+            <a:fillRect/>
+          </a:stretch>
+        </p:blipFill>
+        <p:spPr>
+          <a:xfrm>
+            <a:off x="7890589" y="1310808"/>
+            <a:ext cx="2514600" cy="2514600"/>
+          </a:xfrm>
+          <a:prstGeom prst="rect">
+            <a:avLst/>
+          </a:prstGeom>
+        </p:spPr>
+      </p:pic>
+      <mc:AlternateContent xmlns:mc="http://schemas.openxmlformats.org/markup-compatibility/2006">
+        <mc:Choice xmlns:a14="http://schemas.microsoft.com/office/drawing/2010/main" Requires="a14">
+          <p:sp>
+            <p:nvSpPr>
+              <p:cNvPr id="16" name="TextBox 15">
+                <a:extLst>
+                  <a:ext uri="{FF2B5EF4-FFF2-40B4-BE49-F238E27FC236}">
+                    <a16:creationId xmlns:a16="http://schemas.microsoft.com/office/drawing/2014/main" id="{94B9DA9F-92FB-6B41-1556-45F4EA7516D1}"/>
+                  </a:ext>
+                </a:extLst>
+              </p:cNvPr>
+              <p:cNvSpPr txBox="1"/>
+              <p:nvPr/>
+            </p:nvSpPr>
+            <p:spPr>
+              <a:xfrm>
+                <a:off x="7937244" y="470910"/>
+                <a:ext cx="2514600" cy="730649"/>
+              </a:xfrm>
+              <a:prstGeom prst="rect">
+                <a:avLst/>
+              </a:prstGeom>
+              <a:noFill/>
+            </p:spPr>
+            <p:txBody>
+              <a:bodyPr wrap="square">
+                <a:spAutoFit/>
+              </a:bodyPr>
+              <a:lstStyle/>
+              <a:p>
+                <a:pPr/>
+                <a14:m>
+                  <m:oMathPara xmlns:m="http://schemas.openxmlformats.org/officeDocument/2006/math">
+                    <m:oMathParaPr>
+                      <m:jc m:val="centerGroup"/>
+                    </m:oMathParaPr>
+                    <m:oMath xmlns:m="http://schemas.openxmlformats.org/officeDocument/2006/math">
+                      <m:d>
+                        <m:dPr>
+                          <m:ctrlPr>
+                            <a:rPr lang="en-CA" sz="3600" b="1" i="1" smtClean="0">
+                              <a:solidFill>
+                                <a:srgbClr val="836967"/>
+                              </a:solidFill>
+                              <a:latin typeface="Cambria Math" panose="02040503050406030204" pitchFamily="18" charset="0"/>
+                            </a:rPr>
+                          </m:ctrlPr>
+                        </m:dPr>
+                        <m:e>
+                          <m:sSub>
+                            <m:sSubPr>
+                              <m:ctrlPr>
+                                <a:rPr lang="en-CA" sz="3600" b="1" i="1">
+                                  <a:solidFill>
+                                    <a:srgbClr val="836967"/>
+                                  </a:solidFill>
+                                  <a:latin typeface="Cambria Math" panose="02040503050406030204" pitchFamily="18" charset="0"/>
+                                </a:rPr>
+                              </m:ctrlPr>
+                            </m:sSubPr>
+                            <m:e>
+                              <m:r>
+                                <a:rPr lang="en-CA" sz="3600" b="1">
+                                  <a:latin typeface="Cambria Math" panose="02040503050406030204" pitchFamily="18" charset="0"/>
+                                </a:rPr>
+                                <m:t>𝐲</m:t>
+                              </m:r>
+                            </m:e>
+                            <m:sub>
+                              <m:r>
+                                <a:rPr lang="en-CA" sz="3600" b="0" i="1">
+                                  <a:latin typeface="Cambria Math" panose="02040503050406030204" pitchFamily="18" charset="0"/>
+                                </a:rPr>
+                                <m:t>𝑖𝑗</m:t>
+                              </m:r>
+                            </m:sub>
+                          </m:sSub>
+                          <m:r>
+                            <a:rPr lang="en-CA" sz="3600" b="0" i="0">
+                              <a:latin typeface="Cambria Math" panose="02040503050406030204" pitchFamily="18" charset="0"/>
+                            </a:rPr>
+                            <m:t>−</m:t>
+                          </m:r>
+                          <m:sSub>
+                            <m:sSubPr>
+                              <m:ctrlPr>
+                                <a:rPr lang="en-CA" sz="3600" b="0" i="1">
+                                  <a:solidFill>
+                                    <a:srgbClr val="836967"/>
+                                  </a:solidFill>
+                                  <a:latin typeface="Cambria Math" panose="02040503050406030204" pitchFamily="18" charset="0"/>
+                                </a:rPr>
+                              </m:ctrlPr>
+                            </m:sSubPr>
+                            <m:e>
+                              <m:acc>
+                                <m:accPr>
+                                  <m:chr m:val="̅"/>
+                                  <m:ctrlPr>
+                                    <a:rPr lang="en-CA" sz="3600" b="0" i="1">
+                                      <a:solidFill>
+                                        <a:srgbClr val="836967"/>
+                                      </a:solidFill>
+                                      <a:latin typeface="Cambria Math" panose="02040503050406030204" pitchFamily="18" charset="0"/>
+                                    </a:rPr>
+                                  </m:ctrlPr>
+                                </m:accPr>
+                                <m:e>
+                                  <m:r>
+                                    <a:rPr lang="en-CA" sz="3600" b="1" i="0">
+                                      <a:latin typeface="Cambria Math" panose="02040503050406030204" pitchFamily="18" charset="0"/>
+                                    </a:rPr>
+                                    <m:t>𝐲</m:t>
+                                  </m:r>
+                                </m:e>
+                              </m:acc>
+                            </m:e>
+                            <m:sub>
+                              <m:r>
+                                <a:rPr lang="en-CA" sz="3600" b="0" i="1">
+                                  <a:latin typeface="Cambria Math" panose="02040503050406030204" pitchFamily="18" charset="0"/>
+                                </a:rPr>
+                                <m:t>𝑖</m:t>
+                              </m:r>
+                              <m:r>
+                                <a:rPr lang="en-CA" sz="3600" b="0" i="0">
+                                  <a:latin typeface="Cambria Math" panose="02040503050406030204" pitchFamily="18" charset="0"/>
+                                </a:rPr>
+                                <m:t>•</m:t>
+                              </m:r>
+                            </m:sub>
+                          </m:sSub>
+                        </m:e>
+                      </m:d>
+                    </m:oMath>
+                  </m:oMathPara>
+                </a14:m>
+                <a:endParaRPr lang="en-CA" sz="3600" dirty="0"/>
+              </a:p>
+            </p:txBody>
+          </p:sp>
+        </mc:Choice>
+        <mc:Fallback>
+          <p:sp>
+            <p:nvSpPr>
+              <p:cNvPr id="16" name="TextBox 15">
+                <a:extLst>
+                  <a:ext uri="{FF2B5EF4-FFF2-40B4-BE49-F238E27FC236}">
+                    <a16:creationId xmlns:a16="http://schemas.microsoft.com/office/drawing/2014/main" id="{94B9DA9F-92FB-6B41-1556-45F4EA7516D1}"/>
+                  </a:ext>
+                </a:extLst>
+              </p:cNvPr>
+              <p:cNvSpPr txBox="1">
+                <a:spLocks noRot="1" noChangeAspect="1" noMove="1" noResize="1" noEditPoints="1" noAdjustHandles="1" noChangeArrowheads="1" noChangeShapeType="1" noTextEdit="1"/>
+              </p:cNvSpPr>
+              <p:nvPr/>
+            </p:nvSpPr>
+            <p:spPr>
+              <a:xfrm>
+                <a:off x="7937244" y="470910"/>
+                <a:ext cx="2514600" cy="730649"/>
+              </a:xfrm>
+              <a:prstGeom prst="rect">
+                <a:avLst/>
+              </a:prstGeom>
+              <a:blipFill>
+                <a:blip r:embed="rId5"/>
+                <a:stretch>
+                  <a:fillRect/>
+                </a:stretch>
+              </a:blipFill>
+            </p:spPr>
+            <p:txBody>
+              <a:bodyPr/>
+              <a:lstStyle/>
+              <a:p>
+                <a:r>
+                  <a:rPr lang="en-CA">
+                    <a:noFill/>
+                  </a:rPr>
+                  <a:t> </a:t>
+                </a:r>
+              </a:p>
+            </p:txBody>
+          </p:sp>
+        </mc:Fallback>
+      </mc:AlternateContent>
+      <mc:AlternateContent xmlns:mc="http://schemas.openxmlformats.org/markup-compatibility/2006">
+        <mc:Choice xmlns:a14="http://schemas.microsoft.com/office/drawing/2010/main" Requires="a14">
+          <p:sp>
+            <p:nvSpPr>
+              <p:cNvPr id="20" name="TextBox 19">
+                <a:extLst>
+                  <a:ext uri="{FF2B5EF4-FFF2-40B4-BE49-F238E27FC236}">
+                    <a16:creationId xmlns:a16="http://schemas.microsoft.com/office/drawing/2014/main" id="{385F5C8F-F05C-CA9C-1EA6-9C5757D0FEA8}"/>
+                  </a:ext>
+                </a:extLst>
+              </p:cNvPr>
+              <p:cNvSpPr txBox="1"/>
+              <p:nvPr/>
+            </p:nvSpPr>
+            <p:spPr>
+              <a:xfrm>
+                <a:off x="1642189" y="453847"/>
+                <a:ext cx="2590798" cy="730649"/>
+              </a:xfrm>
+              <a:prstGeom prst="rect">
+                <a:avLst/>
+              </a:prstGeom>
+              <a:noFill/>
+            </p:spPr>
+            <p:txBody>
+              <a:bodyPr wrap="square">
+                <a:spAutoFit/>
+              </a:bodyPr>
+              <a:lstStyle/>
+              <a:p>
+                <a:pPr/>
+                <a14:m>
+                  <m:oMathPara xmlns:m="http://schemas.openxmlformats.org/officeDocument/2006/math">
+                    <m:oMathParaPr>
+                      <m:jc m:val="centerGroup"/>
+                    </m:oMathParaPr>
+                    <m:oMath xmlns:m="http://schemas.openxmlformats.org/officeDocument/2006/math">
+                      <m:d>
+                        <m:dPr>
+                          <m:ctrlPr>
+                            <a:rPr lang="en-CA" sz="3600" b="1" i="1" smtClean="0">
+                              <a:solidFill>
+                                <a:srgbClr val="836967"/>
+                              </a:solidFill>
+                              <a:latin typeface="Cambria Math" panose="02040503050406030204" pitchFamily="18" charset="0"/>
+                            </a:rPr>
+                          </m:ctrlPr>
+                        </m:dPr>
+                        <m:e>
+                          <m:sSub>
+                            <m:sSubPr>
+                              <m:ctrlPr>
+                                <a:rPr lang="en-CA" sz="3600" b="1" i="1">
+                                  <a:solidFill>
+                                    <a:srgbClr val="836967"/>
+                                  </a:solidFill>
+                                  <a:latin typeface="Cambria Math" panose="02040503050406030204" pitchFamily="18" charset="0"/>
+                                </a:rPr>
+                              </m:ctrlPr>
+                            </m:sSubPr>
+                            <m:e>
+                              <m:r>
+                                <a:rPr lang="en-CA" sz="3600" b="1">
+                                  <a:latin typeface="Cambria Math" panose="02040503050406030204" pitchFamily="18" charset="0"/>
+                                </a:rPr>
+                                <m:t>𝐲</m:t>
+                              </m:r>
+                            </m:e>
+                            <m:sub>
+                              <m:r>
+                                <a:rPr lang="en-CA" sz="3600" b="0" i="1">
+                                  <a:latin typeface="Cambria Math" panose="02040503050406030204" pitchFamily="18" charset="0"/>
+                                </a:rPr>
+                                <m:t>𝑖𝑗</m:t>
+                              </m:r>
+                            </m:sub>
+                          </m:sSub>
+                          <m:r>
+                            <a:rPr lang="en-CA" sz="3600" b="0" i="0">
+                              <a:latin typeface="Cambria Math" panose="02040503050406030204" pitchFamily="18" charset="0"/>
+                            </a:rPr>
+                            <m:t>−</m:t>
+                          </m:r>
+                          <m:sSub>
+                            <m:sSubPr>
+                              <m:ctrlPr>
+                                <a:rPr lang="en-CA" sz="3600" b="0" i="1">
+                                  <a:solidFill>
+                                    <a:srgbClr val="836967"/>
+                                  </a:solidFill>
+                                  <a:latin typeface="Cambria Math" panose="02040503050406030204" pitchFamily="18" charset="0"/>
+                                </a:rPr>
+                              </m:ctrlPr>
+                            </m:sSubPr>
+                            <m:e>
+                              <m:acc>
+                                <m:accPr>
+                                  <m:chr m:val="̅"/>
+                                  <m:ctrlPr>
+                                    <a:rPr lang="en-CA" sz="3600" b="0" i="1">
+                                      <a:solidFill>
+                                        <a:srgbClr val="836967"/>
+                                      </a:solidFill>
+                                      <a:latin typeface="Cambria Math" panose="02040503050406030204" pitchFamily="18" charset="0"/>
+                                    </a:rPr>
+                                  </m:ctrlPr>
+                                </m:accPr>
+                                <m:e>
+                                  <m:r>
+                                    <a:rPr lang="en-CA" sz="3600" b="1" i="0">
+                                      <a:latin typeface="Cambria Math" panose="02040503050406030204" pitchFamily="18" charset="0"/>
+                                    </a:rPr>
+                                    <m:t>𝐲</m:t>
+                                  </m:r>
+                                </m:e>
+                              </m:acc>
+                            </m:e>
+                            <m:sub>
+                              <m:r>
+                                <a:rPr lang="en-CA" sz="3600" b="0" i="0">
+                                  <a:latin typeface="Cambria Math" panose="02040503050406030204" pitchFamily="18" charset="0"/>
+                                </a:rPr>
+                                <m:t>••</m:t>
+                              </m:r>
+                            </m:sub>
+                          </m:sSub>
+                        </m:e>
+                      </m:d>
+                    </m:oMath>
+                  </m:oMathPara>
+                </a14:m>
+                <a:endParaRPr lang="en-CA" sz="3600" dirty="0"/>
+              </a:p>
+            </p:txBody>
+          </p:sp>
+        </mc:Choice>
+        <mc:Fallback>
+          <p:sp>
+            <p:nvSpPr>
+              <p:cNvPr id="20" name="TextBox 19">
+                <a:extLst>
+                  <a:ext uri="{FF2B5EF4-FFF2-40B4-BE49-F238E27FC236}">
+                    <a16:creationId xmlns:a16="http://schemas.microsoft.com/office/drawing/2014/main" id="{385F5C8F-F05C-CA9C-1EA6-9C5757D0FEA8}"/>
+                  </a:ext>
+                </a:extLst>
+              </p:cNvPr>
+              <p:cNvSpPr txBox="1">
+                <a:spLocks noRot="1" noChangeAspect="1" noMove="1" noResize="1" noEditPoints="1" noAdjustHandles="1" noChangeArrowheads="1" noChangeShapeType="1" noTextEdit="1"/>
+              </p:cNvSpPr>
+              <p:nvPr/>
+            </p:nvSpPr>
+            <p:spPr>
+              <a:xfrm>
+                <a:off x="1642189" y="453847"/>
+                <a:ext cx="2590798" cy="730649"/>
+              </a:xfrm>
+              <a:prstGeom prst="rect">
+                <a:avLst/>
+              </a:prstGeom>
+              <a:blipFill>
+                <a:blip r:embed="rId6"/>
+                <a:stretch>
+                  <a:fillRect/>
+                </a:stretch>
+              </a:blipFill>
+            </p:spPr>
+            <p:txBody>
+              <a:bodyPr/>
+              <a:lstStyle/>
+              <a:p>
+                <a:r>
+                  <a:rPr lang="en-CA">
+                    <a:noFill/>
+                  </a:rPr>
+                  <a:t> </a:t>
+                </a:r>
+              </a:p>
+            </p:txBody>
+          </p:sp>
+        </mc:Fallback>
+      </mc:AlternateContent>
+      <mc:AlternateContent xmlns:mc="http://schemas.openxmlformats.org/markup-compatibility/2006">
+        <mc:Choice xmlns:a14="http://schemas.microsoft.com/office/drawing/2010/main" Requires="a14">
+          <p:sp>
+            <p:nvSpPr>
+              <p:cNvPr id="22" name="TextBox 21">
+                <a:extLst>
+                  <a:ext uri="{FF2B5EF4-FFF2-40B4-BE49-F238E27FC236}">
+                    <a16:creationId xmlns:a16="http://schemas.microsoft.com/office/drawing/2014/main" id="{F073358A-23F0-F4BD-9D3E-9F75A6F3FF1D}"/>
+                  </a:ext>
+                </a:extLst>
+              </p:cNvPr>
+              <p:cNvSpPr txBox="1"/>
+              <p:nvPr/>
+            </p:nvSpPr>
+            <p:spPr>
+              <a:xfrm>
+                <a:off x="4907516" y="513070"/>
+                <a:ext cx="2288332" cy="646331"/>
+              </a:xfrm>
+              <a:prstGeom prst="rect">
+                <a:avLst/>
+              </a:prstGeom>
+              <a:noFill/>
+            </p:spPr>
+            <p:txBody>
+              <a:bodyPr wrap="square">
+                <a:spAutoFit/>
+              </a:bodyPr>
+              <a:lstStyle/>
+              <a:p>
+                <a:pPr/>
+                <a14:m>
+                  <m:oMathPara xmlns:m="http://schemas.openxmlformats.org/officeDocument/2006/math">
+                    <m:oMathParaPr>
+                      <m:jc m:val="centerGroup"/>
+                    </m:oMathParaPr>
+                    <m:oMath xmlns:m="http://schemas.openxmlformats.org/officeDocument/2006/math">
+                      <m:d>
+                        <m:dPr>
+                          <m:ctrlPr>
+                            <a:rPr lang="en-CA" sz="3600" b="1" i="1" smtClean="0">
+                              <a:solidFill>
+                                <a:srgbClr val="836967"/>
+                              </a:solidFill>
+                              <a:latin typeface="Cambria Math" panose="02040503050406030204" pitchFamily="18" charset="0"/>
+                            </a:rPr>
+                          </m:ctrlPr>
+                        </m:dPr>
+                        <m:e>
+                          <m:sSub>
+                            <m:sSubPr>
+                              <m:ctrlPr>
+                                <a:rPr lang="en-CA" sz="3600" b="1" i="1">
+                                  <a:solidFill>
+                                    <a:srgbClr val="836967"/>
+                                  </a:solidFill>
+                                  <a:latin typeface="Cambria Math" panose="02040503050406030204" pitchFamily="18" charset="0"/>
+                                </a:rPr>
+                              </m:ctrlPr>
+                            </m:sSubPr>
+                            <m:e>
+                              <m:acc>
+                                <m:accPr>
+                                  <m:chr m:val="̅"/>
+                                  <m:ctrlPr>
+                                    <a:rPr lang="en-CA" sz="3600" b="1" i="1">
+                                      <a:solidFill>
+                                        <a:srgbClr val="836967"/>
+                                      </a:solidFill>
+                                      <a:latin typeface="Cambria Math" panose="02040503050406030204" pitchFamily="18" charset="0"/>
+                                    </a:rPr>
+                                  </m:ctrlPr>
+                                </m:accPr>
+                                <m:e>
+                                  <m:r>
+                                    <a:rPr lang="en-CA" sz="3600" b="1">
+                                      <a:latin typeface="Cambria Math" panose="02040503050406030204" pitchFamily="18" charset="0"/>
+                                    </a:rPr>
+                                    <m:t>𝐲</m:t>
+                                  </m:r>
+                                </m:e>
+                              </m:acc>
+                            </m:e>
+                            <m:sub>
+                              <m:r>
+                                <a:rPr lang="en-CA" sz="3600" b="0" i="1">
+                                  <a:latin typeface="Cambria Math" panose="02040503050406030204" pitchFamily="18" charset="0"/>
+                                </a:rPr>
+                                <m:t>𝑖</m:t>
+                              </m:r>
+                              <m:r>
+                                <a:rPr lang="en-CA" sz="3600" b="0" i="0">
+                                  <a:latin typeface="Cambria Math" panose="02040503050406030204" pitchFamily="18" charset="0"/>
+                                </a:rPr>
+                                <m:t>•</m:t>
+                              </m:r>
+                            </m:sub>
+                          </m:sSub>
+                          <m:r>
+                            <a:rPr lang="en-CA" sz="3600" b="0" i="0">
+                              <a:latin typeface="Cambria Math" panose="02040503050406030204" pitchFamily="18" charset="0"/>
+                            </a:rPr>
+                            <m:t>−</m:t>
+                          </m:r>
+                          <m:sSub>
+                            <m:sSubPr>
+                              <m:ctrlPr>
+                                <a:rPr lang="en-CA" sz="3600" b="0" i="1">
+                                  <a:solidFill>
+                                    <a:srgbClr val="836967"/>
+                                  </a:solidFill>
+                                  <a:latin typeface="Cambria Math" panose="02040503050406030204" pitchFamily="18" charset="0"/>
+                                </a:rPr>
+                              </m:ctrlPr>
+                            </m:sSubPr>
+                            <m:e>
+                              <m:acc>
+                                <m:accPr>
+                                  <m:chr m:val="̅"/>
+                                  <m:ctrlPr>
+                                    <a:rPr lang="en-CA" sz="3600" b="0" i="1">
+                                      <a:solidFill>
+                                        <a:srgbClr val="836967"/>
+                                      </a:solidFill>
+                                      <a:latin typeface="Cambria Math" panose="02040503050406030204" pitchFamily="18" charset="0"/>
+                                    </a:rPr>
+                                  </m:ctrlPr>
+                                </m:accPr>
+                                <m:e>
+                                  <m:r>
+                                    <a:rPr lang="en-CA" sz="3600" b="1" i="0">
+                                      <a:latin typeface="Cambria Math" panose="02040503050406030204" pitchFamily="18" charset="0"/>
+                                    </a:rPr>
+                                    <m:t>𝐲</m:t>
+                                  </m:r>
+                                </m:e>
+                              </m:acc>
+                            </m:e>
+                            <m:sub>
+                              <m:r>
+                                <a:rPr lang="en-CA" sz="3600" b="0" i="0">
+                                  <a:latin typeface="Cambria Math" panose="02040503050406030204" pitchFamily="18" charset="0"/>
+                                </a:rPr>
+                                <m:t>••</m:t>
+                              </m:r>
+                            </m:sub>
+                          </m:sSub>
+                        </m:e>
+                      </m:d>
+                    </m:oMath>
+                  </m:oMathPara>
+                </a14:m>
+                <a:endParaRPr lang="en-CA" sz="3600" dirty="0"/>
+              </a:p>
+            </p:txBody>
+          </p:sp>
+        </mc:Choice>
+        <mc:Fallback>
+          <p:sp>
+            <p:nvSpPr>
+              <p:cNvPr id="22" name="TextBox 21">
+                <a:extLst>
+                  <a:ext uri="{FF2B5EF4-FFF2-40B4-BE49-F238E27FC236}">
+                    <a16:creationId xmlns:a16="http://schemas.microsoft.com/office/drawing/2014/main" id="{F073358A-23F0-F4BD-9D3E-9F75A6F3FF1D}"/>
+                  </a:ext>
+                </a:extLst>
+              </p:cNvPr>
+              <p:cNvSpPr txBox="1">
+                <a:spLocks noRot="1" noChangeAspect="1" noMove="1" noResize="1" noEditPoints="1" noAdjustHandles="1" noChangeArrowheads="1" noChangeShapeType="1" noTextEdit="1"/>
+              </p:cNvSpPr>
+              <p:nvPr/>
+            </p:nvSpPr>
+            <p:spPr>
+              <a:xfrm>
+                <a:off x="4907516" y="513070"/>
+                <a:ext cx="2288332" cy="646331"/>
+              </a:xfrm>
+              <a:prstGeom prst="rect">
+                <a:avLst/>
+              </a:prstGeom>
+              <a:blipFill>
+                <a:blip r:embed="rId7"/>
+                <a:stretch>
+                  <a:fillRect/>
+                </a:stretch>
+              </a:blipFill>
+            </p:spPr>
+            <p:txBody>
+              <a:bodyPr/>
+              <a:lstStyle/>
+              <a:p>
+                <a:r>
+                  <a:rPr lang="en-CA">
+                    <a:noFill/>
+                  </a:rPr>
+                  <a:t> </a:t>
+                </a:r>
+              </a:p>
+            </p:txBody>
+          </p:sp>
+        </mc:Fallback>
+      </mc:AlternateContent>
+      <p:sp>
+        <p:nvSpPr>
+          <p:cNvPr id="23" name="TextBox 22">
+            <a:extLst>
+              <a:ext uri="{FF2B5EF4-FFF2-40B4-BE49-F238E27FC236}">
+                <a16:creationId xmlns:a16="http://schemas.microsoft.com/office/drawing/2014/main" id="{1AD9ABF0-76F2-C002-3A4B-E834E5A5F854}"/>
+              </a:ext>
+            </a:extLst>
+          </p:cNvPr>
+          <p:cNvSpPr txBox="1"/>
+          <p:nvPr/>
+        </p:nvSpPr>
+        <p:spPr>
+          <a:xfrm>
+            <a:off x="3962402" y="1984651"/>
+            <a:ext cx="998375" cy="830997"/>
+          </a:xfrm>
+          <a:prstGeom prst="rect">
+            <a:avLst/>
+          </a:prstGeom>
+          <a:noFill/>
+        </p:spPr>
+        <p:txBody>
+          <a:bodyPr wrap="square" rtlCol="0">
+            <a:spAutoFit/>
+          </a:bodyPr>
+          <a:lstStyle/>
+          <a:p>
+            <a:pPr algn="ctr"/>
+            <a:r>
+              <a:rPr lang="en-CA" sz="4800" dirty="0"/>
+              <a:t>=</a:t>
+            </a:r>
+          </a:p>
+        </p:txBody>
+      </p:sp>
+      <p:sp>
+        <p:nvSpPr>
+          <p:cNvPr id="24" name="TextBox 23">
+            <a:extLst>
+              <a:ext uri="{FF2B5EF4-FFF2-40B4-BE49-F238E27FC236}">
+                <a16:creationId xmlns:a16="http://schemas.microsoft.com/office/drawing/2014/main" id="{34BB1312-FBF9-F6E1-4D56-C6F28848E18E}"/>
+              </a:ext>
+            </a:extLst>
+          </p:cNvPr>
+          <p:cNvSpPr txBox="1"/>
+          <p:nvPr/>
+        </p:nvSpPr>
+        <p:spPr>
+          <a:xfrm>
+            <a:off x="7086602" y="1984650"/>
+            <a:ext cx="998375" cy="830997"/>
+          </a:xfrm>
+          <a:prstGeom prst="rect">
+            <a:avLst/>
+          </a:prstGeom>
+          <a:noFill/>
+        </p:spPr>
+        <p:txBody>
+          <a:bodyPr wrap="square" rtlCol="0">
+            <a:spAutoFit/>
+          </a:bodyPr>
+          <a:lstStyle/>
+          <a:p>
+            <a:pPr algn="ctr"/>
+            <a:r>
+              <a:rPr lang="en-CA" sz="4800" dirty="0"/>
+              <a:t>+</a:t>
+            </a:r>
+          </a:p>
+        </p:txBody>
+      </p:sp>
+      <p:sp>
+        <p:nvSpPr>
+          <p:cNvPr id="25" name="TextBox 24">
+            <a:extLst>
+              <a:ext uri="{FF2B5EF4-FFF2-40B4-BE49-F238E27FC236}">
+                <a16:creationId xmlns:a16="http://schemas.microsoft.com/office/drawing/2014/main" id="{2F8A8B95-8320-D00A-6191-2B1628DBC079}"/>
+              </a:ext>
+            </a:extLst>
+          </p:cNvPr>
+          <p:cNvSpPr txBox="1"/>
+          <p:nvPr/>
+        </p:nvSpPr>
+        <p:spPr>
+          <a:xfrm>
+            <a:off x="3957346" y="416655"/>
+            <a:ext cx="998375" cy="830997"/>
+          </a:xfrm>
+          <a:prstGeom prst="rect">
+            <a:avLst/>
+          </a:prstGeom>
+          <a:noFill/>
+        </p:spPr>
+        <p:txBody>
+          <a:bodyPr wrap="square" rtlCol="0">
+            <a:spAutoFit/>
+          </a:bodyPr>
+          <a:lstStyle/>
+          <a:p>
+            <a:pPr algn="ctr"/>
+            <a:r>
+              <a:rPr lang="en-CA" sz="4800" dirty="0"/>
+              <a:t>=</a:t>
+            </a:r>
+          </a:p>
+        </p:txBody>
+      </p:sp>
+      <p:sp>
+        <p:nvSpPr>
+          <p:cNvPr id="26" name="TextBox 25">
+            <a:extLst>
+              <a:ext uri="{FF2B5EF4-FFF2-40B4-BE49-F238E27FC236}">
+                <a16:creationId xmlns:a16="http://schemas.microsoft.com/office/drawing/2014/main" id="{95CE11CF-B357-149E-AD02-2EA10F0059F5}"/>
+              </a:ext>
+            </a:extLst>
+          </p:cNvPr>
+          <p:cNvSpPr txBox="1"/>
+          <p:nvPr/>
+        </p:nvSpPr>
+        <p:spPr>
+          <a:xfrm>
+            <a:off x="7086601" y="425186"/>
+            <a:ext cx="998375" cy="830997"/>
+          </a:xfrm>
+          <a:prstGeom prst="rect">
+            <a:avLst/>
+          </a:prstGeom>
+          <a:noFill/>
+        </p:spPr>
+        <p:txBody>
+          <a:bodyPr wrap="square" rtlCol="0">
+            <a:spAutoFit/>
+          </a:bodyPr>
+          <a:lstStyle/>
+          <a:p>
+            <a:pPr algn="ctr"/>
+            <a:r>
+              <a:rPr lang="en-CA" sz="4800" dirty="0"/>
+              <a:t>+</a:t>
+            </a:r>
+          </a:p>
+        </p:txBody>
+      </p:sp>
+    </p:spTree>
+    <p:extLst>
+      <p:ext uri="{BB962C8B-B14F-4D97-AF65-F5344CB8AC3E}">
+        <p14:creationId xmlns:p14="http://schemas.microsoft.com/office/powerpoint/2010/main" val="3187859541"/>
+      </p:ext>
+    </p:extLst>
+  </p:cSld>
+  <p:clrMapOvr>
+    <a:masterClrMapping/>
+  </p:clrMapOvr>
+  <p:timing>
+    <p:tnLst>
+      <p:par>
+        <p:cTn id="1" dur="indefinite" restart="never" nodeType="tmRoot">
+          <p:childTnLst>
+            <p:seq concurrent="1" nextAc="seek">
+              <p:cTn id="2" dur="indefinite" nodeType="mainSeq">
+                <p:childTnLst>
+                  <p:par>
+                    <p:cTn id="3" fill="hold">
+                      <p:stCondLst>
+                        <p:cond delay="indefinite"/>
+                        <p:cond evt="onBegin" delay="0">
+                          <p:tn val="2"/>
+                        </p:cond>
+                      </p:stCondLst>
+                      <p:childTnLst>
+                        <p:par>
+                          <p:cTn id="4" fill="hold">
+                            <p:stCondLst>
+                              <p:cond delay="0"/>
+                            </p:stCondLst>
+                            <p:childTnLst>
+                              <p:par>
+                                <p:cTn id="5" presetID="1" presetClass="entr" presetSubtype="0" fill="hold" nodeType="withEffect">
+                                  <p:stCondLst>
+                                    <p:cond delay="0"/>
+                                  </p:stCondLst>
+                                  <p:childTnLst>
+                                    <p:set>
+                                      <p:cBhvr>
+                                        <p:cTn id="6" dur="1" fill="hold">
+                                          <p:stCondLst>
+                                            <p:cond delay="0"/>
+                                          </p:stCondLst>
+                                        </p:cTn>
+                                        <p:tgtEl>
+                                          <p:spTgt spid="3"/>
+                                        </p:tgtEl>
+                                        <p:attrNameLst>
+                                          <p:attrName>style.visibility</p:attrName>
+                                        </p:attrNameLst>
+                                      </p:cBhvr>
+                                      <p:to>
+                                        <p:strVal val="visible"/>
+                                      </p:to>
+                                    </p:set>
+                                  </p:childTnLst>
+                                </p:cTn>
+                              </p:par>
+                              <p:par>
+                                <p:cTn id="7" presetID="1" presetClass="entr" presetSubtype="0" fill="hold" nodeType="withEffect">
+                                  <p:stCondLst>
+                                    <p:cond delay="0"/>
+                                  </p:stCondLst>
+                                  <p:childTnLst>
+                                    <p:set>
+                                      <p:cBhvr>
+                                        <p:cTn id="8" dur="1" fill="hold">
+                                          <p:stCondLst>
+                                            <p:cond delay="0"/>
+                                          </p:stCondLst>
+                                        </p:cTn>
+                                        <p:tgtEl>
+                                          <p:spTgt spid="4"/>
+                                        </p:tgtEl>
+                                        <p:attrNameLst>
+                                          <p:attrName>style.visibility</p:attrName>
+                                        </p:attrNameLst>
+                                      </p:cBhvr>
+                                      <p:to>
+                                        <p:strVal val="visible"/>
+                                      </p:to>
+                                    </p:set>
+                                  </p:childTnLst>
+                                </p:cTn>
+                              </p:par>
+                            </p:childTnLst>
+                          </p:cTn>
+                        </p:par>
+                      </p:childTnLst>
+                    </p:cTn>
+                  </p:par>
+                </p:childTnLst>
+              </p:cTn>
+              <p:prevCondLst>
+                <p:cond evt="onPrev" delay="0">
+                  <p:tgtEl>
+                    <p:sldTgt/>
+                  </p:tgtEl>
+                </p:cond>
+              </p:prevCondLst>
+              <p:nextCondLst>
+                <p:cond evt="onNext" delay="0">
+                  <p:tgtEl>
+                    <p:sldTgt/>
+                  </p:tgtEl>
+                </p:cond>
+              </p:nextCondLst>
+            </p:seq>
+          </p:childTnLst>
+        </p:cTn>
+      </p:par>
+    </p:tnLst>
+  </p:timing>
+</p:sld>
+</file>
+
 <file path=ppt/theme/theme1.xml><?xml version="1.0" encoding="utf-8"?>
 <a:theme xmlns:a="http://schemas.openxmlformats.org/drawingml/2006/main" name="Office Theme">
   <a:themeElements>
@@ -38463,4 +39421,24 @@
     </a:ext>
   </a:extLst>
 </a:theme>
+</file>
+
+<file path=ppt/webextensions/taskpanes.xml><?xml version="1.0" encoding="utf-8"?>
+<wetp:taskpanes xmlns:wetp="http://schemas.microsoft.com/office/webextensions/taskpanes/2010/11">
+  <wetp:taskpane dockstate="right" visibility="0" width="350" row="1">
+    <wetp:webextensionref xmlns:r="http://schemas.openxmlformats.org/officeDocument/2006/relationships" r:id="rId1"/>
+  </wetp:taskpane>
+</wetp:taskpanes>
+</file>
+
+<file path=ppt/webextensions/webextension1.xml><?xml version="1.0" encoding="utf-8"?>
+<we:webextension xmlns:we="http://schemas.microsoft.com/office/webextensions/webextension/2010/11" id="{AB44C26C-5222-4417-ADC0-BE72EB09A832}">
+  <we:reference id="4b785c87-866c-4bad-85d8-5d1ae467ac9a" version="3.14.0.0" store="EXCatalog" storeType="EXCatalog"/>
+  <we:alternateReferences>
+    <we:reference id="WA104381909" version="3.14.0.0" store="en-CA" storeType="OMEX"/>
+  </we:alternateReferences>
+  <we:properties/>
+  <we:bindings/>
+  <we:snapshot xmlns:r="http://schemas.openxmlformats.org/officeDocument/2006/relationships"/>
+</we:webextension>
 </file>
--- a/images/linear-combs.pptx
+++ b/images/linear-combs.pptx
@@ -7,10 +7,12 @@
   <p:sldIdLst>
     <p:sldId id="256" r:id="rId2"/>
     <p:sldId id="259" r:id="rId3"/>
-    <p:sldId id="257" r:id="rId4"/>
-    <p:sldId id="258" r:id="rId5"/>
-    <p:sldId id="260" r:id="rId6"/>
-    <p:sldId id="261" r:id="rId7"/>
+    <p:sldId id="263" r:id="rId4"/>
+    <p:sldId id="257" r:id="rId5"/>
+    <p:sldId id="258" r:id="rId6"/>
+    <p:sldId id="260" r:id="rId7"/>
+    <p:sldId id="262" r:id="rId8"/>
+    <p:sldId id="261" r:id="rId9"/>
   </p:sldIdLst>
   <p:sldSz cx="12192000" cy="6858000"/>
   <p:notesSz cx="6858000" cy="9144000"/>
@@ -266,7 +268,7 @@
           <a:p>
             <a:fld id="{7F462396-B916-4A8D-ADBC-544FE8B295C7}" type="datetimeFigureOut">
               <a:rPr lang="en-CA" smtClean="0"/>
-              <a:t>2024-04-01</a:t>
+              <a:t>2024-10-16</a:t>
             </a:fld>
             <a:endParaRPr lang="en-CA"/>
           </a:p>
@@ -466,7 +468,7 @@
           <a:p>
             <a:fld id="{7F462396-B916-4A8D-ADBC-544FE8B295C7}" type="datetimeFigureOut">
               <a:rPr lang="en-CA" smtClean="0"/>
-              <a:t>2024-04-01</a:t>
+              <a:t>2024-10-16</a:t>
             </a:fld>
             <a:endParaRPr lang="en-CA"/>
           </a:p>
@@ -676,7 +678,7 @@
           <a:p>
             <a:fld id="{7F462396-B916-4A8D-ADBC-544FE8B295C7}" type="datetimeFigureOut">
               <a:rPr lang="en-CA" smtClean="0"/>
-              <a:t>2024-04-01</a:t>
+              <a:t>2024-10-16</a:t>
             </a:fld>
             <a:endParaRPr lang="en-CA"/>
           </a:p>
@@ -876,7 +878,7 @@
           <a:p>
             <a:fld id="{7F462396-B916-4A8D-ADBC-544FE8B295C7}" type="datetimeFigureOut">
               <a:rPr lang="en-CA" smtClean="0"/>
-              <a:t>2024-04-01</a:t>
+              <a:t>2024-10-16</a:t>
             </a:fld>
             <a:endParaRPr lang="en-CA"/>
           </a:p>
@@ -1152,7 +1154,7 @@
           <a:p>
             <a:fld id="{7F462396-B916-4A8D-ADBC-544FE8B295C7}" type="datetimeFigureOut">
               <a:rPr lang="en-CA" smtClean="0"/>
-              <a:t>2024-04-01</a:t>
+              <a:t>2024-10-16</a:t>
             </a:fld>
             <a:endParaRPr lang="en-CA"/>
           </a:p>
@@ -1420,7 +1422,7 @@
           <a:p>
             <a:fld id="{7F462396-B916-4A8D-ADBC-544FE8B295C7}" type="datetimeFigureOut">
               <a:rPr lang="en-CA" smtClean="0"/>
-              <a:t>2024-04-01</a:t>
+              <a:t>2024-10-16</a:t>
             </a:fld>
             <a:endParaRPr lang="en-CA"/>
           </a:p>
@@ -1835,7 +1837,7 @@
           <a:p>
             <a:fld id="{7F462396-B916-4A8D-ADBC-544FE8B295C7}" type="datetimeFigureOut">
               <a:rPr lang="en-CA" smtClean="0"/>
-              <a:t>2024-04-01</a:t>
+              <a:t>2024-10-16</a:t>
             </a:fld>
             <a:endParaRPr lang="en-CA"/>
           </a:p>
@@ -1977,7 +1979,7 @@
           <a:p>
             <a:fld id="{7F462396-B916-4A8D-ADBC-544FE8B295C7}" type="datetimeFigureOut">
               <a:rPr lang="en-CA" smtClean="0"/>
-              <a:t>2024-04-01</a:t>
+              <a:t>2024-10-16</a:t>
             </a:fld>
             <a:endParaRPr lang="en-CA"/>
           </a:p>
@@ -2090,7 +2092,7 @@
           <a:p>
             <a:fld id="{7F462396-B916-4A8D-ADBC-544FE8B295C7}" type="datetimeFigureOut">
               <a:rPr lang="en-CA" smtClean="0"/>
-              <a:t>2024-04-01</a:t>
+              <a:t>2024-10-16</a:t>
             </a:fld>
             <a:endParaRPr lang="en-CA"/>
           </a:p>
@@ -2403,7 +2405,7 @@
           <a:p>
             <a:fld id="{7F462396-B916-4A8D-ADBC-544FE8B295C7}" type="datetimeFigureOut">
               <a:rPr lang="en-CA" smtClean="0"/>
-              <a:t>2024-04-01</a:t>
+              <a:t>2024-10-16</a:t>
             </a:fld>
             <a:endParaRPr lang="en-CA"/>
           </a:p>
@@ -2692,7 +2694,7 @@
           <a:p>
             <a:fld id="{7F462396-B916-4A8D-ADBC-544FE8B295C7}" type="datetimeFigureOut">
               <a:rPr lang="en-CA" smtClean="0"/>
-              <a:t>2024-04-01</a:t>
+              <a:t>2024-10-16</a:t>
             </a:fld>
             <a:endParaRPr lang="en-CA"/>
           </a:p>
@@ -2935,7 +2937,7 @@
           <a:p>
             <a:fld id="{7F462396-B916-4A8D-ADBC-544FE8B295C7}" type="datetimeFigureOut">
               <a:rPr lang="en-CA" smtClean="0"/>
-              <a:t>2024-04-01</a:t>
+              <a:t>2024-10-16</a:t>
             </a:fld>
             <a:endParaRPr lang="en-CA"/>
           </a:p>
@@ -18277,6 +18279,4138 @@
 </file>
 
 <file path=ppt/slides/slide3.xml><?xml version="1.0" encoding="utf-8"?>
+<p:sld xmlns:a="http://schemas.openxmlformats.org/drawingml/2006/main" xmlns:r="http://schemas.openxmlformats.org/officeDocument/2006/relationships" xmlns:p="http://schemas.openxmlformats.org/presentationml/2006/main">
+  <p:cSld>
+    <p:spTree>
+      <p:nvGrpSpPr>
+        <p:cNvPr id="1" name=""/>
+        <p:cNvGrpSpPr/>
+        <p:nvPr/>
+      </p:nvGrpSpPr>
+      <p:grpSpPr>
+        <a:xfrm>
+          <a:off x="0" y="0"/>
+          <a:ext cx="0" cy="0"/>
+          <a:chOff x="0" y="0"/>
+          <a:chExt cx="0" cy="0"/>
+        </a:xfrm>
+      </p:grpSpPr>
+      <p:grpSp>
+        <p:nvGrpSpPr>
+          <p:cNvPr id="23" name="Group 17">
+            <a:extLst>
+              <a:ext uri="{FF2B5EF4-FFF2-40B4-BE49-F238E27FC236}">
+                <a16:creationId xmlns:a16="http://schemas.microsoft.com/office/drawing/2014/main" id="{08D70CE8-5AEA-4E51-99E6-DC147DE927B6}"/>
+              </a:ext>
+            </a:extLst>
+          </p:cNvPr>
+          <p:cNvGrpSpPr>
+            <a:grpSpLocks/>
+          </p:cNvGrpSpPr>
+          <p:nvPr/>
+        </p:nvGrpSpPr>
+        <p:grpSpPr bwMode="auto">
+          <a:xfrm>
+            <a:off x="1556657" y="801188"/>
+            <a:ext cx="1296988" cy="3429000"/>
+            <a:chOff x="1008" y="1152"/>
+            <a:chExt cx="817" cy="2160"/>
+          </a:xfrm>
+        </p:grpSpPr>
+        <p:sp>
+          <p:nvSpPr>
+            <p:cNvPr id="36" name="Rectangle 4">
+              <a:extLst>
+                <a:ext uri="{FF2B5EF4-FFF2-40B4-BE49-F238E27FC236}">
+                  <a16:creationId xmlns:a16="http://schemas.microsoft.com/office/drawing/2014/main" id="{F2D3274D-C753-6437-9DB8-07D30E2DD2C2}"/>
+                </a:ext>
+              </a:extLst>
+            </p:cNvPr>
+            <p:cNvSpPr>
+              <a:spLocks noChangeArrowheads="1"/>
+            </p:cNvSpPr>
+            <p:nvPr/>
+          </p:nvSpPr>
+          <p:spPr bwMode="auto">
+            <a:xfrm>
+              <a:off x="1008" y="1152"/>
+              <a:ext cx="240" cy="2160"/>
+            </a:xfrm>
+            <a:prstGeom prst="rect">
+              <a:avLst/>
+            </a:prstGeom>
+            <a:solidFill>
+              <a:srgbClr val="BBE0E3"/>
+            </a:solidFill>
+            <a:ln w="9525">
+              <a:solidFill>
+                <a:srgbClr val="000000"/>
+              </a:solidFill>
+              <a:miter lim="800000"/>
+              <a:headEnd/>
+              <a:tailEnd/>
+            </a:ln>
+            <a:effectLst/>
+            <a:extLst>
+              <a:ext uri="{AF507438-7753-43E0-B8FC-AC1667EBCBE1}">
+                <a14:hiddenEffects xmlns:a14="http://schemas.microsoft.com/office/drawing/2010/main">
+                  <a:effectLst>
+                    <a:outerShdw dist="35921" dir="2700000" algn="ctr" rotWithShape="0">
+                      <a:schemeClr val="bg2"/>
+                    </a:outerShdw>
+                  </a:effectLst>
+                </a14:hiddenEffects>
+              </a:ext>
+            </a:extLst>
+          </p:spPr>
+          <p:txBody>
+            <a:bodyPr wrap="none" anchor="ctr"/>
+            <a:lstStyle>
+              <a:lvl1pPr>
+                <a:spcBef>
+                  <a:spcPct val="20000"/>
+                </a:spcBef>
+                <a:buClr>
+                  <a:srgbClr val="0000FF"/>
+                </a:buClr>
+                <a:buSzPct val="120000"/>
+                <a:buChar char="•"/>
+                <a:defRPr sz="2800">
+                  <a:solidFill>
+                    <a:schemeClr val="tx1"/>
+                  </a:solidFill>
+                  <a:latin typeface="Arial" panose="020B0604020202020204" pitchFamily="34" charset="0"/>
+                </a:defRPr>
+              </a:lvl1pPr>
+              <a:lvl2pPr marL="742950" indent="-285750">
+                <a:spcBef>
+                  <a:spcPct val="20000"/>
+                </a:spcBef>
+                <a:buClr>
+                  <a:srgbClr val="FF0000"/>
+                </a:buClr>
+                <a:buSzPct val="110000"/>
+                <a:buFont typeface="Wingdings" panose="05000000000000000000" pitchFamily="2" charset="2"/>
+                <a:buChar char="§"/>
+                <a:defRPr sz="2400">
+                  <a:solidFill>
+                    <a:schemeClr val="tx1"/>
+                  </a:solidFill>
+                  <a:latin typeface="Arial" panose="020B0604020202020204" pitchFamily="34" charset="0"/>
+                </a:defRPr>
+              </a:lvl2pPr>
+              <a:lvl3pPr marL="1143000" indent="-228600">
+                <a:spcBef>
+                  <a:spcPct val="20000"/>
+                </a:spcBef>
+                <a:buChar char="•"/>
+                <a:defRPr sz="2400">
+                  <a:solidFill>
+                    <a:schemeClr val="tx1"/>
+                  </a:solidFill>
+                  <a:latin typeface="Arial" panose="020B0604020202020204" pitchFamily="34" charset="0"/>
+                </a:defRPr>
+              </a:lvl3pPr>
+              <a:lvl4pPr marL="1600200" indent="-228600">
+                <a:spcBef>
+                  <a:spcPct val="20000"/>
+                </a:spcBef>
+                <a:buChar char="–"/>
+                <a:defRPr sz="2000">
+                  <a:solidFill>
+                    <a:schemeClr val="tx1"/>
+                  </a:solidFill>
+                  <a:latin typeface="Arial" panose="020B0604020202020204" pitchFamily="34" charset="0"/>
+                </a:defRPr>
+              </a:lvl4pPr>
+              <a:lvl5pPr marL="2057400" indent="-228600">
+                <a:spcBef>
+                  <a:spcPct val="20000"/>
+                </a:spcBef>
+                <a:buChar char="»"/>
+                <a:defRPr sz="2000">
+                  <a:solidFill>
+                    <a:schemeClr val="tx1"/>
+                  </a:solidFill>
+                  <a:latin typeface="Arial" panose="020B0604020202020204" pitchFamily="34" charset="0"/>
+                </a:defRPr>
+              </a:lvl5pPr>
+              <a:lvl6pPr marL="2514600" indent="-228600" eaLnBrk="0" fontAlgn="base" hangingPunct="0">
+                <a:spcBef>
+                  <a:spcPct val="20000"/>
+                </a:spcBef>
+                <a:spcAft>
+                  <a:spcPct val="0"/>
+                </a:spcAft>
+                <a:buChar char="»"/>
+                <a:defRPr sz="2000">
+                  <a:solidFill>
+                    <a:schemeClr val="tx1"/>
+                  </a:solidFill>
+                  <a:latin typeface="Arial" panose="020B0604020202020204" pitchFamily="34" charset="0"/>
+                </a:defRPr>
+              </a:lvl6pPr>
+              <a:lvl7pPr marL="2971800" indent="-228600" eaLnBrk="0" fontAlgn="base" hangingPunct="0">
+                <a:spcBef>
+                  <a:spcPct val="20000"/>
+                </a:spcBef>
+                <a:spcAft>
+                  <a:spcPct val="0"/>
+                </a:spcAft>
+                <a:buChar char="»"/>
+                <a:defRPr sz="2000">
+                  <a:solidFill>
+                    <a:schemeClr val="tx1"/>
+                  </a:solidFill>
+                  <a:latin typeface="Arial" panose="020B0604020202020204" pitchFamily="34" charset="0"/>
+                </a:defRPr>
+              </a:lvl7pPr>
+              <a:lvl8pPr marL="3429000" indent="-228600" eaLnBrk="0" fontAlgn="base" hangingPunct="0">
+                <a:spcBef>
+                  <a:spcPct val="20000"/>
+                </a:spcBef>
+                <a:spcAft>
+                  <a:spcPct val="0"/>
+                </a:spcAft>
+                <a:buChar char="»"/>
+                <a:defRPr sz="2000">
+                  <a:solidFill>
+                    <a:schemeClr val="tx1"/>
+                  </a:solidFill>
+                  <a:latin typeface="Arial" panose="020B0604020202020204" pitchFamily="34" charset="0"/>
+                </a:defRPr>
+              </a:lvl8pPr>
+              <a:lvl9pPr marL="3886200" indent="-228600" eaLnBrk="0" fontAlgn="base" hangingPunct="0">
+                <a:spcBef>
+                  <a:spcPct val="20000"/>
+                </a:spcBef>
+                <a:spcAft>
+                  <a:spcPct val="0"/>
+                </a:spcAft>
+                <a:buChar char="»"/>
+                <a:defRPr sz="2000">
+                  <a:solidFill>
+                    <a:schemeClr val="tx1"/>
+                  </a:solidFill>
+                  <a:latin typeface="Arial" panose="020B0604020202020204" pitchFamily="34" charset="0"/>
+                </a:defRPr>
+              </a:lvl9pPr>
+            </a:lstStyle>
+            <a:p>
+              <a:pPr marL="0" marR="0" lvl="0" indent="0" defTabSz="914400" eaLnBrk="1" fontAlgn="base" latinLnBrk="0" hangingPunct="1">
+                <a:lnSpc>
+                  <a:spcPct val="100000"/>
+                </a:lnSpc>
+                <a:spcBef>
+                  <a:spcPct val="50000"/>
+                </a:spcBef>
+                <a:spcAft>
+                  <a:spcPct val="0"/>
+                </a:spcAft>
+                <a:buClrTx/>
+                <a:buSzTx/>
+                <a:buFontTx/>
+                <a:buNone/>
+                <a:tabLst/>
+                <a:defRPr/>
+              </a:pPr>
+              <a:endParaRPr kumimoji="0" lang="en-US" altLang="en-US" sz="1800" b="0" i="0" u="none" strike="noStrike" kern="0" cap="none" spc="0" normalizeH="0" baseline="0" noProof="0">
+                <a:ln>
+                  <a:noFill/>
+                </a:ln>
+                <a:solidFill>
+                  <a:srgbClr val="000000"/>
+                </a:solidFill>
+                <a:effectLst/>
+                <a:uLnTx/>
+                <a:uFillTx/>
+                <a:latin typeface="Arial" panose="020B0604020202020204" pitchFamily="34" charset="0"/>
+              </a:endParaRPr>
+            </a:p>
+          </p:txBody>
+        </p:sp>
+        <p:sp>
+          <p:nvSpPr>
+            <p:cNvPr id="37" name="Rectangle 5">
+              <a:extLst>
+                <a:ext uri="{FF2B5EF4-FFF2-40B4-BE49-F238E27FC236}">
+                  <a16:creationId xmlns:a16="http://schemas.microsoft.com/office/drawing/2014/main" id="{09E18B4B-4978-0F23-5A62-66D8D14D1D3C}"/>
+                </a:ext>
+              </a:extLst>
+            </p:cNvPr>
+            <p:cNvSpPr>
+              <a:spLocks noChangeArrowheads="1"/>
+            </p:cNvSpPr>
+            <p:nvPr/>
+          </p:nvSpPr>
+          <p:spPr bwMode="auto">
+            <a:xfrm>
+              <a:off x="1296" y="1152"/>
+              <a:ext cx="240" cy="2160"/>
+            </a:xfrm>
+            <a:prstGeom prst="rect">
+              <a:avLst/>
+            </a:prstGeom>
+            <a:solidFill>
+              <a:srgbClr val="BBE0E3"/>
+            </a:solidFill>
+            <a:ln w="9525">
+              <a:solidFill>
+                <a:srgbClr val="000000"/>
+              </a:solidFill>
+              <a:miter lim="800000"/>
+              <a:headEnd/>
+              <a:tailEnd/>
+            </a:ln>
+            <a:effectLst/>
+            <a:extLst>
+              <a:ext uri="{AF507438-7753-43E0-B8FC-AC1667EBCBE1}">
+                <a14:hiddenEffects xmlns:a14="http://schemas.microsoft.com/office/drawing/2010/main">
+                  <a:effectLst>
+                    <a:outerShdw dist="35921" dir="2700000" algn="ctr" rotWithShape="0">
+                      <a:schemeClr val="bg2"/>
+                    </a:outerShdw>
+                  </a:effectLst>
+                </a14:hiddenEffects>
+              </a:ext>
+            </a:extLst>
+          </p:spPr>
+          <p:txBody>
+            <a:bodyPr wrap="none" anchor="ctr"/>
+            <a:lstStyle>
+              <a:lvl1pPr>
+                <a:spcBef>
+                  <a:spcPct val="20000"/>
+                </a:spcBef>
+                <a:buClr>
+                  <a:srgbClr val="0000FF"/>
+                </a:buClr>
+                <a:buSzPct val="120000"/>
+                <a:buChar char="•"/>
+                <a:defRPr sz="2800">
+                  <a:solidFill>
+                    <a:schemeClr val="tx1"/>
+                  </a:solidFill>
+                  <a:latin typeface="Arial" panose="020B0604020202020204" pitchFamily="34" charset="0"/>
+                </a:defRPr>
+              </a:lvl1pPr>
+              <a:lvl2pPr marL="742950" indent="-285750">
+                <a:spcBef>
+                  <a:spcPct val="20000"/>
+                </a:spcBef>
+                <a:buClr>
+                  <a:srgbClr val="FF0000"/>
+                </a:buClr>
+                <a:buSzPct val="110000"/>
+                <a:buFont typeface="Wingdings" panose="05000000000000000000" pitchFamily="2" charset="2"/>
+                <a:buChar char="§"/>
+                <a:defRPr sz="2400">
+                  <a:solidFill>
+                    <a:schemeClr val="tx1"/>
+                  </a:solidFill>
+                  <a:latin typeface="Arial" panose="020B0604020202020204" pitchFamily="34" charset="0"/>
+                </a:defRPr>
+              </a:lvl2pPr>
+              <a:lvl3pPr marL="1143000" indent="-228600">
+                <a:spcBef>
+                  <a:spcPct val="20000"/>
+                </a:spcBef>
+                <a:buChar char="•"/>
+                <a:defRPr sz="2400">
+                  <a:solidFill>
+                    <a:schemeClr val="tx1"/>
+                  </a:solidFill>
+                  <a:latin typeface="Arial" panose="020B0604020202020204" pitchFamily="34" charset="0"/>
+                </a:defRPr>
+              </a:lvl3pPr>
+              <a:lvl4pPr marL="1600200" indent="-228600">
+                <a:spcBef>
+                  <a:spcPct val="20000"/>
+                </a:spcBef>
+                <a:buChar char="–"/>
+                <a:defRPr sz="2000">
+                  <a:solidFill>
+                    <a:schemeClr val="tx1"/>
+                  </a:solidFill>
+                  <a:latin typeface="Arial" panose="020B0604020202020204" pitchFamily="34" charset="0"/>
+                </a:defRPr>
+              </a:lvl4pPr>
+              <a:lvl5pPr marL="2057400" indent="-228600">
+                <a:spcBef>
+                  <a:spcPct val="20000"/>
+                </a:spcBef>
+                <a:buChar char="»"/>
+                <a:defRPr sz="2000">
+                  <a:solidFill>
+                    <a:schemeClr val="tx1"/>
+                  </a:solidFill>
+                  <a:latin typeface="Arial" panose="020B0604020202020204" pitchFamily="34" charset="0"/>
+                </a:defRPr>
+              </a:lvl5pPr>
+              <a:lvl6pPr marL="2514600" indent="-228600" eaLnBrk="0" fontAlgn="base" hangingPunct="0">
+                <a:spcBef>
+                  <a:spcPct val="20000"/>
+                </a:spcBef>
+                <a:spcAft>
+                  <a:spcPct val="0"/>
+                </a:spcAft>
+                <a:buChar char="»"/>
+                <a:defRPr sz="2000">
+                  <a:solidFill>
+                    <a:schemeClr val="tx1"/>
+                  </a:solidFill>
+                  <a:latin typeface="Arial" panose="020B0604020202020204" pitchFamily="34" charset="0"/>
+                </a:defRPr>
+              </a:lvl6pPr>
+              <a:lvl7pPr marL="2971800" indent="-228600" eaLnBrk="0" fontAlgn="base" hangingPunct="0">
+                <a:spcBef>
+                  <a:spcPct val="20000"/>
+                </a:spcBef>
+                <a:spcAft>
+                  <a:spcPct val="0"/>
+                </a:spcAft>
+                <a:buChar char="»"/>
+                <a:defRPr sz="2000">
+                  <a:solidFill>
+                    <a:schemeClr val="tx1"/>
+                  </a:solidFill>
+                  <a:latin typeface="Arial" panose="020B0604020202020204" pitchFamily="34" charset="0"/>
+                </a:defRPr>
+              </a:lvl7pPr>
+              <a:lvl8pPr marL="3429000" indent="-228600" eaLnBrk="0" fontAlgn="base" hangingPunct="0">
+                <a:spcBef>
+                  <a:spcPct val="20000"/>
+                </a:spcBef>
+                <a:spcAft>
+                  <a:spcPct val="0"/>
+                </a:spcAft>
+                <a:buChar char="»"/>
+                <a:defRPr sz="2000">
+                  <a:solidFill>
+                    <a:schemeClr val="tx1"/>
+                  </a:solidFill>
+                  <a:latin typeface="Arial" panose="020B0604020202020204" pitchFamily="34" charset="0"/>
+                </a:defRPr>
+              </a:lvl8pPr>
+              <a:lvl9pPr marL="3886200" indent="-228600" eaLnBrk="0" fontAlgn="base" hangingPunct="0">
+                <a:spcBef>
+                  <a:spcPct val="20000"/>
+                </a:spcBef>
+                <a:spcAft>
+                  <a:spcPct val="0"/>
+                </a:spcAft>
+                <a:buChar char="»"/>
+                <a:defRPr sz="2000">
+                  <a:solidFill>
+                    <a:schemeClr val="tx1"/>
+                  </a:solidFill>
+                  <a:latin typeface="Arial" panose="020B0604020202020204" pitchFamily="34" charset="0"/>
+                </a:defRPr>
+              </a:lvl9pPr>
+            </a:lstStyle>
+            <a:p>
+              <a:pPr marL="0" marR="0" lvl="0" indent="0" defTabSz="914400" eaLnBrk="1" fontAlgn="base" latinLnBrk="0" hangingPunct="1">
+                <a:lnSpc>
+                  <a:spcPct val="100000"/>
+                </a:lnSpc>
+                <a:spcBef>
+                  <a:spcPct val="50000"/>
+                </a:spcBef>
+                <a:spcAft>
+                  <a:spcPct val="0"/>
+                </a:spcAft>
+                <a:buClrTx/>
+                <a:buSzTx/>
+                <a:buFontTx/>
+                <a:buNone/>
+                <a:tabLst/>
+                <a:defRPr/>
+              </a:pPr>
+              <a:endParaRPr kumimoji="0" lang="en-US" altLang="en-US" sz="1800" b="0" i="0" u="none" strike="noStrike" kern="0" cap="none" spc="0" normalizeH="0" baseline="0" noProof="0">
+                <a:ln>
+                  <a:noFill/>
+                </a:ln>
+                <a:solidFill>
+                  <a:srgbClr val="000000"/>
+                </a:solidFill>
+                <a:effectLst/>
+                <a:uLnTx/>
+                <a:uFillTx/>
+                <a:latin typeface="Arial" panose="020B0604020202020204" pitchFamily="34" charset="0"/>
+              </a:endParaRPr>
+            </a:p>
+          </p:txBody>
+        </p:sp>
+        <p:sp>
+          <p:nvSpPr>
+            <p:cNvPr id="38" name="Rectangle 6">
+              <a:extLst>
+                <a:ext uri="{FF2B5EF4-FFF2-40B4-BE49-F238E27FC236}">
+                  <a16:creationId xmlns:a16="http://schemas.microsoft.com/office/drawing/2014/main" id="{11B44159-D21B-52E7-A883-5D98961D0423}"/>
+                </a:ext>
+              </a:extLst>
+            </p:cNvPr>
+            <p:cNvSpPr>
+              <a:spLocks noChangeArrowheads="1"/>
+            </p:cNvSpPr>
+            <p:nvPr/>
+          </p:nvSpPr>
+          <p:spPr bwMode="auto">
+            <a:xfrm>
+              <a:off x="1584" y="1152"/>
+              <a:ext cx="240" cy="2160"/>
+            </a:xfrm>
+            <a:prstGeom prst="rect">
+              <a:avLst/>
+            </a:prstGeom>
+            <a:solidFill>
+              <a:srgbClr val="BBE0E3"/>
+            </a:solidFill>
+            <a:ln w="9525">
+              <a:solidFill>
+                <a:srgbClr val="000000"/>
+              </a:solidFill>
+              <a:miter lim="800000"/>
+              <a:headEnd/>
+              <a:tailEnd/>
+            </a:ln>
+            <a:effectLst/>
+            <a:extLst>
+              <a:ext uri="{AF507438-7753-43E0-B8FC-AC1667EBCBE1}">
+                <a14:hiddenEffects xmlns:a14="http://schemas.microsoft.com/office/drawing/2010/main">
+                  <a:effectLst>
+                    <a:outerShdw dist="35921" dir="2700000" algn="ctr" rotWithShape="0">
+                      <a:schemeClr val="bg2"/>
+                    </a:outerShdw>
+                  </a:effectLst>
+                </a14:hiddenEffects>
+              </a:ext>
+            </a:extLst>
+          </p:spPr>
+          <p:txBody>
+            <a:bodyPr wrap="none" anchor="ctr"/>
+            <a:lstStyle>
+              <a:lvl1pPr>
+                <a:spcBef>
+                  <a:spcPct val="20000"/>
+                </a:spcBef>
+                <a:buClr>
+                  <a:srgbClr val="0000FF"/>
+                </a:buClr>
+                <a:buSzPct val="120000"/>
+                <a:buChar char="•"/>
+                <a:defRPr sz="2800">
+                  <a:solidFill>
+                    <a:schemeClr val="tx1"/>
+                  </a:solidFill>
+                  <a:latin typeface="Arial" panose="020B0604020202020204" pitchFamily="34" charset="0"/>
+                </a:defRPr>
+              </a:lvl1pPr>
+              <a:lvl2pPr marL="742950" indent="-285750">
+                <a:spcBef>
+                  <a:spcPct val="20000"/>
+                </a:spcBef>
+                <a:buClr>
+                  <a:srgbClr val="FF0000"/>
+                </a:buClr>
+                <a:buSzPct val="110000"/>
+                <a:buFont typeface="Wingdings" panose="05000000000000000000" pitchFamily="2" charset="2"/>
+                <a:buChar char="§"/>
+                <a:defRPr sz="2400">
+                  <a:solidFill>
+                    <a:schemeClr val="tx1"/>
+                  </a:solidFill>
+                  <a:latin typeface="Arial" panose="020B0604020202020204" pitchFamily="34" charset="0"/>
+                </a:defRPr>
+              </a:lvl2pPr>
+              <a:lvl3pPr marL="1143000" indent="-228600">
+                <a:spcBef>
+                  <a:spcPct val="20000"/>
+                </a:spcBef>
+                <a:buChar char="•"/>
+                <a:defRPr sz="2400">
+                  <a:solidFill>
+                    <a:schemeClr val="tx1"/>
+                  </a:solidFill>
+                  <a:latin typeface="Arial" panose="020B0604020202020204" pitchFamily="34" charset="0"/>
+                </a:defRPr>
+              </a:lvl3pPr>
+              <a:lvl4pPr marL="1600200" indent="-228600">
+                <a:spcBef>
+                  <a:spcPct val="20000"/>
+                </a:spcBef>
+                <a:buChar char="–"/>
+                <a:defRPr sz="2000">
+                  <a:solidFill>
+                    <a:schemeClr val="tx1"/>
+                  </a:solidFill>
+                  <a:latin typeface="Arial" panose="020B0604020202020204" pitchFamily="34" charset="0"/>
+                </a:defRPr>
+              </a:lvl4pPr>
+              <a:lvl5pPr marL="2057400" indent="-228600">
+                <a:spcBef>
+                  <a:spcPct val="20000"/>
+                </a:spcBef>
+                <a:buChar char="»"/>
+                <a:defRPr sz="2000">
+                  <a:solidFill>
+                    <a:schemeClr val="tx1"/>
+                  </a:solidFill>
+                  <a:latin typeface="Arial" panose="020B0604020202020204" pitchFamily="34" charset="0"/>
+                </a:defRPr>
+              </a:lvl5pPr>
+              <a:lvl6pPr marL="2514600" indent="-228600" eaLnBrk="0" fontAlgn="base" hangingPunct="0">
+                <a:spcBef>
+                  <a:spcPct val="20000"/>
+                </a:spcBef>
+                <a:spcAft>
+                  <a:spcPct val="0"/>
+                </a:spcAft>
+                <a:buChar char="»"/>
+                <a:defRPr sz="2000">
+                  <a:solidFill>
+                    <a:schemeClr val="tx1"/>
+                  </a:solidFill>
+                  <a:latin typeface="Arial" panose="020B0604020202020204" pitchFamily="34" charset="0"/>
+                </a:defRPr>
+              </a:lvl6pPr>
+              <a:lvl7pPr marL="2971800" indent="-228600" eaLnBrk="0" fontAlgn="base" hangingPunct="0">
+                <a:spcBef>
+                  <a:spcPct val="20000"/>
+                </a:spcBef>
+                <a:spcAft>
+                  <a:spcPct val="0"/>
+                </a:spcAft>
+                <a:buChar char="»"/>
+                <a:defRPr sz="2000">
+                  <a:solidFill>
+                    <a:schemeClr val="tx1"/>
+                  </a:solidFill>
+                  <a:latin typeface="Arial" panose="020B0604020202020204" pitchFamily="34" charset="0"/>
+                </a:defRPr>
+              </a:lvl7pPr>
+              <a:lvl8pPr marL="3429000" indent="-228600" eaLnBrk="0" fontAlgn="base" hangingPunct="0">
+                <a:spcBef>
+                  <a:spcPct val="20000"/>
+                </a:spcBef>
+                <a:spcAft>
+                  <a:spcPct val="0"/>
+                </a:spcAft>
+                <a:buChar char="»"/>
+                <a:defRPr sz="2000">
+                  <a:solidFill>
+                    <a:schemeClr val="tx1"/>
+                  </a:solidFill>
+                  <a:latin typeface="Arial" panose="020B0604020202020204" pitchFamily="34" charset="0"/>
+                </a:defRPr>
+              </a:lvl8pPr>
+              <a:lvl9pPr marL="3886200" indent="-228600" eaLnBrk="0" fontAlgn="base" hangingPunct="0">
+                <a:spcBef>
+                  <a:spcPct val="20000"/>
+                </a:spcBef>
+                <a:spcAft>
+                  <a:spcPct val="0"/>
+                </a:spcAft>
+                <a:buChar char="»"/>
+                <a:defRPr sz="2000">
+                  <a:solidFill>
+                    <a:schemeClr val="tx1"/>
+                  </a:solidFill>
+                  <a:latin typeface="Arial" panose="020B0604020202020204" pitchFamily="34" charset="0"/>
+                </a:defRPr>
+              </a:lvl9pPr>
+            </a:lstStyle>
+            <a:p>
+              <a:pPr marL="0" marR="0" lvl="0" indent="0" defTabSz="914400" eaLnBrk="1" fontAlgn="base" latinLnBrk="0" hangingPunct="1">
+                <a:lnSpc>
+                  <a:spcPct val="100000"/>
+                </a:lnSpc>
+                <a:spcBef>
+                  <a:spcPct val="50000"/>
+                </a:spcBef>
+                <a:spcAft>
+                  <a:spcPct val="0"/>
+                </a:spcAft>
+                <a:buClrTx/>
+                <a:buSzTx/>
+                <a:buFontTx/>
+                <a:buNone/>
+                <a:tabLst/>
+                <a:defRPr/>
+              </a:pPr>
+              <a:endParaRPr kumimoji="0" lang="en-US" altLang="en-US" sz="1800" b="0" i="0" u="none" strike="noStrike" kern="0" cap="none" spc="0" normalizeH="0" baseline="0" noProof="0">
+                <a:ln>
+                  <a:noFill/>
+                </a:ln>
+                <a:solidFill>
+                  <a:srgbClr val="000000"/>
+                </a:solidFill>
+                <a:effectLst/>
+                <a:uLnTx/>
+                <a:uFillTx/>
+                <a:latin typeface="Arial" panose="020B0604020202020204" pitchFamily="34" charset="0"/>
+              </a:endParaRPr>
+            </a:p>
+          </p:txBody>
+        </p:sp>
+        <p:sp>
+          <p:nvSpPr>
+            <p:cNvPr id="39" name="Text Box 7">
+              <a:extLst>
+                <a:ext uri="{FF2B5EF4-FFF2-40B4-BE49-F238E27FC236}">
+                  <a16:creationId xmlns:a16="http://schemas.microsoft.com/office/drawing/2014/main" id="{CE0DDC5C-B48B-AE91-6406-E5D761CEF52E}"/>
+                </a:ext>
+              </a:extLst>
+            </p:cNvPr>
+            <p:cNvSpPr txBox="1">
+              <a:spLocks noChangeArrowheads="1"/>
+            </p:cNvSpPr>
+            <p:nvPr/>
+          </p:nvSpPr>
+          <p:spPr bwMode="auto">
+            <a:xfrm>
+              <a:off x="1008" y="2112"/>
+              <a:ext cx="241" cy="231"/>
+            </a:xfrm>
+            <a:prstGeom prst="rect">
+              <a:avLst/>
+            </a:prstGeom>
+            <a:noFill/>
+            <a:ln>
+              <a:noFill/>
+            </a:ln>
+            <a:effectLst/>
+            <a:extLst>
+              <a:ext uri="{909E8E84-426E-40DD-AFC4-6F175D3DCCD1}">
+                <a14:hiddenFill xmlns:a14="http://schemas.microsoft.com/office/drawing/2010/main">
+                  <a:solidFill>
+                    <a:schemeClr val="accent1"/>
+                  </a:solidFill>
+                </a14:hiddenFill>
+              </a:ext>
+              <a:ext uri="{91240B29-F687-4F45-9708-019B960494DF}">
+                <a14:hiddenLine xmlns:a14="http://schemas.microsoft.com/office/drawing/2010/main" w="9525">
+                  <a:solidFill>
+                    <a:schemeClr val="tx1"/>
+                  </a:solidFill>
+                  <a:miter lim="800000"/>
+                  <a:headEnd/>
+                  <a:tailEnd/>
+                </a14:hiddenLine>
+              </a:ext>
+              <a:ext uri="{AF507438-7753-43E0-B8FC-AC1667EBCBE1}">
+                <a14:hiddenEffects xmlns:a14="http://schemas.microsoft.com/office/drawing/2010/main">
+                  <a:effectLst>
+                    <a:outerShdw dist="35921" dir="2700000" algn="ctr" rotWithShape="0">
+                      <a:schemeClr val="bg2"/>
+                    </a:outerShdw>
+                  </a:effectLst>
+                </a14:hiddenEffects>
+              </a:ext>
+            </a:extLst>
+          </p:spPr>
+          <p:txBody>
+            <a:bodyPr wrap="none">
+              <a:spAutoFit/>
+            </a:bodyPr>
+            <a:lstStyle>
+              <a:lvl1pPr>
+                <a:spcBef>
+                  <a:spcPct val="20000"/>
+                </a:spcBef>
+                <a:buClr>
+                  <a:srgbClr val="0000FF"/>
+                </a:buClr>
+                <a:buSzPct val="120000"/>
+                <a:buChar char="•"/>
+                <a:defRPr sz="2800">
+                  <a:solidFill>
+                    <a:schemeClr val="tx1"/>
+                  </a:solidFill>
+                  <a:latin typeface="Arial" panose="020B0604020202020204" pitchFamily="34" charset="0"/>
+                </a:defRPr>
+              </a:lvl1pPr>
+              <a:lvl2pPr marL="742950" indent="-285750">
+                <a:spcBef>
+                  <a:spcPct val="20000"/>
+                </a:spcBef>
+                <a:buClr>
+                  <a:srgbClr val="FF0000"/>
+                </a:buClr>
+                <a:buSzPct val="110000"/>
+                <a:buFont typeface="Wingdings" panose="05000000000000000000" pitchFamily="2" charset="2"/>
+                <a:buChar char="§"/>
+                <a:defRPr sz="2400">
+                  <a:solidFill>
+                    <a:schemeClr val="tx1"/>
+                  </a:solidFill>
+                  <a:latin typeface="Arial" panose="020B0604020202020204" pitchFamily="34" charset="0"/>
+                </a:defRPr>
+              </a:lvl2pPr>
+              <a:lvl3pPr marL="1143000" indent="-228600">
+                <a:spcBef>
+                  <a:spcPct val="20000"/>
+                </a:spcBef>
+                <a:buChar char="•"/>
+                <a:defRPr sz="2400">
+                  <a:solidFill>
+                    <a:schemeClr val="tx1"/>
+                  </a:solidFill>
+                  <a:latin typeface="Arial" panose="020B0604020202020204" pitchFamily="34" charset="0"/>
+                </a:defRPr>
+              </a:lvl3pPr>
+              <a:lvl4pPr marL="1600200" indent="-228600">
+                <a:spcBef>
+                  <a:spcPct val="20000"/>
+                </a:spcBef>
+                <a:buChar char="–"/>
+                <a:defRPr sz="2000">
+                  <a:solidFill>
+                    <a:schemeClr val="tx1"/>
+                  </a:solidFill>
+                  <a:latin typeface="Arial" panose="020B0604020202020204" pitchFamily="34" charset="0"/>
+                </a:defRPr>
+              </a:lvl4pPr>
+              <a:lvl5pPr marL="2057400" indent="-228600">
+                <a:spcBef>
+                  <a:spcPct val="20000"/>
+                </a:spcBef>
+                <a:buChar char="»"/>
+                <a:defRPr sz="2000">
+                  <a:solidFill>
+                    <a:schemeClr val="tx1"/>
+                  </a:solidFill>
+                  <a:latin typeface="Arial" panose="020B0604020202020204" pitchFamily="34" charset="0"/>
+                </a:defRPr>
+              </a:lvl5pPr>
+              <a:lvl6pPr marL="2514600" indent="-228600" eaLnBrk="0" fontAlgn="base" hangingPunct="0">
+                <a:spcBef>
+                  <a:spcPct val="20000"/>
+                </a:spcBef>
+                <a:spcAft>
+                  <a:spcPct val="0"/>
+                </a:spcAft>
+                <a:buChar char="»"/>
+                <a:defRPr sz="2000">
+                  <a:solidFill>
+                    <a:schemeClr val="tx1"/>
+                  </a:solidFill>
+                  <a:latin typeface="Arial" panose="020B0604020202020204" pitchFamily="34" charset="0"/>
+                </a:defRPr>
+              </a:lvl6pPr>
+              <a:lvl7pPr marL="2971800" indent="-228600" eaLnBrk="0" fontAlgn="base" hangingPunct="0">
+                <a:spcBef>
+                  <a:spcPct val="20000"/>
+                </a:spcBef>
+                <a:spcAft>
+                  <a:spcPct val="0"/>
+                </a:spcAft>
+                <a:buChar char="»"/>
+                <a:defRPr sz="2000">
+                  <a:solidFill>
+                    <a:schemeClr val="tx1"/>
+                  </a:solidFill>
+                  <a:latin typeface="Arial" panose="020B0604020202020204" pitchFamily="34" charset="0"/>
+                </a:defRPr>
+              </a:lvl7pPr>
+              <a:lvl8pPr marL="3429000" indent="-228600" eaLnBrk="0" fontAlgn="base" hangingPunct="0">
+                <a:spcBef>
+                  <a:spcPct val="20000"/>
+                </a:spcBef>
+                <a:spcAft>
+                  <a:spcPct val="0"/>
+                </a:spcAft>
+                <a:buChar char="»"/>
+                <a:defRPr sz="2000">
+                  <a:solidFill>
+                    <a:schemeClr val="tx1"/>
+                  </a:solidFill>
+                  <a:latin typeface="Arial" panose="020B0604020202020204" pitchFamily="34" charset="0"/>
+                </a:defRPr>
+              </a:lvl8pPr>
+              <a:lvl9pPr marL="3886200" indent="-228600" eaLnBrk="0" fontAlgn="base" hangingPunct="0">
+                <a:spcBef>
+                  <a:spcPct val="20000"/>
+                </a:spcBef>
+                <a:spcAft>
+                  <a:spcPct val="0"/>
+                </a:spcAft>
+                <a:buChar char="»"/>
+                <a:defRPr sz="2000">
+                  <a:solidFill>
+                    <a:schemeClr val="tx1"/>
+                  </a:solidFill>
+                  <a:latin typeface="Arial" panose="020B0604020202020204" pitchFamily="34" charset="0"/>
+                </a:defRPr>
+              </a:lvl9pPr>
+            </a:lstStyle>
+            <a:p>
+              <a:pPr marL="0" marR="0" lvl="0" indent="0" defTabSz="914400" eaLnBrk="1" fontAlgn="base" latinLnBrk="0" hangingPunct="1">
+                <a:lnSpc>
+                  <a:spcPct val="100000"/>
+                </a:lnSpc>
+                <a:spcBef>
+                  <a:spcPct val="0"/>
+                </a:spcBef>
+                <a:spcAft>
+                  <a:spcPct val="0"/>
+                </a:spcAft>
+                <a:buClrTx/>
+                <a:buSzTx/>
+                <a:buFontTx/>
+                <a:buNone/>
+                <a:tabLst/>
+                <a:defRPr/>
+              </a:pPr>
+              <a:r>
+                <a:rPr kumimoji="0" lang="en-US" altLang="en-US" sz="1800" b="0" i="0" u="none" strike="noStrike" kern="0" cap="none" spc="0" normalizeH="0" baseline="0" noProof="0">
+                  <a:ln>
+                    <a:noFill/>
+                  </a:ln>
+                  <a:solidFill>
+                    <a:srgbClr val="000000"/>
+                  </a:solidFill>
+                  <a:effectLst/>
+                  <a:uLnTx/>
+                  <a:uFillTx/>
+                  <a:latin typeface="Arial" panose="020B0604020202020204" pitchFamily="34" charset="0"/>
+                </a:rPr>
+                <a:t>x</a:t>
+              </a:r>
+              <a:r>
+                <a:rPr kumimoji="0" lang="en-US" altLang="en-US" sz="1800" b="0" i="0" u="none" strike="noStrike" kern="0" cap="none" spc="0" normalizeH="0" baseline="-25000" noProof="0">
+                  <a:ln>
+                    <a:noFill/>
+                  </a:ln>
+                  <a:solidFill>
+                    <a:srgbClr val="000000"/>
+                  </a:solidFill>
+                  <a:effectLst/>
+                  <a:uLnTx/>
+                  <a:uFillTx/>
+                  <a:latin typeface="Arial" panose="020B0604020202020204" pitchFamily="34" charset="0"/>
+                </a:rPr>
+                <a:t>1</a:t>
+              </a:r>
+            </a:p>
+          </p:txBody>
+        </p:sp>
+        <p:sp>
+          <p:nvSpPr>
+            <p:cNvPr id="40" name="Rectangle 8">
+              <a:extLst>
+                <a:ext uri="{FF2B5EF4-FFF2-40B4-BE49-F238E27FC236}">
+                  <a16:creationId xmlns:a16="http://schemas.microsoft.com/office/drawing/2014/main" id="{5BE78F83-1463-026E-6078-DC442EE23093}"/>
+                </a:ext>
+              </a:extLst>
+            </p:cNvPr>
+            <p:cNvSpPr>
+              <a:spLocks noChangeArrowheads="1"/>
+            </p:cNvSpPr>
+            <p:nvPr/>
+          </p:nvSpPr>
+          <p:spPr bwMode="auto">
+            <a:xfrm>
+              <a:off x="1584" y="2112"/>
+              <a:ext cx="241" cy="231"/>
+            </a:xfrm>
+            <a:prstGeom prst="rect">
+              <a:avLst/>
+            </a:prstGeom>
+            <a:noFill/>
+            <a:ln>
+              <a:noFill/>
+            </a:ln>
+            <a:effectLst/>
+            <a:extLst>
+              <a:ext uri="{909E8E84-426E-40DD-AFC4-6F175D3DCCD1}">
+                <a14:hiddenFill xmlns:a14="http://schemas.microsoft.com/office/drawing/2010/main">
+                  <a:solidFill>
+                    <a:schemeClr val="accent1"/>
+                  </a:solidFill>
+                </a14:hiddenFill>
+              </a:ext>
+              <a:ext uri="{91240B29-F687-4F45-9708-019B960494DF}">
+                <a14:hiddenLine xmlns:a14="http://schemas.microsoft.com/office/drawing/2010/main" w="9525">
+                  <a:solidFill>
+                    <a:schemeClr val="tx1"/>
+                  </a:solidFill>
+                  <a:miter lim="800000"/>
+                  <a:headEnd/>
+                  <a:tailEnd/>
+                </a14:hiddenLine>
+              </a:ext>
+              <a:ext uri="{AF507438-7753-43E0-B8FC-AC1667EBCBE1}">
+                <a14:hiddenEffects xmlns:a14="http://schemas.microsoft.com/office/drawing/2010/main">
+                  <a:effectLst>
+                    <a:outerShdw dist="35921" dir="2700000" algn="ctr" rotWithShape="0">
+                      <a:schemeClr val="bg2"/>
+                    </a:outerShdw>
+                  </a:effectLst>
+                </a14:hiddenEffects>
+              </a:ext>
+            </a:extLst>
+          </p:spPr>
+          <p:txBody>
+            <a:bodyPr wrap="none">
+              <a:spAutoFit/>
+            </a:bodyPr>
+            <a:lstStyle>
+              <a:lvl1pPr>
+                <a:spcBef>
+                  <a:spcPct val="20000"/>
+                </a:spcBef>
+                <a:buClr>
+                  <a:srgbClr val="0000FF"/>
+                </a:buClr>
+                <a:buSzPct val="120000"/>
+                <a:buChar char="•"/>
+                <a:defRPr sz="2800">
+                  <a:solidFill>
+                    <a:schemeClr val="tx1"/>
+                  </a:solidFill>
+                  <a:latin typeface="Arial" panose="020B0604020202020204" pitchFamily="34" charset="0"/>
+                </a:defRPr>
+              </a:lvl1pPr>
+              <a:lvl2pPr marL="742950" indent="-285750">
+                <a:spcBef>
+                  <a:spcPct val="20000"/>
+                </a:spcBef>
+                <a:buClr>
+                  <a:srgbClr val="FF0000"/>
+                </a:buClr>
+                <a:buSzPct val="110000"/>
+                <a:buFont typeface="Wingdings" panose="05000000000000000000" pitchFamily="2" charset="2"/>
+                <a:buChar char="§"/>
+                <a:defRPr sz="2400">
+                  <a:solidFill>
+                    <a:schemeClr val="tx1"/>
+                  </a:solidFill>
+                  <a:latin typeface="Arial" panose="020B0604020202020204" pitchFamily="34" charset="0"/>
+                </a:defRPr>
+              </a:lvl2pPr>
+              <a:lvl3pPr marL="1143000" indent="-228600">
+                <a:spcBef>
+                  <a:spcPct val="20000"/>
+                </a:spcBef>
+                <a:buChar char="•"/>
+                <a:defRPr sz="2400">
+                  <a:solidFill>
+                    <a:schemeClr val="tx1"/>
+                  </a:solidFill>
+                  <a:latin typeface="Arial" panose="020B0604020202020204" pitchFamily="34" charset="0"/>
+                </a:defRPr>
+              </a:lvl3pPr>
+              <a:lvl4pPr marL="1600200" indent="-228600">
+                <a:spcBef>
+                  <a:spcPct val="20000"/>
+                </a:spcBef>
+                <a:buChar char="–"/>
+                <a:defRPr sz="2000">
+                  <a:solidFill>
+                    <a:schemeClr val="tx1"/>
+                  </a:solidFill>
+                  <a:latin typeface="Arial" panose="020B0604020202020204" pitchFamily="34" charset="0"/>
+                </a:defRPr>
+              </a:lvl4pPr>
+              <a:lvl5pPr marL="2057400" indent="-228600">
+                <a:spcBef>
+                  <a:spcPct val="20000"/>
+                </a:spcBef>
+                <a:buChar char="»"/>
+                <a:defRPr sz="2000">
+                  <a:solidFill>
+                    <a:schemeClr val="tx1"/>
+                  </a:solidFill>
+                  <a:latin typeface="Arial" panose="020B0604020202020204" pitchFamily="34" charset="0"/>
+                </a:defRPr>
+              </a:lvl5pPr>
+              <a:lvl6pPr marL="2514600" indent="-228600" eaLnBrk="0" fontAlgn="base" hangingPunct="0">
+                <a:spcBef>
+                  <a:spcPct val="20000"/>
+                </a:spcBef>
+                <a:spcAft>
+                  <a:spcPct val="0"/>
+                </a:spcAft>
+                <a:buChar char="»"/>
+                <a:defRPr sz="2000">
+                  <a:solidFill>
+                    <a:schemeClr val="tx1"/>
+                  </a:solidFill>
+                  <a:latin typeface="Arial" panose="020B0604020202020204" pitchFamily="34" charset="0"/>
+                </a:defRPr>
+              </a:lvl6pPr>
+              <a:lvl7pPr marL="2971800" indent="-228600" eaLnBrk="0" fontAlgn="base" hangingPunct="0">
+                <a:spcBef>
+                  <a:spcPct val="20000"/>
+                </a:spcBef>
+                <a:spcAft>
+                  <a:spcPct val="0"/>
+                </a:spcAft>
+                <a:buChar char="»"/>
+                <a:defRPr sz="2000">
+                  <a:solidFill>
+                    <a:schemeClr val="tx1"/>
+                  </a:solidFill>
+                  <a:latin typeface="Arial" panose="020B0604020202020204" pitchFamily="34" charset="0"/>
+                </a:defRPr>
+              </a:lvl7pPr>
+              <a:lvl8pPr marL="3429000" indent="-228600" eaLnBrk="0" fontAlgn="base" hangingPunct="0">
+                <a:spcBef>
+                  <a:spcPct val="20000"/>
+                </a:spcBef>
+                <a:spcAft>
+                  <a:spcPct val="0"/>
+                </a:spcAft>
+                <a:buChar char="»"/>
+                <a:defRPr sz="2000">
+                  <a:solidFill>
+                    <a:schemeClr val="tx1"/>
+                  </a:solidFill>
+                  <a:latin typeface="Arial" panose="020B0604020202020204" pitchFamily="34" charset="0"/>
+                </a:defRPr>
+              </a:lvl8pPr>
+              <a:lvl9pPr marL="3886200" indent="-228600" eaLnBrk="0" fontAlgn="base" hangingPunct="0">
+                <a:spcBef>
+                  <a:spcPct val="20000"/>
+                </a:spcBef>
+                <a:spcAft>
+                  <a:spcPct val="0"/>
+                </a:spcAft>
+                <a:buChar char="»"/>
+                <a:defRPr sz="2000">
+                  <a:solidFill>
+                    <a:schemeClr val="tx1"/>
+                  </a:solidFill>
+                  <a:latin typeface="Arial" panose="020B0604020202020204" pitchFamily="34" charset="0"/>
+                </a:defRPr>
+              </a:lvl9pPr>
+            </a:lstStyle>
+            <a:p>
+              <a:pPr marL="0" marR="0" lvl="0" indent="0" defTabSz="914400" eaLnBrk="1" fontAlgn="base" latinLnBrk="0" hangingPunct="1">
+                <a:lnSpc>
+                  <a:spcPct val="100000"/>
+                </a:lnSpc>
+                <a:spcBef>
+                  <a:spcPct val="0"/>
+                </a:spcBef>
+                <a:spcAft>
+                  <a:spcPct val="0"/>
+                </a:spcAft>
+                <a:buClrTx/>
+                <a:buSzTx/>
+                <a:buFontTx/>
+                <a:buNone/>
+                <a:tabLst/>
+                <a:defRPr/>
+              </a:pPr>
+              <a:r>
+                <a:rPr kumimoji="0" lang="en-US" altLang="en-US" sz="1800" b="0" i="0" u="none" strike="noStrike" kern="0" cap="none" spc="0" normalizeH="0" baseline="0" noProof="0">
+                  <a:ln>
+                    <a:noFill/>
+                  </a:ln>
+                  <a:solidFill>
+                    <a:srgbClr val="000000"/>
+                  </a:solidFill>
+                  <a:effectLst/>
+                  <a:uLnTx/>
+                  <a:uFillTx/>
+                  <a:latin typeface="Arial" panose="020B0604020202020204" pitchFamily="34" charset="0"/>
+                </a:rPr>
+                <a:t>x</a:t>
+              </a:r>
+              <a:r>
+                <a:rPr kumimoji="0" lang="en-US" altLang="en-US" sz="1800" b="0" i="0" u="none" strike="noStrike" kern="0" cap="none" spc="0" normalizeH="0" baseline="-25000" noProof="0">
+                  <a:ln>
+                    <a:noFill/>
+                  </a:ln>
+                  <a:solidFill>
+                    <a:srgbClr val="000000"/>
+                  </a:solidFill>
+                  <a:effectLst/>
+                  <a:uLnTx/>
+                  <a:uFillTx/>
+                  <a:latin typeface="Arial" panose="020B0604020202020204" pitchFamily="34" charset="0"/>
+                </a:rPr>
+                <a:t>3</a:t>
+              </a:r>
+            </a:p>
+          </p:txBody>
+        </p:sp>
+        <p:sp>
+          <p:nvSpPr>
+            <p:cNvPr id="41" name="Rectangle 9">
+              <a:extLst>
+                <a:ext uri="{FF2B5EF4-FFF2-40B4-BE49-F238E27FC236}">
+                  <a16:creationId xmlns:a16="http://schemas.microsoft.com/office/drawing/2014/main" id="{700A3DFF-F255-C930-3487-4E2225057EFD}"/>
+                </a:ext>
+              </a:extLst>
+            </p:cNvPr>
+            <p:cNvSpPr>
+              <a:spLocks noChangeArrowheads="1"/>
+            </p:cNvSpPr>
+            <p:nvPr/>
+          </p:nvSpPr>
+          <p:spPr bwMode="auto">
+            <a:xfrm>
+              <a:off x="1296" y="2112"/>
+              <a:ext cx="241" cy="231"/>
+            </a:xfrm>
+            <a:prstGeom prst="rect">
+              <a:avLst/>
+            </a:prstGeom>
+            <a:noFill/>
+            <a:ln>
+              <a:noFill/>
+            </a:ln>
+            <a:effectLst/>
+            <a:extLst>
+              <a:ext uri="{909E8E84-426E-40DD-AFC4-6F175D3DCCD1}">
+                <a14:hiddenFill xmlns:a14="http://schemas.microsoft.com/office/drawing/2010/main">
+                  <a:solidFill>
+                    <a:schemeClr val="accent1"/>
+                  </a:solidFill>
+                </a14:hiddenFill>
+              </a:ext>
+              <a:ext uri="{91240B29-F687-4F45-9708-019B960494DF}">
+                <a14:hiddenLine xmlns:a14="http://schemas.microsoft.com/office/drawing/2010/main" w="9525">
+                  <a:solidFill>
+                    <a:schemeClr val="tx1"/>
+                  </a:solidFill>
+                  <a:miter lim="800000"/>
+                  <a:headEnd/>
+                  <a:tailEnd/>
+                </a14:hiddenLine>
+              </a:ext>
+              <a:ext uri="{AF507438-7753-43E0-B8FC-AC1667EBCBE1}">
+                <a14:hiddenEffects xmlns:a14="http://schemas.microsoft.com/office/drawing/2010/main">
+                  <a:effectLst>
+                    <a:outerShdw dist="35921" dir="2700000" algn="ctr" rotWithShape="0">
+                      <a:schemeClr val="bg2"/>
+                    </a:outerShdw>
+                  </a:effectLst>
+                </a14:hiddenEffects>
+              </a:ext>
+            </a:extLst>
+          </p:spPr>
+          <p:txBody>
+            <a:bodyPr wrap="none">
+              <a:spAutoFit/>
+            </a:bodyPr>
+            <a:lstStyle>
+              <a:lvl1pPr>
+                <a:spcBef>
+                  <a:spcPct val="20000"/>
+                </a:spcBef>
+                <a:buClr>
+                  <a:srgbClr val="0000FF"/>
+                </a:buClr>
+                <a:buSzPct val="120000"/>
+                <a:buChar char="•"/>
+                <a:defRPr sz="2800">
+                  <a:solidFill>
+                    <a:schemeClr val="tx1"/>
+                  </a:solidFill>
+                  <a:latin typeface="Arial" panose="020B0604020202020204" pitchFamily="34" charset="0"/>
+                </a:defRPr>
+              </a:lvl1pPr>
+              <a:lvl2pPr marL="742950" indent="-285750">
+                <a:spcBef>
+                  <a:spcPct val="20000"/>
+                </a:spcBef>
+                <a:buClr>
+                  <a:srgbClr val="FF0000"/>
+                </a:buClr>
+                <a:buSzPct val="110000"/>
+                <a:buFont typeface="Wingdings" panose="05000000000000000000" pitchFamily="2" charset="2"/>
+                <a:buChar char="§"/>
+                <a:defRPr sz="2400">
+                  <a:solidFill>
+                    <a:schemeClr val="tx1"/>
+                  </a:solidFill>
+                  <a:latin typeface="Arial" panose="020B0604020202020204" pitchFamily="34" charset="0"/>
+                </a:defRPr>
+              </a:lvl2pPr>
+              <a:lvl3pPr marL="1143000" indent="-228600">
+                <a:spcBef>
+                  <a:spcPct val="20000"/>
+                </a:spcBef>
+                <a:buChar char="•"/>
+                <a:defRPr sz="2400">
+                  <a:solidFill>
+                    <a:schemeClr val="tx1"/>
+                  </a:solidFill>
+                  <a:latin typeface="Arial" panose="020B0604020202020204" pitchFamily="34" charset="0"/>
+                </a:defRPr>
+              </a:lvl3pPr>
+              <a:lvl4pPr marL="1600200" indent="-228600">
+                <a:spcBef>
+                  <a:spcPct val="20000"/>
+                </a:spcBef>
+                <a:buChar char="–"/>
+                <a:defRPr sz="2000">
+                  <a:solidFill>
+                    <a:schemeClr val="tx1"/>
+                  </a:solidFill>
+                  <a:latin typeface="Arial" panose="020B0604020202020204" pitchFamily="34" charset="0"/>
+                </a:defRPr>
+              </a:lvl4pPr>
+              <a:lvl5pPr marL="2057400" indent="-228600">
+                <a:spcBef>
+                  <a:spcPct val="20000"/>
+                </a:spcBef>
+                <a:buChar char="»"/>
+                <a:defRPr sz="2000">
+                  <a:solidFill>
+                    <a:schemeClr val="tx1"/>
+                  </a:solidFill>
+                  <a:latin typeface="Arial" panose="020B0604020202020204" pitchFamily="34" charset="0"/>
+                </a:defRPr>
+              </a:lvl5pPr>
+              <a:lvl6pPr marL="2514600" indent="-228600" eaLnBrk="0" fontAlgn="base" hangingPunct="0">
+                <a:spcBef>
+                  <a:spcPct val="20000"/>
+                </a:spcBef>
+                <a:spcAft>
+                  <a:spcPct val="0"/>
+                </a:spcAft>
+                <a:buChar char="»"/>
+                <a:defRPr sz="2000">
+                  <a:solidFill>
+                    <a:schemeClr val="tx1"/>
+                  </a:solidFill>
+                  <a:latin typeface="Arial" panose="020B0604020202020204" pitchFamily="34" charset="0"/>
+                </a:defRPr>
+              </a:lvl6pPr>
+              <a:lvl7pPr marL="2971800" indent="-228600" eaLnBrk="0" fontAlgn="base" hangingPunct="0">
+                <a:spcBef>
+                  <a:spcPct val="20000"/>
+                </a:spcBef>
+                <a:spcAft>
+                  <a:spcPct val="0"/>
+                </a:spcAft>
+                <a:buChar char="»"/>
+                <a:defRPr sz="2000">
+                  <a:solidFill>
+                    <a:schemeClr val="tx1"/>
+                  </a:solidFill>
+                  <a:latin typeface="Arial" panose="020B0604020202020204" pitchFamily="34" charset="0"/>
+                </a:defRPr>
+              </a:lvl7pPr>
+              <a:lvl8pPr marL="3429000" indent="-228600" eaLnBrk="0" fontAlgn="base" hangingPunct="0">
+                <a:spcBef>
+                  <a:spcPct val="20000"/>
+                </a:spcBef>
+                <a:spcAft>
+                  <a:spcPct val="0"/>
+                </a:spcAft>
+                <a:buChar char="»"/>
+                <a:defRPr sz="2000">
+                  <a:solidFill>
+                    <a:schemeClr val="tx1"/>
+                  </a:solidFill>
+                  <a:latin typeface="Arial" panose="020B0604020202020204" pitchFamily="34" charset="0"/>
+                </a:defRPr>
+              </a:lvl8pPr>
+              <a:lvl9pPr marL="3886200" indent="-228600" eaLnBrk="0" fontAlgn="base" hangingPunct="0">
+                <a:spcBef>
+                  <a:spcPct val="20000"/>
+                </a:spcBef>
+                <a:spcAft>
+                  <a:spcPct val="0"/>
+                </a:spcAft>
+                <a:buChar char="»"/>
+                <a:defRPr sz="2000">
+                  <a:solidFill>
+                    <a:schemeClr val="tx1"/>
+                  </a:solidFill>
+                  <a:latin typeface="Arial" panose="020B0604020202020204" pitchFamily="34" charset="0"/>
+                </a:defRPr>
+              </a:lvl9pPr>
+            </a:lstStyle>
+            <a:p>
+              <a:pPr marL="0" marR="0" lvl="0" indent="0" defTabSz="914400" eaLnBrk="1" fontAlgn="base" latinLnBrk="0" hangingPunct="1">
+                <a:lnSpc>
+                  <a:spcPct val="100000"/>
+                </a:lnSpc>
+                <a:spcBef>
+                  <a:spcPct val="0"/>
+                </a:spcBef>
+                <a:spcAft>
+                  <a:spcPct val="0"/>
+                </a:spcAft>
+                <a:buClrTx/>
+                <a:buSzTx/>
+                <a:buFontTx/>
+                <a:buNone/>
+                <a:tabLst/>
+                <a:defRPr/>
+              </a:pPr>
+              <a:r>
+                <a:rPr kumimoji="0" lang="en-US" altLang="en-US" sz="1800" b="0" i="0" u="none" strike="noStrike" kern="0" cap="none" spc="0" normalizeH="0" baseline="0" noProof="0">
+                  <a:ln>
+                    <a:noFill/>
+                  </a:ln>
+                  <a:solidFill>
+                    <a:srgbClr val="000000"/>
+                  </a:solidFill>
+                  <a:effectLst/>
+                  <a:uLnTx/>
+                  <a:uFillTx/>
+                  <a:latin typeface="Arial" panose="020B0604020202020204" pitchFamily="34" charset="0"/>
+                </a:rPr>
+                <a:t>x</a:t>
+              </a:r>
+              <a:r>
+                <a:rPr kumimoji="0" lang="en-US" altLang="en-US" sz="1800" b="0" i="0" u="none" strike="noStrike" kern="0" cap="none" spc="0" normalizeH="0" baseline="-25000" noProof="0">
+                  <a:ln>
+                    <a:noFill/>
+                  </a:ln>
+                  <a:solidFill>
+                    <a:srgbClr val="000000"/>
+                  </a:solidFill>
+                  <a:effectLst/>
+                  <a:uLnTx/>
+                  <a:uFillTx/>
+                  <a:latin typeface="Arial" panose="020B0604020202020204" pitchFamily="34" charset="0"/>
+                </a:rPr>
+                <a:t>2</a:t>
+              </a:r>
+            </a:p>
+          </p:txBody>
+        </p:sp>
+      </p:grpSp>
+      <p:sp>
+        <p:nvSpPr>
+          <p:cNvPr id="24" name="Rectangle 11">
+            <a:extLst>
+              <a:ext uri="{FF2B5EF4-FFF2-40B4-BE49-F238E27FC236}">
+                <a16:creationId xmlns:a16="http://schemas.microsoft.com/office/drawing/2014/main" id="{E5612B00-E3FC-45C0-4109-0A27D80E309F}"/>
+              </a:ext>
+            </a:extLst>
+          </p:cNvPr>
+          <p:cNvSpPr>
+            <a:spLocks noChangeArrowheads="1"/>
+          </p:cNvSpPr>
+          <p:nvPr/>
+        </p:nvSpPr>
+        <p:spPr bwMode="auto">
+          <a:xfrm>
+            <a:off x="642257" y="801188"/>
+            <a:ext cx="381000" cy="3429000"/>
+          </a:xfrm>
+          <a:prstGeom prst="rect">
+            <a:avLst/>
+          </a:prstGeom>
+          <a:solidFill>
+            <a:srgbClr val="BBE0E3"/>
+          </a:solidFill>
+          <a:ln w="9525">
+            <a:solidFill>
+              <a:srgbClr val="000000"/>
+            </a:solidFill>
+            <a:miter lim="800000"/>
+            <a:headEnd/>
+            <a:tailEnd/>
+          </a:ln>
+          <a:effectLst/>
+          <a:extLst>
+            <a:ext uri="{AF507438-7753-43E0-B8FC-AC1667EBCBE1}">
+              <a14:hiddenEffects xmlns:a14="http://schemas.microsoft.com/office/drawing/2010/main">
+                <a:effectLst>
+                  <a:outerShdw dist="35921" dir="2700000" algn="ctr" rotWithShape="0">
+                    <a:schemeClr val="bg2"/>
+                  </a:outerShdw>
+                </a:effectLst>
+              </a14:hiddenEffects>
+            </a:ext>
+          </a:extLst>
+        </p:spPr>
+        <p:txBody>
+          <a:bodyPr wrap="none" anchor="ctr"/>
+          <a:lstStyle>
+            <a:lvl1pPr>
+              <a:spcBef>
+                <a:spcPct val="20000"/>
+              </a:spcBef>
+              <a:buClr>
+                <a:srgbClr val="0000FF"/>
+              </a:buClr>
+              <a:buSzPct val="120000"/>
+              <a:buChar char="•"/>
+              <a:defRPr sz="2800">
+                <a:solidFill>
+                  <a:schemeClr val="tx1"/>
+                </a:solidFill>
+                <a:latin typeface="Arial" panose="020B0604020202020204" pitchFamily="34" charset="0"/>
+              </a:defRPr>
+            </a:lvl1pPr>
+            <a:lvl2pPr marL="742950" indent="-285750">
+              <a:spcBef>
+                <a:spcPct val="20000"/>
+              </a:spcBef>
+              <a:buClr>
+                <a:srgbClr val="FF0000"/>
+              </a:buClr>
+              <a:buSzPct val="110000"/>
+              <a:buFont typeface="Wingdings" panose="05000000000000000000" pitchFamily="2" charset="2"/>
+              <a:buChar char="§"/>
+              <a:defRPr sz="2400">
+                <a:solidFill>
+                  <a:schemeClr val="tx1"/>
+                </a:solidFill>
+                <a:latin typeface="Arial" panose="020B0604020202020204" pitchFamily="34" charset="0"/>
+              </a:defRPr>
+            </a:lvl2pPr>
+            <a:lvl3pPr marL="1143000" indent="-228600">
+              <a:spcBef>
+                <a:spcPct val="20000"/>
+              </a:spcBef>
+              <a:buChar char="•"/>
+              <a:defRPr sz="2400">
+                <a:solidFill>
+                  <a:schemeClr val="tx1"/>
+                </a:solidFill>
+                <a:latin typeface="Arial" panose="020B0604020202020204" pitchFamily="34" charset="0"/>
+              </a:defRPr>
+            </a:lvl3pPr>
+            <a:lvl4pPr marL="1600200" indent="-228600">
+              <a:spcBef>
+                <a:spcPct val="20000"/>
+              </a:spcBef>
+              <a:buChar char="–"/>
+              <a:defRPr sz="2000">
+                <a:solidFill>
+                  <a:schemeClr val="tx1"/>
+                </a:solidFill>
+                <a:latin typeface="Arial" panose="020B0604020202020204" pitchFamily="34" charset="0"/>
+              </a:defRPr>
+            </a:lvl4pPr>
+            <a:lvl5pPr marL="2057400" indent="-228600">
+              <a:spcBef>
+                <a:spcPct val="20000"/>
+              </a:spcBef>
+              <a:buChar char="»"/>
+              <a:defRPr sz="2000">
+                <a:solidFill>
+                  <a:schemeClr val="tx1"/>
+                </a:solidFill>
+                <a:latin typeface="Arial" panose="020B0604020202020204" pitchFamily="34" charset="0"/>
+              </a:defRPr>
+            </a:lvl5pPr>
+            <a:lvl6pPr marL="2514600" indent="-228600" eaLnBrk="0" fontAlgn="base" hangingPunct="0">
+              <a:spcBef>
+                <a:spcPct val="20000"/>
+              </a:spcBef>
+              <a:spcAft>
+                <a:spcPct val="0"/>
+              </a:spcAft>
+              <a:buChar char="»"/>
+              <a:defRPr sz="2000">
+                <a:solidFill>
+                  <a:schemeClr val="tx1"/>
+                </a:solidFill>
+                <a:latin typeface="Arial" panose="020B0604020202020204" pitchFamily="34" charset="0"/>
+              </a:defRPr>
+            </a:lvl6pPr>
+            <a:lvl7pPr marL="2971800" indent="-228600" eaLnBrk="0" fontAlgn="base" hangingPunct="0">
+              <a:spcBef>
+                <a:spcPct val="20000"/>
+              </a:spcBef>
+              <a:spcAft>
+                <a:spcPct val="0"/>
+              </a:spcAft>
+              <a:buChar char="»"/>
+              <a:defRPr sz="2000">
+                <a:solidFill>
+                  <a:schemeClr val="tx1"/>
+                </a:solidFill>
+                <a:latin typeface="Arial" panose="020B0604020202020204" pitchFamily="34" charset="0"/>
+              </a:defRPr>
+            </a:lvl7pPr>
+            <a:lvl8pPr marL="3429000" indent="-228600" eaLnBrk="0" fontAlgn="base" hangingPunct="0">
+              <a:spcBef>
+                <a:spcPct val="20000"/>
+              </a:spcBef>
+              <a:spcAft>
+                <a:spcPct val="0"/>
+              </a:spcAft>
+              <a:buChar char="»"/>
+              <a:defRPr sz="2000">
+                <a:solidFill>
+                  <a:schemeClr val="tx1"/>
+                </a:solidFill>
+                <a:latin typeface="Arial" panose="020B0604020202020204" pitchFamily="34" charset="0"/>
+              </a:defRPr>
+            </a:lvl8pPr>
+            <a:lvl9pPr marL="3886200" indent="-228600" eaLnBrk="0" fontAlgn="base" hangingPunct="0">
+              <a:spcBef>
+                <a:spcPct val="20000"/>
+              </a:spcBef>
+              <a:spcAft>
+                <a:spcPct val="0"/>
+              </a:spcAft>
+              <a:buChar char="»"/>
+              <a:defRPr sz="2000">
+                <a:solidFill>
+                  <a:schemeClr val="tx1"/>
+                </a:solidFill>
+                <a:latin typeface="Arial" panose="020B0604020202020204" pitchFamily="34" charset="0"/>
+              </a:defRPr>
+            </a:lvl9pPr>
+          </a:lstStyle>
+          <a:p>
+            <a:pPr marL="0" marR="0" lvl="0" indent="0" algn="ctr" defTabSz="914400" eaLnBrk="1" fontAlgn="base" latinLnBrk="0" hangingPunct="1">
+              <a:lnSpc>
+                <a:spcPct val="100000"/>
+              </a:lnSpc>
+              <a:spcBef>
+                <a:spcPct val="50000"/>
+              </a:spcBef>
+              <a:spcAft>
+                <a:spcPct val="0"/>
+              </a:spcAft>
+              <a:buClrTx/>
+              <a:buSzTx/>
+              <a:buFontTx/>
+              <a:buNone/>
+              <a:tabLst/>
+              <a:defRPr/>
+            </a:pPr>
+            <a:endParaRPr kumimoji="0" lang="en-US" altLang="en-US" sz="1800" b="0" i="0" u="none" strike="noStrike" kern="0" cap="none" spc="0" normalizeH="0" baseline="0" noProof="0">
+              <a:ln>
+                <a:noFill/>
+              </a:ln>
+              <a:solidFill>
+                <a:srgbClr val="000000"/>
+              </a:solidFill>
+              <a:effectLst/>
+              <a:uLnTx/>
+              <a:uFillTx/>
+              <a:latin typeface="Arial" panose="020B0604020202020204" pitchFamily="34" charset="0"/>
+            </a:endParaRPr>
+          </a:p>
+        </p:txBody>
+      </p:sp>
+      <p:sp>
+        <p:nvSpPr>
+          <p:cNvPr id="25" name="Rectangle 13">
+            <a:extLst>
+              <a:ext uri="{FF2B5EF4-FFF2-40B4-BE49-F238E27FC236}">
+                <a16:creationId xmlns:a16="http://schemas.microsoft.com/office/drawing/2014/main" id="{64399983-D54B-5436-9FC9-50810AFD685A}"/>
+              </a:ext>
+            </a:extLst>
+          </p:cNvPr>
+          <p:cNvSpPr>
+            <a:spLocks noChangeArrowheads="1"/>
+          </p:cNvSpPr>
+          <p:nvPr/>
+        </p:nvSpPr>
+        <p:spPr bwMode="auto">
+          <a:xfrm>
+            <a:off x="718457" y="2325188"/>
+            <a:ext cx="298450" cy="366713"/>
+          </a:xfrm>
+          <a:prstGeom prst="rect">
+            <a:avLst/>
+          </a:prstGeom>
+          <a:noFill/>
+          <a:ln>
+            <a:noFill/>
+          </a:ln>
+          <a:effectLst/>
+          <a:extLst>
+            <a:ext uri="{909E8E84-426E-40DD-AFC4-6F175D3DCCD1}">
+              <a14:hiddenFill xmlns:a14="http://schemas.microsoft.com/office/drawing/2010/main">
+                <a:solidFill>
+                  <a:srgbClr val="FFFFFF"/>
+                </a:solidFill>
+              </a14:hiddenFill>
+            </a:ext>
+            <a:ext uri="{91240B29-F687-4F45-9708-019B960494DF}">
+              <a14:hiddenLine xmlns:a14="http://schemas.microsoft.com/office/drawing/2010/main" w="9525" algn="ctr">
+                <a:solidFill>
+                  <a:schemeClr val="accent2"/>
+                </a:solidFill>
+                <a:miter lim="800000"/>
+                <a:headEnd/>
+                <a:tailEnd type="none" w="med" len="lg"/>
+              </a14:hiddenLine>
+            </a:ext>
+            <a:ext uri="{AF507438-7753-43E0-B8FC-AC1667EBCBE1}">
+              <a14:hiddenEffects xmlns:a14="http://schemas.microsoft.com/office/drawing/2010/main">
+                <a:effectLst>
+                  <a:outerShdw dist="35921" dir="2700000" algn="ctr" rotWithShape="0">
+                    <a:schemeClr val="bg2"/>
+                  </a:outerShdw>
+                </a:effectLst>
+              </a14:hiddenEffects>
+            </a:ext>
+          </a:extLst>
+        </p:spPr>
+        <p:txBody>
+          <a:bodyPr wrap="none">
+            <a:spAutoFit/>
+          </a:bodyPr>
+          <a:lstStyle>
+            <a:lvl1pPr>
+              <a:spcBef>
+                <a:spcPct val="20000"/>
+              </a:spcBef>
+              <a:buClr>
+                <a:srgbClr val="0000FF"/>
+              </a:buClr>
+              <a:buSzPct val="120000"/>
+              <a:buChar char="•"/>
+              <a:defRPr sz="2800">
+                <a:solidFill>
+                  <a:schemeClr val="tx1"/>
+                </a:solidFill>
+                <a:latin typeface="Arial" panose="020B0604020202020204" pitchFamily="34" charset="0"/>
+              </a:defRPr>
+            </a:lvl1pPr>
+            <a:lvl2pPr marL="742950" indent="-285750">
+              <a:spcBef>
+                <a:spcPct val="20000"/>
+              </a:spcBef>
+              <a:buClr>
+                <a:srgbClr val="FF0000"/>
+              </a:buClr>
+              <a:buSzPct val="110000"/>
+              <a:buFont typeface="Wingdings" panose="05000000000000000000" pitchFamily="2" charset="2"/>
+              <a:buChar char="§"/>
+              <a:defRPr sz="2400">
+                <a:solidFill>
+                  <a:schemeClr val="tx1"/>
+                </a:solidFill>
+                <a:latin typeface="Arial" panose="020B0604020202020204" pitchFamily="34" charset="0"/>
+              </a:defRPr>
+            </a:lvl2pPr>
+            <a:lvl3pPr marL="1143000" indent="-228600">
+              <a:spcBef>
+                <a:spcPct val="20000"/>
+              </a:spcBef>
+              <a:buChar char="•"/>
+              <a:defRPr sz="2400">
+                <a:solidFill>
+                  <a:schemeClr val="tx1"/>
+                </a:solidFill>
+                <a:latin typeface="Arial" panose="020B0604020202020204" pitchFamily="34" charset="0"/>
+              </a:defRPr>
+            </a:lvl3pPr>
+            <a:lvl4pPr marL="1600200" indent="-228600">
+              <a:spcBef>
+                <a:spcPct val="20000"/>
+              </a:spcBef>
+              <a:buChar char="–"/>
+              <a:defRPr sz="2000">
+                <a:solidFill>
+                  <a:schemeClr val="tx1"/>
+                </a:solidFill>
+                <a:latin typeface="Arial" panose="020B0604020202020204" pitchFamily="34" charset="0"/>
+              </a:defRPr>
+            </a:lvl4pPr>
+            <a:lvl5pPr marL="2057400" indent="-228600">
+              <a:spcBef>
+                <a:spcPct val="20000"/>
+              </a:spcBef>
+              <a:buChar char="»"/>
+              <a:defRPr sz="2000">
+                <a:solidFill>
+                  <a:schemeClr val="tx1"/>
+                </a:solidFill>
+                <a:latin typeface="Arial" panose="020B0604020202020204" pitchFamily="34" charset="0"/>
+              </a:defRPr>
+            </a:lvl5pPr>
+            <a:lvl6pPr marL="2514600" indent="-228600" eaLnBrk="0" fontAlgn="base" hangingPunct="0">
+              <a:spcBef>
+                <a:spcPct val="20000"/>
+              </a:spcBef>
+              <a:spcAft>
+                <a:spcPct val="0"/>
+              </a:spcAft>
+              <a:buChar char="»"/>
+              <a:defRPr sz="2000">
+                <a:solidFill>
+                  <a:schemeClr val="tx1"/>
+                </a:solidFill>
+                <a:latin typeface="Arial" panose="020B0604020202020204" pitchFamily="34" charset="0"/>
+              </a:defRPr>
+            </a:lvl6pPr>
+            <a:lvl7pPr marL="2971800" indent="-228600" eaLnBrk="0" fontAlgn="base" hangingPunct="0">
+              <a:spcBef>
+                <a:spcPct val="20000"/>
+              </a:spcBef>
+              <a:spcAft>
+                <a:spcPct val="0"/>
+              </a:spcAft>
+              <a:buChar char="»"/>
+              <a:defRPr sz="2000">
+                <a:solidFill>
+                  <a:schemeClr val="tx1"/>
+                </a:solidFill>
+                <a:latin typeface="Arial" panose="020B0604020202020204" pitchFamily="34" charset="0"/>
+              </a:defRPr>
+            </a:lvl7pPr>
+            <a:lvl8pPr marL="3429000" indent="-228600" eaLnBrk="0" fontAlgn="base" hangingPunct="0">
+              <a:spcBef>
+                <a:spcPct val="20000"/>
+              </a:spcBef>
+              <a:spcAft>
+                <a:spcPct val="0"/>
+              </a:spcAft>
+              <a:buChar char="»"/>
+              <a:defRPr sz="2000">
+                <a:solidFill>
+                  <a:schemeClr val="tx1"/>
+                </a:solidFill>
+                <a:latin typeface="Arial" panose="020B0604020202020204" pitchFamily="34" charset="0"/>
+              </a:defRPr>
+            </a:lvl8pPr>
+            <a:lvl9pPr marL="3886200" indent="-228600" eaLnBrk="0" fontAlgn="base" hangingPunct="0">
+              <a:spcBef>
+                <a:spcPct val="20000"/>
+              </a:spcBef>
+              <a:spcAft>
+                <a:spcPct val="0"/>
+              </a:spcAft>
+              <a:buChar char="»"/>
+              <a:defRPr sz="2000">
+                <a:solidFill>
+                  <a:schemeClr val="tx1"/>
+                </a:solidFill>
+                <a:latin typeface="Arial" panose="020B0604020202020204" pitchFamily="34" charset="0"/>
+              </a:defRPr>
+            </a:lvl9pPr>
+          </a:lstStyle>
+          <a:p>
+            <a:pPr marL="0" marR="0" lvl="0" indent="0" algn="ctr" defTabSz="914400" eaLnBrk="1" fontAlgn="base" latinLnBrk="0" hangingPunct="1">
+              <a:lnSpc>
+                <a:spcPct val="100000"/>
+              </a:lnSpc>
+              <a:spcBef>
+                <a:spcPct val="0"/>
+              </a:spcBef>
+              <a:spcAft>
+                <a:spcPct val="0"/>
+              </a:spcAft>
+              <a:buClrTx/>
+              <a:buSzTx/>
+              <a:buFontTx/>
+              <a:buNone/>
+              <a:tabLst/>
+              <a:defRPr/>
+            </a:pPr>
+            <a:r>
+              <a:rPr kumimoji="0" lang="en-US" altLang="en-US" sz="1800" b="0" i="0" u="none" strike="noStrike" kern="0" cap="none" spc="0" normalizeH="0" baseline="0" noProof="0" dirty="0">
+                <a:ln>
+                  <a:noFill/>
+                </a:ln>
+                <a:solidFill>
+                  <a:srgbClr val="000000"/>
+                </a:solidFill>
+                <a:effectLst/>
+                <a:uLnTx/>
+                <a:uFillTx/>
+                <a:latin typeface="Arial" panose="020B0604020202020204" pitchFamily="34" charset="0"/>
+              </a:rPr>
+              <a:t>y</a:t>
+            </a:r>
+          </a:p>
+        </p:txBody>
+      </p:sp>
+      <p:grpSp>
+        <p:nvGrpSpPr>
+          <p:cNvPr id="26" name="Group 26">
+            <a:extLst>
+              <a:ext uri="{FF2B5EF4-FFF2-40B4-BE49-F238E27FC236}">
+                <a16:creationId xmlns:a16="http://schemas.microsoft.com/office/drawing/2014/main" id="{7E110545-F79A-DD91-1587-43D71407EF1C}"/>
+              </a:ext>
+            </a:extLst>
+          </p:cNvPr>
+          <p:cNvGrpSpPr>
+            <a:grpSpLocks/>
+          </p:cNvGrpSpPr>
+          <p:nvPr/>
+        </p:nvGrpSpPr>
+        <p:grpSpPr bwMode="auto">
+          <a:xfrm>
+            <a:off x="1937657" y="4763588"/>
+            <a:ext cx="609600" cy="609600"/>
+            <a:chOff x="816" y="3648"/>
+            <a:chExt cx="384" cy="336"/>
+          </a:xfrm>
+        </p:grpSpPr>
+        <p:sp>
+          <p:nvSpPr>
+            <p:cNvPr id="34" name="Oval 22">
+              <a:extLst>
+                <a:ext uri="{FF2B5EF4-FFF2-40B4-BE49-F238E27FC236}">
+                  <a16:creationId xmlns:a16="http://schemas.microsoft.com/office/drawing/2014/main" id="{F5889FA6-4F9B-5F52-BAAD-0924B86DB961}"/>
+                </a:ext>
+              </a:extLst>
+            </p:cNvPr>
+            <p:cNvSpPr>
+              <a:spLocks noChangeArrowheads="1"/>
+            </p:cNvSpPr>
+            <p:nvPr/>
+          </p:nvSpPr>
+          <p:spPr bwMode="auto">
+            <a:xfrm>
+              <a:off x="816" y="3648"/>
+              <a:ext cx="384" cy="336"/>
+            </a:xfrm>
+            <a:prstGeom prst="ellipse">
+              <a:avLst/>
+            </a:prstGeom>
+            <a:solidFill>
+              <a:srgbClr val="FFFF99">
+                <a:alpha val="50195"/>
+              </a:srgbClr>
+            </a:solidFill>
+            <a:ln w="9525" algn="ctr">
+              <a:solidFill>
+                <a:srgbClr val="333399"/>
+              </a:solidFill>
+              <a:round/>
+              <a:headEnd/>
+              <a:tailEnd type="none" w="med" len="lg"/>
+            </a:ln>
+            <a:effectLst/>
+            <a:extLst>
+              <a:ext uri="{AF507438-7753-43E0-B8FC-AC1667EBCBE1}">
+                <a14:hiddenEffects xmlns:a14="http://schemas.microsoft.com/office/drawing/2010/main">
+                  <a:effectLst>
+                    <a:outerShdw dist="35921" dir="2700000" algn="ctr" rotWithShape="0">
+                      <a:schemeClr val="bg2"/>
+                    </a:outerShdw>
+                  </a:effectLst>
+                </a14:hiddenEffects>
+              </a:ext>
+            </a:extLst>
+          </p:spPr>
+          <p:txBody>
+            <a:bodyPr wrap="none" anchor="ctr"/>
+            <a:lstStyle>
+              <a:lvl1pPr>
+                <a:spcBef>
+                  <a:spcPct val="20000"/>
+                </a:spcBef>
+                <a:buClr>
+                  <a:srgbClr val="0000FF"/>
+                </a:buClr>
+                <a:buSzPct val="120000"/>
+                <a:buChar char="•"/>
+                <a:defRPr sz="2800">
+                  <a:solidFill>
+                    <a:schemeClr val="tx1"/>
+                  </a:solidFill>
+                  <a:latin typeface="Arial" panose="020B0604020202020204" pitchFamily="34" charset="0"/>
+                </a:defRPr>
+              </a:lvl1pPr>
+              <a:lvl2pPr marL="742950" indent="-285750">
+                <a:spcBef>
+                  <a:spcPct val="20000"/>
+                </a:spcBef>
+                <a:buClr>
+                  <a:srgbClr val="FF0000"/>
+                </a:buClr>
+                <a:buSzPct val="110000"/>
+                <a:buFont typeface="Wingdings" panose="05000000000000000000" pitchFamily="2" charset="2"/>
+                <a:buChar char="§"/>
+                <a:defRPr sz="2400">
+                  <a:solidFill>
+                    <a:schemeClr val="tx1"/>
+                  </a:solidFill>
+                  <a:latin typeface="Arial" panose="020B0604020202020204" pitchFamily="34" charset="0"/>
+                </a:defRPr>
+              </a:lvl2pPr>
+              <a:lvl3pPr marL="1143000" indent="-228600">
+                <a:spcBef>
+                  <a:spcPct val="20000"/>
+                </a:spcBef>
+                <a:buChar char="•"/>
+                <a:defRPr sz="2400">
+                  <a:solidFill>
+                    <a:schemeClr val="tx1"/>
+                  </a:solidFill>
+                  <a:latin typeface="Arial" panose="020B0604020202020204" pitchFamily="34" charset="0"/>
+                </a:defRPr>
+              </a:lvl3pPr>
+              <a:lvl4pPr marL="1600200" indent="-228600">
+                <a:spcBef>
+                  <a:spcPct val="20000"/>
+                </a:spcBef>
+                <a:buChar char="–"/>
+                <a:defRPr sz="2000">
+                  <a:solidFill>
+                    <a:schemeClr val="tx1"/>
+                  </a:solidFill>
+                  <a:latin typeface="Arial" panose="020B0604020202020204" pitchFamily="34" charset="0"/>
+                </a:defRPr>
+              </a:lvl4pPr>
+              <a:lvl5pPr marL="2057400" indent="-228600">
+                <a:spcBef>
+                  <a:spcPct val="20000"/>
+                </a:spcBef>
+                <a:buChar char="»"/>
+                <a:defRPr sz="2000">
+                  <a:solidFill>
+                    <a:schemeClr val="tx1"/>
+                  </a:solidFill>
+                  <a:latin typeface="Arial" panose="020B0604020202020204" pitchFamily="34" charset="0"/>
+                </a:defRPr>
+              </a:lvl5pPr>
+              <a:lvl6pPr marL="2514600" indent="-228600" eaLnBrk="0" fontAlgn="base" hangingPunct="0">
+                <a:spcBef>
+                  <a:spcPct val="20000"/>
+                </a:spcBef>
+                <a:spcAft>
+                  <a:spcPct val="0"/>
+                </a:spcAft>
+                <a:buChar char="»"/>
+                <a:defRPr sz="2000">
+                  <a:solidFill>
+                    <a:schemeClr val="tx1"/>
+                  </a:solidFill>
+                  <a:latin typeface="Arial" panose="020B0604020202020204" pitchFamily="34" charset="0"/>
+                </a:defRPr>
+              </a:lvl6pPr>
+              <a:lvl7pPr marL="2971800" indent="-228600" eaLnBrk="0" fontAlgn="base" hangingPunct="0">
+                <a:spcBef>
+                  <a:spcPct val="20000"/>
+                </a:spcBef>
+                <a:spcAft>
+                  <a:spcPct val="0"/>
+                </a:spcAft>
+                <a:buChar char="»"/>
+                <a:defRPr sz="2000">
+                  <a:solidFill>
+                    <a:schemeClr val="tx1"/>
+                  </a:solidFill>
+                  <a:latin typeface="Arial" panose="020B0604020202020204" pitchFamily="34" charset="0"/>
+                </a:defRPr>
+              </a:lvl7pPr>
+              <a:lvl8pPr marL="3429000" indent="-228600" eaLnBrk="0" fontAlgn="base" hangingPunct="0">
+                <a:spcBef>
+                  <a:spcPct val="20000"/>
+                </a:spcBef>
+                <a:spcAft>
+                  <a:spcPct val="0"/>
+                </a:spcAft>
+                <a:buChar char="»"/>
+                <a:defRPr sz="2000">
+                  <a:solidFill>
+                    <a:schemeClr val="tx1"/>
+                  </a:solidFill>
+                  <a:latin typeface="Arial" panose="020B0604020202020204" pitchFamily="34" charset="0"/>
+                </a:defRPr>
+              </a:lvl8pPr>
+              <a:lvl9pPr marL="3886200" indent="-228600" eaLnBrk="0" fontAlgn="base" hangingPunct="0">
+                <a:spcBef>
+                  <a:spcPct val="20000"/>
+                </a:spcBef>
+                <a:spcAft>
+                  <a:spcPct val="0"/>
+                </a:spcAft>
+                <a:buChar char="»"/>
+                <a:defRPr sz="2000">
+                  <a:solidFill>
+                    <a:schemeClr val="tx1"/>
+                  </a:solidFill>
+                  <a:latin typeface="Arial" panose="020B0604020202020204" pitchFamily="34" charset="0"/>
+                </a:defRPr>
+              </a:lvl9pPr>
+            </a:lstStyle>
+            <a:p>
+              <a:pPr marL="0" marR="0" lvl="0" indent="0" defTabSz="914400" eaLnBrk="1" fontAlgn="base" latinLnBrk="0" hangingPunct="1">
+                <a:lnSpc>
+                  <a:spcPct val="100000"/>
+                </a:lnSpc>
+                <a:spcBef>
+                  <a:spcPct val="50000"/>
+                </a:spcBef>
+                <a:spcAft>
+                  <a:spcPct val="0"/>
+                </a:spcAft>
+                <a:buClrTx/>
+                <a:buSzTx/>
+                <a:buFontTx/>
+                <a:buNone/>
+                <a:tabLst/>
+                <a:defRPr/>
+              </a:pPr>
+              <a:endParaRPr kumimoji="0" lang="en-US" altLang="en-US" sz="1800" b="0" i="0" u="none" strike="noStrike" kern="0" cap="none" spc="0" normalizeH="0" baseline="0" noProof="0">
+                <a:ln>
+                  <a:noFill/>
+                </a:ln>
+                <a:solidFill>
+                  <a:srgbClr val="000000"/>
+                </a:solidFill>
+                <a:effectLst/>
+                <a:uLnTx/>
+                <a:uFillTx/>
+                <a:latin typeface="Arial" panose="020B0604020202020204" pitchFamily="34" charset="0"/>
+              </a:endParaRPr>
+            </a:p>
+          </p:txBody>
+        </p:sp>
+        <p:graphicFrame>
+          <p:nvGraphicFramePr>
+            <p:cNvPr id="35" name="Object 24">
+              <a:extLst>
+                <a:ext uri="{FF2B5EF4-FFF2-40B4-BE49-F238E27FC236}">
+                  <a16:creationId xmlns:a16="http://schemas.microsoft.com/office/drawing/2014/main" id="{F801E00F-1F8C-16C6-289E-77A919EC2E64}"/>
+                </a:ext>
+              </a:extLst>
+            </p:cNvPr>
+            <p:cNvGraphicFramePr>
+              <a:graphicFrameLocks noChangeAspect="1"/>
+            </p:cNvGraphicFramePr>
+            <p:nvPr/>
+          </p:nvGraphicFramePr>
+          <p:xfrm>
+            <a:off x="899" y="3648"/>
+            <a:ext cx="218" cy="327"/>
+          </p:xfrm>
+          <a:graphic>
+            <a:graphicData uri="http://schemas.openxmlformats.org/presentationml/2006/ole">
+              <mc:AlternateContent xmlns:mc="http://schemas.openxmlformats.org/markup-compatibility/2006">
+                <mc:Choice xmlns:v="urn:schemas-microsoft-com:vml" Requires="v">
+                  <p:oleObj name="Equation" r:id="rId2" imgW="152334" imgH="228501" progId="Equation.DSMT4">
+                    <p:embed/>
+                  </p:oleObj>
+                </mc:Choice>
+                <mc:Fallback>
+                  <p:oleObj name="Equation" r:id="rId2" imgW="152334" imgH="228501" progId="Equation.DSMT4">
+                    <p:embed/>
+                    <p:pic>
+                      <p:nvPicPr>
+                        <p:cNvPr id="35862" name="Object 24">
+                          <a:extLst>
+                            <a:ext uri="{FF2B5EF4-FFF2-40B4-BE49-F238E27FC236}">
+                              <a16:creationId xmlns:a16="http://schemas.microsoft.com/office/drawing/2014/main" id="{0DE12CE7-9A31-D56B-CCBD-56D16A1A3894}"/>
+                            </a:ext>
+                          </a:extLst>
+                        </p:cNvPr>
+                        <p:cNvPicPr>
+                          <a:picLocks noChangeAspect="1" noChangeArrowheads="1"/>
+                        </p:cNvPicPr>
+                        <p:nvPr/>
+                      </p:nvPicPr>
+                      <p:blipFill>
+                        <a:blip r:embed="rId3">
+                          <a:extLst>
+                            <a:ext uri="{28A0092B-C50C-407E-A947-70E740481C1C}">
+                              <a14:useLocalDpi xmlns:a14="http://schemas.microsoft.com/office/drawing/2010/main" val="0"/>
+                            </a:ext>
+                          </a:extLst>
+                        </a:blip>
+                        <a:srcRect/>
+                        <a:stretch>
+                          <a:fillRect/>
+                        </a:stretch>
+                      </p:blipFill>
+                      <p:spPr bwMode="auto">
+                        <a:xfrm>
+                          <a:off x="899" y="3648"/>
+                          <a:ext cx="218" cy="327"/>
+                        </a:xfrm>
+                        <a:prstGeom prst="rect">
+                          <a:avLst/>
+                        </a:prstGeom>
+                        <a:noFill/>
+                        <a:ln>
+                          <a:noFill/>
+                        </a:ln>
+                        <a:effectLst/>
+                        <a:extLst>
+                          <a:ext uri="{909E8E84-426E-40DD-AFC4-6F175D3DCCD1}">
+                            <a14:hiddenFill xmlns:a14="http://schemas.microsoft.com/office/drawing/2010/main">
+                              <a:solidFill>
+                                <a:schemeClr val="accent1"/>
+                              </a:solidFill>
+                            </a14:hiddenFill>
+                          </a:ext>
+                          <a:ext uri="{91240B29-F687-4F45-9708-019B960494DF}">
+                            <a14:hiddenLine xmlns:a14="http://schemas.microsoft.com/office/drawing/2010/main" w="9525" algn="ctr">
+                              <a:solidFill>
+                                <a:schemeClr val="accent2"/>
+                              </a:solidFill>
+                              <a:miter lim="800000"/>
+                              <a:headEnd/>
+                              <a:tailEnd type="none" w="med" len="lg"/>
+                            </a14:hiddenLine>
+                          </a:ext>
+                          <a:ext uri="{AF507438-7753-43E0-B8FC-AC1667EBCBE1}">
+                            <a14:hiddenEffects xmlns:a14="http://schemas.microsoft.com/office/drawing/2010/main">
+                              <a:effectLst>
+                                <a:outerShdw dist="35921" dir="2700000" algn="ctr" rotWithShape="0">
+                                  <a:schemeClr val="bg2"/>
+                                </a:outerShdw>
+                              </a:effectLst>
+                            </a14:hiddenEffects>
+                          </a:ext>
+                        </a:extLst>
+                      </p:spPr>
+                    </p:pic>
+                  </p:oleObj>
+                </mc:Fallback>
+              </mc:AlternateContent>
+            </a:graphicData>
+          </a:graphic>
+        </p:graphicFrame>
+      </p:grpSp>
+      <p:sp>
+        <p:nvSpPr>
+          <p:cNvPr id="27" name="Line 27">
+            <a:extLst>
+              <a:ext uri="{FF2B5EF4-FFF2-40B4-BE49-F238E27FC236}">
+                <a16:creationId xmlns:a16="http://schemas.microsoft.com/office/drawing/2014/main" id="{0E92A67B-0B2A-4F80-A700-99E7523EBF32}"/>
+              </a:ext>
+            </a:extLst>
+          </p:cNvPr>
+          <p:cNvSpPr>
+            <a:spLocks noChangeShapeType="1"/>
+          </p:cNvSpPr>
+          <p:nvPr/>
+        </p:nvSpPr>
+        <p:spPr bwMode="auto">
+          <a:xfrm flipH="1" flipV="1">
+            <a:off x="1785257" y="4230188"/>
+            <a:ext cx="304800" cy="609600"/>
+          </a:xfrm>
+          <a:prstGeom prst="line">
+            <a:avLst/>
+          </a:prstGeom>
+          <a:noFill/>
+          <a:ln w="9525">
+            <a:solidFill>
+              <a:srgbClr val="333399"/>
+            </a:solidFill>
+            <a:round/>
+            <a:headEnd/>
+            <a:tailEnd type="triangle" w="med" len="lg"/>
+          </a:ln>
+          <a:effectLst/>
+          <a:extLst>
+            <a:ext uri="{909E8E84-426E-40DD-AFC4-6F175D3DCCD1}">
+              <a14:hiddenFill xmlns:a14="http://schemas.microsoft.com/office/drawing/2010/main">
+                <a:noFill/>
+              </a14:hiddenFill>
+            </a:ext>
+            <a:ext uri="{AF507438-7753-43E0-B8FC-AC1667EBCBE1}">
+              <a14:hiddenEffects xmlns:a14="http://schemas.microsoft.com/office/drawing/2010/main">
+                <a:effectLst>
+                  <a:outerShdw dist="35921" dir="2700000" algn="ctr" rotWithShape="0">
+                    <a:schemeClr val="bg2"/>
+                  </a:outerShdw>
+                </a:effectLst>
+              </a14:hiddenEffects>
+            </a:ext>
+          </a:extLst>
+        </p:spPr>
+        <p:txBody>
+          <a:bodyPr/>
+          <a:lstStyle/>
+          <a:p>
+            <a:pPr marL="0" marR="0" lvl="0" indent="0" defTabSz="914400" eaLnBrk="0" fontAlgn="base" latinLnBrk="0" hangingPunct="0">
+              <a:lnSpc>
+                <a:spcPct val="100000"/>
+              </a:lnSpc>
+              <a:spcBef>
+                <a:spcPct val="0"/>
+              </a:spcBef>
+              <a:spcAft>
+                <a:spcPct val="0"/>
+              </a:spcAft>
+              <a:buClrTx/>
+              <a:buSzTx/>
+              <a:buFontTx/>
+              <a:buNone/>
+              <a:tabLst/>
+              <a:defRPr/>
+            </a:pPr>
+            <a:endParaRPr kumimoji="0" lang="en-CA" sz="1800" b="0" i="0" u="none" strike="noStrike" kern="0" cap="none" spc="0" normalizeH="0" baseline="0" noProof="0">
+              <a:ln>
+                <a:noFill/>
+              </a:ln>
+              <a:solidFill>
+                <a:srgbClr val="000000"/>
+              </a:solidFill>
+              <a:effectLst/>
+              <a:uLnTx/>
+              <a:uFillTx/>
+              <a:latin typeface="Arial" panose="020B0604020202020204" pitchFamily="34" charset="0"/>
+            </a:endParaRPr>
+          </a:p>
+        </p:txBody>
+      </p:sp>
+      <p:sp>
+        <p:nvSpPr>
+          <p:cNvPr id="28" name="Line 28">
+            <a:extLst>
+              <a:ext uri="{FF2B5EF4-FFF2-40B4-BE49-F238E27FC236}">
+                <a16:creationId xmlns:a16="http://schemas.microsoft.com/office/drawing/2014/main" id="{A5857676-41EC-5EB0-A5F2-E7B736DDA415}"/>
+              </a:ext>
+            </a:extLst>
+          </p:cNvPr>
+          <p:cNvSpPr>
+            <a:spLocks noChangeShapeType="1"/>
+          </p:cNvSpPr>
+          <p:nvPr/>
+        </p:nvSpPr>
+        <p:spPr bwMode="auto">
+          <a:xfrm flipV="1">
+            <a:off x="2242457" y="4230188"/>
+            <a:ext cx="0" cy="609600"/>
+          </a:xfrm>
+          <a:prstGeom prst="line">
+            <a:avLst/>
+          </a:prstGeom>
+          <a:noFill/>
+          <a:ln w="9525">
+            <a:solidFill>
+              <a:srgbClr val="333399"/>
+            </a:solidFill>
+            <a:round/>
+            <a:headEnd/>
+            <a:tailEnd type="triangle" w="med" len="lg"/>
+          </a:ln>
+          <a:effectLst/>
+          <a:extLst>
+            <a:ext uri="{909E8E84-426E-40DD-AFC4-6F175D3DCCD1}">
+              <a14:hiddenFill xmlns:a14="http://schemas.microsoft.com/office/drawing/2010/main">
+                <a:noFill/>
+              </a14:hiddenFill>
+            </a:ext>
+            <a:ext uri="{AF507438-7753-43E0-B8FC-AC1667EBCBE1}">
+              <a14:hiddenEffects xmlns:a14="http://schemas.microsoft.com/office/drawing/2010/main">
+                <a:effectLst>
+                  <a:outerShdw dist="35921" dir="2700000" algn="ctr" rotWithShape="0">
+                    <a:schemeClr val="bg2"/>
+                  </a:outerShdw>
+                </a:effectLst>
+              </a14:hiddenEffects>
+            </a:ext>
+          </a:extLst>
+        </p:spPr>
+        <p:txBody>
+          <a:bodyPr/>
+          <a:lstStyle/>
+          <a:p>
+            <a:pPr marL="0" marR="0" lvl="0" indent="0" defTabSz="914400" eaLnBrk="0" fontAlgn="base" latinLnBrk="0" hangingPunct="0">
+              <a:lnSpc>
+                <a:spcPct val="100000"/>
+              </a:lnSpc>
+              <a:spcBef>
+                <a:spcPct val="0"/>
+              </a:spcBef>
+              <a:spcAft>
+                <a:spcPct val="0"/>
+              </a:spcAft>
+              <a:buClrTx/>
+              <a:buSzTx/>
+              <a:buFontTx/>
+              <a:buNone/>
+              <a:tabLst/>
+              <a:defRPr/>
+            </a:pPr>
+            <a:endParaRPr kumimoji="0" lang="en-CA" sz="1800" b="0" i="0" u="none" strike="noStrike" kern="0" cap="none" spc="0" normalizeH="0" baseline="0" noProof="0">
+              <a:ln>
+                <a:noFill/>
+              </a:ln>
+              <a:solidFill>
+                <a:srgbClr val="000000"/>
+              </a:solidFill>
+              <a:effectLst/>
+              <a:uLnTx/>
+              <a:uFillTx/>
+              <a:latin typeface="Arial" panose="020B0604020202020204" pitchFamily="34" charset="0"/>
+            </a:endParaRPr>
+          </a:p>
+        </p:txBody>
+      </p:sp>
+      <p:sp>
+        <p:nvSpPr>
+          <p:cNvPr id="29" name="Line 29">
+            <a:extLst>
+              <a:ext uri="{FF2B5EF4-FFF2-40B4-BE49-F238E27FC236}">
+                <a16:creationId xmlns:a16="http://schemas.microsoft.com/office/drawing/2014/main" id="{62CF868E-D73B-3D36-4F10-35BEAA8925BE}"/>
+              </a:ext>
+            </a:extLst>
+          </p:cNvPr>
+          <p:cNvSpPr>
+            <a:spLocks noChangeShapeType="1"/>
+          </p:cNvSpPr>
+          <p:nvPr/>
+        </p:nvSpPr>
+        <p:spPr bwMode="auto">
+          <a:xfrm flipV="1">
+            <a:off x="2394857" y="4230188"/>
+            <a:ext cx="228600" cy="609600"/>
+          </a:xfrm>
+          <a:prstGeom prst="line">
+            <a:avLst/>
+          </a:prstGeom>
+          <a:noFill/>
+          <a:ln w="9525">
+            <a:solidFill>
+              <a:srgbClr val="333399"/>
+            </a:solidFill>
+            <a:round/>
+            <a:headEnd/>
+            <a:tailEnd type="triangle" w="med" len="lg"/>
+          </a:ln>
+          <a:effectLst/>
+          <a:extLst>
+            <a:ext uri="{909E8E84-426E-40DD-AFC4-6F175D3DCCD1}">
+              <a14:hiddenFill xmlns:a14="http://schemas.microsoft.com/office/drawing/2010/main">
+                <a:noFill/>
+              </a14:hiddenFill>
+            </a:ext>
+            <a:ext uri="{AF507438-7753-43E0-B8FC-AC1667EBCBE1}">
+              <a14:hiddenEffects xmlns:a14="http://schemas.microsoft.com/office/drawing/2010/main">
+                <a:effectLst>
+                  <a:outerShdw dist="35921" dir="2700000" algn="ctr" rotWithShape="0">
+                    <a:schemeClr val="bg2"/>
+                  </a:outerShdw>
+                </a:effectLst>
+              </a14:hiddenEffects>
+            </a:ext>
+          </a:extLst>
+        </p:spPr>
+        <p:txBody>
+          <a:bodyPr/>
+          <a:lstStyle/>
+          <a:p>
+            <a:pPr marL="0" marR="0" lvl="0" indent="0" defTabSz="914400" eaLnBrk="0" fontAlgn="base" latinLnBrk="0" hangingPunct="0">
+              <a:lnSpc>
+                <a:spcPct val="100000"/>
+              </a:lnSpc>
+              <a:spcBef>
+                <a:spcPct val="0"/>
+              </a:spcBef>
+              <a:spcAft>
+                <a:spcPct val="0"/>
+              </a:spcAft>
+              <a:buClrTx/>
+              <a:buSzTx/>
+              <a:buFontTx/>
+              <a:buNone/>
+              <a:tabLst/>
+              <a:defRPr/>
+            </a:pPr>
+            <a:endParaRPr kumimoji="0" lang="en-CA" sz="1800" b="0" i="0" u="none" strike="noStrike" kern="0" cap="none" spc="0" normalizeH="0" baseline="0" noProof="0">
+              <a:ln>
+                <a:noFill/>
+              </a:ln>
+              <a:solidFill>
+                <a:srgbClr val="000000"/>
+              </a:solidFill>
+              <a:effectLst/>
+              <a:uLnTx/>
+              <a:uFillTx/>
+              <a:latin typeface="Arial" panose="020B0604020202020204" pitchFamily="34" charset="0"/>
+            </a:endParaRPr>
+          </a:p>
+        </p:txBody>
+      </p:sp>
+      <p:sp>
+        <p:nvSpPr>
+          <p:cNvPr id="30" name="Line 30">
+            <a:extLst>
+              <a:ext uri="{FF2B5EF4-FFF2-40B4-BE49-F238E27FC236}">
+                <a16:creationId xmlns:a16="http://schemas.microsoft.com/office/drawing/2014/main" id="{6DA9006C-620C-6FC9-393B-37255CC5DC3D}"/>
+              </a:ext>
+            </a:extLst>
+          </p:cNvPr>
+          <p:cNvSpPr>
+            <a:spLocks noChangeShapeType="1"/>
+          </p:cNvSpPr>
+          <p:nvPr/>
+        </p:nvSpPr>
+        <p:spPr bwMode="auto">
+          <a:xfrm>
+            <a:off x="947057" y="4230188"/>
+            <a:ext cx="1066800" cy="762000"/>
+          </a:xfrm>
+          <a:prstGeom prst="line">
+            <a:avLst/>
+          </a:prstGeom>
+          <a:noFill/>
+          <a:ln w="19050">
+            <a:solidFill>
+              <a:srgbClr val="FF0000"/>
+            </a:solidFill>
+            <a:round/>
+            <a:headEnd type="stealth" w="med" len="lg"/>
+            <a:tailEnd type="stealth" w="med" len="lg"/>
+          </a:ln>
+          <a:effectLst/>
+          <a:extLst>
+            <a:ext uri="{909E8E84-426E-40DD-AFC4-6F175D3DCCD1}">
+              <a14:hiddenFill xmlns:a14="http://schemas.microsoft.com/office/drawing/2010/main">
+                <a:noFill/>
+              </a14:hiddenFill>
+            </a:ext>
+            <a:ext uri="{AF507438-7753-43E0-B8FC-AC1667EBCBE1}">
+              <a14:hiddenEffects xmlns:a14="http://schemas.microsoft.com/office/drawing/2010/main">
+                <a:effectLst>
+                  <a:outerShdw dist="35921" dir="2700000" algn="ctr" rotWithShape="0">
+                    <a:schemeClr val="bg2"/>
+                  </a:outerShdw>
+                </a:effectLst>
+              </a14:hiddenEffects>
+            </a:ext>
+          </a:extLst>
+        </p:spPr>
+        <p:txBody>
+          <a:bodyPr/>
+          <a:lstStyle/>
+          <a:p>
+            <a:pPr marL="0" marR="0" lvl="0" indent="0" defTabSz="914400" eaLnBrk="0" fontAlgn="base" latinLnBrk="0" hangingPunct="0">
+              <a:lnSpc>
+                <a:spcPct val="100000"/>
+              </a:lnSpc>
+              <a:spcBef>
+                <a:spcPct val="0"/>
+              </a:spcBef>
+              <a:spcAft>
+                <a:spcPct val="0"/>
+              </a:spcAft>
+              <a:buClrTx/>
+              <a:buSzTx/>
+              <a:buFontTx/>
+              <a:buNone/>
+              <a:tabLst/>
+              <a:defRPr/>
+            </a:pPr>
+            <a:endParaRPr kumimoji="0" lang="en-CA" sz="1800" b="0" i="0" u="none" strike="noStrike" kern="0" cap="none" spc="0" normalizeH="0" baseline="0" noProof="0">
+              <a:ln>
+                <a:noFill/>
+              </a:ln>
+              <a:solidFill>
+                <a:srgbClr val="000000"/>
+              </a:solidFill>
+              <a:effectLst/>
+              <a:uLnTx/>
+              <a:uFillTx/>
+              <a:latin typeface="Arial" panose="020B0604020202020204" pitchFamily="34" charset="0"/>
+            </a:endParaRPr>
+          </a:p>
+        </p:txBody>
+      </p:sp>
+      <p:sp>
+        <p:nvSpPr>
+          <p:cNvPr id="31" name="Text Box 32">
+            <a:extLst>
+              <a:ext uri="{FF2B5EF4-FFF2-40B4-BE49-F238E27FC236}">
+                <a16:creationId xmlns:a16="http://schemas.microsoft.com/office/drawing/2014/main" id="{A5DB6EB3-25B9-D41B-256B-1CC986671EB6}"/>
+              </a:ext>
+            </a:extLst>
+          </p:cNvPr>
+          <p:cNvSpPr txBox="1">
+            <a:spLocks noChangeArrowheads="1"/>
+          </p:cNvSpPr>
+          <p:nvPr/>
+        </p:nvSpPr>
+        <p:spPr bwMode="auto">
+          <a:xfrm>
+            <a:off x="413657" y="4458788"/>
+            <a:ext cx="1143000" cy="366713"/>
+          </a:xfrm>
+          <a:prstGeom prst="rect">
+            <a:avLst/>
+          </a:prstGeom>
+          <a:noFill/>
+          <a:ln>
+            <a:noFill/>
+          </a:ln>
+          <a:effectLst/>
+          <a:extLst>
+            <a:ext uri="{909E8E84-426E-40DD-AFC4-6F175D3DCCD1}">
+              <a14:hiddenFill xmlns:a14="http://schemas.microsoft.com/office/drawing/2010/main">
+                <a:solidFill>
+                  <a:schemeClr val="accent1"/>
+                </a:solidFill>
+              </a14:hiddenFill>
+            </a:ext>
+            <a:ext uri="{91240B29-F687-4F45-9708-019B960494DF}">
+              <a14:hiddenLine xmlns:a14="http://schemas.microsoft.com/office/drawing/2010/main" w="9525" algn="ctr">
+                <a:solidFill>
+                  <a:schemeClr val="accent2"/>
+                </a:solidFill>
+                <a:miter lim="800000"/>
+                <a:headEnd/>
+                <a:tailEnd type="none" w="med" len="lg"/>
+              </a14:hiddenLine>
+            </a:ext>
+            <a:ext uri="{AF507438-7753-43E0-B8FC-AC1667EBCBE1}">
+              <a14:hiddenEffects xmlns:a14="http://schemas.microsoft.com/office/drawing/2010/main">
+                <a:effectLst>
+                  <a:outerShdw dist="35921" dir="2700000" algn="ctr" rotWithShape="0">
+                    <a:schemeClr val="bg2"/>
+                  </a:outerShdw>
+                </a:effectLst>
+              </a14:hiddenEffects>
+            </a:ext>
+          </a:extLst>
+        </p:spPr>
+        <p:txBody>
+          <a:bodyPr>
+            <a:spAutoFit/>
+          </a:bodyPr>
+          <a:lstStyle>
+            <a:lvl1pPr>
+              <a:spcBef>
+                <a:spcPct val="20000"/>
+              </a:spcBef>
+              <a:buClr>
+                <a:srgbClr val="0000FF"/>
+              </a:buClr>
+              <a:buSzPct val="120000"/>
+              <a:buChar char="•"/>
+              <a:defRPr sz="2800">
+                <a:solidFill>
+                  <a:schemeClr val="tx1"/>
+                </a:solidFill>
+                <a:latin typeface="Arial" panose="020B0604020202020204" pitchFamily="34" charset="0"/>
+              </a:defRPr>
+            </a:lvl1pPr>
+            <a:lvl2pPr marL="742950" indent="-285750">
+              <a:spcBef>
+                <a:spcPct val="20000"/>
+              </a:spcBef>
+              <a:buClr>
+                <a:srgbClr val="FF0000"/>
+              </a:buClr>
+              <a:buSzPct val="110000"/>
+              <a:buFont typeface="Wingdings" panose="05000000000000000000" pitchFamily="2" charset="2"/>
+              <a:buChar char="§"/>
+              <a:defRPr sz="2400">
+                <a:solidFill>
+                  <a:schemeClr val="tx1"/>
+                </a:solidFill>
+                <a:latin typeface="Arial" panose="020B0604020202020204" pitchFamily="34" charset="0"/>
+              </a:defRPr>
+            </a:lvl2pPr>
+            <a:lvl3pPr marL="1143000" indent="-228600">
+              <a:spcBef>
+                <a:spcPct val="20000"/>
+              </a:spcBef>
+              <a:buChar char="•"/>
+              <a:defRPr sz="2400">
+                <a:solidFill>
+                  <a:schemeClr val="tx1"/>
+                </a:solidFill>
+                <a:latin typeface="Arial" panose="020B0604020202020204" pitchFamily="34" charset="0"/>
+              </a:defRPr>
+            </a:lvl3pPr>
+            <a:lvl4pPr marL="1600200" indent="-228600">
+              <a:spcBef>
+                <a:spcPct val="20000"/>
+              </a:spcBef>
+              <a:buChar char="–"/>
+              <a:defRPr sz="2000">
+                <a:solidFill>
+                  <a:schemeClr val="tx1"/>
+                </a:solidFill>
+                <a:latin typeface="Arial" panose="020B0604020202020204" pitchFamily="34" charset="0"/>
+              </a:defRPr>
+            </a:lvl4pPr>
+            <a:lvl5pPr marL="2057400" indent="-228600">
+              <a:spcBef>
+                <a:spcPct val="20000"/>
+              </a:spcBef>
+              <a:buChar char="»"/>
+              <a:defRPr sz="2000">
+                <a:solidFill>
+                  <a:schemeClr val="tx1"/>
+                </a:solidFill>
+                <a:latin typeface="Arial" panose="020B0604020202020204" pitchFamily="34" charset="0"/>
+              </a:defRPr>
+            </a:lvl5pPr>
+            <a:lvl6pPr marL="2514600" indent="-228600" eaLnBrk="0" fontAlgn="base" hangingPunct="0">
+              <a:spcBef>
+                <a:spcPct val="20000"/>
+              </a:spcBef>
+              <a:spcAft>
+                <a:spcPct val="0"/>
+              </a:spcAft>
+              <a:buChar char="»"/>
+              <a:defRPr sz="2000">
+                <a:solidFill>
+                  <a:schemeClr val="tx1"/>
+                </a:solidFill>
+                <a:latin typeface="Arial" panose="020B0604020202020204" pitchFamily="34" charset="0"/>
+              </a:defRPr>
+            </a:lvl6pPr>
+            <a:lvl7pPr marL="2971800" indent="-228600" eaLnBrk="0" fontAlgn="base" hangingPunct="0">
+              <a:spcBef>
+                <a:spcPct val="20000"/>
+              </a:spcBef>
+              <a:spcAft>
+                <a:spcPct val="0"/>
+              </a:spcAft>
+              <a:buChar char="»"/>
+              <a:defRPr sz="2000">
+                <a:solidFill>
+                  <a:schemeClr val="tx1"/>
+                </a:solidFill>
+                <a:latin typeface="Arial" panose="020B0604020202020204" pitchFamily="34" charset="0"/>
+              </a:defRPr>
+            </a:lvl7pPr>
+            <a:lvl8pPr marL="3429000" indent="-228600" eaLnBrk="0" fontAlgn="base" hangingPunct="0">
+              <a:spcBef>
+                <a:spcPct val="20000"/>
+              </a:spcBef>
+              <a:spcAft>
+                <a:spcPct val="0"/>
+              </a:spcAft>
+              <a:buChar char="»"/>
+              <a:defRPr sz="2000">
+                <a:solidFill>
+                  <a:schemeClr val="tx1"/>
+                </a:solidFill>
+                <a:latin typeface="Arial" panose="020B0604020202020204" pitchFamily="34" charset="0"/>
+              </a:defRPr>
+            </a:lvl8pPr>
+            <a:lvl9pPr marL="3886200" indent="-228600" eaLnBrk="0" fontAlgn="base" hangingPunct="0">
+              <a:spcBef>
+                <a:spcPct val="20000"/>
+              </a:spcBef>
+              <a:spcAft>
+                <a:spcPct val="0"/>
+              </a:spcAft>
+              <a:buChar char="»"/>
+              <a:defRPr sz="2000">
+                <a:solidFill>
+                  <a:schemeClr val="tx1"/>
+                </a:solidFill>
+                <a:latin typeface="Arial" panose="020B0604020202020204" pitchFamily="34" charset="0"/>
+              </a:defRPr>
+            </a:lvl9pPr>
+          </a:lstStyle>
+          <a:p>
+            <a:pPr marL="0" marR="0" lvl="0" indent="0" algn="ctr" defTabSz="914400" eaLnBrk="1" fontAlgn="base" latinLnBrk="0" hangingPunct="1">
+              <a:lnSpc>
+                <a:spcPct val="100000"/>
+              </a:lnSpc>
+              <a:spcBef>
+                <a:spcPct val="50000"/>
+              </a:spcBef>
+              <a:spcAft>
+                <a:spcPct val="0"/>
+              </a:spcAft>
+              <a:buClrTx/>
+              <a:buSzTx/>
+              <a:buFontTx/>
+              <a:buNone/>
+              <a:tabLst/>
+              <a:defRPr/>
+            </a:pPr>
+            <a:r>
+              <a:rPr kumimoji="0" lang="en-US" altLang="en-US" sz="1800" b="0" i="0" u="none" strike="noStrike" kern="0" cap="none" spc="0" normalizeH="0" baseline="0" noProof="0" dirty="0">
+                <a:ln>
+                  <a:noFill/>
+                </a:ln>
+                <a:solidFill>
+                  <a:srgbClr val="000000"/>
+                </a:solidFill>
+                <a:effectLst/>
+                <a:uLnTx/>
+                <a:uFillTx/>
+                <a:latin typeface="Arial" panose="020B0604020202020204" pitchFamily="34" charset="0"/>
+              </a:rPr>
+              <a:t>max R</a:t>
+            </a:r>
+            <a:r>
+              <a:rPr kumimoji="0" lang="en-US" altLang="en-US" sz="1800" b="0" i="0" u="none" strike="noStrike" kern="0" cap="none" spc="0" normalizeH="0" baseline="30000" noProof="0" dirty="0">
+                <a:ln>
+                  <a:noFill/>
+                </a:ln>
+                <a:solidFill>
+                  <a:srgbClr val="000000"/>
+                </a:solidFill>
+                <a:effectLst/>
+                <a:uLnTx/>
+                <a:uFillTx/>
+                <a:latin typeface="Arial" panose="020B0604020202020204" pitchFamily="34" charset="0"/>
+              </a:rPr>
+              <a:t>2</a:t>
+            </a:r>
+            <a:r>
+              <a:rPr kumimoji="0" lang="en-US" altLang="en-US" sz="1800" b="0" i="0" u="none" strike="noStrike" kern="0" cap="none" spc="0" normalizeH="0" baseline="0" noProof="0" dirty="0">
+                <a:ln>
+                  <a:noFill/>
+                </a:ln>
+                <a:solidFill>
+                  <a:srgbClr val="000000"/>
+                </a:solidFill>
+                <a:effectLst/>
+                <a:uLnTx/>
+                <a:uFillTx/>
+                <a:latin typeface="Arial" panose="020B0604020202020204" pitchFamily="34" charset="0"/>
+              </a:rPr>
+              <a:t> </a:t>
+            </a:r>
+          </a:p>
+        </p:txBody>
+      </p:sp>
+      <p:sp>
+        <p:nvSpPr>
+          <p:cNvPr id="32" name="Rectangle 44">
+            <a:extLst>
+              <a:ext uri="{FF2B5EF4-FFF2-40B4-BE49-F238E27FC236}">
+                <a16:creationId xmlns:a16="http://schemas.microsoft.com/office/drawing/2014/main" id="{EEF3F96F-DA8C-C49C-1EBE-DF3F7F1303F3}"/>
+              </a:ext>
+            </a:extLst>
+          </p:cNvPr>
+          <p:cNvSpPr>
+            <a:spLocks noChangeArrowheads="1"/>
+          </p:cNvSpPr>
+          <p:nvPr/>
+        </p:nvSpPr>
+        <p:spPr bwMode="auto">
+          <a:xfrm>
+            <a:off x="1956707" y="1258388"/>
+            <a:ext cx="590550" cy="823913"/>
+          </a:xfrm>
+          <a:prstGeom prst="rect">
+            <a:avLst/>
+          </a:prstGeom>
+          <a:noFill/>
+          <a:ln>
+            <a:noFill/>
+          </a:ln>
+          <a:effectLst/>
+          <a:extLst>
+            <a:ext uri="{909E8E84-426E-40DD-AFC4-6F175D3DCCD1}">
+              <a14:hiddenFill xmlns:a14="http://schemas.microsoft.com/office/drawing/2010/main">
+                <a:solidFill>
+                  <a:schemeClr val="accent1"/>
+                </a:solidFill>
+              </a14:hiddenFill>
+            </a:ext>
+            <a:ext uri="{91240B29-F687-4F45-9708-019B960494DF}">
+              <a14:hiddenLine xmlns:a14="http://schemas.microsoft.com/office/drawing/2010/main" w="12700" algn="ctr">
+                <a:solidFill>
+                  <a:schemeClr val="accent2"/>
+                </a:solidFill>
+                <a:miter lim="800000"/>
+                <a:headEnd/>
+                <a:tailEnd type="none" w="med" len="lg"/>
+              </a14:hiddenLine>
+            </a:ext>
+            <a:ext uri="{AF507438-7753-43E0-B8FC-AC1667EBCBE1}">
+              <a14:hiddenEffects xmlns:a14="http://schemas.microsoft.com/office/drawing/2010/main">
+                <a:effectLst>
+                  <a:outerShdw dist="35921" dir="2700000" algn="ctr" rotWithShape="0">
+                    <a:schemeClr val="bg2"/>
+                  </a:outerShdw>
+                </a:effectLst>
+              </a14:hiddenEffects>
+            </a:ext>
+          </a:extLst>
+        </p:spPr>
+        <p:txBody>
+          <a:bodyPr wrap="none">
+            <a:spAutoFit/>
+          </a:bodyPr>
+          <a:lstStyle>
+            <a:lvl1pPr>
+              <a:spcBef>
+                <a:spcPct val="20000"/>
+              </a:spcBef>
+              <a:buClr>
+                <a:srgbClr val="0000FF"/>
+              </a:buClr>
+              <a:buSzPct val="120000"/>
+              <a:buChar char="•"/>
+              <a:defRPr sz="2800">
+                <a:solidFill>
+                  <a:schemeClr val="tx1"/>
+                </a:solidFill>
+                <a:latin typeface="Arial" panose="020B0604020202020204" pitchFamily="34" charset="0"/>
+              </a:defRPr>
+            </a:lvl1pPr>
+            <a:lvl2pPr marL="742950" indent="-285750">
+              <a:spcBef>
+                <a:spcPct val="20000"/>
+              </a:spcBef>
+              <a:buClr>
+                <a:srgbClr val="FF0000"/>
+              </a:buClr>
+              <a:buSzPct val="110000"/>
+              <a:buFont typeface="Wingdings" panose="05000000000000000000" pitchFamily="2" charset="2"/>
+              <a:buChar char="§"/>
+              <a:defRPr sz="2400">
+                <a:solidFill>
+                  <a:schemeClr val="tx1"/>
+                </a:solidFill>
+                <a:latin typeface="Arial" panose="020B0604020202020204" pitchFamily="34" charset="0"/>
+              </a:defRPr>
+            </a:lvl2pPr>
+            <a:lvl3pPr marL="1143000" indent="-228600">
+              <a:spcBef>
+                <a:spcPct val="20000"/>
+              </a:spcBef>
+              <a:buChar char="•"/>
+              <a:defRPr sz="2400">
+                <a:solidFill>
+                  <a:schemeClr val="tx1"/>
+                </a:solidFill>
+                <a:latin typeface="Arial" panose="020B0604020202020204" pitchFamily="34" charset="0"/>
+              </a:defRPr>
+            </a:lvl3pPr>
+            <a:lvl4pPr marL="1600200" indent="-228600">
+              <a:spcBef>
+                <a:spcPct val="20000"/>
+              </a:spcBef>
+              <a:buChar char="–"/>
+              <a:defRPr sz="2000">
+                <a:solidFill>
+                  <a:schemeClr val="tx1"/>
+                </a:solidFill>
+                <a:latin typeface="Arial" panose="020B0604020202020204" pitchFamily="34" charset="0"/>
+              </a:defRPr>
+            </a:lvl4pPr>
+            <a:lvl5pPr marL="2057400" indent="-228600">
+              <a:spcBef>
+                <a:spcPct val="20000"/>
+              </a:spcBef>
+              <a:buChar char="»"/>
+              <a:defRPr sz="2000">
+                <a:solidFill>
+                  <a:schemeClr val="tx1"/>
+                </a:solidFill>
+                <a:latin typeface="Arial" panose="020B0604020202020204" pitchFamily="34" charset="0"/>
+              </a:defRPr>
+            </a:lvl5pPr>
+            <a:lvl6pPr marL="2514600" indent="-228600" eaLnBrk="0" fontAlgn="base" hangingPunct="0">
+              <a:spcBef>
+                <a:spcPct val="20000"/>
+              </a:spcBef>
+              <a:spcAft>
+                <a:spcPct val="0"/>
+              </a:spcAft>
+              <a:buChar char="»"/>
+              <a:defRPr sz="2000">
+                <a:solidFill>
+                  <a:schemeClr val="tx1"/>
+                </a:solidFill>
+                <a:latin typeface="Arial" panose="020B0604020202020204" pitchFamily="34" charset="0"/>
+              </a:defRPr>
+            </a:lvl6pPr>
+            <a:lvl7pPr marL="2971800" indent="-228600" eaLnBrk="0" fontAlgn="base" hangingPunct="0">
+              <a:spcBef>
+                <a:spcPct val="20000"/>
+              </a:spcBef>
+              <a:spcAft>
+                <a:spcPct val="0"/>
+              </a:spcAft>
+              <a:buChar char="»"/>
+              <a:defRPr sz="2000">
+                <a:solidFill>
+                  <a:schemeClr val="tx1"/>
+                </a:solidFill>
+                <a:latin typeface="Arial" panose="020B0604020202020204" pitchFamily="34" charset="0"/>
+              </a:defRPr>
+            </a:lvl7pPr>
+            <a:lvl8pPr marL="3429000" indent="-228600" eaLnBrk="0" fontAlgn="base" hangingPunct="0">
+              <a:spcBef>
+                <a:spcPct val="20000"/>
+              </a:spcBef>
+              <a:spcAft>
+                <a:spcPct val="0"/>
+              </a:spcAft>
+              <a:buChar char="»"/>
+              <a:defRPr sz="2000">
+                <a:solidFill>
+                  <a:schemeClr val="tx1"/>
+                </a:solidFill>
+                <a:latin typeface="Arial" panose="020B0604020202020204" pitchFamily="34" charset="0"/>
+              </a:defRPr>
+            </a:lvl8pPr>
+            <a:lvl9pPr marL="3886200" indent="-228600" eaLnBrk="0" fontAlgn="base" hangingPunct="0">
+              <a:spcBef>
+                <a:spcPct val="20000"/>
+              </a:spcBef>
+              <a:spcAft>
+                <a:spcPct val="0"/>
+              </a:spcAft>
+              <a:buChar char="»"/>
+              <a:defRPr sz="2000">
+                <a:solidFill>
+                  <a:schemeClr val="tx1"/>
+                </a:solidFill>
+                <a:latin typeface="Arial" panose="020B0604020202020204" pitchFamily="34" charset="0"/>
+              </a:defRPr>
+            </a:lvl9pPr>
+          </a:lstStyle>
+          <a:p>
+            <a:pPr marL="0" marR="0" lvl="0" indent="0" algn="ctr" defTabSz="914400" eaLnBrk="1" fontAlgn="base" latinLnBrk="0" hangingPunct="1">
+              <a:lnSpc>
+                <a:spcPct val="100000"/>
+              </a:lnSpc>
+              <a:spcBef>
+                <a:spcPct val="0"/>
+              </a:spcBef>
+              <a:spcAft>
+                <a:spcPct val="0"/>
+              </a:spcAft>
+              <a:buClrTx/>
+              <a:buSzTx/>
+              <a:buFontTx/>
+              <a:buNone/>
+              <a:tabLst/>
+              <a:defRPr/>
+            </a:pPr>
+            <a:r>
+              <a:rPr kumimoji="0" lang="en-US" altLang="en-US" sz="4800" b="0" i="0" u="none" strike="noStrike" kern="0" cap="none" spc="0" normalizeH="0" baseline="0" noProof="0">
+                <a:ln>
+                  <a:noFill/>
+                </a:ln>
+                <a:solidFill>
+                  <a:srgbClr val="000000"/>
+                </a:solidFill>
+                <a:effectLst/>
+                <a:uLnTx/>
+                <a:uFillTx/>
+                <a:latin typeface="Arial" panose="020B0604020202020204" pitchFamily="34" charset="0"/>
+              </a:rPr>
+              <a:t>X</a:t>
+            </a:r>
+          </a:p>
+        </p:txBody>
+      </p:sp>
+      <p:sp>
+        <p:nvSpPr>
+          <p:cNvPr id="33" name="Text Box 45">
+            <a:extLst>
+              <a:ext uri="{FF2B5EF4-FFF2-40B4-BE49-F238E27FC236}">
+                <a16:creationId xmlns:a16="http://schemas.microsoft.com/office/drawing/2014/main" id="{3F264917-E64A-F470-5E9E-67506C8BF68B}"/>
+              </a:ext>
+            </a:extLst>
+          </p:cNvPr>
+          <p:cNvSpPr txBox="1">
+            <a:spLocks noChangeArrowheads="1"/>
+          </p:cNvSpPr>
+          <p:nvPr/>
+        </p:nvSpPr>
+        <p:spPr bwMode="auto">
+          <a:xfrm>
+            <a:off x="1153432" y="2328363"/>
+            <a:ext cx="361950" cy="457200"/>
+          </a:xfrm>
+          <a:prstGeom prst="rect">
+            <a:avLst/>
+          </a:prstGeom>
+          <a:noFill/>
+          <a:ln>
+            <a:noFill/>
+          </a:ln>
+          <a:effectLst/>
+          <a:extLst>
+            <a:ext uri="{909E8E84-426E-40DD-AFC4-6F175D3DCCD1}">
+              <a14:hiddenFill xmlns:a14="http://schemas.microsoft.com/office/drawing/2010/main">
+                <a:solidFill>
+                  <a:schemeClr val="accent1"/>
+                </a:solidFill>
+              </a14:hiddenFill>
+            </a:ext>
+            <a:ext uri="{91240B29-F687-4F45-9708-019B960494DF}">
+              <a14:hiddenLine xmlns:a14="http://schemas.microsoft.com/office/drawing/2010/main" w="12700" algn="ctr">
+                <a:solidFill>
+                  <a:schemeClr val="accent2"/>
+                </a:solidFill>
+                <a:miter lim="800000"/>
+                <a:headEnd/>
+                <a:tailEnd type="none" w="med" len="lg"/>
+              </a14:hiddenLine>
+            </a:ext>
+            <a:ext uri="{AF507438-7753-43E0-B8FC-AC1667EBCBE1}">
+              <a14:hiddenEffects xmlns:a14="http://schemas.microsoft.com/office/drawing/2010/main">
+                <a:effectLst>
+                  <a:outerShdw dist="35921" dir="2700000" algn="ctr" rotWithShape="0">
+                    <a:schemeClr val="bg2"/>
+                  </a:outerShdw>
+                </a:effectLst>
+              </a14:hiddenEffects>
+            </a:ext>
+          </a:extLst>
+        </p:spPr>
+        <p:txBody>
+          <a:bodyPr wrap="none">
+            <a:spAutoFit/>
+          </a:bodyPr>
+          <a:lstStyle>
+            <a:lvl1pPr>
+              <a:spcBef>
+                <a:spcPct val="20000"/>
+              </a:spcBef>
+              <a:buClr>
+                <a:srgbClr val="0000FF"/>
+              </a:buClr>
+              <a:buSzPct val="120000"/>
+              <a:buChar char="•"/>
+              <a:defRPr sz="2800">
+                <a:solidFill>
+                  <a:schemeClr val="tx1"/>
+                </a:solidFill>
+                <a:latin typeface="Arial" panose="020B0604020202020204" pitchFamily="34" charset="0"/>
+              </a:defRPr>
+            </a:lvl1pPr>
+            <a:lvl2pPr marL="742950" indent="-285750">
+              <a:spcBef>
+                <a:spcPct val="20000"/>
+              </a:spcBef>
+              <a:buClr>
+                <a:srgbClr val="FF0000"/>
+              </a:buClr>
+              <a:buSzPct val="110000"/>
+              <a:buFont typeface="Wingdings" panose="05000000000000000000" pitchFamily="2" charset="2"/>
+              <a:buChar char="§"/>
+              <a:defRPr sz="2400">
+                <a:solidFill>
+                  <a:schemeClr val="tx1"/>
+                </a:solidFill>
+                <a:latin typeface="Arial" panose="020B0604020202020204" pitchFamily="34" charset="0"/>
+              </a:defRPr>
+            </a:lvl2pPr>
+            <a:lvl3pPr marL="1143000" indent="-228600">
+              <a:spcBef>
+                <a:spcPct val="20000"/>
+              </a:spcBef>
+              <a:buChar char="•"/>
+              <a:defRPr sz="2400">
+                <a:solidFill>
+                  <a:schemeClr val="tx1"/>
+                </a:solidFill>
+                <a:latin typeface="Arial" panose="020B0604020202020204" pitchFamily="34" charset="0"/>
+              </a:defRPr>
+            </a:lvl3pPr>
+            <a:lvl4pPr marL="1600200" indent="-228600">
+              <a:spcBef>
+                <a:spcPct val="20000"/>
+              </a:spcBef>
+              <a:buChar char="–"/>
+              <a:defRPr sz="2000">
+                <a:solidFill>
+                  <a:schemeClr val="tx1"/>
+                </a:solidFill>
+                <a:latin typeface="Arial" panose="020B0604020202020204" pitchFamily="34" charset="0"/>
+              </a:defRPr>
+            </a:lvl4pPr>
+            <a:lvl5pPr marL="2057400" indent="-228600">
+              <a:spcBef>
+                <a:spcPct val="20000"/>
+              </a:spcBef>
+              <a:buChar char="»"/>
+              <a:defRPr sz="2000">
+                <a:solidFill>
+                  <a:schemeClr val="tx1"/>
+                </a:solidFill>
+                <a:latin typeface="Arial" panose="020B0604020202020204" pitchFamily="34" charset="0"/>
+              </a:defRPr>
+            </a:lvl5pPr>
+            <a:lvl6pPr marL="2514600" indent="-228600" eaLnBrk="0" fontAlgn="base" hangingPunct="0">
+              <a:spcBef>
+                <a:spcPct val="20000"/>
+              </a:spcBef>
+              <a:spcAft>
+                <a:spcPct val="0"/>
+              </a:spcAft>
+              <a:buChar char="»"/>
+              <a:defRPr sz="2000">
+                <a:solidFill>
+                  <a:schemeClr val="tx1"/>
+                </a:solidFill>
+                <a:latin typeface="Arial" panose="020B0604020202020204" pitchFamily="34" charset="0"/>
+              </a:defRPr>
+            </a:lvl6pPr>
+            <a:lvl7pPr marL="2971800" indent="-228600" eaLnBrk="0" fontAlgn="base" hangingPunct="0">
+              <a:spcBef>
+                <a:spcPct val="20000"/>
+              </a:spcBef>
+              <a:spcAft>
+                <a:spcPct val="0"/>
+              </a:spcAft>
+              <a:buChar char="»"/>
+              <a:defRPr sz="2000">
+                <a:solidFill>
+                  <a:schemeClr val="tx1"/>
+                </a:solidFill>
+                <a:latin typeface="Arial" panose="020B0604020202020204" pitchFamily="34" charset="0"/>
+              </a:defRPr>
+            </a:lvl7pPr>
+            <a:lvl8pPr marL="3429000" indent="-228600" eaLnBrk="0" fontAlgn="base" hangingPunct="0">
+              <a:spcBef>
+                <a:spcPct val="20000"/>
+              </a:spcBef>
+              <a:spcAft>
+                <a:spcPct val="0"/>
+              </a:spcAft>
+              <a:buChar char="»"/>
+              <a:defRPr sz="2000">
+                <a:solidFill>
+                  <a:schemeClr val="tx1"/>
+                </a:solidFill>
+                <a:latin typeface="Arial" panose="020B0604020202020204" pitchFamily="34" charset="0"/>
+              </a:defRPr>
+            </a:lvl8pPr>
+            <a:lvl9pPr marL="3886200" indent="-228600" eaLnBrk="0" fontAlgn="base" hangingPunct="0">
+              <a:spcBef>
+                <a:spcPct val="20000"/>
+              </a:spcBef>
+              <a:spcAft>
+                <a:spcPct val="0"/>
+              </a:spcAft>
+              <a:buChar char="»"/>
+              <a:defRPr sz="2000">
+                <a:solidFill>
+                  <a:schemeClr val="tx1"/>
+                </a:solidFill>
+                <a:latin typeface="Arial" panose="020B0604020202020204" pitchFamily="34" charset="0"/>
+              </a:defRPr>
+            </a:lvl9pPr>
+          </a:lstStyle>
+          <a:p>
+            <a:pPr marL="0" marR="0" lvl="0" indent="0" algn="ctr" defTabSz="914400" eaLnBrk="1" fontAlgn="base" latinLnBrk="0" hangingPunct="1">
+              <a:lnSpc>
+                <a:spcPct val="100000"/>
+              </a:lnSpc>
+              <a:spcBef>
+                <a:spcPct val="0"/>
+              </a:spcBef>
+              <a:spcAft>
+                <a:spcPct val="0"/>
+              </a:spcAft>
+              <a:buClrTx/>
+              <a:buSzTx/>
+              <a:buFontTx/>
+              <a:buNone/>
+              <a:tabLst/>
+              <a:defRPr/>
+            </a:pPr>
+            <a:r>
+              <a:rPr kumimoji="0" lang="en-US" altLang="en-US" sz="2400" b="0" i="0" u="none" strike="noStrike" kern="0" cap="none" spc="0" normalizeH="0" baseline="0" noProof="0">
+                <a:ln>
+                  <a:noFill/>
+                </a:ln>
+                <a:solidFill>
+                  <a:srgbClr val="000000"/>
+                </a:solidFill>
+                <a:effectLst/>
+                <a:uLnTx/>
+                <a:uFillTx/>
+                <a:latin typeface="Arial" panose="020B0604020202020204" pitchFamily="34" charset="0"/>
+              </a:rPr>
+              <a:t>~</a:t>
+            </a:r>
+          </a:p>
+        </p:txBody>
+      </p:sp>
+      <p:grpSp>
+        <p:nvGrpSpPr>
+          <p:cNvPr id="74" name="Group 73">
+            <a:extLst>
+              <a:ext uri="{FF2B5EF4-FFF2-40B4-BE49-F238E27FC236}">
+                <a16:creationId xmlns:a16="http://schemas.microsoft.com/office/drawing/2014/main" id="{03A7D9DE-C23A-C343-254D-1A894264C7DA}"/>
+              </a:ext>
+            </a:extLst>
+          </p:cNvPr>
+          <p:cNvGrpSpPr/>
+          <p:nvPr/>
+        </p:nvGrpSpPr>
+        <p:grpSpPr>
+          <a:xfrm>
+            <a:off x="3770821" y="1221811"/>
+            <a:ext cx="4467488" cy="3127504"/>
+            <a:chOff x="3570514" y="1221811"/>
+            <a:chExt cx="4467488" cy="3127504"/>
+          </a:xfrm>
+        </p:grpSpPr>
+        <p:grpSp>
+          <p:nvGrpSpPr>
+            <p:cNvPr id="72" name="Group 71">
+              <a:extLst>
+                <a:ext uri="{FF2B5EF4-FFF2-40B4-BE49-F238E27FC236}">
+                  <a16:creationId xmlns:a16="http://schemas.microsoft.com/office/drawing/2014/main" id="{B198E276-5564-6CAF-A0D0-582A1FFD51A8}"/>
+                </a:ext>
+              </a:extLst>
+            </p:cNvPr>
+            <p:cNvGrpSpPr/>
+            <p:nvPr/>
+          </p:nvGrpSpPr>
+          <p:grpSpPr>
+            <a:xfrm>
+              <a:off x="3570514" y="1221811"/>
+              <a:ext cx="3761835" cy="3127504"/>
+              <a:chOff x="4206240" y="1502793"/>
+              <a:chExt cx="3761835" cy="3127504"/>
+            </a:xfrm>
+          </p:grpSpPr>
+          <p:cxnSp>
+            <p:nvCxnSpPr>
+              <p:cNvPr id="70" name="Straight Connector 69">
+                <a:extLst>
+                  <a:ext uri="{FF2B5EF4-FFF2-40B4-BE49-F238E27FC236}">
+                    <a16:creationId xmlns:a16="http://schemas.microsoft.com/office/drawing/2014/main" id="{2781D427-CAA4-5233-3EB9-4B290E2629BD}"/>
+                  </a:ext>
+                </a:extLst>
+              </p:cNvPr>
+              <p:cNvCxnSpPr/>
+              <p:nvPr/>
+            </p:nvCxnSpPr>
+            <p:spPr>
+              <a:xfrm flipH="1">
+                <a:off x="4563425" y="3393575"/>
+                <a:ext cx="1530131" cy="35424"/>
+              </a:xfrm>
+              <a:prstGeom prst="line">
+                <a:avLst/>
+              </a:prstGeom>
+              <a:ln>
+                <a:solidFill>
+                  <a:schemeClr val="tx1"/>
+                </a:solidFill>
+                <a:prstDash val="sysDot"/>
+              </a:ln>
+            </p:spPr>
+            <p:style>
+              <a:lnRef idx="1">
+                <a:schemeClr val="accent1"/>
+              </a:lnRef>
+              <a:fillRef idx="0">
+                <a:schemeClr val="accent1"/>
+              </a:fillRef>
+              <a:effectRef idx="0">
+                <a:schemeClr val="accent1"/>
+              </a:effectRef>
+              <a:fontRef idx="minor">
+                <a:schemeClr val="tx1"/>
+              </a:fontRef>
+            </p:style>
+          </p:cxnSp>
+          <p:cxnSp>
+            <p:nvCxnSpPr>
+              <p:cNvPr id="57" name="Straight Arrow Connector 56">
+                <a:extLst>
+                  <a:ext uri="{FF2B5EF4-FFF2-40B4-BE49-F238E27FC236}">
+                    <a16:creationId xmlns:a16="http://schemas.microsoft.com/office/drawing/2014/main" id="{929DB2FE-2700-CCD2-64B5-F1CE31F2BD83}"/>
+                  </a:ext>
+                </a:extLst>
+              </p:cNvPr>
+              <p:cNvCxnSpPr>
+                <a:cxnSpLocks/>
+              </p:cNvCxnSpPr>
+              <p:nvPr/>
+            </p:nvCxnSpPr>
+            <p:spPr>
+              <a:xfrm flipV="1">
+                <a:off x="5756500" y="3429000"/>
+                <a:ext cx="337056" cy="801187"/>
+              </a:xfrm>
+              <a:prstGeom prst="straightConnector1">
+                <a:avLst/>
+              </a:prstGeom>
+              <a:ln w="12700">
+                <a:solidFill>
+                  <a:schemeClr val="tx1"/>
+                </a:solidFill>
+                <a:prstDash val="sysDash"/>
+                <a:tailEnd type="none" w="lg" len="lg"/>
+              </a:ln>
+            </p:spPr>
+            <p:style>
+              <a:lnRef idx="1">
+                <a:schemeClr val="accent1"/>
+              </a:lnRef>
+              <a:fillRef idx="0">
+                <a:schemeClr val="accent1"/>
+              </a:fillRef>
+              <a:effectRef idx="0">
+                <a:schemeClr val="accent1"/>
+              </a:effectRef>
+              <a:fontRef idx="minor">
+                <a:schemeClr val="tx1"/>
+              </a:fontRef>
+            </p:style>
+          </p:cxnSp>
+          <p:sp>
+            <p:nvSpPr>
+              <p:cNvPr id="43" name="Parallelogram 42">
+                <a:extLst>
+                  <a:ext uri="{FF2B5EF4-FFF2-40B4-BE49-F238E27FC236}">
+                    <a16:creationId xmlns:a16="http://schemas.microsoft.com/office/drawing/2014/main" id="{278E2691-9F50-DFC6-3BA6-9B6FCD724867}"/>
+                  </a:ext>
+                </a:extLst>
+              </p:cNvPr>
+              <p:cNvSpPr/>
+              <p:nvPr/>
+            </p:nvSpPr>
+            <p:spPr>
+              <a:xfrm>
+                <a:off x="4223925" y="1502793"/>
+                <a:ext cx="3744150" cy="2727395"/>
+              </a:xfrm>
+              <a:prstGeom prst="parallelogram">
+                <a:avLst>
+                  <a:gd name="adj" fmla="val 40646"/>
+                </a:avLst>
+              </a:prstGeom>
+              <a:solidFill>
+                <a:schemeClr val="bg2">
+                  <a:lumMod val="90000"/>
+                  <a:alpha val="40000"/>
+                </a:schemeClr>
+              </a:solidFill>
+            </p:spPr>
+            <p:style>
+              <a:lnRef idx="2">
+                <a:schemeClr val="accent1">
+                  <a:shade val="15000"/>
+                </a:schemeClr>
+              </a:lnRef>
+              <a:fillRef idx="1">
+                <a:schemeClr val="accent1"/>
+              </a:fillRef>
+              <a:effectRef idx="0">
+                <a:schemeClr val="accent1"/>
+              </a:effectRef>
+              <a:fontRef idx="minor">
+                <a:schemeClr val="lt1"/>
+              </a:fontRef>
+            </p:style>
+            <p:txBody>
+              <a:bodyPr rtlCol="0" anchor="ctr"/>
+              <a:lstStyle/>
+              <a:p>
+                <a:pPr algn="ctr"/>
+                <a:endParaRPr lang="en-CA"/>
+              </a:p>
+            </p:txBody>
+          </p:sp>
+          <p:cxnSp>
+            <p:nvCxnSpPr>
+              <p:cNvPr id="45" name="Straight Arrow Connector 44">
+                <a:extLst>
+                  <a:ext uri="{FF2B5EF4-FFF2-40B4-BE49-F238E27FC236}">
+                    <a16:creationId xmlns:a16="http://schemas.microsoft.com/office/drawing/2014/main" id="{4DE14D77-D3E1-CB3A-4459-806B17CDAD7F}"/>
+                  </a:ext>
+                </a:extLst>
+              </p:cNvPr>
+              <p:cNvCxnSpPr/>
+              <p:nvPr/>
+            </p:nvCxnSpPr>
+            <p:spPr>
+              <a:xfrm>
+                <a:off x="4206240" y="4230188"/>
+                <a:ext cx="2072640" cy="0"/>
+              </a:xfrm>
+              <a:prstGeom prst="straightConnector1">
+                <a:avLst/>
+              </a:prstGeom>
+              <a:ln w="31750">
+                <a:solidFill>
+                  <a:schemeClr val="tx1"/>
+                </a:solidFill>
+                <a:tailEnd type="stealth" w="lg" len="lg"/>
+              </a:ln>
+            </p:spPr>
+            <p:style>
+              <a:lnRef idx="1">
+                <a:schemeClr val="accent1"/>
+              </a:lnRef>
+              <a:fillRef idx="0">
+                <a:schemeClr val="accent1"/>
+              </a:fillRef>
+              <a:effectRef idx="0">
+                <a:schemeClr val="accent1"/>
+              </a:effectRef>
+              <a:fontRef idx="minor">
+                <a:schemeClr val="tx1"/>
+              </a:fontRef>
+            </p:style>
+          </p:cxnSp>
+          <p:cxnSp>
+            <p:nvCxnSpPr>
+              <p:cNvPr id="47" name="Straight Arrow Connector 46">
+                <a:extLst>
+                  <a:ext uri="{FF2B5EF4-FFF2-40B4-BE49-F238E27FC236}">
+                    <a16:creationId xmlns:a16="http://schemas.microsoft.com/office/drawing/2014/main" id="{04065C50-3BE5-ADF5-1A8F-156F8DDC9165}"/>
+                  </a:ext>
+                </a:extLst>
+              </p:cNvPr>
+              <p:cNvCxnSpPr/>
+              <p:nvPr/>
+            </p:nvCxnSpPr>
+            <p:spPr>
+              <a:xfrm flipV="1">
+                <a:off x="4223925" y="2556963"/>
+                <a:ext cx="679001" cy="1673225"/>
+              </a:xfrm>
+              <a:prstGeom prst="straightConnector1">
+                <a:avLst/>
+              </a:prstGeom>
+              <a:ln w="31750">
+                <a:solidFill>
+                  <a:schemeClr val="tx1"/>
+                </a:solidFill>
+                <a:tailEnd type="stealth" w="lg" len="lg"/>
+              </a:ln>
+            </p:spPr>
+            <p:style>
+              <a:lnRef idx="1">
+                <a:schemeClr val="accent1"/>
+              </a:lnRef>
+              <a:fillRef idx="0">
+                <a:schemeClr val="accent1"/>
+              </a:fillRef>
+              <a:effectRef idx="0">
+                <a:schemeClr val="accent1"/>
+              </a:effectRef>
+              <a:fontRef idx="minor">
+                <a:schemeClr val="tx1"/>
+              </a:fontRef>
+            </p:style>
+          </p:cxnSp>
+          <p:cxnSp>
+            <p:nvCxnSpPr>
+              <p:cNvPr id="49" name="Straight Arrow Connector 48">
+                <a:extLst>
+                  <a:ext uri="{FF2B5EF4-FFF2-40B4-BE49-F238E27FC236}">
+                    <a16:creationId xmlns:a16="http://schemas.microsoft.com/office/drawing/2014/main" id="{0EA84C9D-2C3D-7E9D-5377-6BA12D02F7AB}"/>
+                  </a:ext>
+                </a:extLst>
+              </p:cNvPr>
+              <p:cNvCxnSpPr/>
+              <p:nvPr/>
+            </p:nvCxnSpPr>
+            <p:spPr>
+              <a:xfrm flipV="1">
+                <a:off x="4223925" y="1933303"/>
+                <a:ext cx="1872075" cy="2296885"/>
+              </a:xfrm>
+              <a:prstGeom prst="straightConnector1">
+                <a:avLst/>
+              </a:prstGeom>
+              <a:ln w="31750">
+                <a:solidFill>
+                  <a:srgbClr val="FF0000"/>
+                </a:solidFill>
+                <a:tailEnd type="triangle" w="lg" len="lg"/>
+              </a:ln>
+            </p:spPr>
+            <p:style>
+              <a:lnRef idx="1">
+                <a:schemeClr val="accent1"/>
+              </a:lnRef>
+              <a:fillRef idx="0">
+                <a:schemeClr val="accent1"/>
+              </a:fillRef>
+              <a:effectRef idx="0">
+                <a:schemeClr val="accent1"/>
+              </a:effectRef>
+              <a:fontRef idx="minor">
+                <a:schemeClr val="tx1"/>
+              </a:fontRef>
+            </p:style>
+          </p:cxnSp>
+          <p:cxnSp>
+            <p:nvCxnSpPr>
+              <p:cNvPr id="51" name="Straight Arrow Connector 50">
+                <a:extLst>
+                  <a:ext uri="{FF2B5EF4-FFF2-40B4-BE49-F238E27FC236}">
+                    <a16:creationId xmlns:a16="http://schemas.microsoft.com/office/drawing/2014/main" id="{782E9B97-0619-EAD5-5791-7564AA8E7817}"/>
+                  </a:ext>
+                </a:extLst>
+              </p:cNvPr>
+              <p:cNvCxnSpPr/>
+              <p:nvPr/>
+            </p:nvCxnSpPr>
+            <p:spPr>
+              <a:xfrm>
+                <a:off x="6096000" y="1942011"/>
+                <a:ext cx="0" cy="1451564"/>
+              </a:xfrm>
+              <a:prstGeom prst="straightConnector1">
+                <a:avLst/>
+              </a:prstGeom>
+              <a:ln w="22225">
+                <a:solidFill>
+                  <a:schemeClr val="accent6">
+                    <a:lumMod val="75000"/>
+                  </a:schemeClr>
+                </a:solidFill>
+                <a:prstDash val="lgDash"/>
+                <a:headEnd type="triangle"/>
+                <a:tailEnd type="none"/>
+              </a:ln>
+            </p:spPr>
+            <p:style>
+              <a:lnRef idx="1">
+                <a:schemeClr val="accent1"/>
+              </a:lnRef>
+              <a:fillRef idx="0">
+                <a:schemeClr val="accent1"/>
+              </a:fillRef>
+              <a:effectRef idx="0">
+                <a:schemeClr val="accent1"/>
+              </a:effectRef>
+              <a:fontRef idx="minor">
+                <a:schemeClr val="tx1"/>
+              </a:fontRef>
+            </p:style>
+          </p:cxnSp>
+          <p:cxnSp>
+            <p:nvCxnSpPr>
+              <p:cNvPr id="53" name="Straight Arrow Connector 52">
+                <a:extLst>
+                  <a:ext uri="{FF2B5EF4-FFF2-40B4-BE49-F238E27FC236}">
+                    <a16:creationId xmlns:a16="http://schemas.microsoft.com/office/drawing/2014/main" id="{131A3B71-F6E7-268C-953B-FE10CB640F42}"/>
+                  </a:ext>
+                </a:extLst>
+              </p:cNvPr>
+              <p:cNvCxnSpPr/>
+              <p:nvPr/>
+            </p:nvCxnSpPr>
+            <p:spPr>
+              <a:xfrm flipV="1">
+                <a:off x="4206240" y="3393575"/>
+                <a:ext cx="1889760" cy="836613"/>
+              </a:xfrm>
+              <a:prstGeom prst="straightConnector1">
+                <a:avLst/>
+              </a:prstGeom>
+              <a:ln w="22225">
+                <a:prstDash val="dash"/>
+                <a:tailEnd type="triangle" w="lg" len="lg"/>
+              </a:ln>
+            </p:spPr>
+            <p:style>
+              <a:lnRef idx="1">
+                <a:schemeClr val="accent1"/>
+              </a:lnRef>
+              <a:fillRef idx="0">
+                <a:schemeClr val="accent1"/>
+              </a:fillRef>
+              <a:effectRef idx="0">
+                <a:schemeClr val="accent1"/>
+              </a:effectRef>
+              <a:fontRef idx="minor">
+                <a:schemeClr val="tx1"/>
+              </a:fontRef>
+            </p:style>
+          </p:cxnSp>
+          <p:sp>
+            <p:nvSpPr>
+              <p:cNvPr id="56" name="TextBox 55">
+                <a:extLst>
+                  <a:ext uri="{FF2B5EF4-FFF2-40B4-BE49-F238E27FC236}">
+                    <a16:creationId xmlns:a16="http://schemas.microsoft.com/office/drawing/2014/main" id="{571F72B4-78C2-06E1-684C-F5F15715F63A}"/>
+                  </a:ext>
+                </a:extLst>
+              </p:cNvPr>
+              <p:cNvSpPr txBox="1"/>
+              <p:nvPr/>
+            </p:nvSpPr>
+            <p:spPr>
+              <a:xfrm>
+                <a:off x="5947955" y="4230187"/>
+                <a:ext cx="478971" cy="400110"/>
+              </a:xfrm>
+              <a:prstGeom prst="rect">
+                <a:avLst/>
+              </a:prstGeom>
+              <a:noFill/>
+            </p:spPr>
+            <p:txBody>
+              <a:bodyPr wrap="square" rtlCol="0">
+                <a:spAutoFit/>
+              </a:bodyPr>
+              <a:lstStyle/>
+              <a:p>
+                <a:pPr algn="ctr"/>
+                <a:r>
+                  <a:rPr lang="en-CA" sz="2000" dirty="0">
+                    <a:latin typeface="Arial" panose="020B0604020202020204" pitchFamily="34" charset="0"/>
+                    <a:cs typeface="Arial" panose="020B0604020202020204" pitchFamily="34" charset="0"/>
+                  </a:rPr>
+                  <a:t>x</a:t>
+                </a:r>
+                <a:r>
+                  <a:rPr lang="en-CA" sz="2000" baseline="-25000" dirty="0">
+                    <a:latin typeface="Arial" panose="020B0604020202020204" pitchFamily="34" charset="0"/>
+                    <a:cs typeface="Arial" panose="020B0604020202020204" pitchFamily="34" charset="0"/>
+                  </a:rPr>
+                  <a:t>1</a:t>
+                </a:r>
+              </a:p>
+            </p:txBody>
+          </p:sp>
+          <p:sp>
+            <p:nvSpPr>
+              <p:cNvPr id="59" name="TextBox 58">
+                <a:extLst>
+                  <a:ext uri="{FF2B5EF4-FFF2-40B4-BE49-F238E27FC236}">
+                    <a16:creationId xmlns:a16="http://schemas.microsoft.com/office/drawing/2014/main" id="{430A9F9B-FC5E-D35B-A0A6-5ECBF1E6FF97}"/>
+                  </a:ext>
+                </a:extLst>
+              </p:cNvPr>
+              <p:cNvSpPr txBox="1"/>
+              <p:nvPr/>
+            </p:nvSpPr>
+            <p:spPr>
+              <a:xfrm>
+                <a:off x="4346166" y="2356907"/>
+                <a:ext cx="487680" cy="400110"/>
+              </a:xfrm>
+              <a:prstGeom prst="rect">
+                <a:avLst/>
+              </a:prstGeom>
+              <a:noFill/>
+            </p:spPr>
+            <p:txBody>
+              <a:bodyPr wrap="square" rtlCol="0">
+                <a:spAutoFit/>
+              </a:bodyPr>
+              <a:lstStyle/>
+              <a:p>
+                <a:pPr algn="ctr"/>
+                <a:r>
+                  <a:rPr lang="en-CA" sz="2000" dirty="0">
+                    <a:latin typeface="Arial" panose="020B0604020202020204" pitchFamily="34" charset="0"/>
+                    <a:cs typeface="Arial" panose="020B0604020202020204" pitchFamily="34" charset="0"/>
+                  </a:rPr>
+                  <a:t>x</a:t>
+                </a:r>
+                <a:r>
+                  <a:rPr lang="en-CA" sz="2000" baseline="-25000" dirty="0">
+                    <a:latin typeface="Arial" panose="020B0604020202020204" pitchFamily="34" charset="0"/>
+                    <a:cs typeface="Arial" panose="020B0604020202020204" pitchFamily="34" charset="0"/>
+                  </a:rPr>
+                  <a:t>2</a:t>
+                </a:r>
+              </a:p>
+            </p:txBody>
+          </p:sp>
+          <p:sp>
+            <p:nvSpPr>
+              <p:cNvPr id="60" name="TextBox 59">
+                <a:extLst>
+                  <a:ext uri="{FF2B5EF4-FFF2-40B4-BE49-F238E27FC236}">
+                    <a16:creationId xmlns:a16="http://schemas.microsoft.com/office/drawing/2014/main" id="{B16CCB03-00E5-ABF3-542D-48017B3951FF}"/>
+                  </a:ext>
+                </a:extLst>
+              </p:cNvPr>
+              <p:cNvSpPr txBox="1"/>
+              <p:nvPr/>
+            </p:nvSpPr>
+            <p:spPr>
+              <a:xfrm>
+                <a:off x="6045926" y="1563833"/>
+                <a:ext cx="381000" cy="461665"/>
+              </a:xfrm>
+              <a:prstGeom prst="rect">
+                <a:avLst/>
+              </a:prstGeom>
+              <a:noFill/>
+            </p:spPr>
+            <p:txBody>
+              <a:bodyPr wrap="square" rtlCol="0">
+                <a:spAutoFit/>
+              </a:bodyPr>
+              <a:lstStyle/>
+              <a:p>
+                <a:r>
+                  <a:rPr lang="en-CA" sz="2400" dirty="0">
+                    <a:solidFill>
+                      <a:srgbClr val="FF0000"/>
+                    </a:solidFill>
+                    <a:latin typeface="Arial" panose="020B0604020202020204" pitchFamily="34" charset="0"/>
+                    <a:cs typeface="Arial" panose="020B0604020202020204" pitchFamily="34" charset="0"/>
+                  </a:rPr>
+                  <a:t>y</a:t>
+                </a:r>
+              </a:p>
+            </p:txBody>
+          </p:sp>
+          <mc:AlternateContent xmlns:mc="http://schemas.openxmlformats.org/markup-compatibility/2006">
+            <mc:Choice xmlns:a14="http://schemas.microsoft.com/office/drawing/2010/main" Requires="a14">
+              <p:graphicFrame>
+                <p:nvGraphicFramePr>
+                  <p:cNvPr id="64" name="Object 24">
+                    <a:extLst>
+                      <a:ext uri="{FF2B5EF4-FFF2-40B4-BE49-F238E27FC236}">
+                        <a16:creationId xmlns:a16="http://schemas.microsoft.com/office/drawing/2014/main" id="{595060AC-E43D-524B-B889-DDDAFEA10986}"/>
+                      </a:ext>
+                    </a:extLst>
+                  </p:cNvPr>
+                  <p:cNvGraphicFramePr>
+                    <a:graphicFrameLocks noChangeAspect="1"/>
+                  </p:cNvGraphicFramePr>
+                  <p:nvPr>
+                    <p:extLst>
+                      <p:ext uri="{D42A27DB-BD31-4B8C-83A1-F6EECF244321}">
+                        <p14:modId xmlns:p14="http://schemas.microsoft.com/office/powerpoint/2010/main" val="1992331305"/>
+                      </p:ext>
+                    </p:extLst>
+                  </p:nvPr>
+                </p:nvGraphicFramePr>
+                <p:xfrm>
+                  <a:off x="6143371" y="3206426"/>
+                  <a:ext cx="259669" cy="445147"/>
+                </p:xfrm>
+                <a:graphic>
+                  <a:graphicData uri="http://schemas.openxmlformats.org/presentationml/2006/ole">
+                    <mc:AlternateContent>
+                      <mc:Choice xmlns:v="urn:schemas-microsoft-com:vml" Requires="v">
+                        <p:oleObj name="Equation" r:id="rId4" imgW="152280" imgH="228600" progId="Equation.DSMT4">
+                          <p:embed/>
+                        </p:oleObj>
+                      </mc:Choice>
+                      <mc:Fallback>
+                        <p:oleObj name="Equation" r:id="rId4" imgW="152280" imgH="228600" progId="Equation.DSMT4">
+                          <p:embed/>
+                          <p:pic>
+                            <p:nvPicPr>
+                              <p:cNvPr id="35" name="Object 24">
+                                <a:extLst>
+                                  <a:ext uri="{FF2B5EF4-FFF2-40B4-BE49-F238E27FC236}">
+                                    <a16:creationId xmlns:a16="http://schemas.microsoft.com/office/drawing/2014/main" id="{F801E00F-1F8C-16C6-289E-77A919EC2E64}"/>
+                                  </a:ext>
+                                </a:extLst>
+                              </p:cNvPr>
+                              <p:cNvPicPr>
+                                <a:picLocks noChangeAspect="1" noChangeArrowheads="1"/>
+                              </p:cNvPicPr>
+                              <p:nvPr/>
+                            </p:nvPicPr>
+                            <p:blipFill>
+                              <a:blip r:embed="rId5"/>
+                              <a:srcRect/>
+                              <a:stretch>
+                                <a:fillRect/>
+                              </a:stretch>
+                            </p:blipFill>
+                            <p:spPr bwMode="auto">
+                              <a:xfrm>
+                                <a:off x="6143371" y="3206426"/>
+                                <a:ext cx="259669" cy="445147"/>
+                              </a:xfrm>
+                              <a:prstGeom prst="rect">
+                                <a:avLst/>
+                              </a:prstGeom>
+                              <a:noFill/>
+                              <a:ln>
+                                <a:noFill/>
+                              </a:ln>
+                              <a:effectLst/>
+                            </p:spPr>
+                          </p:pic>
+                        </p:oleObj>
+                      </mc:Fallback>
+                    </mc:AlternateContent>
+                  </a:graphicData>
+                </a:graphic>
+              </p:graphicFrame>
+            </mc:Choice>
+            <mc:Fallback>
+              <p:graphicFrame>
+                <p:nvGraphicFramePr>
+                  <p:cNvPr id="64" name="Object 24">
+                    <a:extLst>
+                      <a:ext uri="{FF2B5EF4-FFF2-40B4-BE49-F238E27FC236}">
+                        <a16:creationId xmlns:a16="http://schemas.microsoft.com/office/drawing/2014/main" id="{595060AC-E43D-524B-B889-DDDAFEA10986}"/>
+                      </a:ext>
+                    </a:extLst>
+                  </p:cNvPr>
+                  <p:cNvGraphicFramePr>
+                    <a:graphicFrameLocks noChangeAspect="1"/>
+                  </p:cNvGraphicFramePr>
+                  <p:nvPr>
+                    <p:extLst>
+                      <p:ext uri="{D42A27DB-BD31-4B8C-83A1-F6EECF244321}">
+                        <p14:modId xmlns:p14="http://schemas.microsoft.com/office/powerpoint/2010/main" val="1992331305"/>
+                      </p:ext>
+                    </p:extLst>
+                  </p:nvPr>
+                </p:nvGraphicFramePr>
+                <p:xfrm>
+                  <a:off x="6143371" y="3206426"/>
+                  <a:ext cx="259669" cy="445147"/>
+                </p:xfrm>
+                <a:graphic>
+                  <a:graphicData uri="http://schemas.openxmlformats.org/presentationml/2006/ole">
+                    <mc:AlternateContent>
+                      <mc:Choice xmlns:v="urn:schemas-microsoft-com:vml" Requires="v">
+                        <p:oleObj name="Equation" r:id="rId4" imgW="152280" imgH="228600" progId="Equation.DSMT4">
+                          <p:embed/>
+                        </p:oleObj>
+                      </mc:Choice>
+                      <mc:Fallback>
+                        <p:oleObj name="Equation" r:id="rId4" imgW="152280" imgH="228600" progId="Equation.DSMT4">
+                          <p:embed/>
+                          <p:pic>
+                            <p:nvPicPr>
+                              <p:cNvPr id="35" name="Object 24">
+                                <a:extLst>
+                                  <a:ext uri="{FF2B5EF4-FFF2-40B4-BE49-F238E27FC236}">
+                                    <a16:creationId xmlns:a16="http://schemas.microsoft.com/office/drawing/2014/main" id="{F801E00F-1F8C-16C6-289E-77A919EC2E64}"/>
+                                  </a:ext>
+                                </a:extLst>
+                              </p:cNvPr>
+                              <p:cNvPicPr>
+                                <a:picLocks noChangeAspect="1" noChangeArrowheads="1"/>
+                              </p:cNvPicPr>
+                              <p:nvPr/>
+                            </p:nvPicPr>
+                            <p:blipFill>
+                              <a:blip r:embed="rId5"/>
+                              <a:srcRect/>
+                              <a:stretch>
+                                <a:fillRect/>
+                              </a:stretch>
+                            </p:blipFill>
+                            <p:spPr bwMode="auto">
+                              <a:xfrm>
+                                <a:off x="6143371" y="3206426"/>
+                                <a:ext cx="259669" cy="445147"/>
+                              </a:xfrm>
+                              <a:prstGeom prst="rect">
+                                <a:avLst/>
+                              </a:prstGeom>
+                              <a:noFill/>
+                              <a:ln>
+                                <a:noFill/>
+                              </a:ln>
+                              <a:effectLst/>
+                            </p:spPr>
+                          </p:pic>
+                        </p:oleObj>
+                      </mc:Fallback>
+                    </mc:AlternateContent>
+                  </a:graphicData>
+                </a:graphic>
+              </p:graphicFrame>
+            </mc:Fallback>
+          </mc:AlternateContent>
+          <p:sp>
+            <p:nvSpPr>
+              <p:cNvPr id="71" name="TextBox 70">
+                <a:extLst>
+                  <a:ext uri="{FF2B5EF4-FFF2-40B4-BE49-F238E27FC236}">
+                    <a16:creationId xmlns:a16="http://schemas.microsoft.com/office/drawing/2014/main" id="{F2DE9D92-CFE4-57E7-9F73-EDA909275C04}"/>
+                  </a:ext>
+                </a:extLst>
+              </p:cNvPr>
+              <p:cNvSpPr txBox="1"/>
+              <p:nvPr/>
+            </p:nvSpPr>
+            <p:spPr>
+              <a:xfrm>
+                <a:off x="6026331" y="2318194"/>
+                <a:ext cx="574766" cy="461665"/>
+              </a:xfrm>
+              <a:prstGeom prst="rect">
+                <a:avLst/>
+              </a:prstGeom>
+              <a:noFill/>
+            </p:spPr>
+            <p:txBody>
+              <a:bodyPr wrap="square" rtlCol="0">
+                <a:spAutoFit/>
+              </a:bodyPr>
+              <a:lstStyle/>
+              <a:p>
+                <a:pPr algn="ctr"/>
+                <a:r>
+                  <a:rPr lang="en-CA" sz="2400" dirty="0">
+                    <a:solidFill>
+                      <a:schemeClr val="accent6">
+                        <a:lumMod val="75000"/>
+                      </a:schemeClr>
+                    </a:solidFill>
+                  </a:rPr>
+                  <a:t>e</a:t>
+                </a:r>
+              </a:p>
+            </p:txBody>
+          </p:sp>
+        </p:grpSp>
+        <mc:AlternateContent xmlns:mc="http://schemas.openxmlformats.org/markup-compatibility/2006">
+          <mc:Choice xmlns:a14="http://schemas.microsoft.com/office/drawing/2010/main" Requires="a14">
+            <p:sp>
+              <p:nvSpPr>
+                <p:cNvPr id="73" name="TextBox 72">
+                  <a:extLst>
+                    <a:ext uri="{FF2B5EF4-FFF2-40B4-BE49-F238E27FC236}">
+                      <a16:creationId xmlns:a16="http://schemas.microsoft.com/office/drawing/2014/main" id="{2BE7ED4A-3D27-DBCD-2F69-8CB89E3CA4F8}"/>
+                    </a:ext>
+                  </a:extLst>
+                </p:cNvPr>
+                <p:cNvSpPr txBox="1"/>
+                <p:nvPr/>
+              </p:nvSpPr>
+              <p:spPr>
+                <a:xfrm>
+                  <a:off x="6516875" y="2947962"/>
+                  <a:ext cx="1521127" cy="707886"/>
+                </a:xfrm>
+                <a:prstGeom prst="rect">
+                  <a:avLst/>
+                </a:prstGeom>
+                <a:noFill/>
+              </p:spPr>
+              <p:txBody>
+                <a:bodyPr wrap="square" rtlCol="0">
+                  <a:spAutoFit/>
+                </a:bodyPr>
+                <a:lstStyle/>
+                <a:p>
+                  <a:r>
+                    <a:rPr lang="en-CA" sz="2000" dirty="0"/>
+                    <a:t>max r</a:t>
+                  </a:r>
+                  <a:r>
+                    <a:rPr lang="en-CA" sz="2000" baseline="30000" dirty="0"/>
+                    <a:t>2</a:t>
+                  </a:r>
+                  <a:r>
+                    <a:rPr lang="en-CA" sz="2000" dirty="0"/>
+                    <a:t>(y, </a:t>
+                  </a:r>
+                  <a14:m>
+                    <m:oMath xmlns:m="http://schemas.openxmlformats.org/officeDocument/2006/math">
+                      <m:acc>
+                        <m:accPr>
+                          <m:chr m:val="̂"/>
+                          <m:ctrlPr>
+                            <a:rPr lang="en-CA" sz="2000" b="0" i="1" dirty="0" smtClean="0">
+                              <a:latin typeface="Cambria Math" panose="02040503050406030204" pitchFamily="18" charset="0"/>
+                            </a:rPr>
+                          </m:ctrlPr>
+                        </m:accPr>
+                        <m:e>
+                          <m:r>
+                            <a:rPr lang="en-CA" sz="2000" b="0" i="1" dirty="0" smtClean="0">
+                              <a:latin typeface="Cambria Math" panose="02040503050406030204" pitchFamily="18" charset="0"/>
+                            </a:rPr>
+                            <m:t>𝑦</m:t>
+                          </m:r>
+                        </m:e>
+                      </m:acc>
+                    </m:oMath>
+                  </a14:m>
+                  <a:r>
+                    <a:rPr lang="en-CA" sz="2000" dirty="0"/>
+                    <a:t>)</a:t>
+                  </a:r>
+                </a:p>
+                <a:p>
+                  <a:r>
+                    <a:rPr lang="en-CA" sz="2000" dirty="0">
+                      <a:sym typeface="Symbol" panose="05050102010706020507" pitchFamily="18" charset="2"/>
+                    </a:rPr>
+                    <a:t></a:t>
+                  </a:r>
+                  <a:r>
+                    <a:rPr lang="en-CA" sz="2000" dirty="0"/>
+                    <a:t> min </a:t>
+                  </a:r>
+                  <a14:m>
+                    <m:oMath xmlns:m="http://schemas.openxmlformats.org/officeDocument/2006/math">
+                      <m:r>
+                        <a:rPr lang="en-CA" sz="2000" i="1" smtClean="0">
+                          <a:latin typeface="Cambria Math" panose="02040503050406030204" pitchFamily="18" charset="0"/>
+                          <a:ea typeface="Cambria Math" panose="02040503050406030204" pitchFamily="18" charset="0"/>
+                        </a:rPr>
+                        <m:t>∥</m:t>
+                      </m:r>
+                      <m:r>
+                        <a:rPr lang="en-CA" sz="2000" b="0" i="1" smtClean="0">
+                          <a:latin typeface="Cambria Math" panose="02040503050406030204" pitchFamily="18" charset="0"/>
+                          <a:ea typeface="Cambria Math" panose="02040503050406030204" pitchFamily="18" charset="0"/>
+                        </a:rPr>
+                        <m:t>𝑒</m:t>
+                      </m:r>
+                      <m:r>
+                        <a:rPr lang="en-CA" sz="2000" b="0" i="1" smtClean="0">
+                          <a:latin typeface="Cambria Math" panose="02040503050406030204" pitchFamily="18" charset="0"/>
+                          <a:ea typeface="Cambria Math" panose="02040503050406030204" pitchFamily="18" charset="0"/>
+                        </a:rPr>
+                        <m:t> ∥</m:t>
+                      </m:r>
+                    </m:oMath>
+                  </a14:m>
+                  <a:endParaRPr lang="en-CA" sz="2000" dirty="0"/>
+                </a:p>
+              </p:txBody>
+            </p:sp>
+          </mc:Choice>
+          <mc:Fallback>
+            <p:sp>
+              <p:nvSpPr>
+                <p:cNvPr id="73" name="TextBox 72">
+                  <a:extLst>
+                    <a:ext uri="{FF2B5EF4-FFF2-40B4-BE49-F238E27FC236}">
+                      <a16:creationId xmlns:a16="http://schemas.microsoft.com/office/drawing/2014/main" id="{2BE7ED4A-3D27-DBCD-2F69-8CB89E3CA4F8}"/>
+                    </a:ext>
+                  </a:extLst>
+                </p:cNvPr>
+                <p:cNvSpPr txBox="1">
+                  <a:spLocks noRot="1" noChangeAspect="1" noMove="1" noResize="1" noEditPoints="1" noAdjustHandles="1" noChangeArrowheads="1" noChangeShapeType="1" noTextEdit="1"/>
+                </p:cNvSpPr>
+                <p:nvPr/>
+              </p:nvSpPr>
+              <p:spPr>
+                <a:xfrm>
+                  <a:off x="6516875" y="2947962"/>
+                  <a:ext cx="1521127" cy="707886"/>
+                </a:xfrm>
+                <a:prstGeom prst="rect">
+                  <a:avLst/>
+                </a:prstGeom>
+                <a:blipFill>
+                  <a:blip r:embed="rId6"/>
+                  <a:stretch>
+                    <a:fillRect l="-4418" t="-5172" r="-5221" b="-14655"/>
+                  </a:stretch>
+                </a:blipFill>
+              </p:spPr>
+              <p:txBody>
+                <a:bodyPr/>
+                <a:lstStyle/>
+                <a:p>
+                  <a:r>
+                    <a:rPr lang="en-CA">
+                      <a:noFill/>
+                    </a:rPr>
+                    <a:t> </a:t>
+                  </a:r>
+                </a:p>
+              </p:txBody>
+            </p:sp>
+          </mc:Fallback>
+        </mc:AlternateContent>
+      </p:grpSp>
+    </p:spTree>
+    <p:extLst>
+      <p:ext uri="{BB962C8B-B14F-4D97-AF65-F5344CB8AC3E}">
+        <p14:creationId xmlns:p14="http://schemas.microsoft.com/office/powerpoint/2010/main" val="934677080"/>
+      </p:ext>
+    </p:extLst>
+  </p:cSld>
+  <p:clrMapOvr>
+    <a:masterClrMapping/>
+  </p:clrMapOvr>
+</p:sld>
+</file>
+
+<file path=ppt/slides/slide4.xml><?xml version="1.0" encoding="utf-8"?>
 <p:sld xmlns:a="http://schemas.openxmlformats.org/drawingml/2006/main" xmlns:r="http://schemas.openxmlformats.org/officeDocument/2006/relationships" xmlns:p="http://schemas.openxmlformats.org/presentationml/2006/main">
   <p:cSld>
     <p:spTree>
@@ -28225,7 +32359,7 @@
 </p:sld>
 </file>
 
-<file path=ppt/slides/slide4.xml><?xml version="1.0" encoding="utf-8"?>
+<file path=ppt/slides/slide5.xml><?xml version="1.0" encoding="utf-8"?>
 <p:sld xmlns:a="http://schemas.openxmlformats.org/drawingml/2006/main" xmlns:r="http://schemas.openxmlformats.org/officeDocument/2006/relationships" xmlns:p="http://schemas.openxmlformats.org/presentationml/2006/main">
   <p:cSld>
     <p:spTree>
@@ -33068,7 +37202,7 @@
                         <a:tabLst/>
                       </a:pPr>
                       <a:r>
-                        <a:rPr kumimoji="0" lang="en-US" altLang="en-US" sz="1600" b="0" i="0" u="none" strike="noStrike" cap="none" normalizeH="0" baseline="0">
+                        <a:rPr kumimoji="0" lang="en-US" altLang="en-US" sz="1600" b="0" i="0" u="none" strike="noStrike" cap="none" normalizeH="0" baseline="0" dirty="0">
                           <a:ln>
                             <a:noFill/>
                           </a:ln>
@@ -35268,6 +39402,68 @@
           </a:p>
         </p:txBody>
       </p:sp>
+      <p:sp>
+        <p:nvSpPr>
+          <p:cNvPr id="3" name="TextBox 2">
+            <a:extLst>
+              <a:ext uri="{FF2B5EF4-FFF2-40B4-BE49-F238E27FC236}">
+                <a16:creationId xmlns:a16="http://schemas.microsoft.com/office/drawing/2014/main" id="{EF51A7D4-64E3-2100-5F4D-031343CC924A}"/>
+              </a:ext>
+            </a:extLst>
+          </p:cNvPr>
+          <p:cNvSpPr txBox="1"/>
+          <p:nvPr/>
+        </p:nvSpPr>
+        <p:spPr>
+          <a:xfrm>
+            <a:off x="7783670" y="5268818"/>
+            <a:ext cx="1604879" cy="584775"/>
+          </a:xfrm>
+          <a:prstGeom prst="rect">
+            <a:avLst/>
+          </a:prstGeom>
+          <a:noFill/>
+        </p:spPr>
+        <p:txBody>
+          <a:bodyPr wrap="square">
+            <a:spAutoFit/>
+          </a:bodyPr>
+          <a:lstStyle/>
+          <a:p>
+            <a:pPr marL="0" marR="0" lvl="0" indent="0" algn="l" defTabSz="914400" rtl="0" eaLnBrk="1" fontAlgn="base" latinLnBrk="0" hangingPunct="1">
+              <a:lnSpc>
+                <a:spcPct val="100000"/>
+              </a:lnSpc>
+              <a:spcBef>
+                <a:spcPct val="20000"/>
+              </a:spcBef>
+              <a:spcAft>
+                <a:spcPct val="0"/>
+              </a:spcAft>
+              <a:buClr>
+                <a:srgbClr val="0000FF"/>
+              </a:buClr>
+              <a:buSzPct val="120000"/>
+              <a:buFontTx/>
+              <a:buNone/>
+              <a:tabLst/>
+            </a:pPr>
+            <a:r>
+              <a:rPr kumimoji="0" lang="en-US" altLang="en-US" sz="1600" b="0" i="0" u="none" strike="noStrike" cap="none" normalizeH="0" baseline="0" dirty="0">
+                <a:ln>
+                  <a:noFill/>
+                </a:ln>
+                <a:solidFill>
+                  <a:schemeClr val="tx1"/>
+                </a:solidFill>
+                <a:effectLst/>
+                <a:latin typeface="Arial" charset="0"/>
+              </a:rPr>
+              <a:t>Loglinear models</a:t>
+            </a:r>
+          </a:p>
+        </p:txBody>
+      </p:sp>
     </p:spTree>
     <p:extLst>
       <p:ext uri="{BB962C8B-B14F-4D97-AF65-F5344CB8AC3E}">
@@ -35281,7 +39477,7 @@
 </p:sld>
 </file>
 
-<file path=ppt/slides/slide5.xml><?xml version="1.0" encoding="utf-8"?>
+<file path=ppt/slides/slide6.xml><?xml version="1.0" encoding="utf-8"?>
 <p:sld xmlns:a="http://schemas.openxmlformats.org/drawingml/2006/main" xmlns:r="http://schemas.openxmlformats.org/officeDocument/2006/relationships" xmlns:p="http://schemas.openxmlformats.org/presentationml/2006/main">
   <p:cSld>
     <p:spTree>
@@ -38171,7 +42367,3696 @@
 </p:sld>
 </file>
 
-<file path=ppt/slides/slide6.xml><?xml version="1.0" encoding="utf-8"?>
+<file path=ppt/slides/slide7.xml><?xml version="1.0" encoding="utf-8"?>
+<p:sld xmlns:a="http://schemas.openxmlformats.org/drawingml/2006/main" xmlns:r="http://schemas.openxmlformats.org/officeDocument/2006/relationships" xmlns:p="http://schemas.openxmlformats.org/presentationml/2006/main">
+  <p:cSld>
+    <p:spTree>
+      <p:nvGrpSpPr>
+        <p:cNvPr id="1" name=""/>
+        <p:cNvGrpSpPr/>
+        <p:nvPr/>
+      </p:nvGrpSpPr>
+      <p:grpSpPr>
+        <a:xfrm>
+          <a:off x="0" y="0"/>
+          <a:ext cx="0" cy="0"/>
+          <a:chOff x="0" y="0"/>
+          <a:chExt cx="0" cy="0"/>
+        </a:xfrm>
+      </p:grpSpPr>
+      <p:graphicFrame>
+        <p:nvGraphicFramePr>
+          <p:cNvPr id="2" name="Group 36">
+            <a:extLst>
+              <a:ext uri="{FF2B5EF4-FFF2-40B4-BE49-F238E27FC236}">
+                <a16:creationId xmlns:a16="http://schemas.microsoft.com/office/drawing/2014/main" id="{25B54A05-593D-8C53-E15B-151A2276A198}"/>
+              </a:ext>
+            </a:extLst>
+          </p:cNvPr>
+          <p:cNvGraphicFramePr>
+            <a:graphicFrameLocks noGrp="1"/>
+          </p:cNvGraphicFramePr>
+          <p:nvPr>
+            <p:extLst>
+              <p:ext uri="{D42A27DB-BD31-4B8C-83A1-F6EECF244321}">
+                <p14:modId xmlns:p14="http://schemas.microsoft.com/office/powerpoint/2010/main" val="632748646"/>
+              </p:ext>
+            </p:extLst>
+          </p:nvPr>
+        </p:nvGraphicFramePr>
+        <p:xfrm>
+          <a:off x="609600" y="1447800"/>
+          <a:ext cx="7848600" cy="4279392"/>
+        </p:xfrm>
+        <a:graphic>
+          <a:graphicData uri="http://schemas.openxmlformats.org/drawingml/2006/table">
+            <a:tbl>
+              <a:tblPr/>
+              <a:tblGrid>
+                <a:gridCol w="1709738">
+                  <a:extLst>
+                    <a:ext uri="{9D8B030D-6E8A-4147-A177-3AD203B41FA5}">
+                      <a16:colId xmlns:a16="http://schemas.microsoft.com/office/drawing/2014/main" val="20000"/>
+                    </a:ext>
+                  </a:extLst>
+                </a:gridCol>
+                <a:gridCol w="2952750">
+                  <a:extLst>
+                    <a:ext uri="{9D8B030D-6E8A-4147-A177-3AD203B41FA5}">
+                      <a16:colId xmlns:a16="http://schemas.microsoft.com/office/drawing/2014/main" val="20001"/>
+                    </a:ext>
+                  </a:extLst>
+                </a:gridCol>
+                <a:gridCol w="3186112">
+                  <a:extLst>
+                    <a:ext uri="{9D8B030D-6E8A-4147-A177-3AD203B41FA5}">
+                      <a16:colId xmlns:a16="http://schemas.microsoft.com/office/drawing/2014/main" val="20002"/>
+                    </a:ext>
+                  </a:extLst>
+                </a:gridCol>
+              </a:tblGrid>
+              <a:tr h="812800">
+                <a:tc>
+                  <a:txBody>
+                    <a:bodyPr/>
+                    <a:lstStyle>
+                      <a:lvl1pPr>
+                        <a:spcBef>
+                          <a:spcPct val="20000"/>
+                        </a:spcBef>
+                        <a:buClr>
+                          <a:srgbClr val="0000FF"/>
+                        </a:buClr>
+                        <a:buSzPct val="130000"/>
+                        <a:buFont typeface="Wingdings" pitchFamily="2" charset="2"/>
+                        <a:defRPr sz="2800">
+                          <a:solidFill>
+                            <a:schemeClr val="tx1"/>
+                          </a:solidFill>
+                          <a:latin typeface="Arial" pitchFamily="34" charset="0"/>
+                        </a:defRPr>
+                      </a:lvl1pPr>
+                      <a:lvl2pPr>
+                        <a:spcBef>
+                          <a:spcPct val="20000"/>
+                        </a:spcBef>
+                        <a:buClr>
+                          <a:srgbClr val="FF0000"/>
+                        </a:buClr>
+                        <a:buFont typeface="Wingdings" pitchFamily="2" charset="2"/>
+                        <a:defRPr sz="2400">
+                          <a:solidFill>
+                            <a:schemeClr val="tx1"/>
+                          </a:solidFill>
+                          <a:latin typeface="Arial" pitchFamily="34" charset="0"/>
+                        </a:defRPr>
+                      </a:lvl2pPr>
+                      <a:lvl3pPr>
+                        <a:spcBef>
+                          <a:spcPct val="20000"/>
+                        </a:spcBef>
+                        <a:defRPr sz="2000">
+                          <a:solidFill>
+                            <a:schemeClr val="tx1"/>
+                          </a:solidFill>
+                          <a:latin typeface="Arial" pitchFamily="34" charset="0"/>
+                        </a:defRPr>
+                      </a:lvl3pPr>
+                      <a:lvl4pPr>
+                        <a:spcBef>
+                          <a:spcPct val="20000"/>
+                        </a:spcBef>
+                        <a:defRPr>
+                          <a:solidFill>
+                            <a:schemeClr val="tx1"/>
+                          </a:solidFill>
+                          <a:latin typeface="Arial" pitchFamily="34" charset="0"/>
+                        </a:defRPr>
+                      </a:lvl4pPr>
+                      <a:lvl5pPr>
+                        <a:spcBef>
+                          <a:spcPct val="20000"/>
+                        </a:spcBef>
+                        <a:defRPr>
+                          <a:solidFill>
+                            <a:schemeClr val="tx1"/>
+                          </a:solidFill>
+                          <a:latin typeface="Arial" pitchFamily="34" charset="0"/>
+                        </a:defRPr>
+                      </a:lvl5pPr>
+                      <a:lvl6pPr fontAlgn="base">
+                        <a:spcBef>
+                          <a:spcPct val="20000"/>
+                        </a:spcBef>
+                        <a:spcAft>
+                          <a:spcPct val="0"/>
+                        </a:spcAft>
+                        <a:defRPr>
+                          <a:solidFill>
+                            <a:schemeClr val="tx1"/>
+                          </a:solidFill>
+                          <a:latin typeface="Arial" pitchFamily="34" charset="0"/>
+                        </a:defRPr>
+                      </a:lvl6pPr>
+                      <a:lvl7pPr fontAlgn="base">
+                        <a:spcBef>
+                          <a:spcPct val="20000"/>
+                        </a:spcBef>
+                        <a:spcAft>
+                          <a:spcPct val="0"/>
+                        </a:spcAft>
+                        <a:defRPr>
+                          <a:solidFill>
+                            <a:schemeClr val="tx1"/>
+                          </a:solidFill>
+                          <a:latin typeface="Arial" pitchFamily="34" charset="0"/>
+                        </a:defRPr>
+                      </a:lvl7pPr>
+                      <a:lvl8pPr fontAlgn="base">
+                        <a:spcBef>
+                          <a:spcPct val="20000"/>
+                        </a:spcBef>
+                        <a:spcAft>
+                          <a:spcPct val="0"/>
+                        </a:spcAft>
+                        <a:defRPr>
+                          <a:solidFill>
+                            <a:schemeClr val="tx1"/>
+                          </a:solidFill>
+                          <a:latin typeface="Arial" pitchFamily="34" charset="0"/>
+                        </a:defRPr>
+                      </a:lvl8pPr>
+                      <a:lvl9pPr fontAlgn="base">
+                        <a:spcBef>
+                          <a:spcPct val="20000"/>
+                        </a:spcBef>
+                        <a:spcAft>
+                          <a:spcPct val="0"/>
+                        </a:spcAft>
+                        <a:defRPr>
+                          <a:solidFill>
+                            <a:schemeClr val="tx1"/>
+                          </a:solidFill>
+                          <a:latin typeface="Arial" pitchFamily="34" charset="0"/>
+                        </a:defRPr>
+                      </a:lvl9pPr>
+                    </a:lstStyle>
+                    <a:p>
+                      <a:pPr marL="0" marR="0" lvl="0" indent="0" algn="l" defTabSz="914400" rtl="0" eaLnBrk="1" fontAlgn="base" latinLnBrk="0" hangingPunct="1">
+                        <a:lnSpc>
+                          <a:spcPct val="100000"/>
+                        </a:lnSpc>
+                        <a:spcBef>
+                          <a:spcPct val="20000"/>
+                        </a:spcBef>
+                        <a:spcAft>
+                          <a:spcPct val="0"/>
+                        </a:spcAft>
+                        <a:buClr>
+                          <a:srgbClr val="0000FF"/>
+                        </a:buClr>
+                        <a:buSzPct val="130000"/>
+                        <a:buFont typeface="Wingdings" pitchFamily="2" charset="2"/>
+                        <a:buNone/>
+                        <a:tabLst/>
+                      </a:pPr>
+                      <a:endParaRPr kumimoji="0" lang="en-US" altLang="en-US" sz="2000" b="0" i="0" u="none" strike="noStrike" cap="none" normalizeH="0" baseline="0" dirty="0">
+                        <a:ln>
+                          <a:noFill/>
+                        </a:ln>
+                        <a:solidFill>
+                          <a:schemeClr val="tx1"/>
+                        </a:solidFill>
+                        <a:effectLst/>
+                        <a:latin typeface="Arial" pitchFamily="34" charset="0"/>
+                      </a:endParaRPr>
+                    </a:p>
+                  </a:txBody>
+                  <a:tcPr horzOverflow="overflow">
+                    <a:lnL w="28575" cap="flat" cmpd="sng" algn="ctr">
+                      <a:solidFill>
+                        <a:schemeClr val="tx1"/>
+                      </a:solidFill>
+                      <a:prstDash val="solid"/>
+                      <a:round/>
+                      <a:headEnd type="none" w="med" len="med"/>
+                      <a:tailEnd type="none" w="med" len="med"/>
+                    </a:lnL>
+                    <a:lnR w="12700" cap="flat" cmpd="sng" algn="ctr">
+                      <a:solidFill>
+                        <a:schemeClr val="tx1"/>
+                      </a:solidFill>
+                      <a:prstDash val="solid"/>
+                      <a:round/>
+                      <a:headEnd type="none" w="med" len="med"/>
+                      <a:tailEnd type="none" w="med" len="med"/>
+                    </a:lnR>
+                    <a:lnT w="28575" cap="flat" cmpd="sng" algn="ctr">
+                      <a:solidFill>
+                        <a:schemeClr val="tx1"/>
+                      </a:solidFill>
+                      <a:prstDash val="solid"/>
+                      <a:round/>
+                      <a:headEnd type="none" w="med" len="med"/>
+                      <a:tailEnd type="none" w="med" len="med"/>
+                    </a:lnT>
+                    <a:lnB w="12700" cap="flat" cmpd="sng" algn="ctr">
+                      <a:solidFill>
+                        <a:schemeClr val="tx1"/>
+                      </a:solidFill>
+                      <a:prstDash val="solid"/>
+                      <a:round/>
+                      <a:headEnd type="none" w="med" len="med"/>
+                      <a:tailEnd type="none" w="med" len="med"/>
+                    </a:lnB>
+                    <a:lnTlToBr>
+                      <a:noFill/>
+                    </a:lnTlToBr>
+                    <a:lnBlToTr>
+                      <a:noFill/>
+                    </a:lnBlToTr>
+                    <a:noFill/>
+                  </a:tcPr>
+                </a:tc>
+                <a:tc gridSpan="2">
+                  <a:txBody>
+                    <a:bodyPr/>
+                    <a:lstStyle>
+                      <a:lvl1pPr>
+                        <a:spcBef>
+                          <a:spcPct val="20000"/>
+                        </a:spcBef>
+                        <a:buClr>
+                          <a:srgbClr val="0000FF"/>
+                        </a:buClr>
+                        <a:buSzPct val="130000"/>
+                        <a:buFont typeface="Wingdings" pitchFamily="2" charset="2"/>
+                        <a:defRPr sz="2800">
+                          <a:solidFill>
+                            <a:schemeClr val="tx1"/>
+                          </a:solidFill>
+                          <a:latin typeface="Arial" pitchFamily="34" charset="0"/>
+                        </a:defRPr>
+                      </a:lvl1pPr>
+                      <a:lvl2pPr>
+                        <a:spcBef>
+                          <a:spcPct val="20000"/>
+                        </a:spcBef>
+                        <a:buClr>
+                          <a:srgbClr val="FF0000"/>
+                        </a:buClr>
+                        <a:buFont typeface="Wingdings" pitchFamily="2" charset="2"/>
+                        <a:defRPr sz="2400">
+                          <a:solidFill>
+                            <a:schemeClr val="tx1"/>
+                          </a:solidFill>
+                          <a:latin typeface="Arial" pitchFamily="34" charset="0"/>
+                        </a:defRPr>
+                      </a:lvl2pPr>
+                      <a:lvl3pPr>
+                        <a:spcBef>
+                          <a:spcPct val="20000"/>
+                        </a:spcBef>
+                        <a:defRPr sz="2000">
+                          <a:solidFill>
+                            <a:schemeClr val="tx1"/>
+                          </a:solidFill>
+                          <a:latin typeface="Arial" pitchFamily="34" charset="0"/>
+                        </a:defRPr>
+                      </a:lvl3pPr>
+                      <a:lvl4pPr>
+                        <a:spcBef>
+                          <a:spcPct val="20000"/>
+                        </a:spcBef>
+                        <a:defRPr>
+                          <a:solidFill>
+                            <a:schemeClr val="tx1"/>
+                          </a:solidFill>
+                          <a:latin typeface="Arial" pitchFamily="34" charset="0"/>
+                        </a:defRPr>
+                      </a:lvl4pPr>
+                      <a:lvl5pPr>
+                        <a:spcBef>
+                          <a:spcPct val="20000"/>
+                        </a:spcBef>
+                        <a:defRPr>
+                          <a:solidFill>
+                            <a:schemeClr val="tx1"/>
+                          </a:solidFill>
+                          <a:latin typeface="Arial" pitchFamily="34" charset="0"/>
+                        </a:defRPr>
+                      </a:lvl5pPr>
+                      <a:lvl6pPr fontAlgn="base">
+                        <a:spcBef>
+                          <a:spcPct val="20000"/>
+                        </a:spcBef>
+                        <a:spcAft>
+                          <a:spcPct val="0"/>
+                        </a:spcAft>
+                        <a:defRPr>
+                          <a:solidFill>
+                            <a:schemeClr val="tx1"/>
+                          </a:solidFill>
+                          <a:latin typeface="Arial" pitchFamily="34" charset="0"/>
+                        </a:defRPr>
+                      </a:lvl6pPr>
+                      <a:lvl7pPr fontAlgn="base">
+                        <a:spcBef>
+                          <a:spcPct val="20000"/>
+                        </a:spcBef>
+                        <a:spcAft>
+                          <a:spcPct val="0"/>
+                        </a:spcAft>
+                        <a:defRPr>
+                          <a:solidFill>
+                            <a:schemeClr val="tx1"/>
+                          </a:solidFill>
+                          <a:latin typeface="Arial" pitchFamily="34" charset="0"/>
+                        </a:defRPr>
+                      </a:lvl7pPr>
+                      <a:lvl8pPr fontAlgn="base">
+                        <a:spcBef>
+                          <a:spcPct val="20000"/>
+                        </a:spcBef>
+                        <a:spcAft>
+                          <a:spcPct val="0"/>
+                        </a:spcAft>
+                        <a:defRPr>
+                          <a:solidFill>
+                            <a:schemeClr val="tx1"/>
+                          </a:solidFill>
+                          <a:latin typeface="Arial" pitchFamily="34" charset="0"/>
+                        </a:defRPr>
+                      </a:lvl8pPr>
+                      <a:lvl9pPr fontAlgn="base">
+                        <a:spcBef>
+                          <a:spcPct val="20000"/>
+                        </a:spcBef>
+                        <a:spcAft>
+                          <a:spcPct val="0"/>
+                        </a:spcAft>
+                        <a:defRPr>
+                          <a:solidFill>
+                            <a:schemeClr val="tx1"/>
+                          </a:solidFill>
+                          <a:latin typeface="Arial" pitchFamily="34" charset="0"/>
+                        </a:defRPr>
+                      </a:lvl9pPr>
+                    </a:lstStyle>
+                    <a:p>
+                      <a:pPr marL="0" marR="0" lvl="0" indent="0" algn="ctr" defTabSz="914400" rtl="0" eaLnBrk="1" fontAlgn="base" latinLnBrk="0" hangingPunct="1">
+                        <a:lnSpc>
+                          <a:spcPct val="100000"/>
+                        </a:lnSpc>
+                        <a:spcBef>
+                          <a:spcPct val="20000"/>
+                        </a:spcBef>
+                        <a:spcAft>
+                          <a:spcPct val="0"/>
+                        </a:spcAft>
+                        <a:buClr>
+                          <a:srgbClr val="0000FF"/>
+                        </a:buClr>
+                        <a:buSzPct val="130000"/>
+                        <a:buFont typeface="Wingdings" pitchFamily="2" charset="2"/>
+                        <a:buNone/>
+                        <a:tabLst/>
+                      </a:pPr>
+                      <a:r>
+                        <a:rPr kumimoji="0" lang="en-US" altLang="en-US" sz="2000" b="1" i="0" u="none" strike="noStrike" cap="none" normalizeH="0" baseline="0">
+                          <a:ln>
+                            <a:noFill/>
+                          </a:ln>
+                          <a:solidFill>
+                            <a:schemeClr val="tx1"/>
+                          </a:solidFill>
+                          <a:effectLst/>
+                          <a:latin typeface="Arial" pitchFamily="34" charset="0"/>
+                        </a:rPr>
+                        <a:t>Dependent variables</a:t>
+                      </a:r>
+                    </a:p>
+                  </a:txBody>
+                  <a:tcPr horzOverflow="overflow">
+                    <a:lnL w="12700" cap="flat" cmpd="sng" algn="ctr">
+                      <a:solidFill>
+                        <a:schemeClr val="tx1"/>
+                      </a:solidFill>
+                      <a:prstDash val="solid"/>
+                      <a:round/>
+                      <a:headEnd type="none" w="med" len="med"/>
+                      <a:tailEnd type="none" w="med" len="med"/>
+                    </a:lnL>
+                    <a:lnR w="28575" cap="flat" cmpd="sng" algn="ctr">
+                      <a:solidFill>
+                        <a:schemeClr val="tx1"/>
+                      </a:solidFill>
+                      <a:prstDash val="solid"/>
+                      <a:round/>
+                      <a:headEnd type="none" w="med" len="med"/>
+                      <a:tailEnd type="none" w="med" len="med"/>
+                    </a:lnR>
+                    <a:lnT w="28575" cap="flat" cmpd="sng" algn="ctr">
+                      <a:solidFill>
+                        <a:schemeClr val="tx1"/>
+                      </a:solidFill>
+                      <a:prstDash val="solid"/>
+                      <a:round/>
+                      <a:headEnd type="none" w="med" len="med"/>
+                      <a:tailEnd type="none" w="med" len="med"/>
+                    </a:lnT>
+                    <a:lnB w="12700" cap="flat" cmpd="sng" algn="ctr">
+                      <a:solidFill>
+                        <a:schemeClr val="tx1"/>
+                      </a:solidFill>
+                      <a:prstDash val="solid"/>
+                      <a:round/>
+                      <a:headEnd type="none" w="med" len="med"/>
+                      <a:tailEnd type="none" w="med" len="med"/>
+                    </a:lnB>
+                    <a:lnTlToBr>
+                      <a:noFill/>
+                    </a:lnTlToBr>
+                    <a:lnBlToTr>
+                      <a:noFill/>
+                    </a:lnBlToTr>
+                    <a:noFill/>
+                  </a:tcPr>
+                </a:tc>
+                <a:tc hMerge="1">
+                  <a:txBody>
+                    <a:bodyPr/>
+                    <a:lstStyle/>
+                    <a:p>
+                      <a:endParaRPr lang="en-US"/>
+                    </a:p>
+                  </a:txBody>
+                  <a:tcPr/>
+                </a:tc>
+                <a:extLst>
+                  <a:ext uri="{0D108BD9-81ED-4DB2-BD59-A6C34878D82A}">
+                    <a16:rowId xmlns:a16="http://schemas.microsoft.com/office/drawing/2014/main" val="10000"/>
+                  </a:ext>
+                </a:extLst>
+              </a:tr>
+              <a:tr h="812800">
+                <a:tc>
+                  <a:txBody>
+                    <a:bodyPr/>
+                    <a:lstStyle>
+                      <a:lvl1pPr>
+                        <a:spcBef>
+                          <a:spcPct val="20000"/>
+                        </a:spcBef>
+                        <a:buClr>
+                          <a:srgbClr val="0000FF"/>
+                        </a:buClr>
+                        <a:buSzPct val="130000"/>
+                        <a:buFont typeface="Wingdings" pitchFamily="2" charset="2"/>
+                        <a:defRPr sz="2800">
+                          <a:solidFill>
+                            <a:schemeClr val="tx1"/>
+                          </a:solidFill>
+                          <a:latin typeface="Arial" pitchFamily="34" charset="0"/>
+                        </a:defRPr>
+                      </a:lvl1pPr>
+                      <a:lvl2pPr>
+                        <a:spcBef>
+                          <a:spcPct val="20000"/>
+                        </a:spcBef>
+                        <a:buClr>
+                          <a:srgbClr val="FF0000"/>
+                        </a:buClr>
+                        <a:buFont typeface="Wingdings" pitchFamily="2" charset="2"/>
+                        <a:defRPr sz="2400">
+                          <a:solidFill>
+                            <a:schemeClr val="tx1"/>
+                          </a:solidFill>
+                          <a:latin typeface="Arial" pitchFamily="34" charset="0"/>
+                        </a:defRPr>
+                      </a:lvl2pPr>
+                      <a:lvl3pPr>
+                        <a:spcBef>
+                          <a:spcPct val="20000"/>
+                        </a:spcBef>
+                        <a:defRPr sz="2000">
+                          <a:solidFill>
+                            <a:schemeClr val="tx1"/>
+                          </a:solidFill>
+                          <a:latin typeface="Arial" pitchFamily="34" charset="0"/>
+                        </a:defRPr>
+                      </a:lvl3pPr>
+                      <a:lvl4pPr>
+                        <a:spcBef>
+                          <a:spcPct val="20000"/>
+                        </a:spcBef>
+                        <a:defRPr>
+                          <a:solidFill>
+                            <a:schemeClr val="tx1"/>
+                          </a:solidFill>
+                          <a:latin typeface="Arial" pitchFamily="34" charset="0"/>
+                        </a:defRPr>
+                      </a:lvl4pPr>
+                      <a:lvl5pPr>
+                        <a:spcBef>
+                          <a:spcPct val="20000"/>
+                        </a:spcBef>
+                        <a:defRPr>
+                          <a:solidFill>
+                            <a:schemeClr val="tx1"/>
+                          </a:solidFill>
+                          <a:latin typeface="Arial" pitchFamily="34" charset="0"/>
+                        </a:defRPr>
+                      </a:lvl5pPr>
+                      <a:lvl6pPr fontAlgn="base">
+                        <a:spcBef>
+                          <a:spcPct val="20000"/>
+                        </a:spcBef>
+                        <a:spcAft>
+                          <a:spcPct val="0"/>
+                        </a:spcAft>
+                        <a:defRPr>
+                          <a:solidFill>
+                            <a:schemeClr val="tx1"/>
+                          </a:solidFill>
+                          <a:latin typeface="Arial" pitchFamily="34" charset="0"/>
+                        </a:defRPr>
+                      </a:lvl6pPr>
+                      <a:lvl7pPr fontAlgn="base">
+                        <a:spcBef>
+                          <a:spcPct val="20000"/>
+                        </a:spcBef>
+                        <a:spcAft>
+                          <a:spcPct val="0"/>
+                        </a:spcAft>
+                        <a:defRPr>
+                          <a:solidFill>
+                            <a:schemeClr val="tx1"/>
+                          </a:solidFill>
+                          <a:latin typeface="Arial" pitchFamily="34" charset="0"/>
+                        </a:defRPr>
+                      </a:lvl7pPr>
+                      <a:lvl8pPr fontAlgn="base">
+                        <a:spcBef>
+                          <a:spcPct val="20000"/>
+                        </a:spcBef>
+                        <a:spcAft>
+                          <a:spcPct val="0"/>
+                        </a:spcAft>
+                        <a:defRPr>
+                          <a:solidFill>
+                            <a:schemeClr val="tx1"/>
+                          </a:solidFill>
+                          <a:latin typeface="Arial" pitchFamily="34" charset="0"/>
+                        </a:defRPr>
+                      </a:lvl8pPr>
+                      <a:lvl9pPr fontAlgn="base">
+                        <a:spcBef>
+                          <a:spcPct val="20000"/>
+                        </a:spcBef>
+                        <a:spcAft>
+                          <a:spcPct val="0"/>
+                        </a:spcAft>
+                        <a:defRPr>
+                          <a:solidFill>
+                            <a:schemeClr val="tx1"/>
+                          </a:solidFill>
+                          <a:latin typeface="Arial" pitchFamily="34" charset="0"/>
+                        </a:defRPr>
+                      </a:lvl9pPr>
+                    </a:lstStyle>
+                    <a:p>
+                      <a:pPr marL="0" marR="0" lvl="0" indent="0" algn="l" defTabSz="914400" rtl="0" eaLnBrk="1" fontAlgn="base" latinLnBrk="0" hangingPunct="1">
+                        <a:lnSpc>
+                          <a:spcPct val="100000"/>
+                        </a:lnSpc>
+                        <a:spcBef>
+                          <a:spcPct val="20000"/>
+                        </a:spcBef>
+                        <a:spcAft>
+                          <a:spcPct val="0"/>
+                        </a:spcAft>
+                        <a:buClr>
+                          <a:srgbClr val="0000FF"/>
+                        </a:buClr>
+                        <a:buSzPct val="130000"/>
+                        <a:buFont typeface="Wingdings" pitchFamily="2" charset="2"/>
+                        <a:buNone/>
+                        <a:tabLst/>
+                      </a:pPr>
+                      <a:r>
+                        <a:rPr kumimoji="0" lang="en-US" altLang="en-US" sz="2000" b="1" i="0" u="none" strike="noStrike" cap="none" normalizeH="0" baseline="0">
+                          <a:ln>
+                            <a:noFill/>
+                          </a:ln>
+                          <a:solidFill>
+                            <a:schemeClr val="tx1"/>
+                          </a:solidFill>
+                          <a:effectLst/>
+                          <a:latin typeface="Arial" pitchFamily="34" charset="0"/>
+                        </a:rPr>
+                        <a:t>Independent variables</a:t>
+                      </a:r>
+                    </a:p>
+                  </a:txBody>
+                  <a:tcPr horzOverflow="overflow">
+                    <a:lnL w="28575" cap="flat" cmpd="sng" algn="ctr">
+                      <a:solidFill>
+                        <a:schemeClr val="tx1"/>
+                      </a:solidFill>
+                      <a:prstDash val="solid"/>
+                      <a:round/>
+                      <a:headEnd type="none" w="med" len="med"/>
+                      <a:tailEnd type="none" w="med" len="med"/>
+                    </a:lnL>
+                    <a:lnR w="12700" cap="flat" cmpd="sng" algn="ctr">
+                      <a:solidFill>
+                        <a:schemeClr val="tx1"/>
+                      </a:solidFill>
+                      <a:prstDash val="solid"/>
+                      <a:round/>
+                      <a:headEnd type="none" w="med" len="med"/>
+                      <a:tailEnd type="none" w="med" len="med"/>
+                    </a:lnR>
+                    <a:lnT w="12700" cap="flat" cmpd="sng" algn="ctr">
+                      <a:solidFill>
+                        <a:schemeClr val="tx1"/>
+                      </a:solidFill>
+                      <a:prstDash val="solid"/>
+                      <a:round/>
+                      <a:headEnd type="none" w="med" len="med"/>
+                      <a:tailEnd type="none" w="med" len="med"/>
+                    </a:lnT>
+                    <a:lnB w="12700" cap="flat" cmpd="sng" algn="ctr">
+                      <a:solidFill>
+                        <a:schemeClr val="tx1"/>
+                      </a:solidFill>
+                      <a:prstDash val="solid"/>
+                      <a:round/>
+                      <a:headEnd type="none" w="med" len="med"/>
+                      <a:tailEnd type="none" w="med" len="med"/>
+                    </a:lnB>
+                    <a:lnTlToBr>
+                      <a:noFill/>
+                    </a:lnTlToBr>
+                    <a:lnBlToTr>
+                      <a:noFill/>
+                    </a:lnBlToTr>
+                    <a:noFill/>
+                  </a:tcPr>
+                </a:tc>
+                <a:tc>
+                  <a:txBody>
+                    <a:bodyPr/>
+                    <a:lstStyle>
+                      <a:lvl1pPr>
+                        <a:spcBef>
+                          <a:spcPct val="20000"/>
+                        </a:spcBef>
+                        <a:buClr>
+                          <a:srgbClr val="0000FF"/>
+                        </a:buClr>
+                        <a:buSzPct val="130000"/>
+                        <a:buFont typeface="Wingdings" pitchFamily="2" charset="2"/>
+                        <a:defRPr sz="2800">
+                          <a:solidFill>
+                            <a:schemeClr val="tx1"/>
+                          </a:solidFill>
+                          <a:latin typeface="Arial" pitchFamily="34" charset="0"/>
+                        </a:defRPr>
+                      </a:lvl1pPr>
+                      <a:lvl2pPr>
+                        <a:spcBef>
+                          <a:spcPct val="20000"/>
+                        </a:spcBef>
+                        <a:buClr>
+                          <a:srgbClr val="FF0000"/>
+                        </a:buClr>
+                        <a:buFont typeface="Wingdings" pitchFamily="2" charset="2"/>
+                        <a:defRPr sz="2400">
+                          <a:solidFill>
+                            <a:schemeClr val="tx1"/>
+                          </a:solidFill>
+                          <a:latin typeface="Arial" pitchFamily="34" charset="0"/>
+                        </a:defRPr>
+                      </a:lvl2pPr>
+                      <a:lvl3pPr>
+                        <a:spcBef>
+                          <a:spcPct val="20000"/>
+                        </a:spcBef>
+                        <a:defRPr sz="2000">
+                          <a:solidFill>
+                            <a:schemeClr val="tx1"/>
+                          </a:solidFill>
+                          <a:latin typeface="Arial" pitchFamily="34" charset="0"/>
+                        </a:defRPr>
+                      </a:lvl3pPr>
+                      <a:lvl4pPr>
+                        <a:spcBef>
+                          <a:spcPct val="20000"/>
+                        </a:spcBef>
+                        <a:defRPr>
+                          <a:solidFill>
+                            <a:schemeClr val="tx1"/>
+                          </a:solidFill>
+                          <a:latin typeface="Arial" pitchFamily="34" charset="0"/>
+                        </a:defRPr>
+                      </a:lvl4pPr>
+                      <a:lvl5pPr>
+                        <a:spcBef>
+                          <a:spcPct val="20000"/>
+                        </a:spcBef>
+                        <a:defRPr>
+                          <a:solidFill>
+                            <a:schemeClr val="tx1"/>
+                          </a:solidFill>
+                          <a:latin typeface="Arial" pitchFamily="34" charset="0"/>
+                        </a:defRPr>
+                      </a:lvl5pPr>
+                      <a:lvl6pPr fontAlgn="base">
+                        <a:spcBef>
+                          <a:spcPct val="20000"/>
+                        </a:spcBef>
+                        <a:spcAft>
+                          <a:spcPct val="0"/>
+                        </a:spcAft>
+                        <a:defRPr>
+                          <a:solidFill>
+                            <a:schemeClr val="tx1"/>
+                          </a:solidFill>
+                          <a:latin typeface="Arial" pitchFamily="34" charset="0"/>
+                        </a:defRPr>
+                      </a:lvl6pPr>
+                      <a:lvl7pPr fontAlgn="base">
+                        <a:spcBef>
+                          <a:spcPct val="20000"/>
+                        </a:spcBef>
+                        <a:spcAft>
+                          <a:spcPct val="0"/>
+                        </a:spcAft>
+                        <a:defRPr>
+                          <a:solidFill>
+                            <a:schemeClr val="tx1"/>
+                          </a:solidFill>
+                          <a:latin typeface="Arial" pitchFamily="34" charset="0"/>
+                        </a:defRPr>
+                      </a:lvl7pPr>
+                      <a:lvl8pPr fontAlgn="base">
+                        <a:spcBef>
+                          <a:spcPct val="20000"/>
+                        </a:spcBef>
+                        <a:spcAft>
+                          <a:spcPct val="0"/>
+                        </a:spcAft>
+                        <a:defRPr>
+                          <a:solidFill>
+                            <a:schemeClr val="tx1"/>
+                          </a:solidFill>
+                          <a:latin typeface="Arial" pitchFamily="34" charset="0"/>
+                        </a:defRPr>
+                      </a:lvl8pPr>
+                      <a:lvl9pPr fontAlgn="base">
+                        <a:spcBef>
+                          <a:spcPct val="20000"/>
+                        </a:spcBef>
+                        <a:spcAft>
+                          <a:spcPct val="0"/>
+                        </a:spcAft>
+                        <a:defRPr>
+                          <a:solidFill>
+                            <a:schemeClr val="tx1"/>
+                          </a:solidFill>
+                          <a:latin typeface="Arial" pitchFamily="34" charset="0"/>
+                        </a:defRPr>
+                      </a:lvl9pPr>
+                    </a:lstStyle>
+                    <a:p>
+                      <a:pPr marL="0" marR="0" lvl="0" indent="0" algn="ctr" defTabSz="914400" rtl="0" eaLnBrk="1" fontAlgn="base" latinLnBrk="0" hangingPunct="1">
+                        <a:lnSpc>
+                          <a:spcPct val="100000"/>
+                        </a:lnSpc>
+                        <a:spcBef>
+                          <a:spcPct val="20000"/>
+                        </a:spcBef>
+                        <a:spcAft>
+                          <a:spcPct val="0"/>
+                        </a:spcAft>
+                        <a:buClr>
+                          <a:srgbClr val="0000FF"/>
+                        </a:buClr>
+                        <a:buSzPct val="130000"/>
+                        <a:buFont typeface="Wingdings" pitchFamily="2" charset="2"/>
+                        <a:buNone/>
+                        <a:tabLst/>
+                      </a:pPr>
+                      <a:r>
+                        <a:rPr kumimoji="0" lang="en-US" altLang="en-US" sz="2000" b="0" i="1" u="none" strike="noStrike" cap="none" normalizeH="0" baseline="0">
+                          <a:ln>
+                            <a:noFill/>
+                          </a:ln>
+                          <a:solidFill>
+                            <a:schemeClr val="tx1"/>
+                          </a:solidFill>
+                          <a:effectLst/>
+                          <a:latin typeface="Arial" pitchFamily="34" charset="0"/>
+                        </a:rPr>
+                        <a:t>1 Quantitative</a:t>
+                      </a:r>
+                    </a:p>
+                    <a:p>
+                      <a:pPr marL="0" marR="0" lvl="0" indent="0" algn="ctr" defTabSz="914400" rtl="0" eaLnBrk="1" fontAlgn="base" latinLnBrk="0" hangingPunct="1">
+                        <a:lnSpc>
+                          <a:spcPct val="100000"/>
+                        </a:lnSpc>
+                        <a:spcBef>
+                          <a:spcPct val="20000"/>
+                        </a:spcBef>
+                        <a:spcAft>
+                          <a:spcPct val="0"/>
+                        </a:spcAft>
+                        <a:buClr>
+                          <a:srgbClr val="0000FF"/>
+                        </a:buClr>
+                        <a:buSzPct val="130000"/>
+                        <a:buFont typeface="Wingdings" pitchFamily="2" charset="2"/>
+                        <a:buNone/>
+                        <a:tabLst/>
+                      </a:pPr>
+                      <a:r>
+                        <a:rPr kumimoji="0" lang="en-US" altLang="en-US" sz="2000" b="1" i="0" u="none" strike="noStrike" cap="none" normalizeH="0" baseline="0">
+                          <a:ln>
+                            <a:noFill/>
+                          </a:ln>
+                          <a:solidFill>
+                            <a:schemeClr val="tx1"/>
+                          </a:solidFill>
+                          <a:effectLst/>
+                          <a:latin typeface="Arial" pitchFamily="34" charset="0"/>
+                        </a:rPr>
+                        <a:t>y</a:t>
+                      </a:r>
+                      <a:r>
+                        <a:rPr kumimoji="0" lang="en-US" altLang="en-US" sz="2000" b="0" i="0" u="none" strike="noStrike" cap="none" normalizeH="0" baseline="0">
+                          <a:ln>
+                            <a:noFill/>
+                          </a:ln>
+                          <a:solidFill>
+                            <a:schemeClr val="tx1"/>
+                          </a:solidFill>
+                          <a:effectLst/>
+                          <a:latin typeface="Arial" pitchFamily="34" charset="0"/>
+                        </a:rPr>
+                        <a:t> = </a:t>
+                      </a:r>
+                      <a:r>
+                        <a:rPr kumimoji="0" lang="en-US" altLang="en-US" sz="2000" b="1" i="0" u="none" strike="noStrike" cap="none" normalizeH="0" baseline="0">
+                          <a:ln>
+                            <a:noFill/>
+                          </a:ln>
+                          <a:solidFill>
+                            <a:schemeClr val="tx1"/>
+                          </a:solidFill>
+                          <a:effectLst/>
+                          <a:latin typeface="Arial" pitchFamily="34" charset="0"/>
+                        </a:rPr>
+                        <a:t>X</a:t>
+                      </a:r>
+                      <a:r>
+                        <a:rPr kumimoji="0" lang="en-US" altLang="en-US" sz="2000" b="0" i="0" u="none" strike="noStrike" cap="none" normalizeH="0" baseline="0">
+                          <a:ln>
+                            <a:noFill/>
+                          </a:ln>
+                          <a:solidFill>
+                            <a:schemeClr val="tx1"/>
+                          </a:solidFill>
+                          <a:effectLst/>
+                          <a:latin typeface="Arial" pitchFamily="34" charset="0"/>
+                        </a:rPr>
+                        <a:t> </a:t>
+                      </a:r>
+                      <a:r>
+                        <a:rPr kumimoji="0" lang="el-GR" altLang="en-US" sz="2000" b="1" i="0" u="none" strike="noStrike" cap="none" normalizeH="0" baseline="0">
+                          <a:ln>
+                            <a:noFill/>
+                          </a:ln>
+                          <a:solidFill>
+                            <a:schemeClr val="tx1"/>
+                          </a:solidFill>
+                          <a:effectLst/>
+                          <a:latin typeface="Arial" pitchFamily="34" charset="0"/>
+                          <a:cs typeface="Arial" pitchFamily="34" charset="0"/>
+                        </a:rPr>
+                        <a:t>β</a:t>
+                      </a:r>
+                      <a:r>
+                        <a:rPr kumimoji="0" lang="en-US" altLang="en-US" sz="2000" b="0" i="0" u="none" strike="noStrike" cap="none" normalizeH="0" baseline="0">
+                          <a:ln>
+                            <a:noFill/>
+                          </a:ln>
+                          <a:solidFill>
+                            <a:schemeClr val="tx1"/>
+                          </a:solidFill>
+                          <a:effectLst/>
+                          <a:latin typeface="Arial" pitchFamily="34" charset="0"/>
+                        </a:rPr>
+                        <a:t> </a:t>
+                      </a:r>
+                    </a:p>
+                  </a:txBody>
+                  <a:tcPr horzOverflow="overflow">
+                    <a:lnL w="12700" cap="flat" cmpd="sng" algn="ctr">
+                      <a:solidFill>
+                        <a:schemeClr val="tx1"/>
+                      </a:solidFill>
+                      <a:prstDash val="solid"/>
+                      <a:round/>
+                      <a:headEnd type="none" w="med" len="med"/>
+                      <a:tailEnd type="none" w="med" len="med"/>
+                    </a:lnL>
+                    <a:lnR w="12700" cap="flat" cmpd="sng" algn="ctr">
+                      <a:solidFill>
+                        <a:schemeClr val="tx1"/>
+                      </a:solidFill>
+                      <a:prstDash val="solid"/>
+                      <a:round/>
+                      <a:headEnd type="none" w="med" len="med"/>
+                      <a:tailEnd type="none" w="med" len="med"/>
+                    </a:lnR>
+                    <a:lnT w="12700" cap="flat" cmpd="sng" algn="ctr">
+                      <a:solidFill>
+                        <a:schemeClr val="tx1"/>
+                      </a:solidFill>
+                      <a:prstDash val="solid"/>
+                      <a:round/>
+                      <a:headEnd type="none" w="med" len="med"/>
+                      <a:tailEnd type="none" w="med" len="med"/>
+                    </a:lnT>
+                    <a:lnB w="12700" cap="flat" cmpd="sng" algn="ctr">
+                      <a:solidFill>
+                        <a:schemeClr val="tx1"/>
+                      </a:solidFill>
+                      <a:prstDash val="solid"/>
+                      <a:round/>
+                      <a:headEnd type="none" w="med" len="med"/>
+                      <a:tailEnd type="none" w="med" len="med"/>
+                    </a:lnB>
+                    <a:lnTlToBr>
+                      <a:noFill/>
+                    </a:lnTlToBr>
+                    <a:lnBlToTr>
+                      <a:noFill/>
+                    </a:lnBlToTr>
+                    <a:noFill/>
+                  </a:tcPr>
+                </a:tc>
+                <a:tc>
+                  <a:txBody>
+                    <a:bodyPr/>
+                    <a:lstStyle>
+                      <a:lvl1pPr>
+                        <a:spcBef>
+                          <a:spcPct val="20000"/>
+                        </a:spcBef>
+                        <a:buClr>
+                          <a:srgbClr val="0000FF"/>
+                        </a:buClr>
+                        <a:buSzPct val="130000"/>
+                        <a:buFont typeface="Wingdings" pitchFamily="2" charset="2"/>
+                        <a:defRPr sz="2800">
+                          <a:solidFill>
+                            <a:schemeClr val="tx1"/>
+                          </a:solidFill>
+                          <a:latin typeface="Arial" pitchFamily="34" charset="0"/>
+                        </a:defRPr>
+                      </a:lvl1pPr>
+                      <a:lvl2pPr>
+                        <a:spcBef>
+                          <a:spcPct val="20000"/>
+                        </a:spcBef>
+                        <a:buClr>
+                          <a:srgbClr val="FF0000"/>
+                        </a:buClr>
+                        <a:buFont typeface="Wingdings" pitchFamily="2" charset="2"/>
+                        <a:defRPr sz="2400">
+                          <a:solidFill>
+                            <a:schemeClr val="tx1"/>
+                          </a:solidFill>
+                          <a:latin typeface="Arial" pitchFamily="34" charset="0"/>
+                        </a:defRPr>
+                      </a:lvl2pPr>
+                      <a:lvl3pPr>
+                        <a:spcBef>
+                          <a:spcPct val="20000"/>
+                        </a:spcBef>
+                        <a:defRPr sz="2000">
+                          <a:solidFill>
+                            <a:schemeClr val="tx1"/>
+                          </a:solidFill>
+                          <a:latin typeface="Arial" pitchFamily="34" charset="0"/>
+                        </a:defRPr>
+                      </a:lvl3pPr>
+                      <a:lvl4pPr>
+                        <a:spcBef>
+                          <a:spcPct val="20000"/>
+                        </a:spcBef>
+                        <a:defRPr>
+                          <a:solidFill>
+                            <a:schemeClr val="tx1"/>
+                          </a:solidFill>
+                          <a:latin typeface="Arial" pitchFamily="34" charset="0"/>
+                        </a:defRPr>
+                      </a:lvl4pPr>
+                      <a:lvl5pPr>
+                        <a:spcBef>
+                          <a:spcPct val="20000"/>
+                        </a:spcBef>
+                        <a:defRPr>
+                          <a:solidFill>
+                            <a:schemeClr val="tx1"/>
+                          </a:solidFill>
+                          <a:latin typeface="Arial" pitchFamily="34" charset="0"/>
+                        </a:defRPr>
+                      </a:lvl5pPr>
+                      <a:lvl6pPr fontAlgn="base">
+                        <a:spcBef>
+                          <a:spcPct val="20000"/>
+                        </a:spcBef>
+                        <a:spcAft>
+                          <a:spcPct val="0"/>
+                        </a:spcAft>
+                        <a:defRPr>
+                          <a:solidFill>
+                            <a:schemeClr val="tx1"/>
+                          </a:solidFill>
+                          <a:latin typeface="Arial" pitchFamily="34" charset="0"/>
+                        </a:defRPr>
+                      </a:lvl6pPr>
+                      <a:lvl7pPr fontAlgn="base">
+                        <a:spcBef>
+                          <a:spcPct val="20000"/>
+                        </a:spcBef>
+                        <a:spcAft>
+                          <a:spcPct val="0"/>
+                        </a:spcAft>
+                        <a:defRPr>
+                          <a:solidFill>
+                            <a:schemeClr val="tx1"/>
+                          </a:solidFill>
+                          <a:latin typeface="Arial" pitchFamily="34" charset="0"/>
+                        </a:defRPr>
+                      </a:lvl7pPr>
+                      <a:lvl8pPr fontAlgn="base">
+                        <a:spcBef>
+                          <a:spcPct val="20000"/>
+                        </a:spcBef>
+                        <a:spcAft>
+                          <a:spcPct val="0"/>
+                        </a:spcAft>
+                        <a:defRPr>
+                          <a:solidFill>
+                            <a:schemeClr val="tx1"/>
+                          </a:solidFill>
+                          <a:latin typeface="Arial" pitchFamily="34" charset="0"/>
+                        </a:defRPr>
+                      </a:lvl8pPr>
+                      <a:lvl9pPr fontAlgn="base">
+                        <a:spcBef>
+                          <a:spcPct val="20000"/>
+                        </a:spcBef>
+                        <a:spcAft>
+                          <a:spcPct val="0"/>
+                        </a:spcAft>
+                        <a:defRPr>
+                          <a:solidFill>
+                            <a:schemeClr val="tx1"/>
+                          </a:solidFill>
+                          <a:latin typeface="Arial" pitchFamily="34" charset="0"/>
+                        </a:defRPr>
+                      </a:lvl9pPr>
+                    </a:lstStyle>
+                    <a:p>
+                      <a:pPr marL="0" marR="0" lvl="0" indent="0" algn="ctr" defTabSz="914400" rtl="0" eaLnBrk="1" fontAlgn="base" latinLnBrk="0" hangingPunct="1">
+                        <a:lnSpc>
+                          <a:spcPct val="100000"/>
+                        </a:lnSpc>
+                        <a:spcBef>
+                          <a:spcPct val="20000"/>
+                        </a:spcBef>
+                        <a:spcAft>
+                          <a:spcPct val="0"/>
+                        </a:spcAft>
+                        <a:buClr>
+                          <a:srgbClr val="0000FF"/>
+                        </a:buClr>
+                        <a:buSzPct val="130000"/>
+                        <a:buFont typeface="Wingdings" pitchFamily="2" charset="2"/>
+                        <a:buNone/>
+                        <a:tabLst/>
+                      </a:pPr>
+                      <a:r>
+                        <a:rPr kumimoji="0" lang="en-US" altLang="en-US" sz="2000" b="0" i="1" u="none" strike="noStrike" cap="none" normalizeH="0" baseline="0">
+                          <a:ln>
+                            <a:noFill/>
+                          </a:ln>
+                          <a:solidFill>
+                            <a:schemeClr val="tx1"/>
+                          </a:solidFill>
+                          <a:effectLst/>
+                          <a:latin typeface="Arial" pitchFamily="34" charset="0"/>
+                        </a:rPr>
+                        <a:t>2+ Quantitative</a:t>
+                      </a:r>
+                    </a:p>
+                    <a:p>
+                      <a:pPr marL="0" marR="0" lvl="0" indent="0" algn="ctr" defTabSz="914400" rtl="0" eaLnBrk="1" fontAlgn="base" latinLnBrk="0" hangingPunct="1">
+                        <a:lnSpc>
+                          <a:spcPct val="100000"/>
+                        </a:lnSpc>
+                        <a:spcBef>
+                          <a:spcPct val="20000"/>
+                        </a:spcBef>
+                        <a:spcAft>
+                          <a:spcPct val="0"/>
+                        </a:spcAft>
+                        <a:buClr>
+                          <a:srgbClr val="0000FF"/>
+                        </a:buClr>
+                        <a:buSzPct val="130000"/>
+                        <a:buFont typeface="Wingdings" pitchFamily="2" charset="2"/>
+                        <a:buNone/>
+                        <a:tabLst/>
+                      </a:pPr>
+                      <a:r>
+                        <a:rPr kumimoji="0" lang="en-US" altLang="en-US" sz="2000" b="1" i="0" u="none" strike="noStrike" cap="none" normalizeH="0" baseline="0">
+                          <a:ln>
+                            <a:noFill/>
+                          </a:ln>
+                          <a:solidFill>
+                            <a:schemeClr val="tx1"/>
+                          </a:solidFill>
+                          <a:effectLst/>
+                          <a:latin typeface="Arial" pitchFamily="34" charset="0"/>
+                        </a:rPr>
+                        <a:t>Y</a:t>
+                      </a:r>
+                      <a:r>
+                        <a:rPr kumimoji="0" lang="en-US" altLang="en-US" sz="2000" b="0" i="0" u="none" strike="noStrike" cap="none" normalizeH="0" baseline="0">
+                          <a:ln>
+                            <a:noFill/>
+                          </a:ln>
+                          <a:solidFill>
+                            <a:schemeClr val="tx1"/>
+                          </a:solidFill>
+                          <a:effectLst/>
+                          <a:latin typeface="Arial" pitchFamily="34" charset="0"/>
+                        </a:rPr>
+                        <a:t> = </a:t>
+                      </a:r>
+                      <a:r>
+                        <a:rPr kumimoji="0" lang="en-US" altLang="en-US" sz="2000" b="1" i="0" u="none" strike="noStrike" cap="none" normalizeH="0" baseline="0">
+                          <a:ln>
+                            <a:noFill/>
+                          </a:ln>
+                          <a:solidFill>
+                            <a:schemeClr val="tx1"/>
+                          </a:solidFill>
+                          <a:effectLst/>
+                          <a:latin typeface="Arial" pitchFamily="34" charset="0"/>
+                        </a:rPr>
+                        <a:t>X</a:t>
+                      </a:r>
+                      <a:r>
+                        <a:rPr kumimoji="0" lang="en-US" altLang="en-US" sz="2000" b="0" i="0" u="none" strike="noStrike" cap="none" normalizeH="0" baseline="0">
+                          <a:ln>
+                            <a:noFill/>
+                          </a:ln>
+                          <a:solidFill>
+                            <a:schemeClr val="tx1"/>
+                          </a:solidFill>
+                          <a:effectLst/>
+                          <a:latin typeface="Arial" pitchFamily="34" charset="0"/>
+                        </a:rPr>
+                        <a:t> </a:t>
+                      </a:r>
+                      <a:r>
+                        <a:rPr kumimoji="0" lang="en-US" altLang="en-US" sz="2000" b="1" i="0" u="none" strike="noStrike" cap="none" normalizeH="0" baseline="0">
+                          <a:ln>
+                            <a:noFill/>
+                          </a:ln>
+                          <a:solidFill>
+                            <a:schemeClr val="tx1"/>
+                          </a:solidFill>
+                          <a:effectLst/>
+                          <a:latin typeface="Arial" pitchFamily="34" charset="0"/>
+                          <a:cs typeface="Arial" pitchFamily="34" charset="0"/>
+                        </a:rPr>
+                        <a:t>B</a:t>
+                      </a:r>
+                    </a:p>
+                  </a:txBody>
+                  <a:tcPr horzOverflow="overflow">
+                    <a:lnL w="12700" cap="flat" cmpd="sng" algn="ctr">
+                      <a:solidFill>
+                        <a:schemeClr val="tx1"/>
+                      </a:solidFill>
+                      <a:prstDash val="solid"/>
+                      <a:round/>
+                      <a:headEnd type="none" w="med" len="med"/>
+                      <a:tailEnd type="none" w="med" len="med"/>
+                    </a:lnL>
+                    <a:lnR w="28575" cap="flat" cmpd="sng" algn="ctr">
+                      <a:solidFill>
+                        <a:schemeClr val="tx1"/>
+                      </a:solidFill>
+                      <a:prstDash val="solid"/>
+                      <a:round/>
+                      <a:headEnd type="none" w="med" len="med"/>
+                      <a:tailEnd type="none" w="med" len="med"/>
+                    </a:lnR>
+                    <a:lnT w="12700" cap="flat" cmpd="sng" algn="ctr">
+                      <a:solidFill>
+                        <a:schemeClr val="tx1"/>
+                      </a:solidFill>
+                      <a:prstDash val="solid"/>
+                      <a:round/>
+                      <a:headEnd type="none" w="med" len="med"/>
+                      <a:tailEnd type="none" w="med" len="med"/>
+                    </a:lnT>
+                    <a:lnB w="12700" cap="flat" cmpd="sng" algn="ctr">
+                      <a:solidFill>
+                        <a:schemeClr val="tx1"/>
+                      </a:solidFill>
+                      <a:prstDash val="solid"/>
+                      <a:round/>
+                      <a:headEnd type="none" w="med" len="med"/>
+                      <a:tailEnd type="none" w="med" len="med"/>
+                    </a:lnB>
+                    <a:lnTlToBr>
+                      <a:noFill/>
+                    </a:lnTlToBr>
+                    <a:lnBlToTr>
+                      <a:noFill/>
+                    </a:lnBlToTr>
+                    <a:noFill/>
+                  </a:tcPr>
+                </a:tc>
+                <a:extLst>
+                  <a:ext uri="{0D108BD9-81ED-4DB2-BD59-A6C34878D82A}">
+                    <a16:rowId xmlns:a16="http://schemas.microsoft.com/office/drawing/2014/main" val="10001"/>
+                  </a:ext>
+                </a:extLst>
+              </a:tr>
+              <a:tr h="812800">
+                <a:tc>
+                  <a:txBody>
+                    <a:bodyPr/>
+                    <a:lstStyle>
+                      <a:lvl1pPr>
+                        <a:spcBef>
+                          <a:spcPct val="20000"/>
+                        </a:spcBef>
+                        <a:buClr>
+                          <a:srgbClr val="0000FF"/>
+                        </a:buClr>
+                        <a:buSzPct val="130000"/>
+                        <a:buFont typeface="Wingdings" pitchFamily="2" charset="2"/>
+                        <a:defRPr sz="2800">
+                          <a:solidFill>
+                            <a:schemeClr val="tx1"/>
+                          </a:solidFill>
+                          <a:latin typeface="Arial" pitchFamily="34" charset="0"/>
+                        </a:defRPr>
+                      </a:lvl1pPr>
+                      <a:lvl2pPr>
+                        <a:spcBef>
+                          <a:spcPct val="20000"/>
+                        </a:spcBef>
+                        <a:buClr>
+                          <a:srgbClr val="FF0000"/>
+                        </a:buClr>
+                        <a:buFont typeface="Wingdings" pitchFamily="2" charset="2"/>
+                        <a:defRPr sz="2400">
+                          <a:solidFill>
+                            <a:schemeClr val="tx1"/>
+                          </a:solidFill>
+                          <a:latin typeface="Arial" pitchFamily="34" charset="0"/>
+                        </a:defRPr>
+                      </a:lvl2pPr>
+                      <a:lvl3pPr>
+                        <a:spcBef>
+                          <a:spcPct val="20000"/>
+                        </a:spcBef>
+                        <a:defRPr sz="2000">
+                          <a:solidFill>
+                            <a:schemeClr val="tx1"/>
+                          </a:solidFill>
+                          <a:latin typeface="Arial" pitchFamily="34" charset="0"/>
+                        </a:defRPr>
+                      </a:lvl3pPr>
+                      <a:lvl4pPr>
+                        <a:spcBef>
+                          <a:spcPct val="20000"/>
+                        </a:spcBef>
+                        <a:defRPr>
+                          <a:solidFill>
+                            <a:schemeClr val="tx1"/>
+                          </a:solidFill>
+                          <a:latin typeface="Arial" pitchFamily="34" charset="0"/>
+                        </a:defRPr>
+                      </a:lvl4pPr>
+                      <a:lvl5pPr>
+                        <a:spcBef>
+                          <a:spcPct val="20000"/>
+                        </a:spcBef>
+                        <a:defRPr>
+                          <a:solidFill>
+                            <a:schemeClr val="tx1"/>
+                          </a:solidFill>
+                          <a:latin typeface="Arial" pitchFamily="34" charset="0"/>
+                        </a:defRPr>
+                      </a:lvl5pPr>
+                      <a:lvl6pPr fontAlgn="base">
+                        <a:spcBef>
+                          <a:spcPct val="20000"/>
+                        </a:spcBef>
+                        <a:spcAft>
+                          <a:spcPct val="0"/>
+                        </a:spcAft>
+                        <a:defRPr>
+                          <a:solidFill>
+                            <a:schemeClr val="tx1"/>
+                          </a:solidFill>
+                          <a:latin typeface="Arial" pitchFamily="34" charset="0"/>
+                        </a:defRPr>
+                      </a:lvl6pPr>
+                      <a:lvl7pPr fontAlgn="base">
+                        <a:spcBef>
+                          <a:spcPct val="20000"/>
+                        </a:spcBef>
+                        <a:spcAft>
+                          <a:spcPct val="0"/>
+                        </a:spcAft>
+                        <a:defRPr>
+                          <a:solidFill>
+                            <a:schemeClr val="tx1"/>
+                          </a:solidFill>
+                          <a:latin typeface="Arial" pitchFamily="34" charset="0"/>
+                        </a:defRPr>
+                      </a:lvl7pPr>
+                      <a:lvl8pPr fontAlgn="base">
+                        <a:spcBef>
+                          <a:spcPct val="20000"/>
+                        </a:spcBef>
+                        <a:spcAft>
+                          <a:spcPct val="0"/>
+                        </a:spcAft>
+                        <a:defRPr>
+                          <a:solidFill>
+                            <a:schemeClr val="tx1"/>
+                          </a:solidFill>
+                          <a:latin typeface="Arial" pitchFamily="34" charset="0"/>
+                        </a:defRPr>
+                      </a:lvl8pPr>
+                      <a:lvl9pPr fontAlgn="base">
+                        <a:spcBef>
+                          <a:spcPct val="20000"/>
+                        </a:spcBef>
+                        <a:spcAft>
+                          <a:spcPct val="0"/>
+                        </a:spcAft>
+                        <a:defRPr>
+                          <a:solidFill>
+                            <a:schemeClr val="tx1"/>
+                          </a:solidFill>
+                          <a:latin typeface="Arial" pitchFamily="34" charset="0"/>
+                        </a:defRPr>
+                      </a:lvl9pPr>
+                    </a:lstStyle>
+                    <a:p>
+                      <a:pPr marL="0" marR="0" lvl="0" indent="0" algn="l" defTabSz="914400" rtl="0" eaLnBrk="1" fontAlgn="base" latinLnBrk="0" hangingPunct="1">
+                        <a:lnSpc>
+                          <a:spcPct val="100000"/>
+                        </a:lnSpc>
+                        <a:spcBef>
+                          <a:spcPct val="20000"/>
+                        </a:spcBef>
+                        <a:spcAft>
+                          <a:spcPct val="0"/>
+                        </a:spcAft>
+                        <a:buClr>
+                          <a:srgbClr val="0000FF"/>
+                        </a:buClr>
+                        <a:buSzPct val="130000"/>
+                        <a:buFont typeface="Wingdings" pitchFamily="2" charset="2"/>
+                        <a:buNone/>
+                        <a:tabLst/>
+                      </a:pPr>
+                      <a:r>
+                        <a:rPr kumimoji="0" lang="en-US" altLang="en-US" sz="2000" b="0" i="1" u="none" strike="noStrike" cap="none" normalizeH="0" baseline="0">
+                          <a:ln>
+                            <a:noFill/>
+                          </a:ln>
+                          <a:solidFill>
+                            <a:schemeClr val="tx1"/>
+                          </a:solidFill>
+                          <a:effectLst/>
+                          <a:latin typeface="Arial" pitchFamily="34" charset="0"/>
+                        </a:rPr>
+                        <a:t>Quantitative</a:t>
+                      </a:r>
+                    </a:p>
+                  </a:txBody>
+                  <a:tcPr horzOverflow="overflow">
+                    <a:lnL w="28575" cap="flat" cmpd="sng" algn="ctr">
+                      <a:solidFill>
+                        <a:schemeClr val="tx1"/>
+                      </a:solidFill>
+                      <a:prstDash val="solid"/>
+                      <a:round/>
+                      <a:headEnd type="none" w="med" len="med"/>
+                      <a:tailEnd type="none" w="med" len="med"/>
+                    </a:lnL>
+                    <a:lnR w="12700" cap="flat" cmpd="sng" algn="ctr">
+                      <a:solidFill>
+                        <a:schemeClr val="tx1"/>
+                      </a:solidFill>
+                      <a:prstDash val="solid"/>
+                      <a:round/>
+                      <a:headEnd type="none" w="med" len="med"/>
+                      <a:tailEnd type="none" w="med" len="med"/>
+                    </a:lnR>
+                    <a:lnT w="12700" cap="flat" cmpd="sng" algn="ctr">
+                      <a:solidFill>
+                        <a:schemeClr val="tx1"/>
+                      </a:solidFill>
+                      <a:prstDash val="solid"/>
+                      <a:round/>
+                      <a:headEnd type="none" w="med" len="med"/>
+                      <a:tailEnd type="none" w="med" len="med"/>
+                    </a:lnT>
+                    <a:lnB w="12700" cap="flat" cmpd="sng" algn="ctr">
+                      <a:solidFill>
+                        <a:schemeClr val="tx1"/>
+                      </a:solidFill>
+                      <a:prstDash val="solid"/>
+                      <a:round/>
+                      <a:headEnd type="none" w="med" len="med"/>
+                      <a:tailEnd type="none" w="med" len="med"/>
+                    </a:lnB>
+                    <a:lnTlToBr>
+                      <a:noFill/>
+                    </a:lnTlToBr>
+                    <a:lnBlToTr>
+                      <a:noFill/>
+                    </a:lnBlToTr>
+                    <a:noFill/>
+                  </a:tcPr>
+                </a:tc>
+                <a:tc>
+                  <a:txBody>
+                    <a:bodyPr/>
+                    <a:lstStyle>
+                      <a:lvl1pPr>
+                        <a:spcBef>
+                          <a:spcPct val="20000"/>
+                        </a:spcBef>
+                        <a:buClr>
+                          <a:srgbClr val="0000FF"/>
+                        </a:buClr>
+                        <a:buSzPct val="130000"/>
+                        <a:buFont typeface="Wingdings" pitchFamily="2" charset="2"/>
+                        <a:defRPr sz="2800">
+                          <a:solidFill>
+                            <a:schemeClr val="tx1"/>
+                          </a:solidFill>
+                          <a:latin typeface="Arial" pitchFamily="34" charset="0"/>
+                        </a:defRPr>
+                      </a:lvl1pPr>
+                      <a:lvl2pPr>
+                        <a:spcBef>
+                          <a:spcPct val="20000"/>
+                        </a:spcBef>
+                        <a:buClr>
+                          <a:srgbClr val="FF0000"/>
+                        </a:buClr>
+                        <a:buFont typeface="Wingdings" pitchFamily="2" charset="2"/>
+                        <a:defRPr sz="2400">
+                          <a:solidFill>
+                            <a:schemeClr val="tx1"/>
+                          </a:solidFill>
+                          <a:latin typeface="Arial" pitchFamily="34" charset="0"/>
+                        </a:defRPr>
+                      </a:lvl2pPr>
+                      <a:lvl3pPr>
+                        <a:spcBef>
+                          <a:spcPct val="20000"/>
+                        </a:spcBef>
+                        <a:defRPr sz="2000">
+                          <a:solidFill>
+                            <a:schemeClr val="tx1"/>
+                          </a:solidFill>
+                          <a:latin typeface="Arial" pitchFamily="34" charset="0"/>
+                        </a:defRPr>
+                      </a:lvl3pPr>
+                      <a:lvl4pPr>
+                        <a:spcBef>
+                          <a:spcPct val="20000"/>
+                        </a:spcBef>
+                        <a:defRPr>
+                          <a:solidFill>
+                            <a:schemeClr val="tx1"/>
+                          </a:solidFill>
+                          <a:latin typeface="Arial" pitchFamily="34" charset="0"/>
+                        </a:defRPr>
+                      </a:lvl4pPr>
+                      <a:lvl5pPr>
+                        <a:spcBef>
+                          <a:spcPct val="20000"/>
+                        </a:spcBef>
+                        <a:defRPr>
+                          <a:solidFill>
+                            <a:schemeClr val="tx1"/>
+                          </a:solidFill>
+                          <a:latin typeface="Arial" pitchFamily="34" charset="0"/>
+                        </a:defRPr>
+                      </a:lvl5pPr>
+                      <a:lvl6pPr fontAlgn="base">
+                        <a:spcBef>
+                          <a:spcPct val="20000"/>
+                        </a:spcBef>
+                        <a:spcAft>
+                          <a:spcPct val="0"/>
+                        </a:spcAft>
+                        <a:defRPr>
+                          <a:solidFill>
+                            <a:schemeClr val="tx1"/>
+                          </a:solidFill>
+                          <a:latin typeface="Arial" pitchFamily="34" charset="0"/>
+                        </a:defRPr>
+                      </a:lvl6pPr>
+                      <a:lvl7pPr fontAlgn="base">
+                        <a:spcBef>
+                          <a:spcPct val="20000"/>
+                        </a:spcBef>
+                        <a:spcAft>
+                          <a:spcPct val="0"/>
+                        </a:spcAft>
+                        <a:defRPr>
+                          <a:solidFill>
+                            <a:schemeClr val="tx1"/>
+                          </a:solidFill>
+                          <a:latin typeface="Arial" pitchFamily="34" charset="0"/>
+                        </a:defRPr>
+                      </a:lvl7pPr>
+                      <a:lvl8pPr fontAlgn="base">
+                        <a:spcBef>
+                          <a:spcPct val="20000"/>
+                        </a:spcBef>
+                        <a:spcAft>
+                          <a:spcPct val="0"/>
+                        </a:spcAft>
+                        <a:defRPr>
+                          <a:solidFill>
+                            <a:schemeClr val="tx1"/>
+                          </a:solidFill>
+                          <a:latin typeface="Arial" pitchFamily="34" charset="0"/>
+                        </a:defRPr>
+                      </a:lvl8pPr>
+                      <a:lvl9pPr fontAlgn="base">
+                        <a:spcBef>
+                          <a:spcPct val="20000"/>
+                        </a:spcBef>
+                        <a:spcAft>
+                          <a:spcPct val="0"/>
+                        </a:spcAft>
+                        <a:defRPr>
+                          <a:solidFill>
+                            <a:schemeClr val="tx1"/>
+                          </a:solidFill>
+                          <a:latin typeface="Arial" pitchFamily="34" charset="0"/>
+                        </a:defRPr>
+                      </a:lvl9pPr>
+                    </a:lstStyle>
+                    <a:p>
+                      <a:pPr marL="0" marR="0" lvl="0" indent="0" algn="l" defTabSz="914400" rtl="0" eaLnBrk="1" fontAlgn="base" latinLnBrk="0" hangingPunct="1">
+                        <a:lnSpc>
+                          <a:spcPct val="100000"/>
+                        </a:lnSpc>
+                        <a:spcBef>
+                          <a:spcPct val="20000"/>
+                        </a:spcBef>
+                        <a:spcAft>
+                          <a:spcPct val="0"/>
+                        </a:spcAft>
+                        <a:buClr>
+                          <a:srgbClr val="0000FF"/>
+                        </a:buClr>
+                        <a:buSzPct val="130000"/>
+                        <a:buFont typeface="Wingdings" pitchFamily="2" charset="2"/>
+                        <a:buNone/>
+                        <a:tabLst/>
+                      </a:pPr>
+                      <a:r>
+                        <a:rPr kumimoji="0" lang="en-US" altLang="en-US" sz="1600" b="0" i="0" u="none" strike="noStrike" cap="none" normalizeH="0" baseline="0">
+                          <a:ln>
+                            <a:noFill/>
+                          </a:ln>
+                          <a:solidFill>
+                            <a:schemeClr val="tx1"/>
+                          </a:solidFill>
+                          <a:effectLst/>
+                          <a:latin typeface="Arial" pitchFamily="34" charset="0"/>
+                        </a:rPr>
+                        <a:t>Regression</a:t>
+                      </a:r>
+                    </a:p>
+                  </a:txBody>
+                  <a:tcPr horzOverflow="overflow">
+                    <a:lnL w="12700" cap="flat" cmpd="sng" algn="ctr">
+                      <a:solidFill>
+                        <a:schemeClr val="tx1"/>
+                      </a:solidFill>
+                      <a:prstDash val="solid"/>
+                      <a:round/>
+                      <a:headEnd type="none" w="med" len="med"/>
+                      <a:tailEnd type="none" w="med" len="med"/>
+                    </a:lnL>
+                    <a:lnR w="12700" cap="flat" cmpd="sng" algn="ctr">
+                      <a:solidFill>
+                        <a:schemeClr val="tx1"/>
+                      </a:solidFill>
+                      <a:prstDash val="solid"/>
+                      <a:round/>
+                      <a:headEnd type="none" w="med" len="med"/>
+                      <a:tailEnd type="none" w="med" len="med"/>
+                    </a:lnR>
+                    <a:lnT w="12700" cap="flat" cmpd="sng" algn="ctr">
+                      <a:solidFill>
+                        <a:schemeClr val="tx1"/>
+                      </a:solidFill>
+                      <a:prstDash val="solid"/>
+                      <a:round/>
+                      <a:headEnd type="none" w="med" len="med"/>
+                      <a:tailEnd type="none" w="med" len="med"/>
+                    </a:lnT>
+                    <a:lnB w="12700" cap="flat" cmpd="sng" algn="ctr">
+                      <a:solidFill>
+                        <a:schemeClr val="tx1"/>
+                      </a:solidFill>
+                      <a:prstDash val="solid"/>
+                      <a:round/>
+                      <a:headEnd type="none" w="med" len="med"/>
+                      <a:tailEnd type="none" w="med" len="med"/>
+                    </a:lnB>
+                    <a:lnTlToBr>
+                      <a:noFill/>
+                    </a:lnTlToBr>
+                    <a:lnBlToTr>
+                      <a:noFill/>
+                    </a:lnBlToTr>
+                    <a:noFill/>
+                  </a:tcPr>
+                </a:tc>
+                <a:tc>
+                  <a:txBody>
+                    <a:bodyPr/>
+                    <a:lstStyle>
+                      <a:lvl1pPr>
+                        <a:spcBef>
+                          <a:spcPct val="20000"/>
+                        </a:spcBef>
+                        <a:buClr>
+                          <a:srgbClr val="0000FF"/>
+                        </a:buClr>
+                        <a:buSzPct val="130000"/>
+                        <a:buFont typeface="Wingdings" pitchFamily="2" charset="2"/>
+                        <a:defRPr sz="2800">
+                          <a:solidFill>
+                            <a:schemeClr val="tx1"/>
+                          </a:solidFill>
+                          <a:latin typeface="Arial" pitchFamily="34" charset="0"/>
+                        </a:defRPr>
+                      </a:lvl1pPr>
+                      <a:lvl2pPr>
+                        <a:spcBef>
+                          <a:spcPct val="20000"/>
+                        </a:spcBef>
+                        <a:buClr>
+                          <a:srgbClr val="FF0000"/>
+                        </a:buClr>
+                        <a:buFont typeface="Wingdings" pitchFamily="2" charset="2"/>
+                        <a:defRPr sz="2400">
+                          <a:solidFill>
+                            <a:schemeClr val="tx1"/>
+                          </a:solidFill>
+                          <a:latin typeface="Arial" pitchFamily="34" charset="0"/>
+                        </a:defRPr>
+                      </a:lvl2pPr>
+                      <a:lvl3pPr>
+                        <a:spcBef>
+                          <a:spcPct val="20000"/>
+                        </a:spcBef>
+                        <a:defRPr sz="2000">
+                          <a:solidFill>
+                            <a:schemeClr val="tx1"/>
+                          </a:solidFill>
+                          <a:latin typeface="Arial" pitchFamily="34" charset="0"/>
+                        </a:defRPr>
+                      </a:lvl3pPr>
+                      <a:lvl4pPr>
+                        <a:spcBef>
+                          <a:spcPct val="20000"/>
+                        </a:spcBef>
+                        <a:defRPr>
+                          <a:solidFill>
+                            <a:schemeClr val="tx1"/>
+                          </a:solidFill>
+                          <a:latin typeface="Arial" pitchFamily="34" charset="0"/>
+                        </a:defRPr>
+                      </a:lvl4pPr>
+                      <a:lvl5pPr>
+                        <a:spcBef>
+                          <a:spcPct val="20000"/>
+                        </a:spcBef>
+                        <a:defRPr>
+                          <a:solidFill>
+                            <a:schemeClr val="tx1"/>
+                          </a:solidFill>
+                          <a:latin typeface="Arial" pitchFamily="34" charset="0"/>
+                        </a:defRPr>
+                      </a:lvl5pPr>
+                      <a:lvl6pPr fontAlgn="base">
+                        <a:spcBef>
+                          <a:spcPct val="20000"/>
+                        </a:spcBef>
+                        <a:spcAft>
+                          <a:spcPct val="0"/>
+                        </a:spcAft>
+                        <a:defRPr>
+                          <a:solidFill>
+                            <a:schemeClr val="tx1"/>
+                          </a:solidFill>
+                          <a:latin typeface="Arial" pitchFamily="34" charset="0"/>
+                        </a:defRPr>
+                      </a:lvl6pPr>
+                      <a:lvl7pPr fontAlgn="base">
+                        <a:spcBef>
+                          <a:spcPct val="20000"/>
+                        </a:spcBef>
+                        <a:spcAft>
+                          <a:spcPct val="0"/>
+                        </a:spcAft>
+                        <a:defRPr>
+                          <a:solidFill>
+                            <a:schemeClr val="tx1"/>
+                          </a:solidFill>
+                          <a:latin typeface="Arial" pitchFamily="34" charset="0"/>
+                        </a:defRPr>
+                      </a:lvl7pPr>
+                      <a:lvl8pPr fontAlgn="base">
+                        <a:spcBef>
+                          <a:spcPct val="20000"/>
+                        </a:spcBef>
+                        <a:spcAft>
+                          <a:spcPct val="0"/>
+                        </a:spcAft>
+                        <a:defRPr>
+                          <a:solidFill>
+                            <a:schemeClr val="tx1"/>
+                          </a:solidFill>
+                          <a:latin typeface="Arial" pitchFamily="34" charset="0"/>
+                        </a:defRPr>
+                      </a:lvl8pPr>
+                      <a:lvl9pPr fontAlgn="base">
+                        <a:spcBef>
+                          <a:spcPct val="20000"/>
+                        </a:spcBef>
+                        <a:spcAft>
+                          <a:spcPct val="0"/>
+                        </a:spcAft>
+                        <a:defRPr>
+                          <a:solidFill>
+                            <a:schemeClr val="tx1"/>
+                          </a:solidFill>
+                          <a:latin typeface="Arial" pitchFamily="34" charset="0"/>
+                        </a:defRPr>
+                      </a:lvl9pPr>
+                    </a:lstStyle>
+                    <a:p>
+                      <a:pPr marL="0" marR="0" lvl="0" indent="0" algn="l" defTabSz="914400" rtl="0" eaLnBrk="1" fontAlgn="base" latinLnBrk="0" hangingPunct="1">
+                        <a:lnSpc>
+                          <a:spcPct val="100000"/>
+                        </a:lnSpc>
+                        <a:spcBef>
+                          <a:spcPct val="20000"/>
+                        </a:spcBef>
+                        <a:spcAft>
+                          <a:spcPct val="0"/>
+                        </a:spcAft>
+                        <a:buClr>
+                          <a:srgbClr val="0000FF"/>
+                        </a:buClr>
+                        <a:buSzPct val="130000"/>
+                        <a:buFont typeface="Wingdings" pitchFamily="2" charset="2"/>
+                        <a:buNone/>
+                        <a:tabLst/>
+                      </a:pPr>
+                      <a:r>
+                        <a:rPr kumimoji="0" lang="en-US" altLang="en-US" sz="1600" b="0" i="0" u="none" strike="noStrike" cap="none" normalizeH="0" baseline="0" dirty="0">
+                          <a:ln>
+                            <a:noFill/>
+                          </a:ln>
+                          <a:solidFill>
+                            <a:schemeClr val="tx1"/>
+                          </a:solidFill>
+                          <a:effectLst/>
+                          <a:latin typeface="Arial" pitchFamily="34" charset="0"/>
+                        </a:rPr>
+                        <a:t>Multivariate regression</a:t>
+                      </a:r>
+                    </a:p>
+                    <a:p>
+                      <a:pPr marL="0" marR="0" lvl="0" indent="0" algn="l" defTabSz="914400" rtl="0" eaLnBrk="1" fontAlgn="base" latinLnBrk="0" hangingPunct="1">
+                        <a:lnSpc>
+                          <a:spcPct val="100000"/>
+                        </a:lnSpc>
+                        <a:spcBef>
+                          <a:spcPct val="20000"/>
+                        </a:spcBef>
+                        <a:spcAft>
+                          <a:spcPct val="0"/>
+                        </a:spcAft>
+                        <a:buClr>
+                          <a:srgbClr val="0000FF"/>
+                        </a:buClr>
+                        <a:buSzPct val="130000"/>
+                        <a:buFont typeface="Wingdings" pitchFamily="2" charset="2"/>
+                        <a:buNone/>
+                        <a:tabLst/>
+                      </a:pPr>
+                      <a:endParaRPr kumimoji="0" lang="en-US" altLang="en-US" sz="1600" b="0" i="0" u="none" strike="noStrike" cap="none" normalizeH="0" baseline="0" dirty="0">
+                        <a:ln>
+                          <a:noFill/>
+                        </a:ln>
+                        <a:solidFill>
+                          <a:schemeClr val="tx1"/>
+                        </a:solidFill>
+                        <a:effectLst/>
+                        <a:latin typeface="Arial" pitchFamily="34" charset="0"/>
+                      </a:endParaRPr>
+                    </a:p>
+                    <a:p>
+                      <a:pPr marL="0" marR="0" lvl="0" indent="0" algn="l" defTabSz="914400" rtl="0" eaLnBrk="1" fontAlgn="base" latinLnBrk="0" hangingPunct="1">
+                        <a:lnSpc>
+                          <a:spcPct val="100000"/>
+                        </a:lnSpc>
+                        <a:spcBef>
+                          <a:spcPct val="20000"/>
+                        </a:spcBef>
+                        <a:spcAft>
+                          <a:spcPct val="0"/>
+                        </a:spcAft>
+                        <a:buClr>
+                          <a:srgbClr val="0000FF"/>
+                        </a:buClr>
+                        <a:buSzPct val="130000"/>
+                        <a:buFont typeface="Wingdings" pitchFamily="2" charset="2"/>
+                        <a:buNone/>
+                        <a:tabLst/>
+                      </a:pPr>
+                      <a:endParaRPr kumimoji="0" lang="en-US" altLang="en-US" sz="1600" b="0" i="0" u="none" strike="noStrike" cap="none" normalizeH="0" baseline="0" dirty="0">
+                        <a:ln>
+                          <a:noFill/>
+                        </a:ln>
+                        <a:solidFill>
+                          <a:schemeClr val="tx1"/>
+                        </a:solidFill>
+                        <a:effectLst/>
+                        <a:latin typeface="Arial" pitchFamily="34" charset="0"/>
+                      </a:endParaRPr>
+                    </a:p>
+                  </a:txBody>
+                  <a:tcPr horzOverflow="overflow">
+                    <a:lnL w="12700" cap="flat" cmpd="sng" algn="ctr">
+                      <a:solidFill>
+                        <a:schemeClr val="tx1"/>
+                      </a:solidFill>
+                      <a:prstDash val="solid"/>
+                      <a:round/>
+                      <a:headEnd type="none" w="med" len="med"/>
+                      <a:tailEnd type="none" w="med" len="med"/>
+                    </a:lnL>
+                    <a:lnR w="28575" cap="flat" cmpd="sng" algn="ctr">
+                      <a:solidFill>
+                        <a:schemeClr val="tx1"/>
+                      </a:solidFill>
+                      <a:prstDash val="solid"/>
+                      <a:round/>
+                      <a:headEnd type="none" w="med" len="med"/>
+                      <a:tailEnd type="none" w="med" len="med"/>
+                    </a:lnR>
+                    <a:lnT w="12700" cap="flat" cmpd="sng" algn="ctr">
+                      <a:solidFill>
+                        <a:schemeClr val="tx1"/>
+                      </a:solidFill>
+                      <a:prstDash val="solid"/>
+                      <a:round/>
+                      <a:headEnd type="none" w="med" len="med"/>
+                      <a:tailEnd type="none" w="med" len="med"/>
+                    </a:lnT>
+                    <a:lnB w="12700" cap="flat" cmpd="sng" algn="ctr">
+                      <a:solidFill>
+                        <a:schemeClr val="tx1"/>
+                      </a:solidFill>
+                      <a:prstDash val="solid"/>
+                      <a:round/>
+                      <a:headEnd type="none" w="med" len="med"/>
+                      <a:tailEnd type="none" w="med" len="med"/>
+                    </a:lnB>
+                    <a:lnTlToBr>
+                      <a:noFill/>
+                    </a:lnTlToBr>
+                    <a:lnBlToTr>
+                      <a:noFill/>
+                    </a:lnBlToTr>
+                    <a:noFill/>
+                  </a:tcPr>
+                </a:tc>
+                <a:extLst>
+                  <a:ext uri="{0D108BD9-81ED-4DB2-BD59-A6C34878D82A}">
+                    <a16:rowId xmlns:a16="http://schemas.microsoft.com/office/drawing/2014/main" val="10002"/>
+                  </a:ext>
+                </a:extLst>
+              </a:tr>
+              <a:tr h="812800">
+                <a:tc>
+                  <a:txBody>
+                    <a:bodyPr/>
+                    <a:lstStyle>
+                      <a:lvl1pPr>
+                        <a:spcBef>
+                          <a:spcPct val="20000"/>
+                        </a:spcBef>
+                        <a:buClr>
+                          <a:srgbClr val="0000FF"/>
+                        </a:buClr>
+                        <a:buSzPct val="130000"/>
+                        <a:buFont typeface="Wingdings" pitchFamily="2" charset="2"/>
+                        <a:defRPr sz="2800">
+                          <a:solidFill>
+                            <a:schemeClr val="tx1"/>
+                          </a:solidFill>
+                          <a:latin typeface="Arial" pitchFamily="34" charset="0"/>
+                        </a:defRPr>
+                      </a:lvl1pPr>
+                      <a:lvl2pPr>
+                        <a:spcBef>
+                          <a:spcPct val="20000"/>
+                        </a:spcBef>
+                        <a:buClr>
+                          <a:srgbClr val="FF0000"/>
+                        </a:buClr>
+                        <a:buFont typeface="Wingdings" pitchFamily="2" charset="2"/>
+                        <a:defRPr sz="2400">
+                          <a:solidFill>
+                            <a:schemeClr val="tx1"/>
+                          </a:solidFill>
+                          <a:latin typeface="Arial" pitchFamily="34" charset="0"/>
+                        </a:defRPr>
+                      </a:lvl2pPr>
+                      <a:lvl3pPr>
+                        <a:spcBef>
+                          <a:spcPct val="20000"/>
+                        </a:spcBef>
+                        <a:defRPr sz="2000">
+                          <a:solidFill>
+                            <a:schemeClr val="tx1"/>
+                          </a:solidFill>
+                          <a:latin typeface="Arial" pitchFamily="34" charset="0"/>
+                        </a:defRPr>
+                      </a:lvl3pPr>
+                      <a:lvl4pPr>
+                        <a:spcBef>
+                          <a:spcPct val="20000"/>
+                        </a:spcBef>
+                        <a:defRPr>
+                          <a:solidFill>
+                            <a:schemeClr val="tx1"/>
+                          </a:solidFill>
+                          <a:latin typeface="Arial" pitchFamily="34" charset="0"/>
+                        </a:defRPr>
+                      </a:lvl4pPr>
+                      <a:lvl5pPr>
+                        <a:spcBef>
+                          <a:spcPct val="20000"/>
+                        </a:spcBef>
+                        <a:defRPr>
+                          <a:solidFill>
+                            <a:schemeClr val="tx1"/>
+                          </a:solidFill>
+                          <a:latin typeface="Arial" pitchFamily="34" charset="0"/>
+                        </a:defRPr>
+                      </a:lvl5pPr>
+                      <a:lvl6pPr fontAlgn="base">
+                        <a:spcBef>
+                          <a:spcPct val="20000"/>
+                        </a:spcBef>
+                        <a:spcAft>
+                          <a:spcPct val="0"/>
+                        </a:spcAft>
+                        <a:defRPr>
+                          <a:solidFill>
+                            <a:schemeClr val="tx1"/>
+                          </a:solidFill>
+                          <a:latin typeface="Arial" pitchFamily="34" charset="0"/>
+                        </a:defRPr>
+                      </a:lvl6pPr>
+                      <a:lvl7pPr fontAlgn="base">
+                        <a:spcBef>
+                          <a:spcPct val="20000"/>
+                        </a:spcBef>
+                        <a:spcAft>
+                          <a:spcPct val="0"/>
+                        </a:spcAft>
+                        <a:defRPr>
+                          <a:solidFill>
+                            <a:schemeClr val="tx1"/>
+                          </a:solidFill>
+                          <a:latin typeface="Arial" pitchFamily="34" charset="0"/>
+                        </a:defRPr>
+                      </a:lvl7pPr>
+                      <a:lvl8pPr fontAlgn="base">
+                        <a:spcBef>
+                          <a:spcPct val="20000"/>
+                        </a:spcBef>
+                        <a:spcAft>
+                          <a:spcPct val="0"/>
+                        </a:spcAft>
+                        <a:defRPr>
+                          <a:solidFill>
+                            <a:schemeClr val="tx1"/>
+                          </a:solidFill>
+                          <a:latin typeface="Arial" pitchFamily="34" charset="0"/>
+                        </a:defRPr>
+                      </a:lvl8pPr>
+                      <a:lvl9pPr fontAlgn="base">
+                        <a:spcBef>
+                          <a:spcPct val="20000"/>
+                        </a:spcBef>
+                        <a:spcAft>
+                          <a:spcPct val="0"/>
+                        </a:spcAft>
+                        <a:defRPr>
+                          <a:solidFill>
+                            <a:schemeClr val="tx1"/>
+                          </a:solidFill>
+                          <a:latin typeface="Arial" pitchFamily="34" charset="0"/>
+                        </a:defRPr>
+                      </a:lvl9pPr>
+                    </a:lstStyle>
+                    <a:p>
+                      <a:pPr marL="0" marR="0" lvl="0" indent="0" algn="l" defTabSz="914400" rtl="0" eaLnBrk="1" fontAlgn="base" latinLnBrk="0" hangingPunct="1">
+                        <a:lnSpc>
+                          <a:spcPct val="100000"/>
+                        </a:lnSpc>
+                        <a:spcBef>
+                          <a:spcPct val="20000"/>
+                        </a:spcBef>
+                        <a:spcAft>
+                          <a:spcPct val="0"/>
+                        </a:spcAft>
+                        <a:buClr>
+                          <a:srgbClr val="0000FF"/>
+                        </a:buClr>
+                        <a:buSzPct val="130000"/>
+                        <a:buFont typeface="Wingdings" pitchFamily="2" charset="2"/>
+                        <a:buNone/>
+                        <a:tabLst/>
+                      </a:pPr>
+                      <a:r>
+                        <a:rPr kumimoji="0" lang="en-US" altLang="en-US" sz="2000" b="0" i="1" u="none" strike="noStrike" cap="none" normalizeH="0" baseline="0">
+                          <a:ln>
+                            <a:noFill/>
+                          </a:ln>
+                          <a:solidFill>
+                            <a:schemeClr val="tx1"/>
+                          </a:solidFill>
+                          <a:effectLst/>
+                          <a:latin typeface="Arial" pitchFamily="34" charset="0"/>
+                        </a:rPr>
+                        <a:t>Categorical</a:t>
+                      </a:r>
+                    </a:p>
+                  </a:txBody>
+                  <a:tcPr horzOverflow="overflow">
+                    <a:lnL w="28575" cap="flat" cmpd="sng" algn="ctr">
+                      <a:solidFill>
+                        <a:schemeClr val="tx1"/>
+                      </a:solidFill>
+                      <a:prstDash val="solid"/>
+                      <a:round/>
+                      <a:headEnd type="none" w="med" len="med"/>
+                      <a:tailEnd type="none" w="med" len="med"/>
+                    </a:lnL>
+                    <a:lnR w="12700" cap="flat" cmpd="sng" algn="ctr">
+                      <a:solidFill>
+                        <a:schemeClr val="tx1"/>
+                      </a:solidFill>
+                      <a:prstDash val="solid"/>
+                      <a:round/>
+                      <a:headEnd type="none" w="med" len="med"/>
+                      <a:tailEnd type="none" w="med" len="med"/>
+                    </a:lnR>
+                    <a:lnT w="12700" cap="flat" cmpd="sng" algn="ctr">
+                      <a:solidFill>
+                        <a:schemeClr val="tx1"/>
+                      </a:solidFill>
+                      <a:prstDash val="solid"/>
+                      <a:round/>
+                      <a:headEnd type="none" w="med" len="med"/>
+                      <a:tailEnd type="none" w="med" len="med"/>
+                    </a:lnT>
+                    <a:lnB w="12700" cap="flat" cmpd="sng" algn="ctr">
+                      <a:solidFill>
+                        <a:schemeClr val="tx1"/>
+                      </a:solidFill>
+                      <a:prstDash val="solid"/>
+                      <a:round/>
+                      <a:headEnd type="none" w="med" len="med"/>
+                      <a:tailEnd type="none" w="med" len="med"/>
+                    </a:lnB>
+                    <a:lnTlToBr>
+                      <a:noFill/>
+                    </a:lnTlToBr>
+                    <a:lnBlToTr>
+                      <a:noFill/>
+                    </a:lnBlToTr>
+                    <a:noFill/>
+                  </a:tcPr>
+                </a:tc>
+                <a:tc>
+                  <a:txBody>
+                    <a:bodyPr/>
+                    <a:lstStyle>
+                      <a:lvl1pPr>
+                        <a:spcBef>
+                          <a:spcPct val="20000"/>
+                        </a:spcBef>
+                        <a:buClr>
+                          <a:srgbClr val="0000FF"/>
+                        </a:buClr>
+                        <a:buSzPct val="130000"/>
+                        <a:buFont typeface="Wingdings" pitchFamily="2" charset="2"/>
+                        <a:defRPr sz="2800">
+                          <a:solidFill>
+                            <a:schemeClr val="tx1"/>
+                          </a:solidFill>
+                          <a:latin typeface="Arial" pitchFamily="34" charset="0"/>
+                        </a:defRPr>
+                      </a:lvl1pPr>
+                      <a:lvl2pPr>
+                        <a:spcBef>
+                          <a:spcPct val="20000"/>
+                        </a:spcBef>
+                        <a:buClr>
+                          <a:srgbClr val="FF0000"/>
+                        </a:buClr>
+                        <a:buFont typeface="Wingdings" pitchFamily="2" charset="2"/>
+                        <a:defRPr sz="2400">
+                          <a:solidFill>
+                            <a:schemeClr val="tx1"/>
+                          </a:solidFill>
+                          <a:latin typeface="Arial" pitchFamily="34" charset="0"/>
+                        </a:defRPr>
+                      </a:lvl2pPr>
+                      <a:lvl3pPr>
+                        <a:spcBef>
+                          <a:spcPct val="20000"/>
+                        </a:spcBef>
+                        <a:defRPr sz="2000">
+                          <a:solidFill>
+                            <a:schemeClr val="tx1"/>
+                          </a:solidFill>
+                          <a:latin typeface="Arial" pitchFamily="34" charset="0"/>
+                        </a:defRPr>
+                      </a:lvl3pPr>
+                      <a:lvl4pPr>
+                        <a:spcBef>
+                          <a:spcPct val="20000"/>
+                        </a:spcBef>
+                        <a:defRPr>
+                          <a:solidFill>
+                            <a:schemeClr val="tx1"/>
+                          </a:solidFill>
+                          <a:latin typeface="Arial" pitchFamily="34" charset="0"/>
+                        </a:defRPr>
+                      </a:lvl4pPr>
+                      <a:lvl5pPr>
+                        <a:spcBef>
+                          <a:spcPct val="20000"/>
+                        </a:spcBef>
+                        <a:defRPr>
+                          <a:solidFill>
+                            <a:schemeClr val="tx1"/>
+                          </a:solidFill>
+                          <a:latin typeface="Arial" pitchFamily="34" charset="0"/>
+                        </a:defRPr>
+                      </a:lvl5pPr>
+                      <a:lvl6pPr fontAlgn="base">
+                        <a:spcBef>
+                          <a:spcPct val="20000"/>
+                        </a:spcBef>
+                        <a:spcAft>
+                          <a:spcPct val="0"/>
+                        </a:spcAft>
+                        <a:defRPr>
+                          <a:solidFill>
+                            <a:schemeClr val="tx1"/>
+                          </a:solidFill>
+                          <a:latin typeface="Arial" pitchFamily="34" charset="0"/>
+                        </a:defRPr>
+                      </a:lvl6pPr>
+                      <a:lvl7pPr fontAlgn="base">
+                        <a:spcBef>
+                          <a:spcPct val="20000"/>
+                        </a:spcBef>
+                        <a:spcAft>
+                          <a:spcPct val="0"/>
+                        </a:spcAft>
+                        <a:defRPr>
+                          <a:solidFill>
+                            <a:schemeClr val="tx1"/>
+                          </a:solidFill>
+                          <a:latin typeface="Arial" pitchFamily="34" charset="0"/>
+                        </a:defRPr>
+                      </a:lvl7pPr>
+                      <a:lvl8pPr fontAlgn="base">
+                        <a:spcBef>
+                          <a:spcPct val="20000"/>
+                        </a:spcBef>
+                        <a:spcAft>
+                          <a:spcPct val="0"/>
+                        </a:spcAft>
+                        <a:defRPr>
+                          <a:solidFill>
+                            <a:schemeClr val="tx1"/>
+                          </a:solidFill>
+                          <a:latin typeface="Arial" pitchFamily="34" charset="0"/>
+                        </a:defRPr>
+                      </a:lvl8pPr>
+                      <a:lvl9pPr fontAlgn="base">
+                        <a:spcBef>
+                          <a:spcPct val="20000"/>
+                        </a:spcBef>
+                        <a:spcAft>
+                          <a:spcPct val="0"/>
+                        </a:spcAft>
+                        <a:defRPr>
+                          <a:solidFill>
+                            <a:schemeClr val="tx1"/>
+                          </a:solidFill>
+                          <a:latin typeface="Arial" pitchFamily="34" charset="0"/>
+                        </a:defRPr>
+                      </a:lvl9pPr>
+                    </a:lstStyle>
+                    <a:p>
+                      <a:pPr marL="0" marR="0" lvl="0" indent="0" algn="l" defTabSz="914400" rtl="0" eaLnBrk="1" fontAlgn="base" latinLnBrk="0" hangingPunct="1">
+                        <a:lnSpc>
+                          <a:spcPct val="100000"/>
+                        </a:lnSpc>
+                        <a:spcBef>
+                          <a:spcPct val="20000"/>
+                        </a:spcBef>
+                        <a:spcAft>
+                          <a:spcPct val="0"/>
+                        </a:spcAft>
+                        <a:buClr>
+                          <a:srgbClr val="0000FF"/>
+                        </a:buClr>
+                        <a:buSzPct val="130000"/>
+                        <a:buFont typeface="Wingdings" pitchFamily="2" charset="2"/>
+                        <a:buNone/>
+                        <a:tabLst/>
+                      </a:pPr>
+                      <a:r>
+                        <a:rPr kumimoji="0" lang="en-US" altLang="en-US" sz="1600" b="0" i="0" u="none" strike="noStrike" cap="none" normalizeH="0" baseline="0">
+                          <a:ln>
+                            <a:noFill/>
+                          </a:ln>
+                          <a:solidFill>
+                            <a:schemeClr val="tx1"/>
+                          </a:solidFill>
+                          <a:effectLst/>
+                          <a:latin typeface="Arial" pitchFamily="34" charset="0"/>
+                        </a:rPr>
+                        <a:t>ANOVA</a:t>
+                      </a:r>
+                    </a:p>
+                  </a:txBody>
+                  <a:tcPr horzOverflow="overflow">
+                    <a:lnL w="12700" cap="flat" cmpd="sng" algn="ctr">
+                      <a:solidFill>
+                        <a:schemeClr val="tx1"/>
+                      </a:solidFill>
+                      <a:prstDash val="solid"/>
+                      <a:round/>
+                      <a:headEnd type="none" w="med" len="med"/>
+                      <a:tailEnd type="none" w="med" len="med"/>
+                    </a:lnL>
+                    <a:lnR w="12700" cap="flat" cmpd="sng" algn="ctr">
+                      <a:solidFill>
+                        <a:schemeClr val="tx1"/>
+                      </a:solidFill>
+                      <a:prstDash val="solid"/>
+                      <a:round/>
+                      <a:headEnd type="none" w="med" len="med"/>
+                      <a:tailEnd type="none" w="med" len="med"/>
+                    </a:lnR>
+                    <a:lnT w="12700" cap="flat" cmpd="sng" algn="ctr">
+                      <a:solidFill>
+                        <a:schemeClr val="tx1"/>
+                      </a:solidFill>
+                      <a:prstDash val="solid"/>
+                      <a:round/>
+                      <a:headEnd type="none" w="med" len="med"/>
+                      <a:tailEnd type="none" w="med" len="med"/>
+                    </a:lnT>
+                    <a:lnB w="12700" cap="flat" cmpd="sng" algn="ctr">
+                      <a:solidFill>
+                        <a:schemeClr val="tx1"/>
+                      </a:solidFill>
+                      <a:prstDash val="solid"/>
+                      <a:round/>
+                      <a:headEnd type="none" w="med" len="med"/>
+                      <a:tailEnd type="none" w="med" len="med"/>
+                    </a:lnB>
+                    <a:lnTlToBr>
+                      <a:noFill/>
+                    </a:lnTlToBr>
+                    <a:lnBlToTr>
+                      <a:noFill/>
+                    </a:lnBlToTr>
+                    <a:noFill/>
+                  </a:tcPr>
+                </a:tc>
+                <a:tc>
+                  <a:txBody>
+                    <a:bodyPr/>
+                    <a:lstStyle>
+                      <a:lvl1pPr>
+                        <a:spcBef>
+                          <a:spcPct val="20000"/>
+                        </a:spcBef>
+                        <a:buClr>
+                          <a:srgbClr val="0000FF"/>
+                        </a:buClr>
+                        <a:buSzPct val="130000"/>
+                        <a:buFont typeface="Wingdings" pitchFamily="2" charset="2"/>
+                        <a:defRPr sz="2800">
+                          <a:solidFill>
+                            <a:schemeClr val="tx1"/>
+                          </a:solidFill>
+                          <a:latin typeface="Arial" pitchFamily="34" charset="0"/>
+                        </a:defRPr>
+                      </a:lvl1pPr>
+                      <a:lvl2pPr>
+                        <a:spcBef>
+                          <a:spcPct val="20000"/>
+                        </a:spcBef>
+                        <a:buClr>
+                          <a:srgbClr val="FF0000"/>
+                        </a:buClr>
+                        <a:buFont typeface="Wingdings" pitchFamily="2" charset="2"/>
+                        <a:defRPr sz="2400">
+                          <a:solidFill>
+                            <a:schemeClr val="tx1"/>
+                          </a:solidFill>
+                          <a:latin typeface="Arial" pitchFamily="34" charset="0"/>
+                        </a:defRPr>
+                      </a:lvl2pPr>
+                      <a:lvl3pPr>
+                        <a:spcBef>
+                          <a:spcPct val="20000"/>
+                        </a:spcBef>
+                        <a:defRPr sz="2000">
+                          <a:solidFill>
+                            <a:schemeClr val="tx1"/>
+                          </a:solidFill>
+                          <a:latin typeface="Arial" pitchFamily="34" charset="0"/>
+                        </a:defRPr>
+                      </a:lvl3pPr>
+                      <a:lvl4pPr>
+                        <a:spcBef>
+                          <a:spcPct val="20000"/>
+                        </a:spcBef>
+                        <a:defRPr>
+                          <a:solidFill>
+                            <a:schemeClr val="tx1"/>
+                          </a:solidFill>
+                          <a:latin typeface="Arial" pitchFamily="34" charset="0"/>
+                        </a:defRPr>
+                      </a:lvl4pPr>
+                      <a:lvl5pPr>
+                        <a:spcBef>
+                          <a:spcPct val="20000"/>
+                        </a:spcBef>
+                        <a:defRPr>
+                          <a:solidFill>
+                            <a:schemeClr val="tx1"/>
+                          </a:solidFill>
+                          <a:latin typeface="Arial" pitchFamily="34" charset="0"/>
+                        </a:defRPr>
+                      </a:lvl5pPr>
+                      <a:lvl6pPr fontAlgn="base">
+                        <a:spcBef>
+                          <a:spcPct val="20000"/>
+                        </a:spcBef>
+                        <a:spcAft>
+                          <a:spcPct val="0"/>
+                        </a:spcAft>
+                        <a:defRPr>
+                          <a:solidFill>
+                            <a:schemeClr val="tx1"/>
+                          </a:solidFill>
+                          <a:latin typeface="Arial" pitchFamily="34" charset="0"/>
+                        </a:defRPr>
+                      </a:lvl6pPr>
+                      <a:lvl7pPr fontAlgn="base">
+                        <a:spcBef>
+                          <a:spcPct val="20000"/>
+                        </a:spcBef>
+                        <a:spcAft>
+                          <a:spcPct val="0"/>
+                        </a:spcAft>
+                        <a:defRPr>
+                          <a:solidFill>
+                            <a:schemeClr val="tx1"/>
+                          </a:solidFill>
+                          <a:latin typeface="Arial" pitchFamily="34" charset="0"/>
+                        </a:defRPr>
+                      </a:lvl7pPr>
+                      <a:lvl8pPr fontAlgn="base">
+                        <a:spcBef>
+                          <a:spcPct val="20000"/>
+                        </a:spcBef>
+                        <a:spcAft>
+                          <a:spcPct val="0"/>
+                        </a:spcAft>
+                        <a:defRPr>
+                          <a:solidFill>
+                            <a:schemeClr val="tx1"/>
+                          </a:solidFill>
+                          <a:latin typeface="Arial" pitchFamily="34" charset="0"/>
+                        </a:defRPr>
+                      </a:lvl8pPr>
+                      <a:lvl9pPr fontAlgn="base">
+                        <a:spcBef>
+                          <a:spcPct val="20000"/>
+                        </a:spcBef>
+                        <a:spcAft>
+                          <a:spcPct val="0"/>
+                        </a:spcAft>
+                        <a:defRPr>
+                          <a:solidFill>
+                            <a:schemeClr val="tx1"/>
+                          </a:solidFill>
+                          <a:latin typeface="Arial" pitchFamily="34" charset="0"/>
+                        </a:defRPr>
+                      </a:lvl9pPr>
+                    </a:lstStyle>
+                    <a:p>
+                      <a:pPr marL="0" marR="0" lvl="0" indent="0" algn="l" defTabSz="914400" rtl="0" eaLnBrk="1" fontAlgn="base" latinLnBrk="0" hangingPunct="1">
+                        <a:lnSpc>
+                          <a:spcPct val="100000"/>
+                        </a:lnSpc>
+                        <a:spcBef>
+                          <a:spcPct val="20000"/>
+                        </a:spcBef>
+                        <a:spcAft>
+                          <a:spcPct val="0"/>
+                        </a:spcAft>
+                        <a:buClr>
+                          <a:srgbClr val="0000FF"/>
+                        </a:buClr>
+                        <a:buSzPct val="130000"/>
+                        <a:buFont typeface="Wingdings" pitchFamily="2" charset="2"/>
+                        <a:buNone/>
+                        <a:tabLst/>
+                      </a:pPr>
+                      <a:r>
+                        <a:rPr kumimoji="0" lang="en-US" altLang="en-US" sz="1600" b="0" i="0" u="none" strike="noStrike" cap="none" normalizeH="0" baseline="0">
+                          <a:ln>
+                            <a:noFill/>
+                          </a:ln>
+                          <a:solidFill>
+                            <a:schemeClr val="tx1"/>
+                          </a:solidFill>
+                          <a:effectLst/>
+                          <a:latin typeface="Arial" pitchFamily="34" charset="0"/>
+                        </a:rPr>
+                        <a:t>MANOVA</a:t>
+                      </a:r>
+                    </a:p>
+                    <a:p>
+                      <a:pPr marL="0" marR="0" lvl="0" indent="0" algn="ctr" defTabSz="914400" rtl="0" eaLnBrk="1" fontAlgn="base" latinLnBrk="0" hangingPunct="1">
+                        <a:lnSpc>
+                          <a:spcPct val="100000"/>
+                        </a:lnSpc>
+                        <a:spcBef>
+                          <a:spcPct val="20000"/>
+                        </a:spcBef>
+                        <a:spcAft>
+                          <a:spcPct val="0"/>
+                        </a:spcAft>
+                        <a:buClr>
+                          <a:srgbClr val="0000FF"/>
+                        </a:buClr>
+                        <a:buSzPct val="130000"/>
+                        <a:buFont typeface="Wingdings" pitchFamily="2" charset="2"/>
+                        <a:buNone/>
+                        <a:tabLst/>
+                      </a:pPr>
+                      <a:endParaRPr kumimoji="0" lang="en-US" altLang="en-US" sz="2000" b="0" i="0" u="none" strike="noStrike" cap="none" normalizeH="0" baseline="0">
+                        <a:ln>
+                          <a:noFill/>
+                        </a:ln>
+                        <a:solidFill>
+                          <a:schemeClr val="tx1"/>
+                        </a:solidFill>
+                        <a:effectLst/>
+                        <a:latin typeface="Arial" pitchFamily="34" charset="0"/>
+                      </a:endParaRPr>
+                    </a:p>
+                  </a:txBody>
+                  <a:tcPr horzOverflow="overflow">
+                    <a:lnL w="12700" cap="flat" cmpd="sng" algn="ctr">
+                      <a:solidFill>
+                        <a:schemeClr val="tx1"/>
+                      </a:solidFill>
+                      <a:prstDash val="solid"/>
+                      <a:round/>
+                      <a:headEnd type="none" w="med" len="med"/>
+                      <a:tailEnd type="none" w="med" len="med"/>
+                    </a:lnL>
+                    <a:lnR w="28575" cap="flat" cmpd="sng" algn="ctr">
+                      <a:solidFill>
+                        <a:schemeClr val="tx1"/>
+                      </a:solidFill>
+                      <a:prstDash val="solid"/>
+                      <a:round/>
+                      <a:headEnd type="none" w="med" len="med"/>
+                      <a:tailEnd type="none" w="med" len="med"/>
+                    </a:lnR>
+                    <a:lnT w="12700" cap="flat" cmpd="sng" algn="ctr">
+                      <a:solidFill>
+                        <a:schemeClr val="tx1"/>
+                      </a:solidFill>
+                      <a:prstDash val="solid"/>
+                      <a:round/>
+                      <a:headEnd type="none" w="med" len="med"/>
+                      <a:tailEnd type="none" w="med" len="med"/>
+                    </a:lnT>
+                    <a:lnB w="12700" cap="flat" cmpd="sng" algn="ctr">
+                      <a:solidFill>
+                        <a:schemeClr val="tx1"/>
+                      </a:solidFill>
+                      <a:prstDash val="solid"/>
+                      <a:round/>
+                      <a:headEnd type="none" w="med" len="med"/>
+                      <a:tailEnd type="none" w="med" len="med"/>
+                    </a:lnB>
+                    <a:lnTlToBr>
+                      <a:noFill/>
+                    </a:lnTlToBr>
+                    <a:lnBlToTr>
+                      <a:noFill/>
+                    </a:lnBlToTr>
+                    <a:noFill/>
+                  </a:tcPr>
+                </a:tc>
+                <a:extLst>
+                  <a:ext uri="{0D108BD9-81ED-4DB2-BD59-A6C34878D82A}">
+                    <a16:rowId xmlns:a16="http://schemas.microsoft.com/office/drawing/2014/main" val="10003"/>
+                  </a:ext>
+                </a:extLst>
+              </a:tr>
+              <a:tr h="812800">
+                <a:tc>
+                  <a:txBody>
+                    <a:bodyPr/>
+                    <a:lstStyle>
+                      <a:lvl1pPr>
+                        <a:spcBef>
+                          <a:spcPct val="20000"/>
+                        </a:spcBef>
+                        <a:buClr>
+                          <a:srgbClr val="0000FF"/>
+                        </a:buClr>
+                        <a:buSzPct val="130000"/>
+                        <a:buFont typeface="Wingdings" pitchFamily="2" charset="2"/>
+                        <a:defRPr sz="2800">
+                          <a:solidFill>
+                            <a:schemeClr val="tx1"/>
+                          </a:solidFill>
+                          <a:latin typeface="Arial" pitchFamily="34" charset="0"/>
+                        </a:defRPr>
+                      </a:lvl1pPr>
+                      <a:lvl2pPr>
+                        <a:spcBef>
+                          <a:spcPct val="20000"/>
+                        </a:spcBef>
+                        <a:buClr>
+                          <a:srgbClr val="FF0000"/>
+                        </a:buClr>
+                        <a:buFont typeface="Wingdings" pitchFamily="2" charset="2"/>
+                        <a:defRPr sz="2400">
+                          <a:solidFill>
+                            <a:schemeClr val="tx1"/>
+                          </a:solidFill>
+                          <a:latin typeface="Arial" pitchFamily="34" charset="0"/>
+                        </a:defRPr>
+                      </a:lvl2pPr>
+                      <a:lvl3pPr>
+                        <a:spcBef>
+                          <a:spcPct val="20000"/>
+                        </a:spcBef>
+                        <a:defRPr sz="2000">
+                          <a:solidFill>
+                            <a:schemeClr val="tx1"/>
+                          </a:solidFill>
+                          <a:latin typeface="Arial" pitchFamily="34" charset="0"/>
+                        </a:defRPr>
+                      </a:lvl3pPr>
+                      <a:lvl4pPr>
+                        <a:spcBef>
+                          <a:spcPct val="20000"/>
+                        </a:spcBef>
+                        <a:defRPr>
+                          <a:solidFill>
+                            <a:schemeClr val="tx1"/>
+                          </a:solidFill>
+                          <a:latin typeface="Arial" pitchFamily="34" charset="0"/>
+                        </a:defRPr>
+                      </a:lvl4pPr>
+                      <a:lvl5pPr>
+                        <a:spcBef>
+                          <a:spcPct val="20000"/>
+                        </a:spcBef>
+                        <a:defRPr>
+                          <a:solidFill>
+                            <a:schemeClr val="tx1"/>
+                          </a:solidFill>
+                          <a:latin typeface="Arial" pitchFamily="34" charset="0"/>
+                        </a:defRPr>
+                      </a:lvl5pPr>
+                      <a:lvl6pPr fontAlgn="base">
+                        <a:spcBef>
+                          <a:spcPct val="20000"/>
+                        </a:spcBef>
+                        <a:spcAft>
+                          <a:spcPct val="0"/>
+                        </a:spcAft>
+                        <a:defRPr>
+                          <a:solidFill>
+                            <a:schemeClr val="tx1"/>
+                          </a:solidFill>
+                          <a:latin typeface="Arial" pitchFamily="34" charset="0"/>
+                        </a:defRPr>
+                      </a:lvl6pPr>
+                      <a:lvl7pPr fontAlgn="base">
+                        <a:spcBef>
+                          <a:spcPct val="20000"/>
+                        </a:spcBef>
+                        <a:spcAft>
+                          <a:spcPct val="0"/>
+                        </a:spcAft>
+                        <a:defRPr>
+                          <a:solidFill>
+                            <a:schemeClr val="tx1"/>
+                          </a:solidFill>
+                          <a:latin typeface="Arial" pitchFamily="34" charset="0"/>
+                        </a:defRPr>
+                      </a:lvl7pPr>
+                      <a:lvl8pPr fontAlgn="base">
+                        <a:spcBef>
+                          <a:spcPct val="20000"/>
+                        </a:spcBef>
+                        <a:spcAft>
+                          <a:spcPct val="0"/>
+                        </a:spcAft>
+                        <a:defRPr>
+                          <a:solidFill>
+                            <a:schemeClr val="tx1"/>
+                          </a:solidFill>
+                          <a:latin typeface="Arial" pitchFamily="34" charset="0"/>
+                        </a:defRPr>
+                      </a:lvl8pPr>
+                      <a:lvl9pPr fontAlgn="base">
+                        <a:spcBef>
+                          <a:spcPct val="20000"/>
+                        </a:spcBef>
+                        <a:spcAft>
+                          <a:spcPct val="0"/>
+                        </a:spcAft>
+                        <a:defRPr>
+                          <a:solidFill>
+                            <a:schemeClr val="tx1"/>
+                          </a:solidFill>
+                          <a:latin typeface="Arial" pitchFamily="34" charset="0"/>
+                        </a:defRPr>
+                      </a:lvl9pPr>
+                    </a:lstStyle>
+                    <a:p>
+                      <a:pPr marL="0" marR="0" lvl="0" indent="0" algn="l" defTabSz="914400" rtl="0" eaLnBrk="1" fontAlgn="base" latinLnBrk="0" hangingPunct="1">
+                        <a:lnSpc>
+                          <a:spcPct val="100000"/>
+                        </a:lnSpc>
+                        <a:spcBef>
+                          <a:spcPct val="20000"/>
+                        </a:spcBef>
+                        <a:spcAft>
+                          <a:spcPct val="0"/>
+                        </a:spcAft>
+                        <a:buClr>
+                          <a:srgbClr val="0000FF"/>
+                        </a:buClr>
+                        <a:buSzPct val="130000"/>
+                        <a:buFont typeface="Wingdings" pitchFamily="2" charset="2"/>
+                        <a:buNone/>
+                        <a:tabLst/>
+                      </a:pPr>
+                      <a:r>
+                        <a:rPr kumimoji="0" lang="en-US" altLang="en-US" sz="2000" b="0" i="1" u="none" strike="noStrike" cap="none" normalizeH="0" baseline="0">
+                          <a:ln>
+                            <a:noFill/>
+                          </a:ln>
+                          <a:solidFill>
+                            <a:schemeClr val="tx1"/>
+                          </a:solidFill>
+                          <a:effectLst/>
+                          <a:latin typeface="Arial" pitchFamily="34" charset="0"/>
+                        </a:rPr>
+                        <a:t>Both</a:t>
+                      </a:r>
+                    </a:p>
+                  </a:txBody>
+                  <a:tcPr horzOverflow="overflow">
+                    <a:lnL w="28575" cap="flat" cmpd="sng" algn="ctr">
+                      <a:solidFill>
+                        <a:schemeClr val="tx1"/>
+                      </a:solidFill>
+                      <a:prstDash val="solid"/>
+                      <a:round/>
+                      <a:headEnd type="none" w="med" len="med"/>
+                      <a:tailEnd type="none" w="med" len="med"/>
+                    </a:lnL>
+                    <a:lnR w="12700" cap="flat" cmpd="sng" algn="ctr">
+                      <a:solidFill>
+                        <a:schemeClr val="tx1"/>
+                      </a:solidFill>
+                      <a:prstDash val="solid"/>
+                      <a:round/>
+                      <a:headEnd type="none" w="med" len="med"/>
+                      <a:tailEnd type="none" w="med" len="med"/>
+                    </a:lnR>
+                    <a:lnT w="12700" cap="flat" cmpd="sng" algn="ctr">
+                      <a:solidFill>
+                        <a:schemeClr val="tx1"/>
+                      </a:solidFill>
+                      <a:prstDash val="solid"/>
+                      <a:round/>
+                      <a:headEnd type="none" w="med" len="med"/>
+                      <a:tailEnd type="none" w="med" len="med"/>
+                    </a:lnT>
+                    <a:lnB w="28575" cap="flat" cmpd="sng" algn="ctr">
+                      <a:solidFill>
+                        <a:schemeClr val="tx1"/>
+                      </a:solidFill>
+                      <a:prstDash val="solid"/>
+                      <a:round/>
+                      <a:headEnd type="none" w="med" len="med"/>
+                      <a:tailEnd type="none" w="med" len="med"/>
+                    </a:lnB>
+                    <a:lnTlToBr>
+                      <a:noFill/>
+                    </a:lnTlToBr>
+                    <a:lnBlToTr>
+                      <a:noFill/>
+                    </a:lnBlToTr>
+                    <a:noFill/>
+                  </a:tcPr>
+                </a:tc>
+                <a:tc>
+                  <a:txBody>
+                    <a:bodyPr/>
+                    <a:lstStyle>
+                      <a:lvl1pPr>
+                        <a:spcBef>
+                          <a:spcPct val="20000"/>
+                        </a:spcBef>
+                        <a:buClr>
+                          <a:srgbClr val="0000FF"/>
+                        </a:buClr>
+                        <a:buSzPct val="130000"/>
+                        <a:buFont typeface="Wingdings" pitchFamily="2" charset="2"/>
+                        <a:defRPr sz="2800">
+                          <a:solidFill>
+                            <a:schemeClr val="tx1"/>
+                          </a:solidFill>
+                          <a:latin typeface="Arial" pitchFamily="34" charset="0"/>
+                        </a:defRPr>
+                      </a:lvl1pPr>
+                      <a:lvl2pPr>
+                        <a:spcBef>
+                          <a:spcPct val="20000"/>
+                        </a:spcBef>
+                        <a:buClr>
+                          <a:srgbClr val="FF0000"/>
+                        </a:buClr>
+                        <a:buFont typeface="Wingdings" pitchFamily="2" charset="2"/>
+                        <a:defRPr sz="2400">
+                          <a:solidFill>
+                            <a:schemeClr val="tx1"/>
+                          </a:solidFill>
+                          <a:latin typeface="Arial" pitchFamily="34" charset="0"/>
+                        </a:defRPr>
+                      </a:lvl2pPr>
+                      <a:lvl3pPr>
+                        <a:spcBef>
+                          <a:spcPct val="20000"/>
+                        </a:spcBef>
+                        <a:defRPr sz="2000">
+                          <a:solidFill>
+                            <a:schemeClr val="tx1"/>
+                          </a:solidFill>
+                          <a:latin typeface="Arial" pitchFamily="34" charset="0"/>
+                        </a:defRPr>
+                      </a:lvl3pPr>
+                      <a:lvl4pPr>
+                        <a:spcBef>
+                          <a:spcPct val="20000"/>
+                        </a:spcBef>
+                        <a:defRPr>
+                          <a:solidFill>
+                            <a:schemeClr val="tx1"/>
+                          </a:solidFill>
+                          <a:latin typeface="Arial" pitchFamily="34" charset="0"/>
+                        </a:defRPr>
+                      </a:lvl4pPr>
+                      <a:lvl5pPr>
+                        <a:spcBef>
+                          <a:spcPct val="20000"/>
+                        </a:spcBef>
+                        <a:defRPr>
+                          <a:solidFill>
+                            <a:schemeClr val="tx1"/>
+                          </a:solidFill>
+                          <a:latin typeface="Arial" pitchFamily="34" charset="0"/>
+                        </a:defRPr>
+                      </a:lvl5pPr>
+                      <a:lvl6pPr fontAlgn="base">
+                        <a:spcBef>
+                          <a:spcPct val="20000"/>
+                        </a:spcBef>
+                        <a:spcAft>
+                          <a:spcPct val="0"/>
+                        </a:spcAft>
+                        <a:defRPr>
+                          <a:solidFill>
+                            <a:schemeClr val="tx1"/>
+                          </a:solidFill>
+                          <a:latin typeface="Arial" pitchFamily="34" charset="0"/>
+                        </a:defRPr>
+                      </a:lvl6pPr>
+                      <a:lvl7pPr fontAlgn="base">
+                        <a:spcBef>
+                          <a:spcPct val="20000"/>
+                        </a:spcBef>
+                        <a:spcAft>
+                          <a:spcPct val="0"/>
+                        </a:spcAft>
+                        <a:defRPr>
+                          <a:solidFill>
+                            <a:schemeClr val="tx1"/>
+                          </a:solidFill>
+                          <a:latin typeface="Arial" pitchFamily="34" charset="0"/>
+                        </a:defRPr>
+                      </a:lvl7pPr>
+                      <a:lvl8pPr fontAlgn="base">
+                        <a:spcBef>
+                          <a:spcPct val="20000"/>
+                        </a:spcBef>
+                        <a:spcAft>
+                          <a:spcPct val="0"/>
+                        </a:spcAft>
+                        <a:defRPr>
+                          <a:solidFill>
+                            <a:schemeClr val="tx1"/>
+                          </a:solidFill>
+                          <a:latin typeface="Arial" pitchFamily="34" charset="0"/>
+                        </a:defRPr>
+                      </a:lvl8pPr>
+                      <a:lvl9pPr fontAlgn="base">
+                        <a:spcBef>
+                          <a:spcPct val="20000"/>
+                        </a:spcBef>
+                        <a:spcAft>
+                          <a:spcPct val="0"/>
+                        </a:spcAft>
+                        <a:defRPr>
+                          <a:solidFill>
+                            <a:schemeClr val="tx1"/>
+                          </a:solidFill>
+                          <a:latin typeface="Arial" pitchFamily="34" charset="0"/>
+                        </a:defRPr>
+                      </a:lvl9pPr>
+                    </a:lstStyle>
+                    <a:p>
+                      <a:pPr marL="0" marR="0" lvl="0" indent="0" algn="l" defTabSz="914400" rtl="0" eaLnBrk="1" fontAlgn="base" latinLnBrk="0" hangingPunct="1">
+                        <a:lnSpc>
+                          <a:spcPct val="100000"/>
+                        </a:lnSpc>
+                        <a:spcBef>
+                          <a:spcPct val="20000"/>
+                        </a:spcBef>
+                        <a:spcAft>
+                          <a:spcPct val="0"/>
+                        </a:spcAft>
+                        <a:buClr>
+                          <a:srgbClr val="0000FF"/>
+                        </a:buClr>
+                        <a:buSzPct val="130000"/>
+                        <a:buFont typeface="Wingdings" pitchFamily="2" charset="2"/>
+                        <a:buNone/>
+                        <a:tabLst/>
+                      </a:pPr>
+                      <a:r>
+                        <a:rPr kumimoji="0" lang="en-US" altLang="en-US" sz="1600" b="0" i="0" u="none" strike="noStrike" cap="none" normalizeH="0" baseline="0">
+                          <a:ln>
+                            <a:noFill/>
+                          </a:ln>
+                          <a:solidFill>
+                            <a:schemeClr val="tx1"/>
+                          </a:solidFill>
+                          <a:effectLst/>
+                          <a:latin typeface="Arial" pitchFamily="34" charset="0"/>
+                        </a:rPr>
+                        <a:t>Reg. w/ dummy vars</a:t>
+                      </a:r>
+                    </a:p>
+                    <a:p>
+                      <a:pPr marL="0" marR="0" lvl="0" indent="0" algn="l" defTabSz="914400" rtl="0" eaLnBrk="1" fontAlgn="base" latinLnBrk="0" hangingPunct="1">
+                        <a:lnSpc>
+                          <a:spcPct val="100000"/>
+                        </a:lnSpc>
+                        <a:spcBef>
+                          <a:spcPct val="20000"/>
+                        </a:spcBef>
+                        <a:spcAft>
+                          <a:spcPct val="0"/>
+                        </a:spcAft>
+                        <a:buClr>
+                          <a:srgbClr val="0000FF"/>
+                        </a:buClr>
+                        <a:buSzPct val="130000"/>
+                        <a:buFont typeface="Wingdings" pitchFamily="2" charset="2"/>
+                        <a:buNone/>
+                        <a:tabLst/>
+                      </a:pPr>
+                      <a:r>
+                        <a:rPr kumimoji="0" lang="en-US" altLang="en-US" sz="1600" b="0" i="0" u="none" strike="noStrike" cap="none" normalizeH="0" baseline="0">
+                          <a:ln>
+                            <a:noFill/>
+                          </a:ln>
+                          <a:solidFill>
+                            <a:schemeClr val="tx1"/>
+                          </a:solidFill>
+                          <a:effectLst/>
+                          <a:latin typeface="Arial" pitchFamily="34" charset="0"/>
+                        </a:rPr>
+                        <a:t>ANCOVA</a:t>
+                      </a:r>
+                    </a:p>
+                    <a:p>
+                      <a:pPr marL="0" marR="0" lvl="0" indent="0" algn="l" defTabSz="914400" rtl="0" eaLnBrk="1" fontAlgn="base" latinLnBrk="0" hangingPunct="1">
+                        <a:lnSpc>
+                          <a:spcPct val="100000"/>
+                        </a:lnSpc>
+                        <a:spcBef>
+                          <a:spcPct val="20000"/>
+                        </a:spcBef>
+                        <a:spcAft>
+                          <a:spcPct val="0"/>
+                        </a:spcAft>
+                        <a:buClr>
+                          <a:srgbClr val="0000FF"/>
+                        </a:buClr>
+                        <a:buSzPct val="130000"/>
+                        <a:buFont typeface="Wingdings" pitchFamily="2" charset="2"/>
+                        <a:buNone/>
+                        <a:tabLst/>
+                      </a:pPr>
+                      <a:r>
+                        <a:rPr kumimoji="0" lang="en-US" altLang="en-US" sz="1600" b="0" i="0" u="none" strike="noStrike" cap="none" normalizeH="0" baseline="0">
+                          <a:ln>
+                            <a:noFill/>
+                          </a:ln>
+                          <a:solidFill>
+                            <a:schemeClr val="tx1"/>
+                          </a:solidFill>
+                          <a:effectLst/>
+                          <a:latin typeface="Arial" pitchFamily="34" charset="0"/>
+                        </a:rPr>
+                        <a:t>Homogeneity of regression</a:t>
+                      </a:r>
+                    </a:p>
+                  </a:txBody>
+                  <a:tcPr horzOverflow="overflow">
+                    <a:lnL w="12700" cap="flat" cmpd="sng" algn="ctr">
+                      <a:solidFill>
+                        <a:schemeClr val="tx1"/>
+                      </a:solidFill>
+                      <a:prstDash val="solid"/>
+                      <a:round/>
+                      <a:headEnd type="none" w="med" len="med"/>
+                      <a:tailEnd type="none" w="med" len="med"/>
+                    </a:lnL>
+                    <a:lnR w="12700" cap="flat" cmpd="sng" algn="ctr">
+                      <a:solidFill>
+                        <a:schemeClr val="tx1"/>
+                      </a:solidFill>
+                      <a:prstDash val="solid"/>
+                      <a:round/>
+                      <a:headEnd type="none" w="med" len="med"/>
+                      <a:tailEnd type="none" w="med" len="med"/>
+                    </a:lnR>
+                    <a:lnT w="12700" cap="flat" cmpd="sng" algn="ctr">
+                      <a:solidFill>
+                        <a:schemeClr val="tx1"/>
+                      </a:solidFill>
+                      <a:prstDash val="solid"/>
+                      <a:round/>
+                      <a:headEnd type="none" w="med" len="med"/>
+                      <a:tailEnd type="none" w="med" len="med"/>
+                    </a:lnT>
+                    <a:lnB w="28575" cap="flat" cmpd="sng" algn="ctr">
+                      <a:solidFill>
+                        <a:schemeClr val="tx1"/>
+                      </a:solidFill>
+                      <a:prstDash val="solid"/>
+                      <a:round/>
+                      <a:headEnd type="none" w="med" len="med"/>
+                      <a:tailEnd type="none" w="med" len="med"/>
+                    </a:lnB>
+                    <a:lnTlToBr>
+                      <a:noFill/>
+                    </a:lnTlToBr>
+                    <a:lnBlToTr>
+                      <a:noFill/>
+                    </a:lnBlToTr>
+                    <a:noFill/>
+                  </a:tcPr>
+                </a:tc>
+                <a:tc>
+                  <a:txBody>
+                    <a:bodyPr/>
+                    <a:lstStyle>
+                      <a:lvl1pPr>
+                        <a:spcBef>
+                          <a:spcPct val="20000"/>
+                        </a:spcBef>
+                        <a:buClr>
+                          <a:srgbClr val="0000FF"/>
+                        </a:buClr>
+                        <a:buSzPct val="130000"/>
+                        <a:buFont typeface="Wingdings" pitchFamily="2" charset="2"/>
+                        <a:defRPr sz="2800">
+                          <a:solidFill>
+                            <a:schemeClr val="tx1"/>
+                          </a:solidFill>
+                          <a:latin typeface="Arial" pitchFamily="34" charset="0"/>
+                        </a:defRPr>
+                      </a:lvl1pPr>
+                      <a:lvl2pPr>
+                        <a:spcBef>
+                          <a:spcPct val="20000"/>
+                        </a:spcBef>
+                        <a:buClr>
+                          <a:srgbClr val="FF0000"/>
+                        </a:buClr>
+                        <a:buFont typeface="Wingdings" pitchFamily="2" charset="2"/>
+                        <a:defRPr sz="2400">
+                          <a:solidFill>
+                            <a:schemeClr val="tx1"/>
+                          </a:solidFill>
+                          <a:latin typeface="Arial" pitchFamily="34" charset="0"/>
+                        </a:defRPr>
+                      </a:lvl2pPr>
+                      <a:lvl3pPr>
+                        <a:spcBef>
+                          <a:spcPct val="20000"/>
+                        </a:spcBef>
+                        <a:defRPr sz="2000">
+                          <a:solidFill>
+                            <a:schemeClr val="tx1"/>
+                          </a:solidFill>
+                          <a:latin typeface="Arial" pitchFamily="34" charset="0"/>
+                        </a:defRPr>
+                      </a:lvl3pPr>
+                      <a:lvl4pPr>
+                        <a:spcBef>
+                          <a:spcPct val="20000"/>
+                        </a:spcBef>
+                        <a:defRPr>
+                          <a:solidFill>
+                            <a:schemeClr val="tx1"/>
+                          </a:solidFill>
+                          <a:latin typeface="Arial" pitchFamily="34" charset="0"/>
+                        </a:defRPr>
+                      </a:lvl4pPr>
+                      <a:lvl5pPr>
+                        <a:spcBef>
+                          <a:spcPct val="20000"/>
+                        </a:spcBef>
+                        <a:defRPr>
+                          <a:solidFill>
+                            <a:schemeClr val="tx1"/>
+                          </a:solidFill>
+                          <a:latin typeface="Arial" pitchFamily="34" charset="0"/>
+                        </a:defRPr>
+                      </a:lvl5pPr>
+                      <a:lvl6pPr fontAlgn="base">
+                        <a:spcBef>
+                          <a:spcPct val="20000"/>
+                        </a:spcBef>
+                        <a:spcAft>
+                          <a:spcPct val="0"/>
+                        </a:spcAft>
+                        <a:defRPr>
+                          <a:solidFill>
+                            <a:schemeClr val="tx1"/>
+                          </a:solidFill>
+                          <a:latin typeface="Arial" pitchFamily="34" charset="0"/>
+                        </a:defRPr>
+                      </a:lvl6pPr>
+                      <a:lvl7pPr fontAlgn="base">
+                        <a:spcBef>
+                          <a:spcPct val="20000"/>
+                        </a:spcBef>
+                        <a:spcAft>
+                          <a:spcPct val="0"/>
+                        </a:spcAft>
+                        <a:defRPr>
+                          <a:solidFill>
+                            <a:schemeClr val="tx1"/>
+                          </a:solidFill>
+                          <a:latin typeface="Arial" pitchFamily="34" charset="0"/>
+                        </a:defRPr>
+                      </a:lvl7pPr>
+                      <a:lvl8pPr fontAlgn="base">
+                        <a:spcBef>
+                          <a:spcPct val="20000"/>
+                        </a:spcBef>
+                        <a:spcAft>
+                          <a:spcPct val="0"/>
+                        </a:spcAft>
+                        <a:defRPr>
+                          <a:solidFill>
+                            <a:schemeClr val="tx1"/>
+                          </a:solidFill>
+                          <a:latin typeface="Arial" pitchFamily="34" charset="0"/>
+                        </a:defRPr>
+                      </a:lvl8pPr>
+                      <a:lvl9pPr fontAlgn="base">
+                        <a:spcBef>
+                          <a:spcPct val="20000"/>
+                        </a:spcBef>
+                        <a:spcAft>
+                          <a:spcPct val="0"/>
+                        </a:spcAft>
+                        <a:defRPr>
+                          <a:solidFill>
+                            <a:schemeClr val="tx1"/>
+                          </a:solidFill>
+                          <a:latin typeface="Arial" pitchFamily="34" charset="0"/>
+                        </a:defRPr>
+                      </a:lvl9pPr>
+                    </a:lstStyle>
+                    <a:p>
+                      <a:pPr marL="0" marR="0" lvl="0" indent="0" algn="l" defTabSz="914400" rtl="0" eaLnBrk="1" fontAlgn="base" latinLnBrk="0" hangingPunct="1">
+                        <a:lnSpc>
+                          <a:spcPct val="100000"/>
+                        </a:lnSpc>
+                        <a:spcBef>
+                          <a:spcPct val="20000"/>
+                        </a:spcBef>
+                        <a:spcAft>
+                          <a:spcPct val="0"/>
+                        </a:spcAft>
+                        <a:buClr>
+                          <a:srgbClr val="0000FF"/>
+                        </a:buClr>
+                        <a:buSzPct val="130000"/>
+                        <a:buFont typeface="Wingdings" pitchFamily="2" charset="2"/>
+                        <a:buNone/>
+                        <a:tabLst/>
+                      </a:pPr>
+                      <a:r>
+                        <a:rPr kumimoji="0" lang="en-US" altLang="en-US" sz="1600" b="0" i="0" u="none" strike="noStrike" cap="none" normalizeH="0" baseline="0" dirty="0">
+                          <a:ln>
+                            <a:noFill/>
+                          </a:ln>
+                          <a:solidFill>
+                            <a:schemeClr val="tx1"/>
+                          </a:solidFill>
+                          <a:effectLst/>
+                          <a:latin typeface="Arial" pitchFamily="34" charset="0"/>
+                        </a:rPr>
+                        <a:t>General MLM</a:t>
+                      </a:r>
+                    </a:p>
+                    <a:p>
+                      <a:pPr marL="0" marR="0" lvl="0" indent="0" algn="l" defTabSz="914400" rtl="0" eaLnBrk="1" fontAlgn="base" latinLnBrk="0" hangingPunct="1">
+                        <a:lnSpc>
+                          <a:spcPct val="100000"/>
+                        </a:lnSpc>
+                        <a:spcBef>
+                          <a:spcPct val="20000"/>
+                        </a:spcBef>
+                        <a:spcAft>
+                          <a:spcPct val="0"/>
+                        </a:spcAft>
+                        <a:buClr>
+                          <a:srgbClr val="0000FF"/>
+                        </a:buClr>
+                        <a:buSzPct val="130000"/>
+                        <a:buFont typeface="Wingdings" pitchFamily="2" charset="2"/>
+                        <a:buNone/>
+                        <a:tabLst/>
+                      </a:pPr>
+                      <a:r>
+                        <a:rPr kumimoji="0" lang="en-US" altLang="en-US" sz="1600" b="0" i="0" u="none" strike="noStrike" cap="none" normalizeH="0" baseline="0" dirty="0">
+                          <a:ln>
+                            <a:noFill/>
+                          </a:ln>
+                          <a:solidFill>
+                            <a:schemeClr val="tx1"/>
+                          </a:solidFill>
+                          <a:effectLst/>
+                          <a:latin typeface="Arial" pitchFamily="34" charset="0"/>
+                        </a:rPr>
+                        <a:t>Homogeneity of regression</a:t>
+                      </a:r>
+                    </a:p>
+                    <a:p>
+                      <a:pPr marL="0" marR="0" lvl="0" indent="0" algn="l" defTabSz="914400" rtl="0" eaLnBrk="1" fontAlgn="base" latinLnBrk="0" hangingPunct="1">
+                        <a:lnSpc>
+                          <a:spcPct val="100000"/>
+                        </a:lnSpc>
+                        <a:spcBef>
+                          <a:spcPct val="20000"/>
+                        </a:spcBef>
+                        <a:spcAft>
+                          <a:spcPct val="0"/>
+                        </a:spcAft>
+                        <a:buClr>
+                          <a:srgbClr val="0000FF"/>
+                        </a:buClr>
+                        <a:buSzPct val="130000"/>
+                        <a:buFont typeface="Wingdings" pitchFamily="2" charset="2"/>
+                        <a:buNone/>
+                        <a:tabLst/>
+                      </a:pPr>
+                      <a:r>
+                        <a:rPr kumimoji="0" lang="en-US" altLang="en-US" sz="1600" b="0" i="0" u="none" strike="noStrike" cap="none" normalizeH="0" baseline="0" dirty="0">
+                          <a:ln>
+                            <a:noFill/>
+                          </a:ln>
+                          <a:solidFill>
+                            <a:schemeClr val="tx1"/>
+                          </a:solidFill>
+                          <a:effectLst/>
+                          <a:latin typeface="Arial" pitchFamily="34" charset="0"/>
+                        </a:rPr>
+                        <a:t>MANCOVA</a:t>
+                      </a:r>
+                    </a:p>
+                  </a:txBody>
+                  <a:tcPr horzOverflow="overflow">
+                    <a:lnL w="12700" cap="flat" cmpd="sng" algn="ctr">
+                      <a:solidFill>
+                        <a:schemeClr val="tx1"/>
+                      </a:solidFill>
+                      <a:prstDash val="solid"/>
+                      <a:round/>
+                      <a:headEnd type="none" w="med" len="med"/>
+                      <a:tailEnd type="none" w="med" len="med"/>
+                    </a:lnL>
+                    <a:lnR w="28575" cap="flat" cmpd="sng" algn="ctr">
+                      <a:solidFill>
+                        <a:schemeClr val="tx1"/>
+                      </a:solidFill>
+                      <a:prstDash val="solid"/>
+                      <a:round/>
+                      <a:headEnd type="none" w="med" len="med"/>
+                      <a:tailEnd type="none" w="med" len="med"/>
+                    </a:lnR>
+                    <a:lnT w="12700" cap="flat" cmpd="sng" algn="ctr">
+                      <a:solidFill>
+                        <a:schemeClr val="tx1"/>
+                      </a:solidFill>
+                      <a:prstDash val="solid"/>
+                      <a:round/>
+                      <a:headEnd type="none" w="med" len="med"/>
+                      <a:tailEnd type="none" w="med" len="med"/>
+                    </a:lnT>
+                    <a:lnB w="28575" cap="flat" cmpd="sng" algn="ctr">
+                      <a:solidFill>
+                        <a:schemeClr val="tx1"/>
+                      </a:solidFill>
+                      <a:prstDash val="solid"/>
+                      <a:round/>
+                      <a:headEnd type="none" w="med" len="med"/>
+                      <a:tailEnd type="none" w="med" len="med"/>
+                    </a:lnB>
+                    <a:lnTlToBr>
+                      <a:noFill/>
+                    </a:lnTlToBr>
+                    <a:lnBlToTr>
+                      <a:noFill/>
+                    </a:lnBlToTr>
+                    <a:noFill/>
+                  </a:tcPr>
+                </a:tc>
+                <a:extLst>
+                  <a:ext uri="{0D108BD9-81ED-4DB2-BD59-A6C34878D82A}">
+                    <a16:rowId xmlns:a16="http://schemas.microsoft.com/office/drawing/2014/main" val="10004"/>
+                  </a:ext>
+                </a:extLst>
+              </a:tr>
+            </a:tbl>
+          </a:graphicData>
+        </a:graphic>
+      </p:graphicFrame>
+      <p:sp>
+        <p:nvSpPr>
+          <p:cNvPr id="5" name="Line 32">
+            <a:extLst>
+              <a:ext uri="{FF2B5EF4-FFF2-40B4-BE49-F238E27FC236}">
+                <a16:creationId xmlns:a16="http://schemas.microsoft.com/office/drawing/2014/main" id="{E9F77C3F-D582-3FAC-CD4C-614B5969571C}"/>
+              </a:ext>
+            </a:extLst>
+          </p:cNvPr>
+          <p:cNvSpPr>
+            <a:spLocks noChangeShapeType="1"/>
+          </p:cNvSpPr>
+          <p:nvPr/>
+        </p:nvSpPr>
+        <p:spPr bwMode="auto">
+          <a:xfrm>
+            <a:off x="4038600" y="3505200"/>
+            <a:ext cx="1447800" cy="0"/>
+          </a:xfrm>
+          <a:prstGeom prst="line">
+            <a:avLst/>
+          </a:prstGeom>
+          <a:noFill/>
+          <a:ln w="31750">
+            <a:solidFill>
+              <a:srgbClr val="003300"/>
+            </a:solidFill>
+            <a:round/>
+            <a:headEnd/>
+            <a:tailEnd type="triangle" w="med" len="lg"/>
+          </a:ln>
+          <a:effectLst/>
+          <a:extLst>
+            <a:ext uri="{909E8E84-426E-40DD-AFC4-6F175D3DCCD1}">
+              <a14:hiddenFill xmlns:a14="http://schemas.microsoft.com/office/drawing/2010/main">
+                <a:noFill/>
+              </a14:hiddenFill>
+            </a:ext>
+            <a:ext uri="{AF507438-7753-43E0-B8FC-AC1667EBCBE1}">
+              <a14:hiddenEffects xmlns:a14="http://schemas.microsoft.com/office/drawing/2010/main">
+                <a:effectLst>
+                  <a:outerShdw dist="35921" dir="2700000" algn="ctr" rotWithShape="0">
+                    <a:schemeClr val="bg2"/>
+                  </a:outerShdw>
+                </a:effectLst>
+              </a14:hiddenEffects>
+            </a:ext>
+          </a:extLst>
+        </p:spPr>
+        <p:txBody>
+          <a:bodyPr/>
+          <a:lstStyle/>
+          <a:p>
+            <a:endParaRPr lang="en-US"/>
+          </a:p>
+        </p:txBody>
+      </p:sp>
+      <p:sp>
+        <p:nvSpPr>
+          <p:cNvPr id="6" name="Line 33">
+            <a:extLst>
+              <a:ext uri="{FF2B5EF4-FFF2-40B4-BE49-F238E27FC236}">
+                <a16:creationId xmlns:a16="http://schemas.microsoft.com/office/drawing/2014/main" id="{D770C553-6269-6970-E2EC-9184F2DEEDBF}"/>
+              </a:ext>
+            </a:extLst>
+          </p:cNvPr>
+          <p:cNvSpPr>
+            <a:spLocks noChangeShapeType="1"/>
+          </p:cNvSpPr>
+          <p:nvPr/>
+        </p:nvSpPr>
+        <p:spPr bwMode="auto">
+          <a:xfrm>
+            <a:off x="4038600" y="4419600"/>
+            <a:ext cx="1447800" cy="0"/>
+          </a:xfrm>
+          <a:prstGeom prst="line">
+            <a:avLst/>
+          </a:prstGeom>
+          <a:noFill/>
+          <a:ln w="31750">
+            <a:solidFill>
+              <a:schemeClr val="tx1"/>
+            </a:solidFill>
+            <a:round/>
+            <a:headEnd/>
+            <a:tailEnd type="triangle" w="med" len="lg"/>
+          </a:ln>
+          <a:effectLst/>
+          <a:extLst>
+            <a:ext uri="{909E8E84-426E-40DD-AFC4-6F175D3DCCD1}">
+              <a14:hiddenFill xmlns:a14="http://schemas.microsoft.com/office/drawing/2010/main">
+                <a:noFill/>
+              </a14:hiddenFill>
+            </a:ext>
+            <a:ext uri="{AF507438-7753-43E0-B8FC-AC1667EBCBE1}">
+              <a14:hiddenEffects xmlns:a14="http://schemas.microsoft.com/office/drawing/2010/main">
+                <a:effectLst>
+                  <a:outerShdw dist="35921" dir="2700000" algn="ctr" rotWithShape="0">
+                    <a:schemeClr val="bg2"/>
+                  </a:outerShdw>
+                </a:effectLst>
+              </a14:hiddenEffects>
+            </a:ext>
+          </a:extLst>
+        </p:spPr>
+        <p:txBody>
+          <a:bodyPr/>
+          <a:lstStyle/>
+          <a:p>
+            <a:endParaRPr lang="en-US"/>
+          </a:p>
+        </p:txBody>
+      </p:sp>
+      <p:sp>
+        <p:nvSpPr>
+          <p:cNvPr id="7" name="Line 34">
+            <a:extLst>
+              <a:ext uri="{FF2B5EF4-FFF2-40B4-BE49-F238E27FC236}">
+                <a16:creationId xmlns:a16="http://schemas.microsoft.com/office/drawing/2014/main" id="{F961C792-9577-BDE7-9EAC-61039BF36CB1}"/>
+              </a:ext>
+            </a:extLst>
+          </p:cNvPr>
+          <p:cNvSpPr>
+            <a:spLocks noChangeShapeType="1"/>
+          </p:cNvSpPr>
+          <p:nvPr/>
+        </p:nvSpPr>
+        <p:spPr bwMode="auto">
+          <a:xfrm>
+            <a:off x="4038600" y="5410200"/>
+            <a:ext cx="1447800" cy="0"/>
+          </a:xfrm>
+          <a:prstGeom prst="line">
+            <a:avLst/>
+          </a:prstGeom>
+          <a:noFill/>
+          <a:ln w="31750">
+            <a:solidFill>
+              <a:schemeClr val="tx1"/>
+            </a:solidFill>
+            <a:round/>
+            <a:headEnd/>
+            <a:tailEnd type="triangle" w="med" len="lg"/>
+          </a:ln>
+          <a:effectLst/>
+          <a:extLst>
+            <a:ext uri="{909E8E84-426E-40DD-AFC4-6F175D3DCCD1}">
+              <a14:hiddenFill xmlns:a14="http://schemas.microsoft.com/office/drawing/2010/main">
+                <a:noFill/>
+              </a14:hiddenFill>
+            </a:ext>
+            <a:ext uri="{AF507438-7753-43E0-B8FC-AC1667EBCBE1}">
+              <a14:hiddenEffects xmlns:a14="http://schemas.microsoft.com/office/drawing/2010/main">
+                <a:effectLst>
+                  <a:outerShdw dist="35921" dir="2700000" algn="ctr" rotWithShape="0">
+                    <a:schemeClr val="bg2"/>
+                  </a:outerShdw>
+                </a:effectLst>
+              </a14:hiddenEffects>
+            </a:ext>
+          </a:extLst>
+        </p:spPr>
+        <p:txBody>
+          <a:bodyPr/>
+          <a:lstStyle/>
+          <a:p>
+            <a:endParaRPr lang="en-US"/>
+          </a:p>
+        </p:txBody>
+      </p:sp>
+      <p:sp>
+        <p:nvSpPr>
+          <p:cNvPr id="8" name="Line 38">
+            <a:extLst>
+              <a:ext uri="{FF2B5EF4-FFF2-40B4-BE49-F238E27FC236}">
+                <a16:creationId xmlns:a16="http://schemas.microsoft.com/office/drawing/2014/main" id="{39F3B2B5-F0C7-79DB-3E4D-C1A44ED5DDBA}"/>
+              </a:ext>
+            </a:extLst>
+          </p:cNvPr>
+          <p:cNvSpPr>
+            <a:spLocks noChangeShapeType="1"/>
+          </p:cNvSpPr>
+          <p:nvPr/>
+        </p:nvSpPr>
+        <p:spPr bwMode="auto">
+          <a:xfrm>
+            <a:off x="8177356" y="3505200"/>
+            <a:ext cx="0" cy="1524000"/>
+          </a:xfrm>
+          <a:prstGeom prst="line">
+            <a:avLst/>
+          </a:prstGeom>
+          <a:noFill/>
+          <a:ln w="28575">
+            <a:solidFill>
+              <a:schemeClr val="tx1"/>
+            </a:solidFill>
+            <a:round/>
+            <a:headEnd/>
+            <a:tailEnd type="triangle" w="med" len="med"/>
+          </a:ln>
+          <a:effectLst/>
+          <a:extLst>
+            <a:ext uri="{909E8E84-426E-40DD-AFC4-6F175D3DCCD1}">
+              <a14:hiddenFill xmlns:a14="http://schemas.microsoft.com/office/drawing/2010/main">
+                <a:noFill/>
+              </a14:hiddenFill>
+            </a:ext>
+            <a:ext uri="{AF507438-7753-43E0-B8FC-AC1667EBCBE1}">
+              <a14:hiddenEffects xmlns:a14="http://schemas.microsoft.com/office/drawing/2010/main">
+                <a:effectLst>
+                  <a:outerShdw dist="35921" dir="2700000" algn="ctr" rotWithShape="0">
+                    <a:schemeClr val="bg2"/>
+                  </a:outerShdw>
+                </a:effectLst>
+              </a14:hiddenEffects>
+            </a:ext>
+          </a:extLst>
+        </p:spPr>
+        <p:txBody>
+          <a:bodyPr/>
+          <a:lstStyle/>
+          <a:p>
+            <a:endParaRPr lang="en-US"/>
+          </a:p>
+        </p:txBody>
+      </p:sp>
+      <p:sp>
+        <p:nvSpPr>
+          <p:cNvPr id="9" name="Line 38">
+            <a:extLst>
+              <a:ext uri="{FF2B5EF4-FFF2-40B4-BE49-F238E27FC236}">
+                <a16:creationId xmlns:a16="http://schemas.microsoft.com/office/drawing/2014/main" id="{C753433C-61ED-2F31-A4D6-811239FDD12C}"/>
+              </a:ext>
+            </a:extLst>
+          </p:cNvPr>
+          <p:cNvSpPr>
+            <a:spLocks noChangeShapeType="1"/>
+          </p:cNvSpPr>
+          <p:nvPr/>
+        </p:nvSpPr>
+        <p:spPr bwMode="auto">
+          <a:xfrm>
+            <a:off x="7545984" y="4284616"/>
+            <a:ext cx="0" cy="744583"/>
+          </a:xfrm>
+          <a:prstGeom prst="line">
+            <a:avLst/>
+          </a:prstGeom>
+          <a:noFill/>
+          <a:ln w="28575">
+            <a:solidFill>
+              <a:schemeClr val="tx1"/>
+            </a:solidFill>
+            <a:round/>
+            <a:headEnd/>
+            <a:tailEnd type="triangle" w="med" len="med"/>
+          </a:ln>
+          <a:effectLst/>
+          <a:extLst>
+            <a:ext uri="{909E8E84-426E-40DD-AFC4-6F175D3DCCD1}">
+              <a14:hiddenFill xmlns:a14="http://schemas.microsoft.com/office/drawing/2010/main">
+                <a:noFill/>
+              </a14:hiddenFill>
+            </a:ext>
+            <a:ext uri="{AF507438-7753-43E0-B8FC-AC1667EBCBE1}">
+              <a14:hiddenEffects xmlns:a14="http://schemas.microsoft.com/office/drawing/2010/main">
+                <a:effectLst>
+                  <a:outerShdw dist="35921" dir="2700000" algn="ctr" rotWithShape="0">
+                    <a:schemeClr val="bg2"/>
+                  </a:outerShdw>
+                </a:effectLst>
+              </a14:hiddenEffects>
+            </a:ext>
+          </a:extLst>
+        </p:spPr>
+        <p:txBody>
+          <a:bodyPr/>
+          <a:lstStyle/>
+          <a:p>
+            <a:endParaRPr lang="en-US"/>
+          </a:p>
+        </p:txBody>
+      </p:sp>
+    </p:spTree>
+    <p:extLst>
+      <p:ext uri="{BB962C8B-B14F-4D97-AF65-F5344CB8AC3E}">
+        <p14:creationId xmlns:p14="http://schemas.microsoft.com/office/powerpoint/2010/main" val="2862986755"/>
+      </p:ext>
+    </p:extLst>
+  </p:cSld>
+  <p:clrMapOvr>
+    <a:masterClrMapping/>
+  </p:clrMapOvr>
+</p:sld>
+</file>
+
+<file path=ppt/slides/slide8.xml><?xml version="1.0" encoding="utf-8"?>
 <p:sld xmlns:a="http://schemas.openxmlformats.org/drawingml/2006/main" xmlns:r="http://schemas.openxmlformats.org/officeDocument/2006/relationships" xmlns:p="http://schemas.openxmlformats.org/presentationml/2006/main">
   <p:cSld>
     <p:spTree>
@@ -38296,8 +46181,8 @@
           </a:prstGeom>
         </p:spPr>
       </p:pic>
-      <mc:AlternateContent xmlns:mc="http://schemas.openxmlformats.org/markup-compatibility/2006">
-        <mc:Choice xmlns:a14="http://schemas.microsoft.com/office/drawing/2010/main" Requires="a14">
+      <mc:AlternateContent xmlns:mc="http://schemas.openxmlformats.org/markup-compatibility/2006" xmlns:a14="http://schemas.microsoft.com/office/drawing/2010/main">
+        <mc:Choice Requires="a14">
           <p:sp>
             <p:nvSpPr>
               <p:cNvPr id="16" name="TextBox 15">
@@ -38438,7 +46323,7 @@
             </p:txBody>
           </p:sp>
         </mc:Choice>
-        <mc:Fallback>
+        <mc:Fallback xmlns="">
           <p:sp>
             <p:nvSpPr>
               <p:cNvPr id="16" name="TextBox 15">
@@ -38483,8 +46368,8 @@
           </p:sp>
         </mc:Fallback>
       </mc:AlternateContent>
-      <mc:AlternateContent xmlns:mc="http://schemas.openxmlformats.org/markup-compatibility/2006">
-        <mc:Choice xmlns:a14="http://schemas.microsoft.com/office/drawing/2010/main" Requires="a14">
+      <mc:AlternateContent xmlns:mc="http://schemas.openxmlformats.org/markup-compatibility/2006" xmlns:a14="http://schemas.microsoft.com/office/drawing/2010/main">
+        <mc:Choice Requires="a14">
           <p:sp>
             <p:nvSpPr>
               <p:cNvPr id="20" name="TextBox 19">
@@ -38619,7 +46504,7 @@
             </p:txBody>
           </p:sp>
         </mc:Choice>
-        <mc:Fallback>
+        <mc:Fallback xmlns="">
           <p:sp>
             <p:nvSpPr>
               <p:cNvPr id="20" name="TextBox 19">
@@ -38664,8 +46549,8 @@
           </p:sp>
         </mc:Fallback>
       </mc:AlternateContent>
-      <mc:AlternateContent xmlns:mc="http://schemas.openxmlformats.org/markup-compatibility/2006">
-        <mc:Choice xmlns:a14="http://schemas.microsoft.com/office/drawing/2010/main" Requires="a14">
+      <mc:AlternateContent xmlns:mc="http://schemas.openxmlformats.org/markup-compatibility/2006" xmlns:a14="http://schemas.microsoft.com/office/drawing/2010/main">
+        <mc:Choice Requires="a14">
           <p:sp>
             <p:nvSpPr>
               <p:cNvPr id="22" name="TextBox 21">
@@ -38821,7 +46706,7 @@
             </p:txBody>
           </p:sp>
         </mc:Choice>
-        <mc:Fallback>
+        <mc:Fallback xmlns="">
           <p:sp>
             <p:nvSpPr>
               <p:cNvPr id="22" name="TextBox 21">
